--- a/SCALA.pptx
+++ b/SCALA.pptx
@@ -4,12 +4,15 @@
   <p:sldMasterIdLst>
     <p:sldMasterId id="2147483648" r:id="rId1"/>
   </p:sldMasterIdLst>
+  <p:notesMasterIdLst>
+    <p:notesMasterId r:id="rId14"/>
+  </p:notesMasterIdLst>
   <p:sldIdLst>
     <p:sldId id="256" r:id="rId2"/>
     <p:sldId id="257" r:id="rId3"/>
     <p:sldId id="258" r:id="rId4"/>
-    <p:sldId id="259" r:id="rId5"/>
-    <p:sldId id="260" r:id="rId6"/>
+    <p:sldId id="260" r:id="rId5"/>
+    <p:sldId id="259" r:id="rId6"/>
     <p:sldId id="261" r:id="rId7"/>
     <p:sldId id="262" r:id="rId8"/>
     <p:sldId id="263" r:id="rId9"/>
@@ -123,6 +126,1224 @@
 </p:presentation>
 </file>
 
+<file path=ppt/commentAuthors.xml><?xml version="1.0" encoding="utf-8"?>
+<p:cmAuthorLst xmlns:a="http://schemas.openxmlformats.org/drawingml/2006/main" xmlns:r="http://schemas.openxmlformats.org/officeDocument/2006/relationships" xmlns:p="http://schemas.openxmlformats.org/presentationml/2006/main">
+  <p:cmAuthor id="1" name="Karol Lasek" initials="KL" lastIdx="1" clrIdx="0">
+    <p:extLst>
+      <p:ext uri="{19B8F6BF-5375-455C-9EA6-DF929625EA0E}">
+        <p15:presenceInfo xmlns:p15="http://schemas.microsoft.com/office/powerpoint/2012/main" userId="S::karol.lasek@ericsson.com::2dc527ee-2fc0-4917-a336-d3247e681c54" providerId="AD"/>
+      </p:ext>
+    </p:extLst>
+  </p:cmAuthor>
+</p:cmAuthorLst>
+</file>
+
+<file path=ppt/comments/comment1.xml><?xml version="1.0" encoding="utf-8"?>
+<p:cmLst xmlns:a="http://schemas.openxmlformats.org/drawingml/2006/main" xmlns:r="http://schemas.openxmlformats.org/officeDocument/2006/relationships" xmlns:p="http://schemas.openxmlformats.org/presentationml/2006/main">
+  <p:cm authorId="1" dt="2021-03-29T08:42:12.281" idx="1">
+    <p:pos x="10" y="10"/>
+    <p:text>Ranges są często używane do wypełniania struktur danych i iteracji w pętlach for. Zakresy zapewniają dużą moc za pomocą zaledwie kilku metod, jak pokazano w poniższych przykładach</p:text>
+    <p:extLst>
+      <p:ext uri="{C676402C-5697-4E1C-873F-D02D1690AC5C}">
+        <p15:threadingInfo xmlns:p15="http://schemas.microsoft.com/office/powerpoint/2012/main" timeZoneBias="-120"/>
+      </p:ext>
+    </p:extLst>
+  </p:cm>
+</p:cmLst>
+</file>
+
+<file path=ppt/notesMasters/notesMaster1.xml><?xml version="1.0" encoding="utf-8"?>
+<p:notesMaster xmlns:a="http://schemas.openxmlformats.org/drawingml/2006/main" xmlns:r="http://schemas.openxmlformats.org/officeDocument/2006/relationships" xmlns:p="http://schemas.openxmlformats.org/presentationml/2006/main">
+  <p:cSld>
+    <p:bg>
+      <p:bgRef idx="1001">
+        <a:schemeClr val="bg1"/>
+      </p:bgRef>
+    </p:bg>
+    <p:spTree>
+      <p:nvGrpSpPr>
+        <p:cNvPr id="1" name=""/>
+        <p:cNvGrpSpPr/>
+        <p:nvPr/>
+      </p:nvGrpSpPr>
+      <p:grpSpPr>
+        <a:xfrm>
+          <a:off x="0" y="0"/>
+          <a:ext cx="0" cy="0"/>
+          <a:chOff x="0" y="0"/>
+          <a:chExt cx="0" cy="0"/>
+        </a:xfrm>
+      </p:grpSpPr>
+      <p:sp>
+        <p:nvSpPr>
+          <p:cNvPr id="2" name="Header Placeholder 1"/>
+          <p:cNvSpPr>
+            <a:spLocks noGrp="1"/>
+          </p:cNvSpPr>
+          <p:nvPr>
+            <p:ph type="hdr" sz="quarter"/>
+          </p:nvPr>
+        </p:nvSpPr>
+        <p:spPr>
+          <a:xfrm>
+            <a:off x="0" y="0"/>
+            <a:ext cx="2971800" cy="458788"/>
+          </a:xfrm>
+          <a:prstGeom prst="rect">
+            <a:avLst/>
+          </a:prstGeom>
+        </p:spPr>
+        <p:txBody>
+          <a:bodyPr vert="horz" lIns="91440" tIns="45720" rIns="91440" bIns="45720" rtlCol="0"/>
+          <a:lstStyle>
+            <a:lvl1pPr algn="l">
+              <a:defRPr sz="1200"/>
+            </a:lvl1pPr>
+          </a:lstStyle>
+          <a:p>
+            <a:endParaRPr lang="pl-PL"/>
+          </a:p>
+        </p:txBody>
+      </p:sp>
+      <p:sp>
+        <p:nvSpPr>
+          <p:cNvPr id="3" name="Date Placeholder 2"/>
+          <p:cNvSpPr>
+            <a:spLocks noGrp="1"/>
+          </p:cNvSpPr>
+          <p:nvPr>
+            <p:ph type="dt" idx="1"/>
+          </p:nvPr>
+        </p:nvSpPr>
+        <p:spPr>
+          <a:xfrm>
+            <a:off x="3884613" y="0"/>
+            <a:ext cx="2971800" cy="458788"/>
+          </a:xfrm>
+          <a:prstGeom prst="rect">
+            <a:avLst/>
+          </a:prstGeom>
+        </p:spPr>
+        <p:txBody>
+          <a:bodyPr vert="horz" lIns="91440" tIns="45720" rIns="91440" bIns="45720" rtlCol="0"/>
+          <a:lstStyle>
+            <a:lvl1pPr algn="r">
+              <a:defRPr sz="1200"/>
+            </a:lvl1pPr>
+          </a:lstStyle>
+          <a:p>
+            <a:fld id="{C5CD1456-AA00-4668-A255-DC6FE20BE111}" type="datetimeFigureOut">
+              <a:rPr lang="pl-PL" smtClean="0"/>
+              <a:t>29.03.2021</a:t>
+            </a:fld>
+            <a:endParaRPr lang="pl-PL"/>
+          </a:p>
+        </p:txBody>
+      </p:sp>
+      <p:sp>
+        <p:nvSpPr>
+          <p:cNvPr id="4" name="Slide Image Placeholder 3"/>
+          <p:cNvSpPr>
+            <a:spLocks noGrp="1" noRot="1" noChangeAspect="1"/>
+          </p:cNvSpPr>
+          <p:nvPr>
+            <p:ph type="sldImg" idx="2"/>
+          </p:nvPr>
+        </p:nvSpPr>
+        <p:spPr>
+          <a:xfrm>
+            <a:off x="685800" y="1143000"/>
+            <a:ext cx="5486400" cy="3086100"/>
+          </a:xfrm>
+          <a:prstGeom prst="rect">
+            <a:avLst/>
+          </a:prstGeom>
+          <a:noFill/>
+          <a:ln w="12700">
+            <a:solidFill>
+              <a:prstClr val="black"/>
+            </a:solidFill>
+          </a:ln>
+        </p:spPr>
+        <p:txBody>
+          <a:bodyPr vert="horz" lIns="91440" tIns="45720" rIns="91440" bIns="45720" rtlCol="0" anchor="ctr"/>
+          <a:lstStyle/>
+          <a:p>
+            <a:endParaRPr lang="pl-PL"/>
+          </a:p>
+        </p:txBody>
+      </p:sp>
+      <p:sp>
+        <p:nvSpPr>
+          <p:cNvPr id="5" name="Notes Placeholder 4"/>
+          <p:cNvSpPr>
+            <a:spLocks noGrp="1"/>
+          </p:cNvSpPr>
+          <p:nvPr>
+            <p:ph type="body" sz="quarter" idx="3"/>
+          </p:nvPr>
+        </p:nvSpPr>
+        <p:spPr>
+          <a:xfrm>
+            <a:off x="685800" y="4400550"/>
+            <a:ext cx="5486400" cy="3600450"/>
+          </a:xfrm>
+          <a:prstGeom prst="rect">
+            <a:avLst/>
+          </a:prstGeom>
+        </p:spPr>
+        <p:txBody>
+          <a:bodyPr vert="horz" lIns="91440" tIns="45720" rIns="91440" bIns="45720" rtlCol="0"/>
+          <a:lstStyle/>
+          <a:p>
+            <a:pPr lvl="0"/>
+            <a:r>
+              <a:rPr lang="en-US"/>
+              <a:t>Click to edit Master text styles</a:t>
+            </a:r>
+          </a:p>
+          <a:p>
+            <a:pPr lvl="1"/>
+            <a:r>
+              <a:rPr lang="en-US"/>
+              <a:t>Second level</a:t>
+            </a:r>
+          </a:p>
+          <a:p>
+            <a:pPr lvl="2"/>
+            <a:r>
+              <a:rPr lang="en-US"/>
+              <a:t>Third level</a:t>
+            </a:r>
+          </a:p>
+          <a:p>
+            <a:pPr lvl="3"/>
+            <a:r>
+              <a:rPr lang="en-US"/>
+              <a:t>Fourth level</a:t>
+            </a:r>
+          </a:p>
+          <a:p>
+            <a:pPr lvl="4"/>
+            <a:r>
+              <a:rPr lang="en-US"/>
+              <a:t>Fifth level</a:t>
+            </a:r>
+            <a:endParaRPr lang="pl-PL"/>
+          </a:p>
+        </p:txBody>
+      </p:sp>
+      <p:sp>
+        <p:nvSpPr>
+          <p:cNvPr id="6" name="Footer Placeholder 5"/>
+          <p:cNvSpPr>
+            <a:spLocks noGrp="1"/>
+          </p:cNvSpPr>
+          <p:nvPr>
+            <p:ph type="ftr" sz="quarter" idx="4"/>
+          </p:nvPr>
+        </p:nvSpPr>
+        <p:spPr>
+          <a:xfrm>
+            <a:off x="0" y="8685213"/>
+            <a:ext cx="2971800" cy="458787"/>
+          </a:xfrm>
+          <a:prstGeom prst="rect">
+            <a:avLst/>
+          </a:prstGeom>
+        </p:spPr>
+        <p:txBody>
+          <a:bodyPr vert="horz" lIns="91440" tIns="45720" rIns="91440" bIns="45720" rtlCol="0" anchor="b"/>
+          <a:lstStyle>
+            <a:lvl1pPr algn="l">
+              <a:defRPr sz="1200"/>
+            </a:lvl1pPr>
+          </a:lstStyle>
+          <a:p>
+            <a:endParaRPr lang="pl-PL"/>
+          </a:p>
+        </p:txBody>
+      </p:sp>
+      <p:sp>
+        <p:nvSpPr>
+          <p:cNvPr id="7" name="Slide Number Placeholder 6"/>
+          <p:cNvSpPr>
+            <a:spLocks noGrp="1"/>
+          </p:cNvSpPr>
+          <p:nvPr>
+            <p:ph type="sldNum" sz="quarter" idx="5"/>
+          </p:nvPr>
+        </p:nvSpPr>
+        <p:spPr>
+          <a:xfrm>
+            <a:off x="3884613" y="8685213"/>
+            <a:ext cx="2971800" cy="458787"/>
+          </a:xfrm>
+          <a:prstGeom prst="rect">
+            <a:avLst/>
+          </a:prstGeom>
+        </p:spPr>
+        <p:txBody>
+          <a:bodyPr vert="horz" lIns="91440" tIns="45720" rIns="91440" bIns="45720" rtlCol="0" anchor="b"/>
+          <a:lstStyle>
+            <a:lvl1pPr algn="r">
+              <a:defRPr sz="1200"/>
+            </a:lvl1pPr>
+          </a:lstStyle>
+          <a:p>
+            <a:fld id="{6839968B-1966-479B-907B-2C4A53864213}" type="slidenum">
+              <a:rPr lang="pl-PL" smtClean="0"/>
+              <a:t>‹#›</a:t>
+            </a:fld>
+            <a:endParaRPr lang="pl-PL"/>
+          </a:p>
+        </p:txBody>
+      </p:sp>
+    </p:spTree>
+    <p:extLst>
+      <p:ext uri="{BB962C8B-B14F-4D97-AF65-F5344CB8AC3E}">
+        <p14:creationId xmlns:p14="http://schemas.microsoft.com/office/powerpoint/2010/main" val="3407214615"/>
+      </p:ext>
+    </p:extLst>
+  </p:cSld>
+  <p:clrMap bg1="lt1" tx1="dk1" bg2="lt2" tx2="dk2" accent1="accent1" accent2="accent2" accent3="accent3" accent4="accent4" accent5="accent5" accent6="accent6" hlink="hlink" folHlink="folHlink"/>
+  <p:notesStyle>
+    <a:lvl1pPr marL="0" algn="l" defTabSz="914400" rtl="0" eaLnBrk="1" latinLnBrk="0" hangingPunct="1">
+      <a:defRPr sz="1200" kern="1200">
+        <a:solidFill>
+          <a:schemeClr val="tx1"/>
+        </a:solidFill>
+        <a:latin typeface="+mn-lt"/>
+        <a:ea typeface="+mn-ea"/>
+        <a:cs typeface="+mn-cs"/>
+      </a:defRPr>
+    </a:lvl1pPr>
+    <a:lvl2pPr marL="457200" algn="l" defTabSz="914400" rtl="0" eaLnBrk="1" latinLnBrk="0" hangingPunct="1">
+      <a:defRPr sz="1200" kern="1200">
+        <a:solidFill>
+          <a:schemeClr val="tx1"/>
+        </a:solidFill>
+        <a:latin typeface="+mn-lt"/>
+        <a:ea typeface="+mn-ea"/>
+        <a:cs typeface="+mn-cs"/>
+      </a:defRPr>
+    </a:lvl2pPr>
+    <a:lvl3pPr marL="914400" algn="l" defTabSz="914400" rtl="0" eaLnBrk="1" latinLnBrk="0" hangingPunct="1">
+      <a:defRPr sz="1200" kern="1200">
+        <a:solidFill>
+          <a:schemeClr val="tx1"/>
+        </a:solidFill>
+        <a:latin typeface="+mn-lt"/>
+        <a:ea typeface="+mn-ea"/>
+        <a:cs typeface="+mn-cs"/>
+      </a:defRPr>
+    </a:lvl3pPr>
+    <a:lvl4pPr marL="1371600" algn="l" defTabSz="914400" rtl="0" eaLnBrk="1" latinLnBrk="0" hangingPunct="1">
+      <a:defRPr sz="1200" kern="1200">
+        <a:solidFill>
+          <a:schemeClr val="tx1"/>
+        </a:solidFill>
+        <a:latin typeface="+mn-lt"/>
+        <a:ea typeface="+mn-ea"/>
+        <a:cs typeface="+mn-cs"/>
+      </a:defRPr>
+    </a:lvl4pPr>
+    <a:lvl5pPr marL="1828800" algn="l" defTabSz="914400" rtl="0" eaLnBrk="1" latinLnBrk="0" hangingPunct="1">
+      <a:defRPr sz="1200" kern="1200">
+        <a:solidFill>
+          <a:schemeClr val="tx1"/>
+        </a:solidFill>
+        <a:latin typeface="+mn-lt"/>
+        <a:ea typeface="+mn-ea"/>
+        <a:cs typeface="+mn-cs"/>
+      </a:defRPr>
+    </a:lvl5pPr>
+    <a:lvl6pPr marL="2286000" algn="l" defTabSz="914400" rtl="0" eaLnBrk="1" latinLnBrk="0" hangingPunct="1">
+      <a:defRPr sz="1200" kern="1200">
+        <a:solidFill>
+          <a:schemeClr val="tx1"/>
+        </a:solidFill>
+        <a:latin typeface="+mn-lt"/>
+        <a:ea typeface="+mn-ea"/>
+        <a:cs typeface="+mn-cs"/>
+      </a:defRPr>
+    </a:lvl6pPr>
+    <a:lvl7pPr marL="2743200" algn="l" defTabSz="914400" rtl="0" eaLnBrk="1" latinLnBrk="0" hangingPunct="1">
+      <a:defRPr sz="1200" kern="1200">
+        <a:solidFill>
+          <a:schemeClr val="tx1"/>
+        </a:solidFill>
+        <a:latin typeface="+mn-lt"/>
+        <a:ea typeface="+mn-ea"/>
+        <a:cs typeface="+mn-cs"/>
+      </a:defRPr>
+    </a:lvl7pPr>
+    <a:lvl8pPr marL="3200400" algn="l" defTabSz="914400" rtl="0" eaLnBrk="1" latinLnBrk="0" hangingPunct="1">
+      <a:defRPr sz="1200" kern="1200">
+        <a:solidFill>
+          <a:schemeClr val="tx1"/>
+        </a:solidFill>
+        <a:latin typeface="+mn-lt"/>
+        <a:ea typeface="+mn-ea"/>
+        <a:cs typeface="+mn-cs"/>
+      </a:defRPr>
+    </a:lvl8pPr>
+    <a:lvl9pPr marL="3657600" algn="l" defTabSz="914400" rtl="0" eaLnBrk="1" latinLnBrk="0" hangingPunct="1">
+      <a:defRPr sz="1200" kern="1200">
+        <a:solidFill>
+          <a:schemeClr val="tx1"/>
+        </a:solidFill>
+        <a:latin typeface="+mn-lt"/>
+        <a:ea typeface="+mn-ea"/>
+        <a:cs typeface="+mn-cs"/>
+      </a:defRPr>
+    </a:lvl9pPr>
+  </p:notesStyle>
+</p:notesMaster>
+</file>
+
+<file path=ppt/notesSlides/notesSlide1.xml><?xml version="1.0" encoding="utf-8"?>
+<p:notes xmlns:a="http://schemas.openxmlformats.org/drawingml/2006/main" xmlns:r="http://schemas.openxmlformats.org/officeDocument/2006/relationships" xmlns:p="http://schemas.openxmlformats.org/presentationml/2006/main">
+  <p:cSld>
+    <p:spTree>
+      <p:nvGrpSpPr>
+        <p:cNvPr id="1" name=""/>
+        <p:cNvGrpSpPr/>
+        <p:nvPr/>
+      </p:nvGrpSpPr>
+      <p:grpSpPr>
+        <a:xfrm>
+          <a:off x="0" y="0"/>
+          <a:ext cx="0" cy="0"/>
+          <a:chOff x="0" y="0"/>
+          <a:chExt cx="0" cy="0"/>
+        </a:xfrm>
+      </p:grpSpPr>
+      <p:sp>
+        <p:nvSpPr>
+          <p:cNvPr id="2" name="Slide Image Placeholder 1"/>
+          <p:cNvSpPr>
+            <a:spLocks noGrp="1" noRot="1" noChangeAspect="1"/>
+          </p:cNvSpPr>
+          <p:nvPr>
+            <p:ph type="sldImg"/>
+          </p:nvPr>
+        </p:nvSpPr>
+        <p:spPr/>
+      </p:sp>
+      <p:sp>
+        <p:nvSpPr>
+          <p:cNvPr id="3" name="Notes Placeholder 2"/>
+          <p:cNvSpPr>
+            <a:spLocks noGrp="1"/>
+          </p:cNvSpPr>
+          <p:nvPr>
+            <p:ph type="body" idx="1"/>
+          </p:nvPr>
+        </p:nvSpPr>
+        <p:spPr/>
+        <p:txBody>
+          <a:bodyPr/>
+          <a:lstStyle/>
+          <a:p>
+            <a:pPr marL="0" marR="0" lvl="0" indent="0" algn="l" defTabSz="914400" rtl="0" eaLnBrk="1" fontAlgn="auto" latinLnBrk="0" hangingPunct="1">
+              <a:lnSpc>
+                <a:spcPct val="100000"/>
+              </a:lnSpc>
+              <a:spcBef>
+                <a:spcPts val="0"/>
+              </a:spcBef>
+              <a:spcAft>
+                <a:spcPts val="0"/>
+              </a:spcAft>
+              <a:buClrTx/>
+              <a:buSzTx/>
+              <a:buFontTx/>
+              <a:buNone/>
+              <a:tabLst/>
+              <a:defRPr/>
+            </a:pPr>
+            <a:r>
+              <a:rPr lang="pl-PL" dirty="0"/>
+              <a:t>Język programowania Scala udostępnia 3 typy pętli</a:t>
+            </a:r>
+            <a:br>
+              <a:rPr lang="pl-PL" dirty="0"/>
+            </a:br>
+            <a:r>
+              <a:rPr lang="pl-PL" dirty="0"/>
+              <a:t>pętla </a:t>
+            </a:r>
+            <a:r>
+              <a:rPr lang="pl-PL" dirty="0" err="1"/>
+              <a:t>while</a:t>
+            </a:r>
+            <a:r>
+              <a:rPr lang="pl-PL" dirty="0"/>
+              <a:t> Powtarza instrukcję lub grupę instrukcji, gdy dany warunek jest prawdziwy. Testuje warunek przed wykonaniem treści pętli.</a:t>
+            </a:r>
+            <a:br>
+              <a:rPr lang="pl-PL" dirty="0"/>
+            </a:br>
+            <a:r>
+              <a:rPr lang="pl-PL" dirty="0"/>
+              <a:t>pętla do-</a:t>
+            </a:r>
+            <a:r>
+              <a:rPr lang="pl-PL" dirty="0" err="1"/>
+              <a:t>while</a:t>
+            </a:r>
+            <a:r>
+              <a:rPr lang="pl-PL" dirty="0"/>
+              <a:t> Podobnie jak instrukcja </a:t>
+            </a:r>
+            <a:r>
+              <a:rPr lang="pl-PL" dirty="0" err="1"/>
+              <a:t>while</a:t>
+            </a:r>
+            <a:r>
+              <a:rPr lang="pl-PL" dirty="0"/>
+              <a:t>, z tą różnicą, że testuje warunek na końcu treści pętli.</a:t>
+            </a:r>
+          </a:p>
+          <a:p>
+            <a:pPr marL="0" marR="0" lvl="0" indent="0" algn="l" defTabSz="914400" rtl="0" eaLnBrk="1" fontAlgn="auto" latinLnBrk="0" hangingPunct="1">
+              <a:lnSpc>
+                <a:spcPct val="100000"/>
+              </a:lnSpc>
+              <a:spcBef>
+                <a:spcPts val="0"/>
+              </a:spcBef>
+              <a:spcAft>
+                <a:spcPts val="0"/>
+              </a:spcAft>
+              <a:buClrTx/>
+              <a:buSzTx/>
+              <a:buFontTx/>
+              <a:buNone/>
+              <a:tabLst/>
+              <a:defRPr/>
+            </a:pPr>
+            <a:r>
+              <a:rPr lang="pl-PL" dirty="0"/>
+              <a:t>Pętla for Wykonuje sekwencję instrukcji wiele razy</a:t>
+            </a:r>
+            <a:br>
+              <a:rPr lang="pl-PL" dirty="0"/>
+            </a:br>
+            <a:r>
+              <a:rPr lang="pl-PL" dirty="0"/>
+              <a:t>Jednakże tak jak w Javie mamy </a:t>
+            </a:r>
+            <a:r>
+              <a:rPr lang="pl-PL" dirty="0" err="1"/>
+              <a:t>break</a:t>
+            </a:r>
+            <a:r>
+              <a:rPr lang="pl-PL" dirty="0"/>
+              <a:t> i </a:t>
+            </a:r>
+            <a:r>
+              <a:rPr lang="pl-PL" dirty="0" err="1"/>
+              <a:t>continue</a:t>
+            </a:r>
+            <a:r>
+              <a:rPr lang="pl-PL" dirty="0"/>
+              <a:t>, tak w Scali nie mamy możliwości korzystania z nich. Dopiero od Scali wersji 2.8 istnieje opcja skorzystania z opcji </a:t>
+            </a:r>
+            <a:r>
+              <a:rPr lang="pl-PL" dirty="0" err="1"/>
+              <a:t>loop.break</a:t>
+            </a:r>
+            <a:endParaRPr lang="pl-PL" dirty="0"/>
+          </a:p>
+        </p:txBody>
+      </p:sp>
+      <p:sp>
+        <p:nvSpPr>
+          <p:cNvPr id="4" name="Slide Number Placeholder 3"/>
+          <p:cNvSpPr>
+            <a:spLocks noGrp="1"/>
+          </p:cNvSpPr>
+          <p:nvPr>
+            <p:ph type="sldNum" sz="quarter" idx="5"/>
+          </p:nvPr>
+        </p:nvSpPr>
+        <p:spPr/>
+        <p:txBody>
+          <a:bodyPr/>
+          <a:lstStyle/>
+          <a:p>
+            <a:fld id="{6839968B-1966-479B-907B-2C4A53864213}" type="slidenum">
+              <a:rPr lang="pl-PL" smtClean="0"/>
+              <a:t>3</a:t>
+            </a:fld>
+            <a:endParaRPr lang="pl-PL"/>
+          </a:p>
+        </p:txBody>
+      </p:sp>
+    </p:spTree>
+    <p:extLst>
+      <p:ext uri="{BB962C8B-B14F-4D97-AF65-F5344CB8AC3E}">
+        <p14:creationId xmlns:p14="http://schemas.microsoft.com/office/powerpoint/2010/main" val="2750501387"/>
+      </p:ext>
+    </p:extLst>
+  </p:cSld>
+  <p:clrMapOvr>
+    <a:masterClrMapping/>
+  </p:clrMapOvr>
+</p:notes>
+</file>
+
+<file path=ppt/notesSlides/notesSlide2.xml><?xml version="1.0" encoding="utf-8"?>
+<p:notes xmlns:a="http://schemas.openxmlformats.org/drawingml/2006/main" xmlns:r="http://schemas.openxmlformats.org/officeDocument/2006/relationships" xmlns:p="http://schemas.openxmlformats.org/presentationml/2006/main">
+  <p:cSld>
+    <p:spTree>
+      <p:nvGrpSpPr>
+        <p:cNvPr id="1" name=""/>
+        <p:cNvGrpSpPr/>
+        <p:nvPr/>
+      </p:nvGrpSpPr>
+      <p:grpSpPr>
+        <a:xfrm>
+          <a:off x="0" y="0"/>
+          <a:ext cx="0" cy="0"/>
+          <a:chOff x="0" y="0"/>
+          <a:chExt cx="0" cy="0"/>
+        </a:xfrm>
+      </p:grpSpPr>
+      <p:sp>
+        <p:nvSpPr>
+          <p:cNvPr id="2" name="Slide Image Placeholder 1"/>
+          <p:cNvSpPr>
+            <a:spLocks noGrp="1" noRot="1" noChangeAspect="1"/>
+          </p:cNvSpPr>
+          <p:nvPr>
+            <p:ph type="sldImg"/>
+          </p:nvPr>
+        </p:nvSpPr>
+        <p:spPr/>
+      </p:sp>
+      <p:sp>
+        <p:nvSpPr>
+          <p:cNvPr id="3" name="Notes Placeholder 2"/>
+          <p:cNvSpPr>
+            <a:spLocks noGrp="1"/>
+          </p:cNvSpPr>
+          <p:nvPr>
+            <p:ph type="body" idx="1"/>
+          </p:nvPr>
+        </p:nvSpPr>
+        <p:spPr/>
+        <p:txBody>
+          <a:bodyPr/>
+          <a:lstStyle/>
+          <a:p>
+            <a:pPr marL="0" marR="0" lvl="0" indent="0" algn="l" defTabSz="914400" rtl="0" eaLnBrk="1" fontAlgn="auto" latinLnBrk="0" hangingPunct="1">
+              <a:lnSpc>
+                <a:spcPct val="100000"/>
+              </a:lnSpc>
+              <a:spcBef>
+                <a:spcPts val="0"/>
+              </a:spcBef>
+              <a:spcAft>
+                <a:spcPts val="0"/>
+              </a:spcAft>
+              <a:buClrTx/>
+              <a:buSzTx/>
+              <a:buFontTx/>
+              <a:buNone/>
+              <a:tabLst/>
+              <a:defRPr/>
+            </a:pPr>
+            <a:r>
+              <a:rPr lang="pl-PL" sz="1200" kern="1200" dirty="0" err="1">
+                <a:solidFill>
+                  <a:schemeClr val="tx1"/>
+                </a:solidFill>
+                <a:effectLst/>
+                <a:latin typeface="+mn-lt"/>
+                <a:ea typeface="+mn-ea"/>
+                <a:cs typeface="+mn-cs"/>
+              </a:rPr>
+              <a:t>Ranges</a:t>
+            </a:r>
+            <a:r>
+              <a:rPr lang="pl-PL" sz="1200" kern="1200" dirty="0">
+                <a:solidFill>
+                  <a:schemeClr val="tx1"/>
+                </a:solidFill>
+                <a:effectLst/>
+                <a:latin typeface="+mn-lt"/>
+                <a:ea typeface="+mn-ea"/>
+                <a:cs typeface="+mn-cs"/>
+              </a:rPr>
+              <a:t> są często używane do wypełniania struktur danych i iteracji w pętlach for. Zakresy zapewniają dużą moc za pomocą zaledwie kilku metod, jak pokazano w poniższych przykładach</a:t>
+            </a:r>
+          </a:p>
+          <a:p>
+            <a:endParaRPr lang="pl-PL" dirty="0"/>
+          </a:p>
+        </p:txBody>
+      </p:sp>
+      <p:sp>
+        <p:nvSpPr>
+          <p:cNvPr id="4" name="Slide Number Placeholder 3"/>
+          <p:cNvSpPr>
+            <a:spLocks noGrp="1"/>
+          </p:cNvSpPr>
+          <p:nvPr>
+            <p:ph type="sldNum" sz="quarter" idx="5"/>
+          </p:nvPr>
+        </p:nvSpPr>
+        <p:spPr/>
+        <p:txBody>
+          <a:bodyPr/>
+          <a:lstStyle/>
+          <a:p>
+            <a:fld id="{6839968B-1966-479B-907B-2C4A53864213}" type="slidenum">
+              <a:rPr lang="pl-PL" smtClean="0"/>
+              <a:t>4</a:t>
+            </a:fld>
+            <a:endParaRPr lang="pl-PL"/>
+          </a:p>
+        </p:txBody>
+      </p:sp>
+    </p:spTree>
+    <p:extLst>
+      <p:ext uri="{BB962C8B-B14F-4D97-AF65-F5344CB8AC3E}">
+        <p14:creationId xmlns:p14="http://schemas.microsoft.com/office/powerpoint/2010/main" val="566362829"/>
+      </p:ext>
+    </p:extLst>
+  </p:cSld>
+  <p:clrMapOvr>
+    <a:masterClrMapping/>
+  </p:clrMapOvr>
+</p:notes>
+</file>
+
+<file path=ppt/notesSlides/notesSlide3.xml><?xml version="1.0" encoding="utf-8"?>
+<p:notes xmlns:a="http://schemas.openxmlformats.org/drawingml/2006/main" xmlns:r="http://schemas.openxmlformats.org/officeDocument/2006/relationships" xmlns:p="http://schemas.openxmlformats.org/presentationml/2006/main">
+  <p:cSld>
+    <p:spTree>
+      <p:nvGrpSpPr>
+        <p:cNvPr id="1" name=""/>
+        <p:cNvGrpSpPr/>
+        <p:nvPr/>
+      </p:nvGrpSpPr>
+      <p:grpSpPr>
+        <a:xfrm>
+          <a:off x="0" y="0"/>
+          <a:ext cx="0" cy="0"/>
+          <a:chOff x="0" y="0"/>
+          <a:chExt cx="0" cy="0"/>
+        </a:xfrm>
+      </p:grpSpPr>
+      <p:sp>
+        <p:nvSpPr>
+          <p:cNvPr id="2" name="Slide Image Placeholder 1"/>
+          <p:cNvSpPr>
+            <a:spLocks noGrp="1" noRot="1" noChangeAspect="1"/>
+          </p:cNvSpPr>
+          <p:nvPr>
+            <p:ph type="sldImg"/>
+          </p:nvPr>
+        </p:nvSpPr>
+        <p:spPr/>
+      </p:sp>
+      <p:sp>
+        <p:nvSpPr>
+          <p:cNvPr id="3" name="Notes Placeholder 2"/>
+          <p:cNvSpPr>
+            <a:spLocks noGrp="1"/>
+          </p:cNvSpPr>
+          <p:nvPr>
+            <p:ph type="body" idx="1"/>
+          </p:nvPr>
+        </p:nvSpPr>
+        <p:spPr/>
+        <p:txBody>
+          <a:bodyPr/>
+          <a:lstStyle/>
+          <a:p>
+            <a:r>
+              <a:rPr lang="pl-PL" dirty="0"/>
+              <a:t>W celu iteracji kolekcji elementów i </a:t>
+            </a:r>
+            <a:r>
+              <a:rPr lang="pl-PL" dirty="0" err="1"/>
+              <a:t>wyprintowania</a:t>
+            </a:r>
+            <a:r>
+              <a:rPr lang="pl-PL" dirty="0"/>
+              <a:t> jej zawartości można również użyć metody </a:t>
+            </a:r>
+            <a:r>
+              <a:rPr lang="pl-PL" dirty="0" err="1"/>
+              <a:t>foreach</a:t>
+            </a:r>
+            <a:r>
+              <a:rPr lang="pl-PL" dirty="0"/>
+              <a:t>, która jest dostępna dla klas kolekcji Scala. Na przykład, w ten sposób można użyć </a:t>
+            </a:r>
+            <a:r>
+              <a:rPr lang="pl-PL" dirty="0" err="1"/>
+              <a:t>foreach</a:t>
+            </a:r>
+            <a:r>
+              <a:rPr lang="pl-PL" dirty="0"/>
+              <a:t> do </a:t>
+            </a:r>
+            <a:r>
+              <a:rPr lang="pl-PL" dirty="0" err="1"/>
+              <a:t>wyprintowania</a:t>
+            </a:r>
+            <a:r>
+              <a:rPr lang="pl-PL" dirty="0"/>
+              <a:t> listy </a:t>
+            </a:r>
+            <a:r>
+              <a:rPr lang="pl-PL" dirty="0" err="1"/>
+              <a:t>intów</a:t>
+            </a:r>
+            <a:r>
+              <a:rPr lang="pl-PL" dirty="0"/>
+              <a:t>:</a:t>
+            </a:r>
+          </a:p>
+        </p:txBody>
+      </p:sp>
+      <p:sp>
+        <p:nvSpPr>
+          <p:cNvPr id="4" name="Slide Number Placeholder 3"/>
+          <p:cNvSpPr>
+            <a:spLocks noGrp="1"/>
+          </p:cNvSpPr>
+          <p:nvPr>
+            <p:ph type="sldNum" sz="quarter" idx="5"/>
+          </p:nvPr>
+        </p:nvSpPr>
+        <p:spPr/>
+        <p:txBody>
+          <a:bodyPr/>
+          <a:lstStyle/>
+          <a:p>
+            <a:fld id="{6839968B-1966-479B-907B-2C4A53864213}" type="slidenum">
+              <a:rPr lang="pl-PL" smtClean="0"/>
+              <a:t>5</a:t>
+            </a:fld>
+            <a:endParaRPr lang="pl-PL"/>
+          </a:p>
+        </p:txBody>
+      </p:sp>
+    </p:spTree>
+    <p:extLst>
+      <p:ext uri="{BB962C8B-B14F-4D97-AF65-F5344CB8AC3E}">
+        <p14:creationId xmlns:p14="http://schemas.microsoft.com/office/powerpoint/2010/main" val="4119098439"/>
+      </p:ext>
+    </p:extLst>
+  </p:cSld>
+  <p:clrMapOvr>
+    <a:masterClrMapping/>
+  </p:clrMapOvr>
+</p:notes>
+</file>
+
+<file path=ppt/notesSlides/notesSlide4.xml><?xml version="1.0" encoding="utf-8"?>
+<p:notes xmlns:a="http://schemas.openxmlformats.org/drawingml/2006/main" xmlns:r="http://schemas.openxmlformats.org/officeDocument/2006/relationships" xmlns:p="http://schemas.openxmlformats.org/presentationml/2006/main">
+  <p:cSld>
+    <p:spTree>
+      <p:nvGrpSpPr>
+        <p:cNvPr id="1" name=""/>
+        <p:cNvGrpSpPr/>
+        <p:nvPr/>
+      </p:nvGrpSpPr>
+      <p:grpSpPr>
+        <a:xfrm>
+          <a:off x="0" y="0"/>
+          <a:ext cx="0" cy="0"/>
+          <a:chOff x="0" y="0"/>
+          <a:chExt cx="0" cy="0"/>
+        </a:xfrm>
+      </p:grpSpPr>
+      <p:sp>
+        <p:nvSpPr>
+          <p:cNvPr id="2" name="Slide Image Placeholder 1"/>
+          <p:cNvSpPr>
+            <a:spLocks noGrp="1" noRot="1" noChangeAspect="1"/>
+          </p:cNvSpPr>
+          <p:nvPr>
+            <p:ph type="sldImg"/>
+          </p:nvPr>
+        </p:nvSpPr>
+        <p:spPr/>
+      </p:sp>
+      <p:sp>
+        <p:nvSpPr>
+          <p:cNvPr id="3" name="Notes Placeholder 2"/>
+          <p:cNvSpPr>
+            <a:spLocks noGrp="1"/>
+          </p:cNvSpPr>
+          <p:nvPr>
+            <p:ph type="body" idx="1"/>
+          </p:nvPr>
+        </p:nvSpPr>
+        <p:spPr/>
+        <p:txBody>
+          <a:bodyPr/>
+          <a:lstStyle/>
+          <a:p>
+            <a:r>
+              <a:rPr lang="pl-PL" dirty="0"/>
+              <a:t>Scala zapewnia strukturę danych, tablicę, która przechowuje sekwencyjną kolekcję elementów tego samego typu o stałym rozmiarze. Zamiast deklarować pojedyncze zmienne, takie jak liczba0, liczba1, ... i liczba99, deklarujesz jedną zmienną tablicową, taką jak liczby, i używasz liczb [0], liczb [1] i ..., liczb [99]</a:t>
+            </a:r>
+            <a:br>
+              <a:rPr lang="pl-PL" dirty="0"/>
+            </a:br>
+            <a:br>
+              <a:rPr lang="pl-PL" dirty="0"/>
+            </a:br>
+            <a:r>
+              <a:rPr lang="pl-PL" dirty="0"/>
+              <a:t>Struktura tablicy + przykładowy kod z zaprezentowaniem jak się tworzy tablicę oraz przykładowe operacje wykonane na niej</a:t>
+            </a:r>
+          </a:p>
+        </p:txBody>
+      </p:sp>
+      <p:sp>
+        <p:nvSpPr>
+          <p:cNvPr id="4" name="Slide Number Placeholder 3"/>
+          <p:cNvSpPr>
+            <a:spLocks noGrp="1"/>
+          </p:cNvSpPr>
+          <p:nvPr>
+            <p:ph type="sldNum" sz="quarter" idx="5"/>
+          </p:nvPr>
+        </p:nvSpPr>
+        <p:spPr/>
+        <p:txBody>
+          <a:bodyPr/>
+          <a:lstStyle/>
+          <a:p>
+            <a:fld id="{6839968B-1966-479B-907B-2C4A53864213}" type="slidenum">
+              <a:rPr lang="pl-PL" smtClean="0"/>
+              <a:t>6</a:t>
+            </a:fld>
+            <a:endParaRPr lang="pl-PL"/>
+          </a:p>
+        </p:txBody>
+      </p:sp>
+    </p:spTree>
+    <p:extLst>
+      <p:ext uri="{BB962C8B-B14F-4D97-AF65-F5344CB8AC3E}">
+        <p14:creationId xmlns:p14="http://schemas.microsoft.com/office/powerpoint/2010/main" val="2070515521"/>
+      </p:ext>
+    </p:extLst>
+  </p:cSld>
+  <p:clrMapOvr>
+    <a:masterClrMapping/>
+  </p:clrMapOvr>
+</p:notes>
+</file>
+
+<file path=ppt/notesSlides/notesSlide5.xml><?xml version="1.0" encoding="utf-8"?>
+<p:notes xmlns:a="http://schemas.openxmlformats.org/drawingml/2006/main" xmlns:r="http://schemas.openxmlformats.org/officeDocument/2006/relationships" xmlns:p="http://schemas.openxmlformats.org/presentationml/2006/main">
+  <p:cSld>
+    <p:spTree>
+      <p:nvGrpSpPr>
+        <p:cNvPr id="1" name=""/>
+        <p:cNvGrpSpPr/>
+        <p:nvPr/>
+      </p:nvGrpSpPr>
+      <p:grpSpPr>
+        <a:xfrm>
+          <a:off x="0" y="0"/>
+          <a:ext cx="0" cy="0"/>
+          <a:chOff x="0" y="0"/>
+          <a:chExt cx="0" cy="0"/>
+        </a:xfrm>
+      </p:grpSpPr>
+      <p:sp>
+        <p:nvSpPr>
+          <p:cNvPr id="2" name="Slide Image Placeholder 1"/>
+          <p:cNvSpPr>
+            <a:spLocks noGrp="1" noRot="1" noChangeAspect="1"/>
+          </p:cNvSpPr>
+          <p:nvPr>
+            <p:ph type="sldImg"/>
+          </p:nvPr>
+        </p:nvSpPr>
+        <p:spPr/>
+      </p:sp>
+      <p:sp>
+        <p:nvSpPr>
+          <p:cNvPr id="3" name="Notes Placeholder 2"/>
+          <p:cNvSpPr>
+            <a:spLocks noGrp="1"/>
+          </p:cNvSpPr>
+          <p:nvPr>
+            <p:ph type="body" idx="1"/>
+          </p:nvPr>
+        </p:nvSpPr>
+        <p:spPr/>
+        <p:txBody>
+          <a:bodyPr/>
+          <a:lstStyle/>
+          <a:p>
+            <a:pPr marL="0" marR="0" lvl="0" indent="0" algn="l" defTabSz="914400" rtl="0" eaLnBrk="1" fontAlgn="auto" latinLnBrk="0" hangingPunct="1">
+              <a:lnSpc>
+                <a:spcPct val="100000"/>
+              </a:lnSpc>
+              <a:spcBef>
+                <a:spcPts val="0"/>
+              </a:spcBef>
+              <a:spcAft>
+                <a:spcPts val="0"/>
+              </a:spcAft>
+              <a:buClrTx/>
+              <a:buSzTx/>
+              <a:buFontTx/>
+              <a:buNone/>
+              <a:tabLst/>
+              <a:defRPr/>
+            </a:pPr>
+            <a:r>
+              <a:rPr lang="pl-PL" dirty="0"/>
+              <a:t>Jeśli porównalibyśmy Javę do Scali to, Sekwencje Scali byłaby listą Javy, a </a:t>
+            </a:r>
+            <a:r>
+              <a:rPr lang="pl-PL" dirty="0" err="1"/>
+              <a:t>Scala's</a:t>
+            </a:r>
+            <a:r>
+              <a:rPr lang="pl-PL" dirty="0"/>
+              <a:t> List byłaby </a:t>
+            </a:r>
+            <a:r>
+              <a:rPr lang="pl-PL" dirty="0" err="1"/>
+              <a:t>Javowymi</a:t>
+            </a:r>
+            <a:r>
+              <a:rPr lang="pl-PL" dirty="0"/>
+              <a:t> </a:t>
+            </a:r>
+            <a:r>
+              <a:rPr lang="pl-PL" dirty="0" err="1"/>
+              <a:t>LinkedListami</a:t>
+            </a:r>
+            <a:r>
+              <a:rPr lang="pl-PL" dirty="0"/>
+              <a:t>.</a:t>
+            </a:r>
+            <a:br>
+              <a:rPr lang="pl-PL" dirty="0"/>
+            </a:br>
+            <a:r>
+              <a:rPr lang="pl-PL" dirty="0" err="1"/>
+              <a:t>Sequence</a:t>
+            </a:r>
+            <a:r>
+              <a:rPr lang="pl-PL" dirty="0"/>
+              <a:t> to </a:t>
+            </a:r>
+            <a:r>
+              <a:rPr lang="pl-PL" dirty="0" err="1"/>
+              <a:t>iterowalna</a:t>
+            </a:r>
+            <a:r>
+              <a:rPr lang="pl-PL" dirty="0"/>
+              <a:t> kolekcja klas </a:t>
+            </a:r>
+            <a:r>
+              <a:rPr lang="pl-PL" dirty="0" err="1"/>
+              <a:t>Iterable</a:t>
+            </a:r>
+            <a:r>
+              <a:rPr lang="pl-PL" dirty="0"/>
+              <a:t>. Służy do reprezentowania indeksowanych sekwencji, które mają określoną kolejność elementów, tj. Gwarantowaną niezmienność. Dostęp do elementów sekwencji można uzyskać za pomocą ich indeksów. Indeksy mieszczą się w zakresie od 0 do (n - 1) Gdzie, n = długość ciągu. Aby znaleźć </a:t>
+            </a:r>
+            <a:r>
+              <a:rPr lang="pl-PL" dirty="0" err="1"/>
+              <a:t>podsekwencje</a:t>
+            </a:r>
+            <a:r>
+              <a:rPr lang="pl-PL" dirty="0"/>
+              <a:t>, sekwencje obsługują różne metody. Metody takie jak </a:t>
+            </a:r>
+            <a:r>
+              <a:rPr lang="pl-PL" dirty="0" err="1"/>
+              <a:t>indexOf</a:t>
+            </a:r>
+            <a:r>
+              <a:rPr lang="pl-PL" dirty="0"/>
+              <a:t>, </a:t>
+            </a:r>
+            <a:r>
+              <a:rPr lang="pl-PL" dirty="0" err="1"/>
+              <a:t>segmentLength</a:t>
+            </a:r>
+            <a:r>
+              <a:rPr lang="pl-PL" dirty="0"/>
+              <a:t>, </a:t>
+            </a:r>
+            <a:r>
+              <a:rPr lang="pl-PL" dirty="0" err="1"/>
+              <a:t>prefixLength</a:t>
+            </a:r>
+            <a:r>
+              <a:rPr lang="pl-PL" dirty="0"/>
+              <a:t>, </a:t>
+            </a:r>
+            <a:r>
+              <a:rPr lang="pl-PL" dirty="0" err="1"/>
+              <a:t>lastIndexWhere</a:t>
+            </a:r>
+            <a:r>
+              <a:rPr lang="pl-PL" dirty="0"/>
+              <a:t>, </a:t>
+            </a:r>
+            <a:r>
+              <a:rPr lang="pl-PL" dirty="0" err="1"/>
+              <a:t>lastIndexOf</a:t>
+            </a:r>
+            <a:r>
+              <a:rPr lang="pl-PL" dirty="0"/>
+              <a:t>, </a:t>
+            </a:r>
+            <a:r>
+              <a:rPr lang="pl-PL" dirty="0" err="1"/>
+              <a:t>startedWith</a:t>
+            </a:r>
+            <a:r>
+              <a:rPr lang="pl-PL" dirty="0"/>
+              <a:t>, </a:t>
+            </a:r>
+            <a:r>
+              <a:rPr lang="pl-PL" dirty="0" err="1"/>
+              <a:t>endWith</a:t>
+            </a:r>
+            <a:r>
+              <a:rPr lang="pl-PL" dirty="0"/>
+              <a:t>. Istnieją dwie główne cechy podrzędne </a:t>
+            </a:r>
+            <a:r>
+              <a:rPr lang="pl-PL" dirty="0" err="1"/>
+              <a:t>Sequence</a:t>
+            </a:r>
+            <a:r>
+              <a:rPr lang="pl-PL" dirty="0"/>
+              <a:t>, mianowicie </a:t>
+            </a:r>
+            <a:r>
+              <a:rPr lang="pl-PL" dirty="0" err="1"/>
+              <a:t>IndexedSeq</a:t>
+            </a:r>
+            <a:r>
+              <a:rPr lang="pl-PL" dirty="0"/>
+              <a:t> i </a:t>
+            </a:r>
+            <a:r>
+              <a:rPr lang="pl-PL" dirty="0" err="1"/>
+              <a:t>LinearSeq</a:t>
+            </a:r>
+            <a:r>
+              <a:rPr lang="pl-PL" dirty="0"/>
+              <a:t>, które dają różne gwarancje wydajności. </a:t>
+            </a:r>
+            <a:r>
+              <a:rPr lang="pl-PL" dirty="0" err="1"/>
+              <a:t>IndexexedSeq</a:t>
+            </a:r>
+            <a:r>
+              <a:rPr lang="pl-PL" dirty="0"/>
+              <a:t> zapewnia szybki i swobodny dostęp do elementów, podczas gdy </a:t>
+            </a:r>
+            <a:r>
+              <a:rPr lang="pl-PL" dirty="0" err="1"/>
+              <a:t>LinearSeq</a:t>
+            </a:r>
+            <a:r>
+              <a:rPr lang="pl-PL" dirty="0"/>
+              <a:t> zapewnia szybki dostęp do pierwszego elementu tylko przez </a:t>
+            </a:r>
+            <a:r>
+              <a:rPr lang="pl-PL" dirty="0" err="1"/>
+              <a:t>head</a:t>
+            </a:r>
+            <a:r>
+              <a:rPr lang="pl-PL" dirty="0"/>
+              <a:t>, a także zawiera szybką operację </a:t>
+            </a:r>
+            <a:r>
+              <a:rPr lang="pl-PL" dirty="0" err="1"/>
+              <a:t>tail</a:t>
+            </a:r>
+            <a:r>
+              <a:rPr lang="pl-PL" dirty="0"/>
+              <a:t>.</a:t>
+            </a:r>
+          </a:p>
+          <a:p>
+            <a:pPr marL="0" marR="0" lvl="0" indent="0" algn="l" defTabSz="914400" rtl="0" eaLnBrk="1" fontAlgn="auto" latinLnBrk="0" hangingPunct="1">
+              <a:lnSpc>
+                <a:spcPct val="100000"/>
+              </a:lnSpc>
+              <a:spcBef>
+                <a:spcPts val="0"/>
+              </a:spcBef>
+              <a:spcAft>
+                <a:spcPts val="0"/>
+              </a:spcAft>
+              <a:buClrTx/>
+              <a:buSzTx/>
+              <a:buFontTx/>
+              <a:buNone/>
+              <a:tabLst/>
+              <a:defRPr/>
+            </a:pPr>
+            <a:endParaRPr lang="pl-PL" dirty="0"/>
+          </a:p>
+          <a:p>
+            <a:endParaRPr lang="pl-PL" dirty="0"/>
+          </a:p>
+        </p:txBody>
+      </p:sp>
+      <p:sp>
+        <p:nvSpPr>
+          <p:cNvPr id="4" name="Slide Number Placeholder 3"/>
+          <p:cNvSpPr>
+            <a:spLocks noGrp="1"/>
+          </p:cNvSpPr>
+          <p:nvPr>
+            <p:ph type="sldNum" sz="quarter" idx="5"/>
+          </p:nvPr>
+        </p:nvSpPr>
+        <p:spPr/>
+        <p:txBody>
+          <a:bodyPr/>
+          <a:lstStyle/>
+          <a:p>
+            <a:fld id="{6839968B-1966-479B-907B-2C4A53864213}" type="slidenum">
+              <a:rPr lang="pl-PL" smtClean="0"/>
+              <a:t>7</a:t>
+            </a:fld>
+            <a:endParaRPr lang="pl-PL"/>
+          </a:p>
+        </p:txBody>
+      </p:sp>
+    </p:spTree>
+    <p:extLst>
+      <p:ext uri="{BB962C8B-B14F-4D97-AF65-F5344CB8AC3E}">
+        <p14:creationId xmlns:p14="http://schemas.microsoft.com/office/powerpoint/2010/main" val="3240247795"/>
+      </p:ext>
+    </p:extLst>
+  </p:cSld>
+  <p:clrMapOvr>
+    <a:masterClrMapping/>
+  </p:clrMapOvr>
+</p:notes>
+</file>
+
 <file path=ppt/slideLayouts/slideLayout1.xml><?xml version="1.0" encoding="utf-8"?>
 <p:sldLayout xmlns:a="http://schemas.openxmlformats.org/drawingml/2006/main" xmlns:r="http://schemas.openxmlformats.org/officeDocument/2006/relationships" xmlns:p="http://schemas.openxmlformats.org/presentationml/2006/main" showMasterSp="0" type="title" preserve="1">
   <p:cSld name="Slajd tytułowy">
@@ -173,7 +1394,7 @@
           <a:noFill/>
           <a:extLst>
             <a:ext uri="{909E8E84-426E-40dd-AFC4-6F175D3DCCD1}">
-              <a14:hiddenFill xmlns="" xmlns:a14="http://schemas.microsoft.com/office/drawing/2010/main">
+              <a14:hiddenFill xmlns:a14="http://schemas.microsoft.com/office/drawing/2010/main" xmlns="">
                 <a:solidFill>
                   <a:srgbClr val="FFFFFF"/>
                 </a:solidFill>
@@ -233,7 +1454,7 @@
             </a:ln>
             <a:extLst>
               <a:ext uri="{91240B29-F687-4f45-9708-019B960494DF}">
-                <a14:hiddenLine xmlns="" xmlns:a14="http://schemas.microsoft.com/office/drawing/2010/main" w="9525">
+                <a14:hiddenLine xmlns:a14="http://schemas.microsoft.com/office/drawing/2010/main" xmlns="" w="9525">
                   <a:solidFill>
                     <a:srgbClr val="000000"/>
                   </a:solidFill>
@@ -323,7 +1544,7 @@
             </a:ln>
             <a:extLst>
               <a:ext uri="{91240B29-F687-4f45-9708-019B960494DF}">
-                <a14:hiddenLine xmlns="" xmlns:a14="http://schemas.microsoft.com/office/drawing/2010/main" w="9525">
+                <a14:hiddenLine xmlns:a14="http://schemas.microsoft.com/office/drawing/2010/main" xmlns="" w="9525">
                   <a:solidFill>
                     <a:srgbClr val="000000"/>
                   </a:solidFill>
@@ -413,7 +1634,7 @@
             </a:ln>
             <a:extLst>
               <a:ext uri="{91240B29-F687-4f45-9708-019B960494DF}">
-                <a14:hiddenLine xmlns="" xmlns:a14="http://schemas.microsoft.com/office/drawing/2010/main" w="9525">
+                <a14:hiddenLine xmlns:a14="http://schemas.microsoft.com/office/drawing/2010/main" xmlns="" w="9525">
                   <a:solidFill>
                     <a:srgbClr val="000000"/>
                   </a:solidFill>
@@ -447,7 +1668,7 @@
             </a:ln>
             <a:extLst>
               <a:ext uri="{91240B29-F687-4f45-9708-019B960494DF}">
-                <a14:hiddenLine xmlns="" xmlns:a14="http://schemas.microsoft.com/office/drawing/2010/main" w="9525">
+                <a14:hiddenLine xmlns:a14="http://schemas.microsoft.com/office/drawing/2010/main" xmlns="" w="9525">
                   <a:solidFill>
                     <a:srgbClr val="000000"/>
                   </a:solidFill>
@@ -537,7 +1758,7 @@
             </a:ln>
             <a:extLst>
               <a:ext uri="{91240B29-F687-4f45-9708-019B960494DF}">
-                <a14:hiddenLine xmlns="" xmlns:a14="http://schemas.microsoft.com/office/drawing/2010/main" w="9525">
+                <a14:hiddenLine xmlns:a14="http://schemas.microsoft.com/office/drawing/2010/main" xmlns="" w="9525">
                   <a:solidFill>
                     <a:srgbClr val="000000"/>
                   </a:solidFill>
@@ -599,7 +1820,7 @@
             </a:ln>
             <a:extLst>
               <a:ext uri="{91240B29-F687-4f45-9708-019B960494DF}">
-                <a14:hiddenLine xmlns="" xmlns:a14="http://schemas.microsoft.com/office/drawing/2010/main" w="9525">
+                <a14:hiddenLine xmlns:a14="http://schemas.microsoft.com/office/drawing/2010/main" xmlns="" w="9525">
                   <a:solidFill>
                     <a:srgbClr val="000000"/>
                   </a:solidFill>
@@ -661,7 +1882,7 @@
             </a:ln>
             <a:extLst>
               <a:ext uri="{91240B29-F687-4f45-9708-019B960494DF}">
-                <a14:hiddenLine xmlns="" xmlns:a14="http://schemas.microsoft.com/office/drawing/2010/main" w="9525">
+                <a14:hiddenLine xmlns:a14="http://schemas.microsoft.com/office/drawing/2010/main" xmlns="" w="9525">
                   <a:solidFill>
                     <a:srgbClr val="000000"/>
                   </a:solidFill>
@@ -751,7 +1972,7 @@
             </a:ln>
             <a:extLst>
               <a:ext uri="{91240B29-F687-4f45-9708-019B960494DF}">
-                <a14:hiddenLine xmlns="" xmlns:a14="http://schemas.microsoft.com/office/drawing/2010/main" w="9525">
+                <a14:hiddenLine xmlns:a14="http://schemas.microsoft.com/office/drawing/2010/main" xmlns="" w="9525">
                   <a:solidFill>
                     <a:srgbClr val="000000"/>
                   </a:solidFill>
@@ -813,7 +2034,7 @@
             </a:ln>
             <a:extLst>
               <a:ext uri="{91240B29-F687-4f45-9708-019B960494DF}">
-                <a14:hiddenLine xmlns="" xmlns:a14="http://schemas.microsoft.com/office/drawing/2010/main" w="9525">
+                <a14:hiddenLine xmlns:a14="http://schemas.microsoft.com/office/drawing/2010/main" xmlns="" w="9525">
                   <a:solidFill>
                     <a:srgbClr val="000000"/>
                   </a:solidFill>
@@ -875,7 +2096,7 @@
             </a:ln>
             <a:extLst>
               <a:ext uri="{91240B29-F687-4f45-9708-019B960494DF}">
-                <a14:hiddenLine xmlns="" xmlns:a14="http://schemas.microsoft.com/office/drawing/2010/main" w="9525">
+                <a14:hiddenLine xmlns:a14="http://schemas.microsoft.com/office/drawing/2010/main" xmlns="" w="9525">
                   <a:solidFill>
                     <a:srgbClr val="000000"/>
                   </a:solidFill>
@@ -965,7 +2186,7 @@
             </a:ln>
             <a:extLst>
               <a:ext uri="{91240B29-F687-4f45-9708-019B960494DF}">
-                <a14:hiddenLine xmlns="" xmlns:a14="http://schemas.microsoft.com/office/drawing/2010/main" w="9525">
+                <a14:hiddenLine xmlns:a14="http://schemas.microsoft.com/office/drawing/2010/main" xmlns="" w="9525">
                   <a:solidFill>
                     <a:srgbClr val="000000"/>
                   </a:solidFill>
@@ -1055,7 +2276,7 @@
             </a:ln>
             <a:extLst>
               <a:ext uri="{91240B29-F687-4f45-9708-019B960494DF}">
-                <a14:hiddenLine xmlns="" xmlns:a14="http://schemas.microsoft.com/office/drawing/2010/main" w="9525">
+                <a14:hiddenLine xmlns:a14="http://schemas.microsoft.com/office/drawing/2010/main" xmlns="" w="9525">
                   <a:solidFill>
                     <a:srgbClr val="000000"/>
                   </a:solidFill>
@@ -1117,7 +2338,7 @@
             </a:ln>
             <a:extLst>
               <a:ext uri="{91240B29-F687-4f45-9708-019B960494DF}">
-                <a14:hiddenLine xmlns="" xmlns:a14="http://schemas.microsoft.com/office/drawing/2010/main" w="9525">
+                <a14:hiddenLine xmlns:a14="http://schemas.microsoft.com/office/drawing/2010/main" xmlns="" w="9525">
                   <a:solidFill>
                     <a:srgbClr val="000000"/>
                   </a:solidFill>
@@ -1227,7 +2448,7 @@
             </a:ln>
             <a:extLst>
               <a:ext uri="{91240B29-F687-4f45-9708-019B960494DF}">
-                <a14:hiddenLine xmlns="" xmlns:a14="http://schemas.microsoft.com/office/drawing/2010/main" w="9525">
+                <a14:hiddenLine xmlns:a14="http://schemas.microsoft.com/office/drawing/2010/main" xmlns="" w="9525">
                   <a:solidFill>
                     <a:srgbClr val="000000"/>
                   </a:solidFill>
@@ -1289,7 +2510,7 @@
             </a:ln>
             <a:extLst>
               <a:ext uri="{91240B29-F687-4f45-9708-019B960494DF}">
-                <a14:hiddenLine xmlns="" xmlns:a14="http://schemas.microsoft.com/office/drawing/2010/main" w="9525">
+                <a14:hiddenLine xmlns:a14="http://schemas.microsoft.com/office/drawing/2010/main" xmlns="" w="9525">
                   <a:solidFill>
                     <a:srgbClr val="000000"/>
                   </a:solidFill>
@@ -1379,7 +2600,7 @@
             </a:ln>
             <a:extLst>
               <a:ext uri="{91240B29-F687-4f45-9708-019B960494DF}">
-                <a14:hiddenLine xmlns="" xmlns:a14="http://schemas.microsoft.com/office/drawing/2010/main" w="9525">
+                <a14:hiddenLine xmlns:a14="http://schemas.microsoft.com/office/drawing/2010/main" xmlns="" w="9525">
                   <a:solidFill>
                     <a:srgbClr val="000000"/>
                   </a:solidFill>
@@ -1469,7 +2690,7 @@
             </a:ln>
             <a:extLst>
               <a:ext uri="{91240B29-F687-4f45-9708-019B960494DF}">
-                <a14:hiddenLine xmlns="" xmlns:a14="http://schemas.microsoft.com/office/drawing/2010/main" w="9525">
+                <a14:hiddenLine xmlns:a14="http://schemas.microsoft.com/office/drawing/2010/main" xmlns="" w="9525">
                   <a:solidFill>
                     <a:srgbClr val="000000"/>
                   </a:solidFill>
@@ -1531,7 +2752,7 @@
             </a:ln>
             <a:extLst>
               <a:ext uri="{91240B29-F687-4f45-9708-019B960494DF}">
-                <a14:hiddenLine xmlns="" xmlns:a14="http://schemas.microsoft.com/office/drawing/2010/main" w="9525">
+                <a14:hiddenLine xmlns:a14="http://schemas.microsoft.com/office/drawing/2010/main" xmlns="" w="9525">
                   <a:solidFill>
                     <a:srgbClr val="000000"/>
                   </a:solidFill>
@@ -1621,7 +2842,7 @@
             </a:ln>
             <a:extLst>
               <a:ext uri="{91240B29-F687-4f45-9708-019B960494DF}">
-                <a14:hiddenLine xmlns="" xmlns:a14="http://schemas.microsoft.com/office/drawing/2010/main" w="9525">
+                <a14:hiddenLine xmlns:a14="http://schemas.microsoft.com/office/drawing/2010/main" xmlns="" w="9525">
                   <a:solidFill>
                     <a:srgbClr val="000000"/>
                   </a:solidFill>
@@ -1711,7 +2932,7 @@
             </a:ln>
             <a:extLst>
               <a:ext uri="{91240B29-F687-4f45-9708-019B960494DF}">
-                <a14:hiddenLine xmlns="" xmlns:a14="http://schemas.microsoft.com/office/drawing/2010/main" w="9525">
+                <a14:hiddenLine xmlns:a14="http://schemas.microsoft.com/office/drawing/2010/main" xmlns="" w="9525">
                   <a:solidFill>
                     <a:srgbClr val="000000"/>
                   </a:solidFill>
@@ -1767,7 +2988,7 @@
             </a:ln>
             <a:extLst>
               <a:ext uri="{91240B29-F687-4f45-9708-019B960494DF}">
-                <a14:hiddenLine xmlns="" xmlns:a14="http://schemas.microsoft.com/office/drawing/2010/main" w="9525">
+                <a14:hiddenLine xmlns:a14="http://schemas.microsoft.com/office/drawing/2010/main" xmlns="" w="9525">
                   <a:solidFill>
                     <a:srgbClr val="000000"/>
                   </a:solidFill>
@@ -1857,7 +3078,7 @@
             </a:ln>
             <a:extLst>
               <a:ext uri="{91240B29-F687-4f45-9708-019B960494DF}">
-                <a14:hiddenLine xmlns="" xmlns:a14="http://schemas.microsoft.com/office/drawing/2010/main" w="9525">
+                <a14:hiddenLine xmlns:a14="http://schemas.microsoft.com/office/drawing/2010/main" xmlns="" w="9525">
                   <a:solidFill>
                     <a:srgbClr val="000000"/>
                   </a:solidFill>
@@ -1913,7 +3134,7 @@
             </a:ln>
             <a:extLst>
               <a:ext uri="{91240B29-F687-4f45-9708-019B960494DF}">
-                <a14:hiddenLine xmlns="" xmlns:a14="http://schemas.microsoft.com/office/drawing/2010/main" w="9525">
+                <a14:hiddenLine xmlns:a14="http://schemas.microsoft.com/office/drawing/2010/main" xmlns="" w="9525">
                   <a:solidFill>
                     <a:srgbClr val="000000"/>
                   </a:solidFill>
@@ -2003,7 +3224,7 @@
             </a:ln>
             <a:extLst>
               <a:ext uri="{91240B29-F687-4f45-9708-019B960494DF}">
-                <a14:hiddenLine xmlns="" xmlns:a14="http://schemas.microsoft.com/office/drawing/2010/main" w="9525">
+                <a14:hiddenLine xmlns:a14="http://schemas.microsoft.com/office/drawing/2010/main" xmlns="" w="9525">
                   <a:solidFill>
                     <a:srgbClr val="000000"/>
                   </a:solidFill>
@@ -2071,7 +3292,7 @@
             </a:ln>
             <a:extLst>
               <a:ext uri="{91240B29-F687-4f45-9708-019B960494DF}">
-                <a14:hiddenLine xmlns="" xmlns:a14="http://schemas.microsoft.com/office/drawing/2010/main" w="9525">
+                <a14:hiddenLine xmlns:a14="http://schemas.microsoft.com/office/drawing/2010/main" xmlns="" w="9525">
                   <a:solidFill>
                     <a:srgbClr val="000000"/>
                   </a:solidFill>
@@ -2161,7 +3382,7 @@
             </a:ln>
             <a:extLst>
               <a:ext uri="{91240B29-F687-4f45-9708-019B960494DF}">
-                <a14:hiddenLine xmlns="" xmlns:a14="http://schemas.microsoft.com/office/drawing/2010/main" w="9525">
+                <a14:hiddenLine xmlns:a14="http://schemas.microsoft.com/office/drawing/2010/main" xmlns="" w="9525">
                   <a:solidFill>
                     <a:srgbClr val="000000"/>
                   </a:solidFill>
@@ -2229,7 +3450,7 @@
             </a:ln>
             <a:extLst>
               <a:ext uri="{91240B29-F687-4f45-9708-019B960494DF}">
-                <a14:hiddenLine xmlns="" xmlns:a14="http://schemas.microsoft.com/office/drawing/2010/main" w="9525">
+                <a14:hiddenLine xmlns:a14="http://schemas.microsoft.com/office/drawing/2010/main" xmlns="" w="9525">
                   <a:solidFill>
                     <a:srgbClr val="000000"/>
                   </a:solidFill>
@@ -2319,7 +3540,7 @@
             </a:ln>
             <a:extLst>
               <a:ext uri="{91240B29-F687-4f45-9708-019B960494DF}">
-                <a14:hiddenLine xmlns="" xmlns:a14="http://schemas.microsoft.com/office/drawing/2010/main" w="9525">
+                <a14:hiddenLine xmlns:a14="http://schemas.microsoft.com/office/drawing/2010/main" xmlns="" w="9525">
                   <a:solidFill>
                     <a:srgbClr val="000000"/>
                   </a:solidFill>
@@ -2353,7 +3574,7 @@
             </a:ln>
             <a:extLst>
               <a:ext uri="{91240B29-F687-4f45-9708-019B960494DF}">
-                <a14:hiddenLine xmlns="" xmlns:a14="http://schemas.microsoft.com/office/drawing/2010/main" w="9525">
+                <a14:hiddenLine xmlns:a14="http://schemas.microsoft.com/office/drawing/2010/main" xmlns="" w="9525">
                   <a:solidFill>
                     <a:srgbClr val="000000"/>
                   </a:solidFill>
@@ -2443,7 +3664,7 @@
             </a:ln>
             <a:extLst>
               <a:ext uri="{91240B29-F687-4f45-9708-019B960494DF}">
-                <a14:hiddenLine xmlns="" xmlns:a14="http://schemas.microsoft.com/office/drawing/2010/main" w="9525">
+                <a14:hiddenLine xmlns:a14="http://schemas.microsoft.com/office/drawing/2010/main" xmlns="" w="9525">
                   <a:solidFill>
                     <a:srgbClr val="000000"/>
                   </a:solidFill>
@@ -2505,7 +3726,7 @@
             </a:ln>
             <a:extLst>
               <a:ext uri="{91240B29-F687-4f45-9708-019B960494DF}">
-                <a14:hiddenLine xmlns="" xmlns:a14="http://schemas.microsoft.com/office/drawing/2010/main" w="9525">
+                <a14:hiddenLine xmlns:a14="http://schemas.microsoft.com/office/drawing/2010/main" xmlns="" w="9525">
                   <a:solidFill>
                     <a:srgbClr val="000000"/>
                   </a:solidFill>
@@ -2567,7 +3788,7 @@
             </a:ln>
             <a:extLst>
               <a:ext uri="{91240B29-F687-4f45-9708-019B960494DF}">
-                <a14:hiddenLine xmlns="" xmlns:a14="http://schemas.microsoft.com/office/drawing/2010/main" w="9525">
+                <a14:hiddenLine xmlns:a14="http://schemas.microsoft.com/office/drawing/2010/main" xmlns="" w="9525">
                   <a:solidFill>
                     <a:srgbClr val="000000"/>
                   </a:solidFill>
@@ -2657,7 +3878,7 @@
             </a:ln>
             <a:extLst>
               <a:ext uri="{91240B29-F687-4f45-9708-019B960494DF}">
-                <a14:hiddenLine xmlns="" xmlns:a14="http://schemas.microsoft.com/office/drawing/2010/main" w="9525">
+                <a14:hiddenLine xmlns:a14="http://schemas.microsoft.com/office/drawing/2010/main" xmlns="" w="9525">
                   <a:solidFill>
                     <a:srgbClr val="000000"/>
                   </a:solidFill>
@@ -2725,7 +3946,7 @@
             </a:ln>
             <a:extLst>
               <a:ext uri="{91240B29-F687-4f45-9708-019B960494DF}">
-                <a14:hiddenLine xmlns="" xmlns:a14="http://schemas.microsoft.com/office/drawing/2010/main" w="9525">
+                <a14:hiddenLine xmlns:a14="http://schemas.microsoft.com/office/drawing/2010/main" xmlns="" w="9525">
                   <a:solidFill>
                     <a:srgbClr val="000000"/>
                   </a:solidFill>
@@ -2787,7 +4008,7 @@
             </a:ln>
             <a:extLst>
               <a:ext uri="{91240B29-F687-4f45-9708-019B960494DF}">
-                <a14:hiddenLine xmlns="" xmlns:a14="http://schemas.microsoft.com/office/drawing/2010/main" w="9525">
+                <a14:hiddenLine xmlns:a14="http://schemas.microsoft.com/office/drawing/2010/main" xmlns="" w="9525">
                   <a:solidFill>
                     <a:srgbClr val="000000"/>
                   </a:solidFill>
@@ -2877,7 +4098,7 @@
             </a:ln>
             <a:extLst>
               <a:ext uri="{91240B29-F687-4f45-9708-019B960494DF}">
-                <a14:hiddenLine xmlns="" xmlns:a14="http://schemas.microsoft.com/office/drawing/2010/main" w="9525">
+                <a14:hiddenLine xmlns:a14="http://schemas.microsoft.com/office/drawing/2010/main" xmlns="" w="9525">
                   <a:solidFill>
                     <a:srgbClr val="000000"/>
                   </a:solidFill>
@@ -2939,7 +4160,7 @@
             </a:ln>
             <a:extLst>
               <a:ext uri="{91240B29-F687-4f45-9708-019B960494DF}">
-                <a14:hiddenLine xmlns="" xmlns:a14="http://schemas.microsoft.com/office/drawing/2010/main" w="9525">
+                <a14:hiddenLine xmlns:a14="http://schemas.microsoft.com/office/drawing/2010/main" xmlns="" w="9525">
                   <a:solidFill>
                     <a:srgbClr val="000000"/>
                   </a:solidFill>
@@ -3029,7 +4250,7 @@
             </a:ln>
             <a:extLst>
               <a:ext uri="{91240B29-F687-4f45-9708-019B960494DF}">
-                <a14:hiddenLine xmlns="" xmlns:a14="http://schemas.microsoft.com/office/drawing/2010/main" w="9525">
+                <a14:hiddenLine xmlns:a14="http://schemas.microsoft.com/office/drawing/2010/main" xmlns="" w="9525">
                   <a:solidFill>
                     <a:srgbClr val="000000"/>
                   </a:solidFill>
@@ -3091,7 +4312,7 @@
             </a:ln>
             <a:extLst>
               <a:ext uri="{91240B29-F687-4f45-9708-019B960494DF}">
-                <a14:hiddenLine xmlns="" xmlns:a14="http://schemas.microsoft.com/office/drawing/2010/main" w="9525">
+                <a14:hiddenLine xmlns:a14="http://schemas.microsoft.com/office/drawing/2010/main" xmlns="" w="9525">
                   <a:solidFill>
                     <a:srgbClr val="000000"/>
                   </a:solidFill>
@@ -3181,7 +4402,7 @@
             </a:ln>
             <a:extLst>
               <a:ext uri="{91240B29-F687-4f45-9708-019B960494DF}">
-                <a14:hiddenLine xmlns="" xmlns:a14="http://schemas.microsoft.com/office/drawing/2010/main" w="9525">
+                <a14:hiddenLine xmlns:a14="http://schemas.microsoft.com/office/drawing/2010/main" xmlns="" w="9525">
                   <a:solidFill>
                     <a:srgbClr val="000000"/>
                   </a:solidFill>
@@ -3215,7 +4436,7 @@
             </a:ln>
             <a:extLst>
               <a:ext uri="{91240B29-F687-4f45-9708-019B960494DF}">
-                <a14:hiddenLine xmlns="" xmlns:a14="http://schemas.microsoft.com/office/drawing/2010/main" w="9525">
+                <a14:hiddenLine xmlns:a14="http://schemas.microsoft.com/office/drawing/2010/main" xmlns="" w="9525">
                   <a:solidFill>
                     <a:srgbClr val="000000"/>
                   </a:solidFill>
@@ -3280,7 +4501,7 @@
             </a:ln>
             <a:extLst>
               <a:ext uri="{91240B29-F687-4f45-9708-019B960494DF}">
-                <a14:hiddenLine xmlns="" xmlns:a14="http://schemas.microsoft.com/office/drawing/2010/main" w="9525">
+                <a14:hiddenLine xmlns:a14="http://schemas.microsoft.com/office/drawing/2010/main" xmlns="" w="9525">
                   <a:solidFill>
                     <a:srgbClr val="000000"/>
                   </a:solidFill>
@@ -3370,7 +4591,7 @@
             </a:ln>
             <a:extLst>
               <a:ext uri="{91240B29-F687-4f45-9708-019B960494DF}">
-                <a14:hiddenLine xmlns="" xmlns:a14="http://schemas.microsoft.com/office/drawing/2010/main" w="9525">
+                <a14:hiddenLine xmlns:a14="http://schemas.microsoft.com/office/drawing/2010/main" xmlns="" w="9525">
                   <a:solidFill>
                     <a:srgbClr val="000000"/>
                   </a:solidFill>
@@ -3432,7 +4653,7 @@
             </a:ln>
             <a:extLst>
               <a:ext uri="{91240B29-F687-4f45-9708-019B960494DF}">
-                <a14:hiddenLine xmlns="" xmlns:a14="http://schemas.microsoft.com/office/drawing/2010/main" w="9525">
+                <a14:hiddenLine xmlns:a14="http://schemas.microsoft.com/office/drawing/2010/main" xmlns="" w="9525">
                   <a:solidFill>
                     <a:srgbClr val="000000"/>
                   </a:solidFill>
@@ -3522,7 +4743,7 @@
             </a:ln>
             <a:extLst>
               <a:ext uri="{91240B29-F687-4f45-9708-019B960494DF}">
-                <a14:hiddenLine xmlns="" xmlns:a14="http://schemas.microsoft.com/office/drawing/2010/main" w="9525">
+                <a14:hiddenLine xmlns:a14="http://schemas.microsoft.com/office/drawing/2010/main" xmlns="" w="9525">
                   <a:solidFill>
                     <a:srgbClr val="000000"/>
                   </a:solidFill>
@@ -3612,7 +4833,7 @@
             </a:ln>
             <a:extLst>
               <a:ext uri="{91240B29-F687-4f45-9708-019B960494DF}">
-                <a14:hiddenLine xmlns="" xmlns:a14="http://schemas.microsoft.com/office/drawing/2010/main" w="9525">
+                <a14:hiddenLine xmlns:a14="http://schemas.microsoft.com/office/drawing/2010/main" xmlns="" w="9525">
                   <a:solidFill>
                     <a:srgbClr val="000000"/>
                   </a:solidFill>
@@ -3677,7 +4898,7 @@
             </a:ln>
             <a:extLst>
               <a:ext uri="{91240B29-F687-4f45-9708-019B960494DF}">
-                <a14:hiddenLine xmlns="" xmlns:a14="http://schemas.microsoft.com/office/drawing/2010/main" w="9525">
+                <a14:hiddenLine xmlns:a14="http://schemas.microsoft.com/office/drawing/2010/main" xmlns="" w="9525">
                   <a:solidFill>
                     <a:srgbClr val="000000"/>
                   </a:solidFill>
@@ -3739,7 +4960,7 @@
             </a:ln>
             <a:extLst>
               <a:ext uri="{91240B29-F687-4f45-9708-019B960494DF}">
-                <a14:hiddenLine xmlns="" xmlns:a14="http://schemas.microsoft.com/office/drawing/2010/main" w="9525">
+                <a14:hiddenLine xmlns:a14="http://schemas.microsoft.com/office/drawing/2010/main" xmlns="" w="9525">
                   <a:solidFill>
                     <a:srgbClr val="000000"/>
                   </a:solidFill>
@@ -3829,7 +5050,7 @@
             </a:ln>
             <a:extLst>
               <a:ext uri="{91240B29-F687-4f45-9708-019B960494DF}">
-                <a14:hiddenLine xmlns="" xmlns:a14="http://schemas.microsoft.com/office/drawing/2010/main" w="9525">
+                <a14:hiddenLine xmlns:a14="http://schemas.microsoft.com/office/drawing/2010/main" xmlns="" w="9525">
                   <a:solidFill>
                     <a:srgbClr val="000000"/>
                   </a:solidFill>
@@ -3919,7 +5140,7 @@
             </a:ln>
             <a:extLst>
               <a:ext uri="{91240B29-F687-4f45-9708-019B960494DF}">
-                <a14:hiddenLine xmlns="" xmlns:a14="http://schemas.microsoft.com/office/drawing/2010/main" w="9525">
+                <a14:hiddenLine xmlns:a14="http://schemas.microsoft.com/office/drawing/2010/main" xmlns="" w="9525">
                   <a:solidFill>
                     <a:srgbClr val="000000"/>
                   </a:solidFill>
@@ -3981,7 +5202,7 @@
             </a:ln>
             <a:extLst>
               <a:ext uri="{91240B29-F687-4f45-9708-019B960494DF}">
-                <a14:hiddenLine xmlns="" xmlns:a14="http://schemas.microsoft.com/office/drawing/2010/main" w="9525">
+                <a14:hiddenLine xmlns:a14="http://schemas.microsoft.com/office/drawing/2010/main" xmlns="" w="9525">
                   <a:solidFill>
                     <a:srgbClr val="000000"/>
                   </a:solidFill>
@@ -4101,7 +5322,7 @@
             </a:ln>
             <a:extLst>
               <a:ext uri="{91240B29-F687-4f45-9708-019B960494DF}">
-                <a14:hiddenLine xmlns="" xmlns:a14="http://schemas.microsoft.com/office/drawing/2010/main" w="9525">
+                <a14:hiddenLine xmlns:a14="http://schemas.microsoft.com/office/drawing/2010/main" xmlns="" w="9525">
                   <a:solidFill>
                     <a:srgbClr val="000000"/>
                   </a:solidFill>
@@ -4169,7 +5390,7 @@
             </a:ln>
             <a:extLst>
               <a:ext uri="{91240B29-F687-4f45-9708-019B960494DF}">
-                <a14:hiddenLine xmlns="" xmlns:a14="http://schemas.microsoft.com/office/drawing/2010/main" w="9525">
+                <a14:hiddenLine xmlns:a14="http://schemas.microsoft.com/office/drawing/2010/main" xmlns="" w="9525">
                   <a:solidFill>
                     <a:srgbClr val="000000"/>
                   </a:solidFill>
@@ -4259,7 +5480,7 @@
             </a:ln>
             <a:extLst>
               <a:ext uri="{91240B29-F687-4f45-9708-019B960494DF}">
-                <a14:hiddenLine xmlns="" xmlns:a14="http://schemas.microsoft.com/office/drawing/2010/main" w="9525">
+                <a14:hiddenLine xmlns:a14="http://schemas.microsoft.com/office/drawing/2010/main" xmlns="" w="9525">
                   <a:solidFill>
                     <a:srgbClr val="000000"/>
                   </a:solidFill>
@@ -4399,7 +5620,7 @@
           <a:p>
             <a:fld id="{48A87A34-81AB-432B-8DAE-1953F412C126}" type="datetimeFigureOut">
               <a:rPr lang="en-US" dirty="0"/>
-              <a:t>3/26/2021</a:t>
+              <a:t>3/29/2021</a:t>
             </a:fld>
             <a:endParaRPr lang="en-US" dirty="0"/>
           </a:p>
@@ -4661,7 +5882,7 @@
           <a:p>
             <a:fld id="{48A87A34-81AB-432B-8DAE-1953F412C126}" type="datetimeFigureOut">
               <a:rPr lang="en-US" dirty="0"/>
-              <a:t>3/26/2021</a:t>
+              <a:t>3/29/2021</a:t>
             </a:fld>
             <a:endParaRPr lang="en-US" dirty="0"/>
           </a:p>
@@ -4852,7 +6073,7 @@
           <a:p>
             <a:fld id="{48A87A34-81AB-432B-8DAE-1953F412C126}" type="datetimeFigureOut">
               <a:rPr lang="en-US" dirty="0"/>
-              <a:t>3/26/2021</a:t>
+              <a:t>3/29/2021</a:t>
             </a:fld>
             <a:endParaRPr lang="en-US" dirty="0"/>
           </a:p>
@@ -5110,7 +6331,7 @@
           <a:p>
             <a:fld id="{48A87A34-81AB-432B-8DAE-1953F412C126}" type="datetimeFigureOut">
               <a:rPr lang="en-US" dirty="0"/>
-              <a:t>3/26/2021</a:t>
+              <a:t>3/29/2021</a:t>
             </a:fld>
             <a:endParaRPr lang="en-US" dirty="0"/>
           </a:p>
@@ -5539,7 +6760,7 @@
           <a:p>
             <a:fld id="{48A87A34-81AB-432B-8DAE-1953F412C126}" type="datetimeFigureOut">
               <a:rPr lang="en-US" dirty="0"/>
-              <a:t>3/26/2021</a:t>
+              <a:t>3/29/2021</a:t>
             </a:fld>
             <a:endParaRPr lang="en-US" dirty="0"/>
           </a:p>
@@ -6080,7 +7301,7 @@
           <a:p>
             <a:fld id="{48A87A34-81AB-432B-8DAE-1953F412C126}" type="datetimeFigureOut">
               <a:rPr lang="en-US" dirty="0"/>
-              <a:t>3/26/2021</a:t>
+              <a:t>3/29/2021</a:t>
             </a:fld>
             <a:endParaRPr lang="en-US" dirty="0"/>
           </a:p>
@@ -6795,7 +8016,7 @@
           <a:p>
             <a:fld id="{48A87A34-81AB-432B-8DAE-1953F412C126}" type="datetimeFigureOut">
               <a:rPr lang="en-US" dirty="0"/>
-              <a:t>3/26/2021</a:t>
+              <a:t>3/29/2021</a:t>
             </a:fld>
             <a:endParaRPr lang="en-US" dirty="0"/>
           </a:p>
@@ -6960,7 +8181,7 @@
           <a:p>
             <a:fld id="{48A87A34-81AB-432B-8DAE-1953F412C126}" type="datetimeFigureOut">
               <a:rPr lang="en-US" dirty="0"/>
-              <a:t>3/26/2021</a:t>
+              <a:t>3/29/2021</a:t>
             </a:fld>
             <a:endParaRPr lang="en-US" dirty="0"/>
           </a:p>
@@ -7135,7 +8356,7 @@
           <a:p>
             <a:fld id="{48A87A34-81AB-432B-8DAE-1953F412C126}" type="datetimeFigureOut">
               <a:rPr lang="en-US" dirty="0"/>
-              <a:t>3/26/2021</a:t>
+              <a:t>3/29/2021</a:t>
             </a:fld>
             <a:endParaRPr lang="en-US" dirty="0"/>
           </a:p>
@@ -7300,7 +8521,7 @@
           <a:p>
             <a:fld id="{48A87A34-81AB-432B-8DAE-1953F412C126}" type="datetimeFigureOut">
               <a:rPr lang="en-US" dirty="0"/>
-              <a:t>3/26/2021</a:t>
+              <a:t>3/29/2021</a:t>
             </a:fld>
             <a:endParaRPr lang="en-US" dirty="0"/>
           </a:p>
@@ -7545,7 +8766,7 @@
           <a:p>
             <a:fld id="{48A87A34-81AB-432B-8DAE-1953F412C126}" type="datetimeFigureOut">
               <a:rPr lang="en-US" dirty="0"/>
-              <a:t>3/26/2021</a:t>
+              <a:t>3/29/2021</a:t>
             </a:fld>
             <a:endParaRPr lang="en-US" dirty="0"/>
           </a:p>
@@ -7772,7 +8993,7 @@
           <a:p>
             <a:fld id="{48A87A34-81AB-432B-8DAE-1953F412C126}" type="datetimeFigureOut">
               <a:rPr lang="en-US" dirty="0"/>
-              <a:t>3/26/2021</a:t>
+              <a:t>3/29/2021</a:t>
             </a:fld>
             <a:endParaRPr lang="en-US" dirty="0"/>
           </a:p>
@@ -8148,7 +9369,7 @@
           <a:p>
             <a:fld id="{48A87A34-81AB-432B-8DAE-1953F412C126}" type="datetimeFigureOut">
               <a:rPr lang="en-US" dirty="0"/>
-              <a:t>3/26/2021</a:t>
+              <a:t>3/29/2021</a:t>
             </a:fld>
             <a:endParaRPr lang="en-US" dirty="0"/>
           </a:p>
@@ -8261,7 +9482,7 @@
           <a:p>
             <a:fld id="{48A87A34-81AB-432B-8DAE-1953F412C126}" type="datetimeFigureOut">
               <a:rPr lang="en-US" dirty="0"/>
-              <a:t>3/26/2021</a:t>
+              <a:t>3/29/2021</a:t>
             </a:fld>
             <a:endParaRPr lang="en-US" dirty="0"/>
           </a:p>
@@ -8351,7 +9572,7 @@
           <a:p>
             <a:fld id="{48A87A34-81AB-432B-8DAE-1953F412C126}" type="datetimeFigureOut">
               <a:rPr lang="en-US" dirty="0"/>
-              <a:t>3/26/2021</a:t>
+              <a:t>3/29/2021</a:t>
             </a:fld>
             <a:endParaRPr lang="en-US" dirty="0"/>
           </a:p>
@@ -8595,7 +9816,7 @@
           <a:p>
             <a:fld id="{48A87A34-81AB-432B-8DAE-1953F412C126}" type="datetimeFigureOut">
               <a:rPr lang="en-US" dirty="0"/>
-              <a:t>3/26/2021</a:t>
+              <a:t>3/29/2021</a:t>
             </a:fld>
             <a:endParaRPr lang="en-US" dirty="0"/>
           </a:p>
@@ -8870,7 +10091,7 @@
           <a:p>
             <a:fld id="{48A87A34-81AB-432B-8DAE-1953F412C126}" type="datetimeFigureOut">
               <a:rPr lang="en-US" dirty="0"/>
-              <a:t>3/26/2021</a:t>
+              <a:t>3/29/2021</a:t>
             </a:fld>
             <a:endParaRPr lang="en-US" dirty="0"/>
           </a:p>
@@ -8981,7 +10202,7 @@
           <a:noFill/>
           <a:extLst>
             <a:ext uri="{909E8E84-426E-40dd-AFC4-6F175D3DCCD1}">
-              <a14:hiddenFill xmlns="" xmlns:a14="http://schemas.microsoft.com/office/drawing/2010/main">
+              <a14:hiddenFill xmlns:a14="http://schemas.microsoft.com/office/drawing/2010/main" xmlns="">
                 <a:solidFill>
                   <a:srgbClr val="FFFFFF"/>
                 </a:solidFill>
@@ -9055,7 +10276,7 @@
               </a:ln>
               <a:extLst>
                 <a:ext uri="{91240B29-F687-4f45-9708-019B960494DF}">
-                  <a14:hiddenLine xmlns="" xmlns:a14="http://schemas.microsoft.com/office/drawing/2010/main" w="9525">
+                  <a14:hiddenLine xmlns:a14="http://schemas.microsoft.com/office/drawing/2010/main" xmlns="" w="9525">
                     <a:solidFill>
                       <a:srgbClr val="000000"/>
                     </a:solidFill>
@@ -9145,7 +10366,7 @@
               </a:ln>
               <a:extLst>
                 <a:ext uri="{91240B29-F687-4f45-9708-019B960494DF}">
-                  <a14:hiddenLine xmlns="" xmlns:a14="http://schemas.microsoft.com/office/drawing/2010/main" w="9525">
+                  <a14:hiddenLine xmlns:a14="http://schemas.microsoft.com/office/drawing/2010/main" xmlns="" w="9525">
                     <a:solidFill>
                       <a:srgbClr val="000000"/>
                     </a:solidFill>
@@ -9235,7 +10456,7 @@
               </a:ln>
               <a:extLst>
                 <a:ext uri="{91240B29-F687-4f45-9708-019B960494DF}">
-                  <a14:hiddenLine xmlns="" xmlns:a14="http://schemas.microsoft.com/office/drawing/2010/main" w="9525">
+                  <a14:hiddenLine xmlns:a14="http://schemas.microsoft.com/office/drawing/2010/main" xmlns="" w="9525">
                     <a:solidFill>
                       <a:srgbClr val="000000"/>
                     </a:solidFill>
@@ -9297,7 +10518,7 @@
               </a:ln>
               <a:extLst>
                 <a:ext uri="{91240B29-F687-4f45-9708-019B960494DF}">
-                  <a14:hiddenLine xmlns="" xmlns:a14="http://schemas.microsoft.com/office/drawing/2010/main" w="9525">
+                  <a14:hiddenLine xmlns:a14="http://schemas.microsoft.com/office/drawing/2010/main" xmlns="" w="9525">
                     <a:solidFill>
                       <a:srgbClr val="000000"/>
                     </a:solidFill>
@@ -9387,7 +10608,7 @@
               </a:ln>
               <a:extLst>
                 <a:ext uri="{91240B29-F687-4f45-9708-019B960494DF}">
-                  <a14:hiddenLine xmlns="" xmlns:a14="http://schemas.microsoft.com/office/drawing/2010/main" w="9525">
+                  <a14:hiddenLine xmlns:a14="http://schemas.microsoft.com/office/drawing/2010/main" xmlns="" w="9525">
                     <a:solidFill>
                       <a:srgbClr val="000000"/>
                     </a:solidFill>
@@ -9449,7 +10670,7 @@
               </a:ln>
               <a:extLst>
                 <a:ext uri="{91240B29-F687-4f45-9708-019B960494DF}">
-                  <a14:hiddenLine xmlns="" xmlns:a14="http://schemas.microsoft.com/office/drawing/2010/main" w="9525">
+                  <a14:hiddenLine xmlns:a14="http://schemas.microsoft.com/office/drawing/2010/main" xmlns="" w="9525">
                     <a:solidFill>
                       <a:srgbClr val="000000"/>
                     </a:solidFill>
@@ -9511,7 +10732,7 @@
               </a:ln>
               <a:extLst>
                 <a:ext uri="{91240B29-F687-4f45-9708-019B960494DF}">
-                  <a14:hiddenLine xmlns="" xmlns:a14="http://schemas.microsoft.com/office/drawing/2010/main" w="9525">
+                  <a14:hiddenLine xmlns:a14="http://schemas.microsoft.com/office/drawing/2010/main" xmlns="" w="9525">
                     <a:solidFill>
                       <a:srgbClr val="000000"/>
                     </a:solidFill>
@@ -9601,7 +10822,7 @@
               </a:ln>
               <a:extLst>
                 <a:ext uri="{91240B29-F687-4f45-9708-019B960494DF}">
-                  <a14:hiddenLine xmlns="" xmlns:a14="http://schemas.microsoft.com/office/drawing/2010/main" w="9525">
+                  <a14:hiddenLine xmlns:a14="http://schemas.microsoft.com/office/drawing/2010/main" xmlns="" w="9525">
                     <a:solidFill>
                       <a:srgbClr val="000000"/>
                     </a:solidFill>
@@ -9691,7 +10912,7 @@
               </a:ln>
               <a:extLst>
                 <a:ext uri="{91240B29-F687-4f45-9708-019B960494DF}">
-                  <a14:hiddenLine xmlns="" xmlns:a14="http://schemas.microsoft.com/office/drawing/2010/main" w="9525">
+                  <a14:hiddenLine xmlns:a14="http://schemas.microsoft.com/office/drawing/2010/main" xmlns="" w="9525">
                     <a:solidFill>
                       <a:srgbClr val="000000"/>
                     </a:solidFill>
@@ -9753,7 +10974,7 @@
               </a:ln>
               <a:extLst>
                 <a:ext uri="{91240B29-F687-4f45-9708-019B960494DF}">
-                  <a14:hiddenLine xmlns="" xmlns:a14="http://schemas.microsoft.com/office/drawing/2010/main" w="9525">
+                  <a14:hiddenLine xmlns:a14="http://schemas.microsoft.com/office/drawing/2010/main" xmlns="" w="9525">
                     <a:solidFill>
                       <a:srgbClr val="000000"/>
                     </a:solidFill>
@@ -9863,7 +11084,7 @@
               </a:ln>
               <a:extLst>
                 <a:ext uri="{91240B29-F687-4f45-9708-019B960494DF}">
-                  <a14:hiddenLine xmlns="" xmlns:a14="http://schemas.microsoft.com/office/drawing/2010/main" w="9525">
+                  <a14:hiddenLine xmlns:a14="http://schemas.microsoft.com/office/drawing/2010/main" xmlns="" w="9525">
                     <a:solidFill>
                       <a:srgbClr val="000000"/>
                     </a:solidFill>
@@ -9947,7 +11168,7 @@
               </a:ln>
               <a:extLst>
                 <a:ext uri="{91240B29-F687-4f45-9708-019B960494DF}">
-                  <a14:hiddenLine xmlns="" xmlns:a14="http://schemas.microsoft.com/office/drawing/2010/main" w="9525">
+                  <a14:hiddenLine xmlns:a14="http://schemas.microsoft.com/office/drawing/2010/main" xmlns="" w="9525">
                     <a:solidFill>
                       <a:srgbClr val="000000"/>
                     </a:solidFill>
@@ -10009,7 +11230,7 @@
               </a:ln>
               <a:extLst>
                 <a:ext uri="{91240B29-F687-4f45-9708-019B960494DF}">
-                  <a14:hiddenLine xmlns="" xmlns:a14="http://schemas.microsoft.com/office/drawing/2010/main" w="9525">
+                  <a14:hiddenLine xmlns:a14="http://schemas.microsoft.com/office/drawing/2010/main" xmlns="" w="9525">
                     <a:solidFill>
                       <a:srgbClr val="000000"/>
                     </a:solidFill>
@@ -10071,7 +11292,7 @@
               </a:ln>
               <a:extLst>
                 <a:ext uri="{91240B29-F687-4f45-9708-019B960494DF}">
-                  <a14:hiddenLine xmlns="" xmlns:a14="http://schemas.microsoft.com/office/drawing/2010/main" w="9525">
+                  <a14:hiddenLine xmlns:a14="http://schemas.microsoft.com/office/drawing/2010/main" xmlns="" w="9525">
                     <a:solidFill>
                       <a:srgbClr val="000000"/>
                     </a:solidFill>
@@ -10161,7 +11382,7 @@
               </a:ln>
               <a:extLst>
                 <a:ext uri="{91240B29-F687-4f45-9708-019B960494DF}">
-                  <a14:hiddenLine xmlns="" xmlns:a14="http://schemas.microsoft.com/office/drawing/2010/main" w="9525">
+                  <a14:hiddenLine xmlns:a14="http://schemas.microsoft.com/office/drawing/2010/main" xmlns="" w="9525">
                     <a:solidFill>
                       <a:srgbClr val="000000"/>
                     </a:solidFill>
@@ -10195,7 +11416,7 @@
               </a:ln>
               <a:extLst>
                 <a:ext uri="{91240B29-F687-4f45-9708-019B960494DF}">
-                  <a14:hiddenLine xmlns="" xmlns:a14="http://schemas.microsoft.com/office/drawing/2010/main" w="9525">
+                  <a14:hiddenLine xmlns:a14="http://schemas.microsoft.com/office/drawing/2010/main" xmlns="" w="9525">
                     <a:solidFill>
                       <a:srgbClr val="000000"/>
                     </a:solidFill>
@@ -10260,7 +11481,7 @@
               </a:ln>
               <a:extLst>
                 <a:ext uri="{91240B29-F687-4f45-9708-019B960494DF}">
-                  <a14:hiddenLine xmlns="" xmlns:a14="http://schemas.microsoft.com/office/drawing/2010/main" w="9525">
+                  <a14:hiddenLine xmlns:a14="http://schemas.microsoft.com/office/drawing/2010/main" xmlns="" w="9525">
                     <a:solidFill>
                       <a:srgbClr val="000000"/>
                     </a:solidFill>
@@ -10350,7 +11571,7 @@
               </a:ln>
               <a:extLst>
                 <a:ext uri="{91240B29-F687-4f45-9708-019B960494DF}">
-                  <a14:hiddenLine xmlns="" xmlns:a14="http://schemas.microsoft.com/office/drawing/2010/main" w="9525">
+                  <a14:hiddenLine xmlns:a14="http://schemas.microsoft.com/office/drawing/2010/main" xmlns="" w="9525">
                     <a:solidFill>
                       <a:srgbClr val="000000"/>
                     </a:solidFill>
@@ -10412,7 +11633,7 @@
               </a:ln>
               <a:extLst>
                 <a:ext uri="{91240B29-F687-4f45-9708-019B960494DF}">
-                  <a14:hiddenLine xmlns="" xmlns:a14="http://schemas.microsoft.com/office/drawing/2010/main" w="9525">
+                  <a14:hiddenLine xmlns:a14="http://schemas.microsoft.com/office/drawing/2010/main" xmlns="" w="9525">
                     <a:solidFill>
                       <a:srgbClr val="000000"/>
                     </a:solidFill>
@@ -10502,7 +11723,7 @@
               </a:ln>
               <a:extLst>
                 <a:ext uri="{91240B29-F687-4f45-9708-019B960494DF}">
-                  <a14:hiddenLine xmlns="" xmlns:a14="http://schemas.microsoft.com/office/drawing/2010/main" w="9525">
+                  <a14:hiddenLine xmlns:a14="http://schemas.microsoft.com/office/drawing/2010/main" xmlns="" w="9525">
                     <a:solidFill>
                       <a:srgbClr val="000000"/>
                     </a:solidFill>
@@ -10567,7 +11788,7 @@
               </a:ln>
               <a:extLst>
                 <a:ext uri="{91240B29-F687-4f45-9708-019B960494DF}">
-                  <a14:hiddenLine xmlns="" xmlns:a14="http://schemas.microsoft.com/office/drawing/2010/main" w="9525">
+                  <a14:hiddenLine xmlns:a14="http://schemas.microsoft.com/office/drawing/2010/main" xmlns="" w="9525">
                     <a:solidFill>
                       <a:srgbClr val="000000"/>
                     </a:solidFill>
@@ -10629,7 +11850,7 @@
               </a:ln>
               <a:extLst>
                 <a:ext uri="{91240B29-F687-4f45-9708-019B960494DF}">
-                  <a14:hiddenLine xmlns="" xmlns:a14="http://schemas.microsoft.com/office/drawing/2010/main" w="9525">
+                  <a14:hiddenLine xmlns:a14="http://schemas.microsoft.com/office/drawing/2010/main" xmlns="" w="9525">
                     <a:solidFill>
                       <a:srgbClr val="000000"/>
                     </a:solidFill>
@@ -10719,7 +11940,7 @@
               </a:ln>
               <a:extLst>
                 <a:ext uri="{91240B29-F687-4f45-9708-019B960494DF}">
-                  <a14:hiddenLine xmlns="" xmlns:a14="http://schemas.microsoft.com/office/drawing/2010/main" w="9525">
+                  <a14:hiddenLine xmlns:a14="http://schemas.microsoft.com/office/drawing/2010/main" xmlns="" w="9525">
                     <a:solidFill>
                       <a:srgbClr val="000000"/>
                     </a:solidFill>
@@ -10809,7 +12030,7 @@
               </a:ln>
               <a:extLst>
                 <a:ext uri="{91240B29-F687-4f45-9708-019B960494DF}">
-                  <a14:hiddenLine xmlns="" xmlns:a14="http://schemas.microsoft.com/office/drawing/2010/main" w="9525">
+                  <a14:hiddenLine xmlns:a14="http://schemas.microsoft.com/office/drawing/2010/main" xmlns="" w="9525">
                     <a:solidFill>
                       <a:srgbClr val="000000"/>
                     </a:solidFill>
@@ -10874,7 +12095,7 @@
               </a:ln>
               <a:extLst>
                 <a:ext uri="{91240B29-F687-4f45-9708-019B960494DF}">
-                  <a14:hiddenLine xmlns="" xmlns:a14="http://schemas.microsoft.com/office/drawing/2010/main" w="9525">
+                  <a14:hiddenLine xmlns:a14="http://schemas.microsoft.com/office/drawing/2010/main" xmlns="" w="9525">
                     <a:solidFill>
                       <a:srgbClr val="000000"/>
                     </a:solidFill>
@@ -10994,7 +12215,7 @@
               </a:ln>
               <a:extLst>
                 <a:ext uri="{91240B29-F687-4f45-9708-019B960494DF}">
-                  <a14:hiddenLine xmlns="" xmlns:a14="http://schemas.microsoft.com/office/drawing/2010/main" w="9525">
+                  <a14:hiddenLine xmlns:a14="http://schemas.microsoft.com/office/drawing/2010/main" xmlns="" w="9525">
                     <a:solidFill>
                       <a:srgbClr val="000000"/>
                     </a:solidFill>
@@ -11092,7 +12313,7 @@
               </a:ln>
               <a:extLst>
                 <a:ext uri="{91240B29-F687-4f45-9708-019B960494DF}">
-                  <a14:hiddenLine xmlns="" xmlns:a14="http://schemas.microsoft.com/office/drawing/2010/main" w="9525">
+                  <a14:hiddenLine xmlns:a14="http://schemas.microsoft.com/office/drawing/2010/main" xmlns="" w="9525">
                     <a:solidFill>
                       <a:srgbClr val="000000"/>
                     </a:solidFill>
@@ -11207,7 +12428,7 @@
               </a:ln>
               <a:extLst>
                 <a:ext uri="{91240B29-F687-4f45-9708-019B960494DF}">
-                  <a14:hiddenLine xmlns="" xmlns:a14="http://schemas.microsoft.com/office/drawing/2010/main" w="9525">
+                  <a14:hiddenLine xmlns:a14="http://schemas.microsoft.com/office/drawing/2010/main" xmlns="" w="9525">
                     <a:solidFill>
                       <a:srgbClr val="000000"/>
                     </a:solidFill>
@@ -11297,7 +12518,7 @@
               </a:ln>
               <a:extLst>
                 <a:ext uri="{91240B29-F687-4f45-9708-019B960494DF}">
-                  <a14:hiddenLine xmlns="" xmlns:a14="http://schemas.microsoft.com/office/drawing/2010/main" w="9525">
+                  <a14:hiddenLine xmlns:a14="http://schemas.microsoft.com/office/drawing/2010/main" xmlns="" w="9525">
                     <a:solidFill>
                       <a:srgbClr val="000000"/>
                     </a:solidFill>
@@ -11362,7 +12583,7 @@
               </a:ln>
               <a:extLst>
                 <a:ext uri="{91240B29-F687-4f45-9708-019B960494DF}">
-                  <a14:hiddenLine xmlns="" xmlns:a14="http://schemas.microsoft.com/office/drawing/2010/main" w="9525">
+                  <a14:hiddenLine xmlns:a14="http://schemas.microsoft.com/office/drawing/2010/main" xmlns="" w="9525">
                     <a:solidFill>
                       <a:srgbClr val="000000"/>
                     </a:solidFill>
@@ -11452,7 +12673,7 @@
               </a:ln>
               <a:extLst>
                 <a:ext uri="{91240B29-F687-4f45-9708-019B960494DF}">
-                  <a14:hiddenLine xmlns="" xmlns:a14="http://schemas.microsoft.com/office/drawing/2010/main" w="9525">
+                  <a14:hiddenLine xmlns:a14="http://schemas.microsoft.com/office/drawing/2010/main" xmlns="" w="9525">
                     <a:solidFill>
                       <a:srgbClr val="000000"/>
                     </a:solidFill>
@@ -11520,7 +12741,7 @@
               </a:ln>
               <a:extLst>
                 <a:ext uri="{91240B29-F687-4f45-9708-019B960494DF}">
-                  <a14:hiddenLine xmlns="" xmlns:a14="http://schemas.microsoft.com/office/drawing/2010/main" w="9525">
+                  <a14:hiddenLine xmlns:a14="http://schemas.microsoft.com/office/drawing/2010/main" xmlns="" w="9525">
                     <a:solidFill>
                       <a:srgbClr val="000000"/>
                     </a:solidFill>
@@ -11610,7 +12831,7 @@
               </a:ln>
               <a:extLst>
                 <a:ext uri="{91240B29-F687-4f45-9708-019B960494DF}">
-                  <a14:hiddenLine xmlns="" xmlns:a14="http://schemas.microsoft.com/office/drawing/2010/main" w="9525">
+                  <a14:hiddenLine xmlns:a14="http://schemas.microsoft.com/office/drawing/2010/main" xmlns="" w="9525">
                     <a:solidFill>
                       <a:srgbClr val="000000"/>
                     </a:solidFill>
@@ -11678,7 +12899,7 @@
               </a:ln>
               <a:extLst>
                 <a:ext uri="{91240B29-F687-4f45-9708-019B960494DF}">
-                  <a14:hiddenLine xmlns="" xmlns:a14="http://schemas.microsoft.com/office/drawing/2010/main" w="9525">
+                  <a14:hiddenLine xmlns:a14="http://schemas.microsoft.com/office/drawing/2010/main" xmlns="" w="9525">
                     <a:solidFill>
                       <a:srgbClr val="000000"/>
                     </a:solidFill>
@@ -11768,7 +12989,7 @@
               </a:ln>
               <a:extLst>
                 <a:ext uri="{91240B29-F687-4f45-9708-019B960494DF}">
-                  <a14:hiddenLine xmlns="" xmlns:a14="http://schemas.microsoft.com/office/drawing/2010/main" w="9525">
+                  <a14:hiddenLine xmlns:a14="http://schemas.microsoft.com/office/drawing/2010/main" xmlns="" w="9525">
                     <a:solidFill>
                       <a:srgbClr val="000000"/>
                     </a:solidFill>
@@ -11802,7 +13023,7 @@
               </a:ln>
               <a:extLst>
                 <a:ext uri="{91240B29-F687-4f45-9708-019B960494DF}">
-                  <a14:hiddenLine xmlns="" xmlns:a14="http://schemas.microsoft.com/office/drawing/2010/main" w="9525">
+                  <a14:hiddenLine xmlns:a14="http://schemas.microsoft.com/office/drawing/2010/main" xmlns="" w="9525">
                     <a:solidFill>
                       <a:srgbClr val="000000"/>
                     </a:solidFill>
@@ -11943,7 +13164,7 @@
             <a:fld id="{48A87A34-81AB-432B-8DAE-1953F412C126}" type="datetimeFigureOut">
               <a:rPr lang="en-US" dirty="0"/>
               <a:pPr/>
-              <a:t>3/26/2021</a:t>
+              <a:t>3/29/2021</a:t>
             </a:fld>
             <a:endParaRPr lang="en-US" dirty="0"/>
           </a:p>
@@ -12913,7 +14134,12 @@
             <p:ph type="title"/>
           </p:nvPr>
         </p:nvSpPr>
-        <p:spPr/>
+        <p:spPr>
+          <a:xfrm>
+            <a:off x="1141414" y="78381"/>
+            <a:ext cx="9905998" cy="1478570"/>
+          </a:xfrm>
+        </p:spPr>
         <p:txBody>
           <a:bodyPr/>
           <a:lstStyle/>
@@ -12941,15 +14167,23 @@
             <p:ph idx="1"/>
           </p:nvPr>
         </p:nvSpPr>
-        <p:spPr/>
+        <p:spPr>
+          <a:xfrm>
+            <a:off x="1141413" y="2249487"/>
+            <a:ext cx="9905999" cy="3541714"/>
+          </a:xfrm>
+        </p:spPr>
         <p:txBody>
           <a:bodyPr/>
           <a:lstStyle/>
           <a:p>
             <a:r>
               <a:rPr lang="pl-PL" dirty="0" err="1"/>
-              <a:t>while</a:t>
-            </a:r>
+              <a:t>While</a:t>
+            </a:r>
+            <a:endParaRPr lang="pl-PL" dirty="0"/>
+          </a:p>
+          <a:p>
             <a:endParaRPr lang="pl-PL" dirty="0"/>
           </a:p>
           <a:p>
@@ -12964,25 +14198,136 @@
             <a:endParaRPr lang="pl-PL" dirty="0"/>
           </a:p>
           <a:p>
+            <a:endParaRPr lang="pl-PL" dirty="0"/>
+          </a:p>
+          <a:p>
             <a:r>
               <a:rPr lang="pl-PL" dirty="0"/>
               <a:t>for</a:t>
             </a:r>
           </a:p>
-          <a:p>
-            <a:r>
-              <a:rPr lang="pl-PL" dirty="0">
-                <a:hlinkClick r:id="rId2"/>
-              </a:rPr>
-              <a:t>https://www.tutorialspoint.com/scala/scala_loop_types.htm</a:t>
-            </a:r>
-            <a:endParaRPr lang="pl-PL" dirty="0"/>
-          </a:p>
-          <a:p>
-            <a:endParaRPr lang="pl-PL" dirty="0"/>
-          </a:p>
         </p:txBody>
       </p:sp>
+      <p:pic>
+        <p:nvPicPr>
+          <p:cNvPr id="4" name="Picture 3">
+            <a:extLst>
+              <a:ext uri="{FF2B5EF4-FFF2-40B4-BE49-F238E27FC236}">
+                <a16:creationId xmlns:a16="http://schemas.microsoft.com/office/drawing/2014/main" id="{D3C9758A-70E6-401E-A113-1040160E88EA}"/>
+              </a:ext>
+            </a:extLst>
+          </p:cNvPr>
+          <p:cNvPicPr>
+            <a:picLocks noChangeAspect="1"/>
+          </p:cNvPicPr>
+          <p:nvPr/>
+        </p:nvPicPr>
+        <p:blipFill>
+          <a:blip r:embed="rId3"/>
+          <a:stretch>
+            <a:fillRect/>
+          </a:stretch>
+        </p:blipFill>
+        <p:spPr>
+          <a:xfrm>
+            <a:off x="6919491" y="2166463"/>
+            <a:ext cx="4280120" cy="3175163"/>
+          </a:xfrm>
+          <a:prstGeom prst="rect">
+            <a:avLst/>
+          </a:prstGeom>
+        </p:spPr>
+      </p:pic>
+      <p:pic>
+        <p:nvPicPr>
+          <p:cNvPr id="6" name="Picture 5">
+            <a:extLst>
+              <a:ext uri="{FF2B5EF4-FFF2-40B4-BE49-F238E27FC236}">
+                <a16:creationId xmlns:a16="http://schemas.microsoft.com/office/drawing/2014/main" id="{B66D6AEB-F05D-42BA-8DED-28D4C80F339E}"/>
+              </a:ext>
+            </a:extLst>
+          </p:cNvPr>
+          <p:cNvPicPr>
+            <a:picLocks noChangeAspect="1"/>
+          </p:cNvPicPr>
+          <p:nvPr/>
+        </p:nvPicPr>
+        <p:blipFill>
+          <a:blip r:embed="rId4"/>
+          <a:stretch>
+            <a:fillRect/>
+          </a:stretch>
+        </p:blipFill>
+        <p:spPr>
+          <a:xfrm>
+            <a:off x="3623022" y="3122656"/>
+            <a:ext cx="2438525" cy="1790792"/>
+          </a:xfrm>
+          <a:prstGeom prst="rect">
+            <a:avLst/>
+          </a:prstGeom>
+        </p:spPr>
+      </p:pic>
+      <p:pic>
+        <p:nvPicPr>
+          <p:cNvPr id="7" name="Picture 6">
+            <a:extLst>
+              <a:ext uri="{FF2B5EF4-FFF2-40B4-BE49-F238E27FC236}">
+                <a16:creationId xmlns:a16="http://schemas.microsoft.com/office/drawing/2014/main" id="{B0C81442-328B-4DD4-97B2-31DC0132D5B5}"/>
+              </a:ext>
+            </a:extLst>
+          </p:cNvPr>
+          <p:cNvPicPr>
+            <a:picLocks noChangeAspect="1"/>
+          </p:cNvPicPr>
+          <p:nvPr/>
+        </p:nvPicPr>
+        <p:blipFill>
+          <a:blip r:embed="rId5"/>
+          <a:stretch>
+            <a:fillRect/>
+          </a:stretch>
+        </p:blipFill>
+        <p:spPr>
+          <a:xfrm>
+            <a:off x="3623022" y="1350446"/>
+            <a:ext cx="2419474" cy="1632034"/>
+          </a:xfrm>
+          <a:prstGeom prst="rect">
+            <a:avLst/>
+          </a:prstGeom>
+        </p:spPr>
+      </p:pic>
+      <p:pic>
+        <p:nvPicPr>
+          <p:cNvPr id="8" name="Picture 7">
+            <a:extLst>
+              <a:ext uri="{FF2B5EF4-FFF2-40B4-BE49-F238E27FC236}">
+                <a16:creationId xmlns:a16="http://schemas.microsoft.com/office/drawing/2014/main" id="{6BBE575A-1392-4D53-9A47-A0C5755C6F40}"/>
+              </a:ext>
+            </a:extLst>
+          </p:cNvPr>
+          <p:cNvPicPr>
+            <a:picLocks noChangeAspect="1"/>
+          </p:cNvPicPr>
+          <p:nvPr/>
+        </p:nvPicPr>
+        <p:blipFill>
+          <a:blip r:embed="rId6"/>
+          <a:stretch>
+            <a:fillRect/>
+          </a:stretch>
+        </p:blipFill>
+        <p:spPr>
+          <a:xfrm>
+            <a:off x="3642073" y="5053624"/>
+            <a:ext cx="2419474" cy="1392642"/>
+          </a:xfrm>
+          <a:prstGeom prst="rect">
+            <a:avLst/>
+          </a:prstGeom>
+        </p:spPr>
+      </p:pic>
     </p:spTree>
     <p:extLst>
       <p:ext uri="{BB962C8B-B14F-4D97-AF65-F5344CB8AC3E}">
@@ -12997,6 +14342,533 @@
 </file>
 
 <file path=ppt/slides/slide4.xml><?xml version="1.0" encoding="utf-8"?>
+<p:sld xmlns:a="http://schemas.openxmlformats.org/drawingml/2006/main" xmlns:r="http://schemas.openxmlformats.org/officeDocument/2006/relationships" xmlns:p="http://schemas.openxmlformats.org/presentationml/2006/main">
+  <p:cSld>
+    <p:spTree>
+      <p:nvGrpSpPr>
+        <p:cNvPr id="1" name=""/>
+        <p:cNvGrpSpPr/>
+        <p:nvPr/>
+      </p:nvGrpSpPr>
+      <p:grpSpPr>
+        <a:xfrm>
+          <a:off x="0" y="0"/>
+          <a:ext cx="0" cy="0"/>
+          <a:chOff x="0" y="0"/>
+          <a:chExt cx="0" cy="0"/>
+        </a:xfrm>
+      </p:grpSpPr>
+      <p:sp>
+        <p:nvSpPr>
+          <p:cNvPr id="2" name="Tytuł 1">
+            <a:extLst>
+              <a:ext uri="{FF2B5EF4-FFF2-40B4-BE49-F238E27FC236}">
+                <a16:creationId xmlns:a16="http://schemas.microsoft.com/office/drawing/2014/main" id="{8CAEC374-7521-4C91-9ACD-5E1A45A244F7}"/>
+              </a:ext>
+            </a:extLst>
+          </p:cNvPr>
+          <p:cNvSpPr>
+            <a:spLocks noGrp="1"/>
+          </p:cNvSpPr>
+          <p:nvPr>
+            <p:ph type="title"/>
+          </p:nvPr>
+        </p:nvSpPr>
+        <p:spPr/>
+        <p:txBody>
+          <a:bodyPr/>
+          <a:lstStyle/>
+          <a:p>
+            <a:r>
+              <a:rPr lang="pl-PL" dirty="0" err="1"/>
+              <a:t>Ranges</a:t>
+            </a:r>
+            <a:endParaRPr lang="pl-PL" dirty="0"/>
+          </a:p>
+        </p:txBody>
+      </p:sp>
+      <p:sp>
+        <p:nvSpPr>
+          <p:cNvPr id="3" name="Symbol zastępczy zawartości 2">
+            <a:extLst>
+              <a:ext uri="{FF2B5EF4-FFF2-40B4-BE49-F238E27FC236}">
+                <a16:creationId xmlns:a16="http://schemas.microsoft.com/office/drawing/2014/main" id="{1778F441-815E-4984-AE65-4327714E8C75}"/>
+              </a:ext>
+            </a:extLst>
+          </p:cNvPr>
+          <p:cNvSpPr>
+            <a:spLocks noGrp="1"/>
+          </p:cNvSpPr>
+          <p:nvPr>
+            <p:ph idx="1"/>
+          </p:nvPr>
+        </p:nvSpPr>
+        <p:spPr>
+          <a:xfrm>
+            <a:off x="1141412" y="2249487"/>
+            <a:ext cx="4235987" cy="3541714"/>
+          </a:xfrm>
+        </p:spPr>
+        <p:txBody>
+          <a:bodyPr>
+            <a:normAutofit fontScale="85000" lnSpcReduction="20000"/>
+          </a:bodyPr>
+          <a:lstStyle/>
+          <a:p>
+            <a:r>
+              <a:rPr lang="pl-PL" dirty="0"/>
+              <a:t>1 to 10</a:t>
+            </a:r>
+          </a:p>
+          <a:p>
+            <a:r>
+              <a:rPr lang="pl-PL" dirty="0"/>
+              <a:t>1 </a:t>
+            </a:r>
+            <a:r>
+              <a:rPr lang="pl-PL" dirty="0" err="1"/>
+              <a:t>until</a:t>
+            </a:r>
+            <a:r>
+              <a:rPr lang="pl-PL" dirty="0"/>
+              <a:t> 10</a:t>
+            </a:r>
+          </a:p>
+          <a:p>
+            <a:r>
+              <a:rPr lang="pl-PL" dirty="0"/>
+              <a:t>1 to 10 by 2</a:t>
+            </a:r>
+          </a:p>
+          <a:p>
+            <a:r>
+              <a:rPr lang="pl-PL" dirty="0"/>
+              <a:t>'a' to ‚c’</a:t>
+            </a:r>
+          </a:p>
+          <a:p>
+            <a:endParaRPr lang="pl-PL" dirty="0"/>
+          </a:p>
+          <a:p>
+            <a:r>
+              <a:rPr lang="pl-PL" dirty="0"/>
+              <a:t>(1 to 10).</a:t>
+            </a:r>
+            <a:r>
+              <a:rPr lang="pl-PL" dirty="0" err="1"/>
+              <a:t>toList</a:t>
+            </a:r>
+            <a:endParaRPr lang="pl-PL" dirty="0"/>
+          </a:p>
+          <a:p>
+            <a:r>
+              <a:rPr lang="pl-PL" dirty="0"/>
+              <a:t>(1 to 10).</a:t>
+            </a:r>
+            <a:r>
+              <a:rPr lang="pl-PL" dirty="0" err="1"/>
+              <a:t>toArray</a:t>
+            </a:r>
+            <a:endParaRPr lang="pl-PL" dirty="0"/>
+          </a:p>
+          <a:p>
+            <a:r>
+              <a:rPr lang="pl-PL" dirty="0"/>
+              <a:t>(1 to 10).</a:t>
+            </a:r>
+            <a:r>
+              <a:rPr lang="pl-PL" dirty="0" err="1"/>
+              <a:t>toSet</a:t>
+            </a:r>
+            <a:endParaRPr lang="pl-PL" dirty="0"/>
+          </a:p>
+          <a:p>
+            <a:endParaRPr lang="pl-PL" dirty="0"/>
+          </a:p>
+        </p:txBody>
+      </p:sp>
+      <p:sp>
+        <p:nvSpPr>
+          <p:cNvPr id="5" name="Symbol zastępczy zawartości 2">
+            <a:extLst>
+              <a:ext uri="{FF2B5EF4-FFF2-40B4-BE49-F238E27FC236}">
+                <a16:creationId xmlns:a16="http://schemas.microsoft.com/office/drawing/2014/main" id="{8B8BED76-A509-461A-B43F-8292764F9049}"/>
+              </a:ext>
+            </a:extLst>
+          </p:cNvPr>
+          <p:cNvSpPr txBox="1">
+            <a:spLocks/>
+          </p:cNvSpPr>
+          <p:nvPr/>
+        </p:nvSpPr>
+        <p:spPr>
+          <a:xfrm>
+            <a:off x="5008939" y="911192"/>
+            <a:ext cx="4235987" cy="5059658"/>
+          </a:xfrm>
+          <a:prstGeom prst="rect">
+            <a:avLst/>
+          </a:prstGeom>
+        </p:spPr>
+        <p:txBody>
+          <a:bodyPr vert="horz" lIns="91440" tIns="45720" rIns="91440" bIns="45720" rtlCol="0">
+            <a:normAutofit/>
+          </a:bodyPr>
+          <a:lstStyle>
+            <a:lvl1pPr marL="228600" indent="-228600" algn="l" defTabSz="914400" rtl="0" eaLnBrk="1" latinLnBrk="0" hangingPunct="1">
+              <a:lnSpc>
+                <a:spcPct val="120000"/>
+              </a:lnSpc>
+              <a:spcBef>
+                <a:spcPts val="1000"/>
+              </a:spcBef>
+              <a:buSzPct val="125000"/>
+              <a:buFont typeface="Arial" panose="020B0604020202020204" pitchFamily="34" charset="0"/>
+              <a:buChar char="•"/>
+              <a:defRPr sz="2400" kern="1200">
+                <a:solidFill>
+                  <a:schemeClr val="tx1"/>
+                </a:solidFill>
+                <a:latin typeface="+mn-lt"/>
+                <a:ea typeface="+mn-ea"/>
+                <a:cs typeface="+mn-cs"/>
+              </a:defRPr>
+            </a:lvl1pPr>
+            <a:lvl2pPr marL="685800" indent="-228600" algn="l" defTabSz="914400" rtl="0" eaLnBrk="1" latinLnBrk="0" hangingPunct="1">
+              <a:lnSpc>
+                <a:spcPct val="120000"/>
+              </a:lnSpc>
+              <a:spcBef>
+                <a:spcPts val="500"/>
+              </a:spcBef>
+              <a:buSzPct val="125000"/>
+              <a:buFont typeface="Arial" panose="020B0604020202020204" pitchFamily="34" charset="0"/>
+              <a:buChar char="•"/>
+              <a:defRPr sz="2000" kern="1200">
+                <a:solidFill>
+                  <a:schemeClr val="tx1"/>
+                </a:solidFill>
+                <a:latin typeface="+mn-lt"/>
+                <a:ea typeface="+mn-ea"/>
+                <a:cs typeface="+mn-cs"/>
+              </a:defRPr>
+            </a:lvl2pPr>
+            <a:lvl3pPr marL="1143000" indent="-228600" algn="l" defTabSz="914400" rtl="0" eaLnBrk="1" latinLnBrk="0" hangingPunct="1">
+              <a:lnSpc>
+                <a:spcPct val="120000"/>
+              </a:lnSpc>
+              <a:spcBef>
+                <a:spcPts val="500"/>
+              </a:spcBef>
+              <a:buSzPct val="125000"/>
+              <a:buFont typeface="Arial" panose="020B0604020202020204" pitchFamily="34" charset="0"/>
+              <a:buChar char="•"/>
+              <a:defRPr sz="1800" kern="1200">
+                <a:solidFill>
+                  <a:schemeClr val="tx1"/>
+                </a:solidFill>
+                <a:latin typeface="+mn-lt"/>
+                <a:ea typeface="+mn-ea"/>
+                <a:cs typeface="+mn-cs"/>
+              </a:defRPr>
+            </a:lvl3pPr>
+            <a:lvl4pPr marL="1600200" indent="-228600" algn="l" defTabSz="914400" rtl="0" eaLnBrk="1" latinLnBrk="0" hangingPunct="1">
+              <a:lnSpc>
+                <a:spcPct val="120000"/>
+              </a:lnSpc>
+              <a:spcBef>
+                <a:spcPts val="500"/>
+              </a:spcBef>
+              <a:buSzPct val="125000"/>
+              <a:buFont typeface="Arial" panose="020B0604020202020204" pitchFamily="34" charset="0"/>
+              <a:buChar char="•"/>
+              <a:defRPr sz="1600" kern="1200">
+                <a:solidFill>
+                  <a:schemeClr val="tx1"/>
+                </a:solidFill>
+                <a:latin typeface="+mn-lt"/>
+                <a:ea typeface="+mn-ea"/>
+                <a:cs typeface="+mn-cs"/>
+              </a:defRPr>
+            </a:lvl4pPr>
+            <a:lvl5pPr marL="2057400" indent="-228600" algn="l" defTabSz="914400" rtl="0" eaLnBrk="1" latinLnBrk="0" hangingPunct="1">
+              <a:lnSpc>
+                <a:spcPct val="120000"/>
+              </a:lnSpc>
+              <a:spcBef>
+                <a:spcPts val="500"/>
+              </a:spcBef>
+              <a:buSzPct val="125000"/>
+              <a:buFont typeface="Arial" panose="020B0604020202020204" pitchFamily="34" charset="0"/>
+              <a:buChar char="•"/>
+              <a:defRPr sz="1600" kern="1200">
+                <a:solidFill>
+                  <a:schemeClr val="tx1"/>
+                </a:solidFill>
+                <a:latin typeface="+mn-lt"/>
+                <a:ea typeface="+mn-ea"/>
+                <a:cs typeface="+mn-cs"/>
+              </a:defRPr>
+            </a:lvl5pPr>
+            <a:lvl6pPr marL="2514600" indent="-228600" algn="l" defTabSz="914400" rtl="0" eaLnBrk="1" latinLnBrk="0" hangingPunct="1">
+              <a:lnSpc>
+                <a:spcPct val="120000"/>
+              </a:lnSpc>
+              <a:spcBef>
+                <a:spcPts val="500"/>
+              </a:spcBef>
+              <a:buSzPct val="125000"/>
+              <a:buFont typeface="Arial" panose="020B0604020202020204" pitchFamily="34" charset="0"/>
+              <a:buChar char="•"/>
+              <a:defRPr sz="1400" kern="1200">
+                <a:solidFill>
+                  <a:schemeClr val="tx1"/>
+                </a:solidFill>
+                <a:latin typeface="+mn-lt"/>
+                <a:ea typeface="+mn-ea"/>
+                <a:cs typeface="+mn-cs"/>
+              </a:defRPr>
+            </a:lvl6pPr>
+            <a:lvl7pPr marL="2971800" indent="-228600" algn="l" defTabSz="914400" rtl="0" eaLnBrk="1" latinLnBrk="0" hangingPunct="1">
+              <a:lnSpc>
+                <a:spcPct val="120000"/>
+              </a:lnSpc>
+              <a:spcBef>
+                <a:spcPts val="500"/>
+              </a:spcBef>
+              <a:buSzPct val="125000"/>
+              <a:buFont typeface="Arial" panose="020B0604020202020204" pitchFamily="34" charset="0"/>
+              <a:buChar char="•"/>
+              <a:defRPr sz="1400" kern="1200">
+                <a:solidFill>
+                  <a:schemeClr val="tx1"/>
+                </a:solidFill>
+                <a:latin typeface="+mn-lt"/>
+                <a:ea typeface="+mn-ea"/>
+                <a:cs typeface="+mn-cs"/>
+              </a:defRPr>
+            </a:lvl7pPr>
+            <a:lvl8pPr marL="3429000" indent="-228600" algn="l" defTabSz="914400" rtl="0" eaLnBrk="1" latinLnBrk="0" hangingPunct="1">
+              <a:lnSpc>
+                <a:spcPct val="120000"/>
+              </a:lnSpc>
+              <a:spcBef>
+                <a:spcPts val="500"/>
+              </a:spcBef>
+              <a:buSzPct val="125000"/>
+              <a:buFont typeface="Arial" panose="020B0604020202020204" pitchFamily="34" charset="0"/>
+              <a:buChar char="•"/>
+              <a:defRPr sz="1400" kern="1200">
+                <a:solidFill>
+                  <a:schemeClr val="tx1"/>
+                </a:solidFill>
+                <a:latin typeface="+mn-lt"/>
+                <a:ea typeface="+mn-ea"/>
+                <a:cs typeface="+mn-cs"/>
+              </a:defRPr>
+            </a:lvl8pPr>
+            <a:lvl9pPr marL="3886200" indent="-228600" algn="l" defTabSz="914400" rtl="0" eaLnBrk="1" latinLnBrk="0" hangingPunct="1">
+              <a:lnSpc>
+                <a:spcPct val="120000"/>
+              </a:lnSpc>
+              <a:spcBef>
+                <a:spcPts val="500"/>
+              </a:spcBef>
+              <a:buSzPct val="125000"/>
+              <a:buFont typeface="Arial" panose="020B0604020202020204" pitchFamily="34" charset="0"/>
+              <a:buChar char="•"/>
+              <a:defRPr sz="1400" kern="1200">
+                <a:solidFill>
+                  <a:schemeClr val="tx1"/>
+                </a:solidFill>
+                <a:latin typeface="+mn-lt"/>
+                <a:ea typeface="+mn-ea"/>
+                <a:cs typeface="+mn-cs"/>
+              </a:defRPr>
+            </a:lvl9pPr>
+          </a:lstStyle>
+          <a:p>
+            <a:pPr marL="0" indent="0">
+              <a:buNone/>
+            </a:pPr>
+            <a:r>
+              <a:rPr lang="pl-PL" dirty="0"/>
+              <a:t>Związane z pętlą for:</a:t>
+            </a:r>
+          </a:p>
+          <a:p>
+            <a:r>
+              <a:rPr lang="pl-PL" dirty="0"/>
+              <a:t>For z filtrami: </a:t>
+            </a:r>
+          </a:p>
+          <a:p>
+            <a:endParaRPr lang="pl-PL" dirty="0"/>
+          </a:p>
+          <a:p>
+            <a:r>
+              <a:rPr lang="pl-PL" dirty="0" err="1"/>
+              <a:t>Multiple</a:t>
+            </a:r>
+            <a:r>
+              <a:rPr lang="pl-PL" dirty="0"/>
+              <a:t> </a:t>
+            </a:r>
+            <a:r>
+              <a:rPr lang="pl-PL" dirty="0" err="1"/>
+              <a:t>ranges</a:t>
+            </a:r>
+            <a:r>
+              <a:rPr lang="pl-PL" dirty="0"/>
+              <a:t>: </a:t>
+            </a:r>
+          </a:p>
+          <a:p>
+            <a:endParaRPr lang="pl-PL" dirty="0"/>
+          </a:p>
+          <a:p>
+            <a:endParaRPr lang="pl-PL" dirty="0"/>
+          </a:p>
+          <a:p>
+            <a:endParaRPr lang="pl-PL" dirty="0"/>
+          </a:p>
+          <a:p>
+            <a:endParaRPr lang="pl-PL" dirty="0"/>
+          </a:p>
+          <a:p>
+            <a:r>
+              <a:rPr lang="pl-PL" dirty="0" err="1"/>
+              <a:t>Yield</a:t>
+            </a:r>
+            <a:r>
+              <a:rPr lang="pl-PL" dirty="0"/>
+              <a:t>:</a:t>
+            </a:r>
+          </a:p>
+          <a:p>
+            <a:endParaRPr lang="pl-PL" dirty="0"/>
+          </a:p>
+          <a:p>
+            <a:pPr marL="0" indent="0">
+              <a:buNone/>
+            </a:pPr>
+            <a:endParaRPr lang="pl-PL" dirty="0"/>
+          </a:p>
+          <a:p>
+            <a:endParaRPr lang="pl-PL" dirty="0"/>
+          </a:p>
+          <a:p>
+            <a:endParaRPr lang="pl-PL" dirty="0"/>
+          </a:p>
+          <a:p>
+            <a:endParaRPr lang="pl-PL" dirty="0"/>
+          </a:p>
+        </p:txBody>
+      </p:sp>
+      <p:pic>
+        <p:nvPicPr>
+          <p:cNvPr id="6" name="Picture 5">
+            <a:extLst>
+              <a:ext uri="{FF2B5EF4-FFF2-40B4-BE49-F238E27FC236}">
+                <a16:creationId xmlns:a16="http://schemas.microsoft.com/office/drawing/2014/main" id="{5D75680A-205F-4B9A-A89E-C4326EA8FA08}"/>
+              </a:ext>
+            </a:extLst>
+          </p:cNvPr>
+          <p:cNvPicPr>
+            <a:picLocks noChangeAspect="1"/>
+          </p:cNvPicPr>
+          <p:nvPr/>
+        </p:nvPicPr>
+        <p:blipFill>
+          <a:blip r:embed="rId3"/>
+          <a:stretch>
+            <a:fillRect/>
+          </a:stretch>
+        </p:blipFill>
+        <p:spPr>
+          <a:xfrm>
+            <a:off x="7456587" y="1524385"/>
+            <a:ext cx="3670489" cy="1104957"/>
+          </a:xfrm>
+          <a:prstGeom prst="rect">
+            <a:avLst/>
+          </a:prstGeom>
+        </p:spPr>
+      </p:pic>
+      <p:pic>
+        <p:nvPicPr>
+          <p:cNvPr id="7" name="Picture 6">
+            <a:extLst>
+              <a:ext uri="{FF2B5EF4-FFF2-40B4-BE49-F238E27FC236}">
+                <a16:creationId xmlns:a16="http://schemas.microsoft.com/office/drawing/2014/main" id="{90F0A87F-716E-4B60-A7AB-D7274F6DF0BD}"/>
+              </a:ext>
+            </a:extLst>
+          </p:cNvPr>
+          <p:cNvPicPr>
+            <a:picLocks noChangeAspect="1"/>
+          </p:cNvPicPr>
+          <p:nvPr/>
+        </p:nvPicPr>
+        <p:blipFill>
+          <a:blip r:embed="rId4"/>
+          <a:stretch>
+            <a:fillRect/>
+          </a:stretch>
+        </p:blipFill>
+        <p:spPr>
+          <a:xfrm>
+            <a:off x="7456587" y="2775680"/>
+            <a:ext cx="3867349" cy="2489328"/>
+          </a:xfrm>
+          <a:prstGeom prst="rect">
+            <a:avLst/>
+          </a:prstGeom>
+        </p:spPr>
+      </p:pic>
+      <p:pic>
+        <p:nvPicPr>
+          <p:cNvPr id="8" name="Picture 7">
+            <a:extLst>
+              <a:ext uri="{FF2B5EF4-FFF2-40B4-BE49-F238E27FC236}">
+                <a16:creationId xmlns:a16="http://schemas.microsoft.com/office/drawing/2014/main" id="{D2C29452-1347-42C6-BF88-87C3D7F9A405}"/>
+              </a:ext>
+            </a:extLst>
+          </p:cNvPr>
+          <p:cNvPicPr>
+            <a:picLocks noChangeAspect="1"/>
+          </p:cNvPicPr>
+          <p:nvPr/>
+        </p:nvPicPr>
+        <p:blipFill>
+          <a:blip r:embed="rId5"/>
+          <a:stretch>
+            <a:fillRect/>
+          </a:stretch>
+        </p:blipFill>
+        <p:spPr>
+          <a:xfrm>
+            <a:off x="7456587" y="5362702"/>
+            <a:ext cx="3194214" cy="914447"/>
+          </a:xfrm>
+          <a:prstGeom prst="rect">
+            <a:avLst/>
+          </a:prstGeom>
+        </p:spPr>
+      </p:pic>
+    </p:spTree>
+    <p:extLst>
+      <p:ext uri="{BB962C8B-B14F-4D97-AF65-F5344CB8AC3E}">
+        <p14:creationId xmlns:p14="http://schemas.microsoft.com/office/powerpoint/2010/main" val="2789720930"/>
+      </p:ext>
+    </p:extLst>
+  </p:cSld>
+  <p:clrMapOvr>
+    <a:masterClrMapping/>
+  </p:clrMapOvr>
+</p:sld>
+</file>
+
+<file path=ppt/slides/slide5.xml><?xml version="1.0" encoding="utf-8"?>
 <p:sld xmlns:a="http://schemas.openxmlformats.org/drawingml/2006/main" xmlns:r="http://schemas.openxmlformats.org/officeDocument/2006/relationships" xmlns:p="http://schemas.openxmlformats.org/presentationml/2006/main">
   <p:cSld>
     <p:spTree>
@@ -13071,22 +14943,22 @@
           <a:lstStyle/>
           <a:p>
             <a:r>
-              <a:rPr lang="pl-PL" dirty="0">
-                <a:hlinkClick r:id="rId2"/>
-              </a:rPr>
-              <a:t>https://docs.scala-lang.org/overviews/scala-book/for-loops.htmlforeach</a:t>
-            </a:r>
-            <a:r>
-              <a:rPr lang="pl-PL" dirty="0"/>
-              <a:t> </a:t>
-            </a:r>
-          </a:p>
-          <a:p>
+              <a:rPr lang="pl-PL" i="1" dirty="0"/>
+              <a:t>„</a:t>
+            </a:r>
+            <a:r>
+              <a:rPr lang="en-US" i="1" dirty="0"/>
+              <a:t>foreach takes a procedure — a function with a result type Unit — as the right operand. It simply applies the procedure to each List element. The result of the operation is again Unit; no list of results is assembled.</a:t>
+            </a:r>
+            <a:r>
+              <a:rPr lang="pl-PL" i="1" dirty="0"/>
+              <a:t>” – </a:t>
+            </a:r>
             <a:r>
               <a:rPr lang="pl-PL" dirty="0">
                 <a:hlinkClick r:id="rId3"/>
               </a:rPr>
-              <a:t>https://alvinalexander.com/scala/iterating-scala-lists-foreach-for-comprehension/</a:t>
+              <a:t>Programming in Scala</a:t>
             </a:r>
             <a:endParaRPr lang="pl-PL" dirty="0"/>
           </a:p>
@@ -13095,103 +14967,70 @@
           </a:p>
         </p:txBody>
       </p:sp>
+      <p:pic>
+        <p:nvPicPr>
+          <p:cNvPr id="4" name="Picture 3">
+            <a:extLst>
+              <a:ext uri="{FF2B5EF4-FFF2-40B4-BE49-F238E27FC236}">
+                <a16:creationId xmlns:a16="http://schemas.microsoft.com/office/drawing/2014/main" id="{8C77DCA6-2F9D-4B75-B7E8-CFE9D4CAE7F8}"/>
+              </a:ext>
+            </a:extLst>
+          </p:cNvPr>
+          <p:cNvPicPr>
+            <a:picLocks noChangeAspect="1"/>
+          </p:cNvPicPr>
+          <p:nvPr/>
+        </p:nvPicPr>
+        <p:blipFill>
+          <a:blip r:embed="rId4"/>
+          <a:stretch>
+            <a:fillRect/>
+          </a:stretch>
+        </p:blipFill>
+        <p:spPr>
+          <a:xfrm>
+            <a:off x="1597142" y="4014095"/>
+            <a:ext cx="4100255" cy="2225387"/>
+          </a:xfrm>
+          <a:prstGeom prst="rect">
+            <a:avLst/>
+          </a:prstGeom>
+        </p:spPr>
+      </p:pic>
+      <p:pic>
+        <p:nvPicPr>
+          <p:cNvPr id="5" name="Picture 4">
+            <a:extLst>
+              <a:ext uri="{FF2B5EF4-FFF2-40B4-BE49-F238E27FC236}">
+                <a16:creationId xmlns:a16="http://schemas.microsoft.com/office/drawing/2014/main" id="{001C9F05-7A68-4DB2-B961-67E3451235E1}"/>
+              </a:ext>
+            </a:extLst>
+          </p:cNvPr>
+          <p:cNvPicPr>
+            <a:picLocks noChangeAspect="1"/>
+          </p:cNvPicPr>
+          <p:nvPr/>
+        </p:nvPicPr>
+        <p:blipFill>
+          <a:blip r:embed="rId5"/>
+          <a:stretch>
+            <a:fillRect/>
+          </a:stretch>
+        </p:blipFill>
+        <p:spPr>
+          <a:xfrm>
+            <a:off x="6153126" y="3758049"/>
+            <a:ext cx="4282629" cy="2749975"/>
+          </a:xfrm>
+          <a:prstGeom prst="rect">
+            <a:avLst/>
+          </a:prstGeom>
+        </p:spPr>
+      </p:pic>
     </p:spTree>
     <p:extLst>
       <p:ext uri="{BB962C8B-B14F-4D97-AF65-F5344CB8AC3E}">
         <p14:creationId xmlns:p14="http://schemas.microsoft.com/office/powerpoint/2010/main" val="3101150038"/>
-      </p:ext>
-    </p:extLst>
-  </p:cSld>
-  <p:clrMapOvr>
-    <a:masterClrMapping/>
-  </p:clrMapOvr>
-</p:sld>
-</file>
-
-<file path=ppt/slides/slide5.xml><?xml version="1.0" encoding="utf-8"?>
-<p:sld xmlns:a="http://schemas.openxmlformats.org/drawingml/2006/main" xmlns:r="http://schemas.openxmlformats.org/officeDocument/2006/relationships" xmlns:p="http://schemas.openxmlformats.org/presentationml/2006/main">
-  <p:cSld>
-    <p:spTree>
-      <p:nvGrpSpPr>
-        <p:cNvPr id="1" name=""/>
-        <p:cNvGrpSpPr/>
-        <p:nvPr/>
-      </p:nvGrpSpPr>
-      <p:grpSpPr>
-        <a:xfrm>
-          <a:off x="0" y="0"/>
-          <a:ext cx="0" cy="0"/>
-          <a:chOff x="0" y="0"/>
-          <a:chExt cx="0" cy="0"/>
-        </a:xfrm>
-      </p:grpSpPr>
-      <p:sp>
-        <p:nvSpPr>
-          <p:cNvPr id="2" name="Tytuł 1">
-            <a:extLst>
-              <a:ext uri="{FF2B5EF4-FFF2-40B4-BE49-F238E27FC236}">
-                <a16:creationId xmlns:a16="http://schemas.microsoft.com/office/drawing/2014/main" id="{8CAEC374-7521-4C91-9ACD-5E1A45A244F7}"/>
-              </a:ext>
-            </a:extLst>
-          </p:cNvPr>
-          <p:cNvSpPr>
-            <a:spLocks noGrp="1"/>
-          </p:cNvSpPr>
-          <p:nvPr>
-            <p:ph type="title"/>
-          </p:nvPr>
-        </p:nvSpPr>
-        <p:spPr/>
-        <p:txBody>
-          <a:bodyPr/>
-          <a:lstStyle/>
-          <a:p>
-            <a:r>
-              <a:rPr lang="pl-PL" dirty="0" err="1"/>
-              <a:t>Ranges</a:t>
-            </a:r>
-            <a:endParaRPr lang="pl-PL" dirty="0"/>
-          </a:p>
-        </p:txBody>
-      </p:sp>
-      <p:sp>
-        <p:nvSpPr>
-          <p:cNvPr id="3" name="Symbol zastępczy zawartości 2">
-            <a:extLst>
-              <a:ext uri="{FF2B5EF4-FFF2-40B4-BE49-F238E27FC236}">
-                <a16:creationId xmlns:a16="http://schemas.microsoft.com/office/drawing/2014/main" id="{1778F441-815E-4984-AE65-4327714E8C75}"/>
-              </a:ext>
-            </a:extLst>
-          </p:cNvPr>
-          <p:cNvSpPr>
-            <a:spLocks noGrp="1"/>
-          </p:cNvSpPr>
-          <p:nvPr>
-            <p:ph idx="1"/>
-          </p:nvPr>
-        </p:nvSpPr>
-        <p:spPr/>
-        <p:txBody>
-          <a:bodyPr/>
-          <a:lstStyle/>
-          <a:p>
-            <a:r>
-              <a:rPr lang="pl-PL" dirty="0">
-                <a:hlinkClick r:id="rId2"/>
-              </a:rPr>
-              <a:t>https://alvinalexander.com/scala/how-to-use-range-class-in-scala-cookbook/</a:t>
-            </a:r>
-            <a:endParaRPr lang="pl-PL" dirty="0"/>
-          </a:p>
-          <a:p>
-            <a:endParaRPr lang="pl-PL" dirty="0"/>
-          </a:p>
-        </p:txBody>
-      </p:sp>
-    </p:spTree>
-    <p:extLst>
-      <p:ext uri="{BB962C8B-B14F-4D97-AF65-F5344CB8AC3E}">
-        <p14:creationId xmlns:p14="http://schemas.microsoft.com/office/powerpoint/2010/main" val="2789720930"/>
       </p:ext>
     </p:extLst>
   </p:cSld>
@@ -13262,24 +15101,117 @@
             <p:ph idx="1"/>
           </p:nvPr>
         </p:nvSpPr>
-        <p:spPr/>
+        <p:spPr>
+          <a:xfrm>
+            <a:off x="591285" y="1837548"/>
+            <a:ext cx="7312217" cy="3541714"/>
+          </a:xfrm>
+        </p:spPr>
         <p:txBody>
           <a:bodyPr/>
           <a:lstStyle/>
           <a:p>
             <a:r>
-              <a:rPr lang="pl-PL" dirty="0">
-                <a:hlinkClick r:id="rId2"/>
+              <a:rPr lang="pl-PL" dirty="0"/>
+              <a:t>Przechowywanie stałych elementów tego samego typu</a:t>
+            </a:r>
+          </a:p>
+          <a:p>
+            <a:r>
+              <a:rPr lang="pl-PL" i="1" dirty="0"/>
+              <a:t>„</a:t>
+            </a:r>
+            <a:r>
+              <a:rPr lang="en-US" i="1" dirty="0"/>
+              <a:t>Arrays are mutable, indexed collections of values. </a:t>
+            </a:r>
+            <a:br>
+              <a:rPr lang="pl-PL" i="1" dirty="0"/>
+            </a:br>
+            <a:r>
+              <a:rPr lang="en-US" i="1" dirty="0"/>
+              <a:t>Array[T] is Scala's representation for Java's T[].</a:t>
+            </a:r>
+            <a:r>
+              <a:rPr lang="pl-PL" i="1" dirty="0"/>
+              <a:t>” – </a:t>
+            </a:r>
+            <a:r>
+              <a:rPr lang="pl-PL" i="1" dirty="0">
+                <a:hlinkClick r:id="rId3"/>
               </a:rPr>
-              <a:t>https://www.tutorialspoint.com/scala/scala_arrays.htm</a:t>
-            </a:r>
-            <a:endParaRPr lang="pl-PL" dirty="0"/>
-          </a:p>
-          <a:p>
-            <a:endParaRPr lang="pl-PL" dirty="0"/>
+              <a:t>scala </a:t>
+            </a:r>
+            <a:r>
+              <a:rPr lang="pl-PL" i="1" dirty="0" err="1">
+                <a:hlinkClick r:id="rId3"/>
+              </a:rPr>
+              <a:t>documentation</a:t>
+            </a:r>
+            <a:endParaRPr lang="pl-PL" i="1" dirty="0"/>
           </a:p>
         </p:txBody>
       </p:sp>
+      <p:pic>
+        <p:nvPicPr>
+          <p:cNvPr id="5" name="Picture 4">
+            <a:extLst>
+              <a:ext uri="{FF2B5EF4-FFF2-40B4-BE49-F238E27FC236}">
+                <a16:creationId xmlns:a16="http://schemas.microsoft.com/office/drawing/2014/main" id="{F573656E-6745-48EE-A6BF-D01D7B578A87}"/>
+              </a:ext>
+            </a:extLst>
+          </p:cNvPr>
+          <p:cNvPicPr>
+            <a:picLocks noChangeAspect="1"/>
+          </p:cNvPicPr>
+          <p:nvPr/>
+        </p:nvPicPr>
+        <p:blipFill>
+          <a:blip r:embed="rId4"/>
+          <a:stretch>
+            <a:fillRect/>
+          </a:stretch>
+        </p:blipFill>
+        <p:spPr>
+          <a:xfrm>
+            <a:off x="1485748" y="3806348"/>
+            <a:ext cx="4900062" cy="2753932"/>
+          </a:xfrm>
+          <a:prstGeom prst="rect">
+            <a:avLst/>
+          </a:prstGeom>
+        </p:spPr>
+      </p:pic>
+      <p:pic>
+        <p:nvPicPr>
+          <p:cNvPr id="6" name="Picture 5">
+            <a:extLst>
+              <a:ext uri="{FF2B5EF4-FFF2-40B4-BE49-F238E27FC236}">
+                <a16:creationId xmlns:a16="http://schemas.microsoft.com/office/drawing/2014/main" id="{CE22DDED-89BF-435F-BB9E-C8CCE07E50FB}"/>
+              </a:ext>
+            </a:extLst>
+          </p:cNvPr>
+          <p:cNvPicPr>
+            <a:picLocks noChangeAspect="1"/>
+          </p:cNvPicPr>
+          <p:nvPr/>
+        </p:nvPicPr>
+        <p:blipFill>
+          <a:blip r:embed="rId5"/>
+          <a:stretch>
+            <a:fillRect/>
+          </a:stretch>
+        </p:blipFill>
+        <p:spPr>
+          <a:xfrm>
+            <a:off x="7903502" y="1478738"/>
+            <a:ext cx="3868648" cy="4655220"/>
+          </a:xfrm>
+          <a:prstGeom prst="rect">
+            <a:avLst/>
+          </a:prstGeom>
+        </p:spPr>
+      </p:pic>
     </p:spTree>
     <p:extLst>
       <p:ext uri="{BB962C8B-B14F-4D97-AF65-F5344CB8AC3E}">
@@ -13354,24 +15286,108 @@
             <p:ph idx="1"/>
           </p:nvPr>
         </p:nvSpPr>
-        <p:spPr/>
+        <p:spPr>
+          <a:xfrm>
+            <a:off x="1141412" y="2249487"/>
+            <a:ext cx="5836509" cy="3541714"/>
+          </a:xfrm>
+        </p:spPr>
         <p:txBody>
           <a:bodyPr/>
           <a:lstStyle/>
           <a:p>
             <a:r>
-              <a:rPr lang="pl-PL" dirty="0">
-                <a:hlinkClick r:id="rId2"/>
+              <a:rPr lang="pl-PL" i="1" dirty="0" err="1"/>
+              <a:t>Immutable</a:t>
+            </a:r>
+            <a:endParaRPr lang="pl-PL" i="1" dirty="0"/>
+          </a:p>
+          <a:p>
+            <a:r>
+              <a:rPr lang="pl-PL" i="1" dirty="0"/>
+              <a:t>„</a:t>
+            </a:r>
+            <a:r>
+              <a:rPr lang="en-US" i="1" dirty="0"/>
+              <a:t>Sequences are special cases of </a:t>
+            </a:r>
+            <a:r>
+              <a:rPr lang="en-US" i="1" dirty="0" err="1"/>
+              <a:t>iterable</a:t>
+            </a:r>
+            <a:r>
+              <a:rPr lang="en-US" i="1" dirty="0"/>
+              <a:t> collections of class </a:t>
+            </a:r>
+            <a:r>
+              <a:rPr lang="en-US" i="1" dirty="0" err="1"/>
+              <a:t>Iterable</a:t>
+            </a:r>
+            <a:r>
+              <a:rPr lang="en-US" i="1" dirty="0"/>
+              <a:t>. Unlike </a:t>
+            </a:r>
+            <a:r>
+              <a:rPr lang="en-US" i="1" dirty="0" err="1"/>
+              <a:t>iterables</a:t>
+            </a:r>
+            <a:r>
+              <a:rPr lang="en-US" i="1" dirty="0"/>
+              <a:t>, sequences always have a defined order of elements</a:t>
+            </a:r>
+            <a:r>
+              <a:rPr lang="pl-PL" i="1" dirty="0"/>
+              <a:t>” – </a:t>
+            </a:r>
+            <a:r>
+              <a:rPr lang="pl-PL" i="1" dirty="0">
+                <a:hlinkClick r:id="rId3"/>
               </a:rPr>
-              <a:t>https://stackoverflow.com/questions/10866639/difference-between-a-seq-and-a-list-in-scala</a:t>
-            </a:r>
-            <a:endParaRPr lang="pl-PL" dirty="0"/>
+              <a:t>scala </a:t>
+            </a:r>
+            <a:r>
+              <a:rPr lang="pl-PL" i="1" dirty="0" err="1">
+                <a:hlinkClick r:id="rId3"/>
+              </a:rPr>
+              <a:t>documentation</a:t>
+            </a:r>
+            <a:endParaRPr lang="pl-PL" i="1" dirty="0"/>
           </a:p>
           <a:p>
             <a:endParaRPr lang="pl-PL" dirty="0"/>
           </a:p>
         </p:txBody>
       </p:sp>
+      <p:pic>
+        <p:nvPicPr>
+          <p:cNvPr id="5" name="Picture 4">
+            <a:extLst>
+              <a:ext uri="{FF2B5EF4-FFF2-40B4-BE49-F238E27FC236}">
+                <a16:creationId xmlns:a16="http://schemas.microsoft.com/office/drawing/2014/main" id="{61BCA651-4B04-406D-A453-1650665EE6D2}"/>
+              </a:ext>
+            </a:extLst>
+          </p:cNvPr>
+          <p:cNvPicPr>
+            <a:picLocks noChangeAspect="1"/>
+          </p:cNvPicPr>
+          <p:nvPr/>
+        </p:nvPicPr>
+        <p:blipFill>
+          <a:blip r:embed="rId4"/>
+          <a:stretch>
+            <a:fillRect/>
+          </a:stretch>
+        </p:blipFill>
+        <p:spPr>
+          <a:xfrm>
+            <a:off x="7046023" y="1994654"/>
+            <a:ext cx="4131930" cy="3100829"/>
+          </a:xfrm>
+          <a:prstGeom prst="rect">
+            <a:avLst/>
+          </a:prstGeom>
+        </p:spPr>
+      </p:pic>
     </p:spTree>
     <p:extLst>
       <p:ext uri="{BB962C8B-B14F-4D97-AF65-F5344CB8AC3E}">
@@ -13801,4 +15817,299 @@
     </a:ext>
   </a:extLst>
 </a:theme>
+</file>
+
+<file path=ppt/theme/theme2.xml><?xml version="1.0" encoding="utf-8"?>
+<a:theme xmlns:a="http://schemas.openxmlformats.org/drawingml/2006/main" name="Office Theme">
+  <a:themeElements>
+    <a:clrScheme name="Office">
+      <a:dk1>
+        <a:sysClr val="windowText" lastClr="000000"/>
+      </a:dk1>
+      <a:lt1>
+        <a:sysClr val="window" lastClr="FFFFFF"/>
+      </a:lt1>
+      <a:dk2>
+        <a:srgbClr val="44546A"/>
+      </a:dk2>
+      <a:lt2>
+        <a:srgbClr val="E7E6E6"/>
+      </a:lt2>
+      <a:accent1>
+        <a:srgbClr val="4472C4"/>
+      </a:accent1>
+      <a:accent2>
+        <a:srgbClr val="ED7D31"/>
+      </a:accent2>
+      <a:accent3>
+        <a:srgbClr val="A5A5A5"/>
+      </a:accent3>
+      <a:accent4>
+        <a:srgbClr val="FFC000"/>
+      </a:accent4>
+      <a:accent5>
+        <a:srgbClr val="5B9BD5"/>
+      </a:accent5>
+      <a:accent6>
+        <a:srgbClr val="70AD47"/>
+      </a:accent6>
+      <a:hlink>
+        <a:srgbClr val="0563C1"/>
+      </a:hlink>
+      <a:folHlink>
+        <a:srgbClr val="954F72"/>
+      </a:folHlink>
+    </a:clrScheme>
+    <a:fontScheme name="Office">
+      <a:majorFont>
+        <a:latin typeface="Calibri Light" panose="020F0302020204030204"/>
+        <a:ea typeface=""/>
+        <a:cs typeface=""/>
+        <a:font script="Jpan" typeface="游ゴシック Light"/>
+        <a:font script="Hang" typeface="맑은 고딕"/>
+        <a:font script="Hans" typeface="等线 Light"/>
+        <a:font script="Hant" typeface="新細明體"/>
+        <a:font script="Arab" typeface="Times New Roman"/>
+        <a:font script="Hebr" typeface="Times New Roman"/>
+        <a:font script="Thai" typeface="Angsana New"/>
+        <a:font script="Ethi" typeface="Nyala"/>
+        <a:font script="Beng" typeface="Vrinda"/>
+        <a:font script="Gujr" typeface="Shruti"/>
+        <a:font script="Khmr" typeface="MoolBoran"/>
+        <a:font script="Knda" typeface="Tunga"/>
+        <a:font script="Guru" typeface="Raavi"/>
+        <a:font script="Cans" typeface="Euphemia"/>
+        <a:font script="Cher" typeface="Plantagenet Cherokee"/>
+        <a:font script="Yiii" typeface="Microsoft Yi Baiti"/>
+        <a:font script="Tibt" typeface="Microsoft Himalaya"/>
+        <a:font script="Thaa" typeface="MV Boli"/>
+        <a:font script="Deva" typeface="Mangal"/>
+        <a:font script="Telu" typeface="Gautami"/>
+        <a:font script="Taml" typeface="Latha"/>
+        <a:font script="Syrc" typeface="Estrangelo Edessa"/>
+        <a:font script="Orya" typeface="Kalinga"/>
+        <a:font script="Mlym" typeface="Kartika"/>
+        <a:font script="Laoo" typeface="DokChampa"/>
+        <a:font script="Sinh" typeface="Iskoola Pota"/>
+        <a:font script="Mong" typeface="Mongolian Baiti"/>
+        <a:font script="Viet" typeface="Times New Roman"/>
+        <a:font script="Uigh" typeface="Microsoft Uighur"/>
+        <a:font script="Geor" typeface="Sylfaen"/>
+        <a:font script="Armn" typeface="Arial"/>
+        <a:font script="Bugi" typeface="Leelawadee UI"/>
+        <a:font script="Bopo" typeface="Microsoft JhengHei"/>
+        <a:font script="Java" typeface="Javanese Text"/>
+        <a:font script="Lisu" typeface="Segoe UI"/>
+        <a:font script="Mymr" typeface="Myanmar Text"/>
+        <a:font script="Nkoo" typeface="Ebrima"/>
+        <a:font script="Olck" typeface="Nirmala UI"/>
+        <a:font script="Osma" typeface="Ebrima"/>
+        <a:font script="Phag" typeface="Phagspa"/>
+        <a:font script="Syrn" typeface="Estrangelo Edessa"/>
+        <a:font script="Syrj" typeface="Estrangelo Edessa"/>
+        <a:font script="Syre" typeface="Estrangelo Edessa"/>
+        <a:font script="Sora" typeface="Nirmala UI"/>
+        <a:font script="Tale" typeface="Microsoft Tai Le"/>
+        <a:font script="Talu" typeface="Microsoft New Tai Lue"/>
+        <a:font script="Tfng" typeface="Ebrima"/>
+      </a:majorFont>
+      <a:minorFont>
+        <a:latin typeface="Calibri" panose="020F0502020204030204"/>
+        <a:ea typeface=""/>
+        <a:cs typeface=""/>
+        <a:font script="Jpan" typeface="游ゴシック"/>
+        <a:font script="Hang" typeface="맑은 고딕"/>
+        <a:font script="Hans" typeface="等线"/>
+        <a:font script="Hant" typeface="新細明體"/>
+        <a:font script="Arab" typeface="Arial"/>
+        <a:font script="Hebr" typeface="Arial"/>
+        <a:font script="Thai" typeface="Cordia New"/>
+        <a:font script="Ethi" typeface="Nyala"/>
+        <a:font script="Beng" typeface="Vrinda"/>
+        <a:font script="Gujr" typeface="Shruti"/>
+        <a:font script="Khmr" typeface="DaunPenh"/>
+        <a:font script="Knda" typeface="Tunga"/>
+        <a:font script="Guru" typeface="Raavi"/>
+        <a:font script="Cans" typeface="Euphemia"/>
+        <a:font script="Cher" typeface="Plantagenet Cherokee"/>
+        <a:font script="Yiii" typeface="Microsoft Yi Baiti"/>
+        <a:font script="Tibt" typeface="Microsoft Himalaya"/>
+        <a:font script="Thaa" typeface="MV Boli"/>
+        <a:font script="Deva" typeface="Mangal"/>
+        <a:font script="Telu" typeface="Gautami"/>
+        <a:font script="Taml" typeface="Latha"/>
+        <a:font script="Syrc" typeface="Estrangelo Edessa"/>
+        <a:font script="Orya" typeface="Kalinga"/>
+        <a:font script="Mlym" typeface="Kartika"/>
+        <a:font script="Laoo" typeface="DokChampa"/>
+        <a:font script="Sinh" typeface="Iskoola Pota"/>
+        <a:font script="Mong" typeface="Mongolian Baiti"/>
+        <a:font script="Viet" typeface="Arial"/>
+        <a:font script="Uigh" typeface="Microsoft Uighur"/>
+        <a:font script="Geor" typeface="Sylfaen"/>
+        <a:font script="Armn" typeface="Arial"/>
+        <a:font script="Bugi" typeface="Leelawadee UI"/>
+        <a:font script="Bopo" typeface="Microsoft JhengHei"/>
+        <a:font script="Java" typeface="Javanese Text"/>
+        <a:font script="Lisu" typeface="Segoe UI"/>
+        <a:font script="Mymr" typeface="Myanmar Text"/>
+        <a:font script="Nkoo" typeface="Ebrima"/>
+        <a:font script="Olck" typeface="Nirmala UI"/>
+        <a:font script="Osma" typeface="Ebrima"/>
+        <a:font script="Phag" typeface="Phagspa"/>
+        <a:font script="Syrn" typeface="Estrangelo Edessa"/>
+        <a:font script="Syrj" typeface="Estrangelo Edessa"/>
+        <a:font script="Syre" typeface="Estrangelo Edessa"/>
+        <a:font script="Sora" typeface="Nirmala UI"/>
+        <a:font script="Tale" typeface="Microsoft Tai Le"/>
+        <a:font script="Talu" typeface="Microsoft New Tai Lue"/>
+        <a:font script="Tfng" typeface="Ebrima"/>
+      </a:minorFont>
+    </a:fontScheme>
+    <a:fmtScheme name="Office">
+      <a:fillStyleLst>
+        <a:solidFill>
+          <a:schemeClr val="phClr"/>
+        </a:solidFill>
+        <a:gradFill rotWithShape="1">
+          <a:gsLst>
+            <a:gs pos="0">
+              <a:schemeClr val="phClr">
+                <a:lumMod val="110000"/>
+                <a:satMod val="105000"/>
+                <a:tint val="67000"/>
+              </a:schemeClr>
+            </a:gs>
+            <a:gs pos="50000">
+              <a:schemeClr val="phClr">
+                <a:lumMod val="105000"/>
+                <a:satMod val="103000"/>
+                <a:tint val="73000"/>
+              </a:schemeClr>
+            </a:gs>
+            <a:gs pos="100000">
+              <a:schemeClr val="phClr">
+                <a:lumMod val="105000"/>
+                <a:satMod val="109000"/>
+                <a:tint val="81000"/>
+              </a:schemeClr>
+            </a:gs>
+          </a:gsLst>
+          <a:lin ang="5400000" scaled="0"/>
+        </a:gradFill>
+        <a:gradFill rotWithShape="1">
+          <a:gsLst>
+            <a:gs pos="0">
+              <a:schemeClr val="phClr">
+                <a:satMod val="103000"/>
+                <a:lumMod val="102000"/>
+                <a:tint val="94000"/>
+              </a:schemeClr>
+            </a:gs>
+            <a:gs pos="50000">
+              <a:schemeClr val="phClr">
+                <a:satMod val="110000"/>
+                <a:lumMod val="100000"/>
+                <a:shade val="100000"/>
+              </a:schemeClr>
+            </a:gs>
+            <a:gs pos="100000">
+              <a:schemeClr val="phClr">
+                <a:lumMod val="99000"/>
+                <a:satMod val="120000"/>
+                <a:shade val="78000"/>
+              </a:schemeClr>
+            </a:gs>
+          </a:gsLst>
+          <a:lin ang="5400000" scaled="0"/>
+        </a:gradFill>
+      </a:fillStyleLst>
+      <a:lnStyleLst>
+        <a:ln w="6350" cap="flat" cmpd="sng" algn="ctr">
+          <a:solidFill>
+            <a:schemeClr val="phClr"/>
+          </a:solidFill>
+          <a:prstDash val="solid"/>
+          <a:miter lim="800000"/>
+        </a:ln>
+        <a:ln w="12700" cap="flat" cmpd="sng" algn="ctr">
+          <a:solidFill>
+            <a:schemeClr val="phClr"/>
+          </a:solidFill>
+          <a:prstDash val="solid"/>
+          <a:miter lim="800000"/>
+        </a:ln>
+        <a:ln w="19050" cap="flat" cmpd="sng" algn="ctr">
+          <a:solidFill>
+            <a:schemeClr val="phClr"/>
+          </a:solidFill>
+          <a:prstDash val="solid"/>
+          <a:miter lim="800000"/>
+        </a:ln>
+      </a:lnStyleLst>
+      <a:effectStyleLst>
+        <a:effectStyle>
+          <a:effectLst/>
+        </a:effectStyle>
+        <a:effectStyle>
+          <a:effectLst/>
+        </a:effectStyle>
+        <a:effectStyle>
+          <a:effectLst>
+            <a:outerShdw blurRad="57150" dist="19050" dir="5400000" algn="ctr" rotWithShape="0">
+              <a:srgbClr val="000000">
+                <a:alpha val="63000"/>
+              </a:srgbClr>
+            </a:outerShdw>
+          </a:effectLst>
+        </a:effectStyle>
+      </a:effectStyleLst>
+      <a:bgFillStyleLst>
+        <a:solidFill>
+          <a:schemeClr val="phClr"/>
+        </a:solidFill>
+        <a:solidFill>
+          <a:schemeClr val="phClr">
+            <a:tint val="95000"/>
+            <a:satMod val="170000"/>
+          </a:schemeClr>
+        </a:solidFill>
+        <a:gradFill rotWithShape="1">
+          <a:gsLst>
+            <a:gs pos="0">
+              <a:schemeClr val="phClr">
+                <a:tint val="93000"/>
+                <a:satMod val="150000"/>
+                <a:shade val="98000"/>
+                <a:lumMod val="102000"/>
+              </a:schemeClr>
+            </a:gs>
+            <a:gs pos="50000">
+              <a:schemeClr val="phClr">
+                <a:tint val="98000"/>
+                <a:satMod val="130000"/>
+                <a:shade val="90000"/>
+                <a:lumMod val="103000"/>
+              </a:schemeClr>
+            </a:gs>
+            <a:gs pos="100000">
+              <a:schemeClr val="phClr">
+                <a:shade val="63000"/>
+                <a:satMod val="120000"/>
+              </a:schemeClr>
+            </a:gs>
+          </a:gsLst>
+          <a:lin ang="5400000" scaled="0"/>
+        </a:gradFill>
+      </a:bgFillStyleLst>
+    </a:fmtScheme>
+  </a:themeElements>
+  <a:objectDefaults/>
+  <a:extraClrSchemeLst/>
+  <a:extLst>
+    <a:ext uri="{05A4C25C-085E-4340-85A3-A5531E510DB2}">
+      <thm15:themeFamily xmlns:thm15="http://schemas.microsoft.com/office/thememl/2012/main" name="Office Theme" id="{62F939B6-93AF-4DB8-9C6B-D6C7DFDC589F}" vid="{4A3C46E8-61CC-4603-A589-7422A47A8E4A}"/>
+    </a:ext>
+  </a:extLst>
+</a:theme>
 </file>
--- a/SCALA.pptx
+++ b/SCALA.pptx
@@ -1344,6 +1344,217 @@
 </p:notes>
 </file>
 
+<file path=ppt/notesSlides/notesSlide6.xml><?xml version="1.0" encoding="utf-8"?>
+<p:notes xmlns:a="http://schemas.openxmlformats.org/drawingml/2006/main" xmlns:r="http://schemas.openxmlformats.org/officeDocument/2006/relationships" xmlns:p="http://schemas.openxmlformats.org/presentationml/2006/main">
+  <p:cSld>
+    <p:spTree>
+      <p:nvGrpSpPr>
+        <p:cNvPr id="1" name=""/>
+        <p:cNvGrpSpPr/>
+        <p:nvPr/>
+      </p:nvGrpSpPr>
+      <p:grpSpPr>
+        <a:xfrm>
+          <a:off x="0" y="0"/>
+          <a:ext cx="0" cy="0"/>
+          <a:chOff x="0" y="0"/>
+          <a:chExt cx="0" cy="0"/>
+        </a:xfrm>
+      </p:grpSpPr>
+      <p:sp>
+        <p:nvSpPr>
+          <p:cNvPr id="2" name="Symbol zastępczy obrazu slajdu 1"/>
+          <p:cNvSpPr>
+            <a:spLocks noGrp="1" noRot="1" noChangeAspect="1"/>
+          </p:cNvSpPr>
+          <p:nvPr>
+            <p:ph type="sldImg"/>
+          </p:nvPr>
+        </p:nvSpPr>
+        <p:spPr/>
+      </p:sp>
+      <p:sp>
+        <p:nvSpPr>
+          <p:cNvPr id="3" name="Symbol zastępczy notatek 2"/>
+          <p:cNvSpPr>
+            <a:spLocks noGrp="1"/>
+          </p:cNvSpPr>
+          <p:nvPr>
+            <p:ph type="body" idx="1"/>
+          </p:nvPr>
+        </p:nvSpPr>
+        <p:spPr/>
+        <p:txBody>
+          <a:bodyPr/>
+          <a:lstStyle/>
+          <a:p>
+            <a:r>
+              <a:rPr lang="pl-PL" dirty="0"/>
+              <a:t>Listy Ta klasa jest optymalna dla wzorców dostępu typu </a:t>
+            </a:r>
+            <a:r>
+              <a:rPr lang="pl-PL" dirty="0" err="1"/>
+              <a:t>last</a:t>
+            </a:r>
+            <a:r>
+              <a:rPr lang="pl-PL" dirty="0"/>
+              <a:t>-in-</a:t>
+            </a:r>
+            <a:r>
+              <a:rPr lang="pl-PL" dirty="0" err="1"/>
+              <a:t>first</a:t>
+            </a:r>
+            <a:r>
+              <a:rPr lang="pl-PL" dirty="0"/>
+              <a:t>-out (LIFO), czyli stosu. Dla innych list lepiej jest użyć innej klasy </a:t>
+            </a:r>
+          </a:p>
+        </p:txBody>
+      </p:sp>
+      <p:sp>
+        <p:nvSpPr>
+          <p:cNvPr id="4" name="Symbol zastępczy numeru slajdu 3"/>
+          <p:cNvSpPr>
+            <a:spLocks noGrp="1"/>
+          </p:cNvSpPr>
+          <p:nvPr>
+            <p:ph type="sldNum" sz="quarter" idx="5"/>
+          </p:nvPr>
+        </p:nvSpPr>
+        <p:spPr/>
+        <p:txBody>
+          <a:bodyPr/>
+          <a:lstStyle/>
+          <a:p>
+            <a:fld id="{6839968B-1966-479B-907B-2C4A53864213}" type="slidenum">
+              <a:rPr lang="pl-PL" smtClean="0"/>
+              <a:t>8</a:t>
+            </a:fld>
+            <a:endParaRPr lang="pl-PL"/>
+          </a:p>
+        </p:txBody>
+      </p:sp>
+    </p:spTree>
+    <p:extLst>
+      <p:ext uri="{BB962C8B-B14F-4D97-AF65-F5344CB8AC3E}">
+        <p14:creationId xmlns:p14="http://schemas.microsoft.com/office/powerpoint/2010/main" val="1899565228"/>
+      </p:ext>
+    </p:extLst>
+  </p:cSld>
+  <p:clrMapOvr>
+    <a:masterClrMapping/>
+  </p:clrMapOvr>
+</p:notes>
+</file>
+
+<file path=ppt/notesSlides/notesSlide7.xml><?xml version="1.0" encoding="utf-8"?>
+<p:notes xmlns:a="http://schemas.openxmlformats.org/drawingml/2006/main" xmlns:r="http://schemas.openxmlformats.org/officeDocument/2006/relationships" xmlns:p="http://schemas.openxmlformats.org/presentationml/2006/main">
+  <p:cSld>
+    <p:spTree>
+      <p:nvGrpSpPr>
+        <p:cNvPr id="1" name=""/>
+        <p:cNvGrpSpPr/>
+        <p:nvPr/>
+      </p:nvGrpSpPr>
+      <p:grpSpPr>
+        <a:xfrm>
+          <a:off x="0" y="0"/>
+          <a:ext cx="0" cy="0"/>
+          <a:chOff x="0" y="0"/>
+          <a:chExt cx="0" cy="0"/>
+        </a:xfrm>
+      </p:grpSpPr>
+      <p:sp>
+        <p:nvSpPr>
+          <p:cNvPr id="2" name="Symbol zastępczy obrazu slajdu 1"/>
+          <p:cNvSpPr>
+            <a:spLocks noGrp="1" noRot="1" noChangeAspect="1"/>
+          </p:cNvSpPr>
+          <p:nvPr>
+            <p:ph type="sldImg"/>
+          </p:nvPr>
+        </p:nvSpPr>
+        <p:spPr/>
+      </p:sp>
+      <p:sp>
+        <p:nvSpPr>
+          <p:cNvPr id="3" name="Symbol zastępczy notatek 2"/>
+          <p:cNvSpPr>
+            <a:spLocks noGrp="1"/>
+          </p:cNvSpPr>
+          <p:nvPr>
+            <p:ph type="body" idx="1"/>
+          </p:nvPr>
+        </p:nvSpPr>
+        <p:spPr/>
+        <p:txBody>
+          <a:bodyPr/>
+          <a:lstStyle/>
+          <a:p>
+            <a:r>
+              <a:rPr lang="pl-PL" dirty="0"/>
+              <a:t>W Scali </a:t>
+            </a:r>
+            <a:r>
+              <a:rPr lang="pl-PL" dirty="0" err="1"/>
+              <a:t>krotka</a:t>
+            </a:r>
+            <a:r>
+              <a:rPr lang="pl-PL" dirty="0"/>
+              <a:t> to wartość zawierająca stałą liczbę elementów, każdy z własnym typem. </a:t>
+            </a:r>
+            <a:r>
+              <a:rPr lang="pl-PL" dirty="0" err="1"/>
+              <a:t>Krotki</a:t>
+            </a:r>
+            <a:r>
+              <a:rPr lang="pl-PL" dirty="0"/>
+              <a:t> są niezmienne i szczególnie przydatne do zwracania wielu wartości z metody. Maksymalnie w krotce możemy mieć 22 elementy, jak spróbujemy stworzyć krotkę z większą ilością elementów to dostaniemy błąd i program się </a:t>
+            </a:r>
+            <a:r>
+              <a:rPr lang="pl-PL"/>
+              <a:t>nie zbuduje.</a:t>
+            </a:r>
+            <a:endParaRPr lang="pl-PL" dirty="0"/>
+          </a:p>
+        </p:txBody>
+      </p:sp>
+      <p:sp>
+        <p:nvSpPr>
+          <p:cNvPr id="4" name="Symbol zastępczy numeru slajdu 3"/>
+          <p:cNvSpPr>
+            <a:spLocks noGrp="1"/>
+          </p:cNvSpPr>
+          <p:nvPr>
+            <p:ph type="sldNum" sz="quarter" idx="5"/>
+          </p:nvPr>
+        </p:nvSpPr>
+        <p:spPr/>
+        <p:txBody>
+          <a:bodyPr/>
+          <a:lstStyle/>
+          <a:p>
+            <a:fld id="{6839968B-1966-479B-907B-2C4A53864213}" type="slidenum">
+              <a:rPr lang="pl-PL" smtClean="0"/>
+              <a:t>9</a:t>
+            </a:fld>
+            <a:endParaRPr lang="pl-PL"/>
+          </a:p>
+        </p:txBody>
+      </p:sp>
+    </p:spTree>
+    <p:extLst>
+      <p:ext uri="{BB962C8B-B14F-4D97-AF65-F5344CB8AC3E}">
+        <p14:creationId xmlns:p14="http://schemas.microsoft.com/office/powerpoint/2010/main" val="4188111866"/>
+      </p:ext>
+    </p:extLst>
+  </p:cSld>
+  <p:clrMapOvr>
+    <a:masterClrMapping/>
+  </p:clrMapOvr>
+</p:notes>
+</file>
+
 <file path=ppt/slideLayouts/slideLayout1.xml><?xml version="1.0" encoding="utf-8"?>
 <p:sldLayout xmlns:a="http://schemas.openxmlformats.org/drawingml/2006/main" xmlns:r="http://schemas.openxmlformats.org/officeDocument/2006/relationships" xmlns:p="http://schemas.openxmlformats.org/presentationml/2006/main" showMasterSp="0" type="title" preserve="1">
   <p:cSld name="Slajd tytułowy">
@@ -1394,7 +1605,7 @@
           <a:noFill/>
           <a:extLst>
             <a:ext uri="{909E8E84-426E-40dd-AFC4-6F175D3DCCD1}">
-              <a14:hiddenFill xmlns:a14="http://schemas.microsoft.com/office/drawing/2010/main" xmlns="">
+              <a14:hiddenFill xmlns="" xmlns:a14="http://schemas.microsoft.com/office/drawing/2010/main">
                 <a:solidFill>
                   <a:srgbClr val="FFFFFF"/>
                 </a:solidFill>
@@ -1454,7 +1665,7 @@
             </a:ln>
             <a:extLst>
               <a:ext uri="{91240B29-F687-4f45-9708-019B960494DF}">
-                <a14:hiddenLine xmlns:a14="http://schemas.microsoft.com/office/drawing/2010/main" xmlns="" w="9525">
+                <a14:hiddenLine xmlns="" xmlns:a14="http://schemas.microsoft.com/office/drawing/2010/main" w="9525">
                   <a:solidFill>
                     <a:srgbClr val="000000"/>
                   </a:solidFill>
@@ -1544,7 +1755,7 @@
             </a:ln>
             <a:extLst>
               <a:ext uri="{91240B29-F687-4f45-9708-019B960494DF}">
-                <a14:hiddenLine xmlns:a14="http://schemas.microsoft.com/office/drawing/2010/main" xmlns="" w="9525">
+                <a14:hiddenLine xmlns="" xmlns:a14="http://schemas.microsoft.com/office/drawing/2010/main" w="9525">
                   <a:solidFill>
                     <a:srgbClr val="000000"/>
                   </a:solidFill>
@@ -1634,7 +1845,7 @@
             </a:ln>
             <a:extLst>
               <a:ext uri="{91240B29-F687-4f45-9708-019B960494DF}">
-                <a14:hiddenLine xmlns:a14="http://schemas.microsoft.com/office/drawing/2010/main" xmlns="" w="9525">
+                <a14:hiddenLine xmlns="" xmlns:a14="http://schemas.microsoft.com/office/drawing/2010/main" w="9525">
                   <a:solidFill>
                     <a:srgbClr val="000000"/>
                   </a:solidFill>
@@ -1668,7 +1879,7 @@
             </a:ln>
             <a:extLst>
               <a:ext uri="{91240B29-F687-4f45-9708-019B960494DF}">
-                <a14:hiddenLine xmlns:a14="http://schemas.microsoft.com/office/drawing/2010/main" xmlns="" w="9525">
+                <a14:hiddenLine xmlns="" xmlns:a14="http://schemas.microsoft.com/office/drawing/2010/main" w="9525">
                   <a:solidFill>
                     <a:srgbClr val="000000"/>
                   </a:solidFill>
@@ -1758,7 +1969,7 @@
             </a:ln>
             <a:extLst>
               <a:ext uri="{91240B29-F687-4f45-9708-019B960494DF}">
-                <a14:hiddenLine xmlns:a14="http://schemas.microsoft.com/office/drawing/2010/main" xmlns="" w="9525">
+                <a14:hiddenLine xmlns="" xmlns:a14="http://schemas.microsoft.com/office/drawing/2010/main" w="9525">
                   <a:solidFill>
                     <a:srgbClr val="000000"/>
                   </a:solidFill>
@@ -1820,7 +2031,7 @@
             </a:ln>
             <a:extLst>
               <a:ext uri="{91240B29-F687-4f45-9708-019B960494DF}">
-                <a14:hiddenLine xmlns:a14="http://schemas.microsoft.com/office/drawing/2010/main" xmlns="" w="9525">
+                <a14:hiddenLine xmlns="" xmlns:a14="http://schemas.microsoft.com/office/drawing/2010/main" w="9525">
                   <a:solidFill>
                     <a:srgbClr val="000000"/>
                   </a:solidFill>
@@ -1882,7 +2093,7 @@
             </a:ln>
             <a:extLst>
               <a:ext uri="{91240B29-F687-4f45-9708-019B960494DF}">
-                <a14:hiddenLine xmlns:a14="http://schemas.microsoft.com/office/drawing/2010/main" xmlns="" w="9525">
+                <a14:hiddenLine xmlns="" xmlns:a14="http://schemas.microsoft.com/office/drawing/2010/main" w="9525">
                   <a:solidFill>
                     <a:srgbClr val="000000"/>
                   </a:solidFill>
@@ -1972,7 +2183,7 @@
             </a:ln>
             <a:extLst>
               <a:ext uri="{91240B29-F687-4f45-9708-019B960494DF}">
-                <a14:hiddenLine xmlns:a14="http://schemas.microsoft.com/office/drawing/2010/main" xmlns="" w="9525">
+                <a14:hiddenLine xmlns="" xmlns:a14="http://schemas.microsoft.com/office/drawing/2010/main" w="9525">
                   <a:solidFill>
                     <a:srgbClr val="000000"/>
                   </a:solidFill>
@@ -2034,7 +2245,7 @@
             </a:ln>
             <a:extLst>
               <a:ext uri="{91240B29-F687-4f45-9708-019B960494DF}">
-                <a14:hiddenLine xmlns:a14="http://schemas.microsoft.com/office/drawing/2010/main" xmlns="" w="9525">
+                <a14:hiddenLine xmlns="" xmlns:a14="http://schemas.microsoft.com/office/drawing/2010/main" w="9525">
                   <a:solidFill>
                     <a:srgbClr val="000000"/>
                   </a:solidFill>
@@ -2096,7 +2307,7 @@
             </a:ln>
             <a:extLst>
               <a:ext uri="{91240B29-F687-4f45-9708-019B960494DF}">
-                <a14:hiddenLine xmlns:a14="http://schemas.microsoft.com/office/drawing/2010/main" xmlns="" w="9525">
+                <a14:hiddenLine xmlns="" xmlns:a14="http://schemas.microsoft.com/office/drawing/2010/main" w="9525">
                   <a:solidFill>
                     <a:srgbClr val="000000"/>
                   </a:solidFill>
@@ -2186,7 +2397,7 @@
             </a:ln>
             <a:extLst>
               <a:ext uri="{91240B29-F687-4f45-9708-019B960494DF}">
-                <a14:hiddenLine xmlns:a14="http://schemas.microsoft.com/office/drawing/2010/main" xmlns="" w="9525">
+                <a14:hiddenLine xmlns="" xmlns:a14="http://schemas.microsoft.com/office/drawing/2010/main" w="9525">
                   <a:solidFill>
                     <a:srgbClr val="000000"/>
                   </a:solidFill>
@@ -2276,7 +2487,7 @@
             </a:ln>
             <a:extLst>
               <a:ext uri="{91240B29-F687-4f45-9708-019B960494DF}">
-                <a14:hiddenLine xmlns:a14="http://schemas.microsoft.com/office/drawing/2010/main" xmlns="" w="9525">
+                <a14:hiddenLine xmlns="" xmlns:a14="http://schemas.microsoft.com/office/drawing/2010/main" w="9525">
                   <a:solidFill>
                     <a:srgbClr val="000000"/>
                   </a:solidFill>
@@ -2338,7 +2549,7 @@
             </a:ln>
             <a:extLst>
               <a:ext uri="{91240B29-F687-4f45-9708-019B960494DF}">
-                <a14:hiddenLine xmlns:a14="http://schemas.microsoft.com/office/drawing/2010/main" xmlns="" w="9525">
+                <a14:hiddenLine xmlns="" xmlns:a14="http://schemas.microsoft.com/office/drawing/2010/main" w="9525">
                   <a:solidFill>
                     <a:srgbClr val="000000"/>
                   </a:solidFill>
@@ -2448,7 +2659,7 @@
             </a:ln>
             <a:extLst>
               <a:ext uri="{91240B29-F687-4f45-9708-019B960494DF}">
-                <a14:hiddenLine xmlns:a14="http://schemas.microsoft.com/office/drawing/2010/main" xmlns="" w="9525">
+                <a14:hiddenLine xmlns="" xmlns:a14="http://schemas.microsoft.com/office/drawing/2010/main" w="9525">
                   <a:solidFill>
                     <a:srgbClr val="000000"/>
                   </a:solidFill>
@@ -2510,7 +2721,7 @@
             </a:ln>
             <a:extLst>
               <a:ext uri="{91240B29-F687-4f45-9708-019B960494DF}">
-                <a14:hiddenLine xmlns:a14="http://schemas.microsoft.com/office/drawing/2010/main" xmlns="" w="9525">
+                <a14:hiddenLine xmlns="" xmlns:a14="http://schemas.microsoft.com/office/drawing/2010/main" w="9525">
                   <a:solidFill>
                     <a:srgbClr val="000000"/>
                   </a:solidFill>
@@ -2600,7 +2811,7 @@
             </a:ln>
             <a:extLst>
               <a:ext uri="{91240B29-F687-4f45-9708-019B960494DF}">
-                <a14:hiddenLine xmlns:a14="http://schemas.microsoft.com/office/drawing/2010/main" xmlns="" w="9525">
+                <a14:hiddenLine xmlns="" xmlns:a14="http://schemas.microsoft.com/office/drawing/2010/main" w="9525">
                   <a:solidFill>
                     <a:srgbClr val="000000"/>
                   </a:solidFill>
@@ -2690,7 +2901,7 @@
             </a:ln>
             <a:extLst>
               <a:ext uri="{91240B29-F687-4f45-9708-019B960494DF}">
-                <a14:hiddenLine xmlns:a14="http://schemas.microsoft.com/office/drawing/2010/main" xmlns="" w="9525">
+                <a14:hiddenLine xmlns="" xmlns:a14="http://schemas.microsoft.com/office/drawing/2010/main" w="9525">
                   <a:solidFill>
                     <a:srgbClr val="000000"/>
                   </a:solidFill>
@@ -2752,7 +2963,7 @@
             </a:ln>
             <a:extLst>
               <a:ext uri="{91240B29-F687-4f45-9708-019B960494DF}">
-                <a14:hiddenLine xmlns:a14="http://schemas.microsoft.com/office/drawing/2010/main" xmlns="" w="9525">
+                <a14:hiddenLine xmlns="" xmlns:a14="http://schemas.microsoft.com/office/drawing/2010/main" w="9525">
                   <a:solidFill>
                     <a:srgbClr val="000000"/>
                   </a:solidFill>
@@ -2842,7 +3053,7 @@
             </a:ln>
             <a:extLst>
               <a:ext uri="{91240B29-F687-4f45-9708-019B960494DF}">
-                <a14:hiddenLine xmlns:a14="http://schemas.microsoft.com/office/drawing/2010/main" xmlns="" w="9525">
+                <a14:hiddenLine xmlns="" xmlns:a14="http://schemas.microsoft.com/office/drawing/2010/main" w="9525">
                   <a:solidFill>
                     <a:srgbClr val="000000"/>
                   </a:solidFill>
@@ -2932,7 +3143,7 @@
             </a:ln>
             <a:extLst>
               <a:ext uri="{91240B29-F687-4f45-9708-019B960494DF}">
-                <a14:hiddenLine xmlns:a14="http://schemas.microsoft.com/office/drawing/2010/main" xmlns="" w="9525">
+                <a14:hiddenLine xmlns="" xmlns:a14="http://schemas.microsoft.com/office/drawing/2010/main" w="9525">
                   <a:solidFill>
                     <a:srgbClr val="000000"/>
                   </a:solidFill>
@@ -2988,7 +3199,7 @@
             </a:ln>
             <a:extLst>
               <a:ext uri="{91240B29-F687-4f45-9708-019B960494DF}">
-                <a14:hiddenLine xmlns:a14="http://schemas.microsoft.com/office/drawing/2010/main" xmlns="" w="9525">
+                <a14:hiddenLine xmlns="" xmlns:a14="http://schemas.microsoft.com/office/drawing/2010/main" w="9525">
                   <a:solidFill>
                     <a:srgbClr val="000000"/>
                   </a:solidFill>
@@ -3078,7 +3289,7 @@
             </a:ln>
             <a:extLst>
               <a:ext uri="{91240B29-F687-4f45-9708-019B960494DF}">
-                <a14:hiddenLine xmlns:a14="http://schemas.microsoft.com/office/drawing/2010/main" xmlns="" w="9525">
+                <a14:hiddenLine xmlns="" xmlns:a14="http://schemas.microsoft.com/office/drawing/2010/main" w="9525">
                   <a:solidFill>
                     <a:srgbClr val="000000"/>
                   </a:solidFill>
@@ -3134,7 +3345,7 @@
             </a:ln>
             <a:extLst>
               <a:ext uri="{91240B29-F687-4f45-9708-019B960494DF}">
-                <a14:hiddenLine xmlns:a14="http://schemas.microsoft.com/office/drawing/2010/main" xmlns="" w="9525">
+                <a14:hiddenLine xmlns="" xmlns:a14="http://schemas.microsoft.com/office/drawing/2010/main" w="9525">
                   <a:solidFill>
                     <a:srgbClr val="000000"/>
                   </a:solidFill>
@@ -3224,7 +3435,7 @@
             </a:ln>
             <a:extLst>
               <a:ext uri="{91240B29-F687-4f45-9708-019B960494DF}">
-                <a14:hiddenLine xmlns:a14="http://schemas.microsoft.com/office/drawing/2010/main" xmlns="" w="9525">
+                <a14:hiddenLine xmlns="" xmlns:a14="http://schemas.microsoft.com/office/drawing/2010/main" w="9525">
                   <a:solidFill>
                     <a:srgbClr val="000000"/>
                   </a:solidFill>
@@ -3292,7 +3503,7 @@
             </a:ln>
             <a:extLst>
               <a:ext uri="{91240B29-F687-4f45-9708-019B960494DF}">
-                <a14:hiddenLine xmlns:a14="http://schemas.microsoft.com/office/drawing/2010/main" xmlns="" w="9525">
+                <a14:hiddenLine xmlns="" xmlns:a14="http://schemas.microsoft.com/office/drawing/2010/main" w="9525">
                   <a:solidFill>
                     <a:srgbClr val="000000"/>
                   </a:solidFill>
@@ -3382,7 +3593,7 @@
             </a:ln>
             <a:extLst>
               <a:ext uri="{91240B29-F687-4f45-9708-019B960494DF}">
-                <a14:hiddenLine xmlns:a14="http://schemas.microsoft.com/office/drawing/2010/main" xmlns="" w="9525">
+                <a14:hiddenLine xmlns="" xmlns:a14="http://schemas.microsoft.com/office/drawing/2010/main" w="9525">
                   <a:solidFill>
                     <a:srgbClr val="000000"/>
                   </a:solidFill>
@@ -3450,7 +3661,7 @@
             </a:ln>
             <a:extLst>
               <a:ext uri="{91240B29-F687-4f45-9708-019B960494DF}">
-                <a14:hiddenLine xmlns:a14="http://schemas.microsoft.com/office/drawing/2010/main" xmlns="" w="9525">
+                <a14:hiddenLine xmlns="" xmlns:a14="http://schemas.microsoft.com/office/drawing/2010/main" w="9525">
                   <a:solidFill>
                     <a:srgbClr val="000000"/>
                   </a:solidFill>
@@ -3540,7 +3751,7 @@
             </a:ln>
             <a:extLst>
               <a:ext uri="{91240B29-F687-4f45-9708-019B960494DF}">
-                <a14:hiddenLine xmlns:a14="http://schemas.microsoft.com/office/drawing/2010/main" xmlns="" w="9525">
+                <a14:hiddenLine xmlns="" xmlns:a14="http://schemas.microsoft.com/office/drawing/2010/main" w="9525">
                   <a:solidFill>
                     <a:srgbClr val="000000"/>
                   </a:solidFill>
@@ -3574,7 +3785,7 @@
             </a:ln>
             <a:extLst>
               <a:ext uri="{91240B29-F687-4f45-9708-019B960494DF}">
-                <a14:hiddenLine xmlns:a14="http://schemas.microsoft.com/office/drawing/2010/main" xmlns="" w="9525">
+                <a14:hiddenLine xmlns="" xmlns:a14="http://schemas.microsoft.com/office/drawing/2010/main" w="9525">
                   <a:solidFill>
                     <a:srgbClr val="000000"/>
                   </a:solidFill>
@@ -3664,7 +3875,7 @@
             </a:ln>
             <a:extLst>
               <a:ext uri="{91240B29-F687-4f45-9708-019B960494DF}">
-                <a14:hiddenLine xmlns:a14="http://schemas.microsoft.com/office/drawing/2010/main" xmlns="" w="9525">
+                <a14:hiddenLine xmlns="" xmlns:a14="http://schemas.microsoft.com/office/drawing/2010/main" w="9525">
                   <a:solidFill>
                     <a:srgbClr val="000000"/>
                   </a:solidFill>
@@ -3726,7 +3937,7 @@
             </a:ln>
             <a:extLst>
               <a:ext uri="{91240B29-F687-4f45-9708-019B960494DF}">
-                <a14:hiddenLine xmlns:a14="http://schemas.microsoft.com/office/drawing/2010/main" xmlns="" w="9525">
+                <a14:hiddenLine xmlns="" xmlns:a14="http://schemas.microsoft.com/office/drawing/2010/main" w="9525">
                   <a:solidFill>
                     <a:srgbClr val="000000"/>
                   </a:solidFill>
@@ -3788,7 +3999,7 @@
             </a:ln>
             <a:extLst>
               <a:ext uri="{91240B29-F687-4f45-9708-019B960494DF}">
-                <a14:hiddenLine xmlns:a14="http://schemas.microsoft.com/office/drawing/2010/main" xmlns="" w="9525">
+                <a14:hiddenLine xmlns="" xmlns:a14="http://schemas.microsoft.com/office/drawing/2010/main" w="9525">
                   <a:solidFill>
                     <a:srgbClr val="000000"/>
                   </a:solidFill>
@@ -3878,7 +4089,7 @@
             </a:ln>
             <a:extLst>
               <a:ext uri="{91240B29-F687-4f45-9708-019B960494DF}">
-                <a14:hiddenLine xmlns:a14="http://schemas.microsoft.com/office/drawing/2010/main" xmlns="" w="9525">
+                <a14:hiddenLine xmlns="" xmlns:a14="http://schemas.microsoft.com/office/drawing/2010/main" w="9525">
                   <a:solidFill>
                     <a:srgbClr val="000000"/>
                   </a:solidFill>
@@ -3946,7 +4157,7 @@
             </a:ln>
             <a:extLst>
               <a:ext uri="{91240B29-F687-4f45-9708-019B960494DF}">
-                <a14:hiddenLine xmlns:a14="http://schemas.microsoft.com/office/drawing/2010/main" xmlns="" w="9525">
+                <a14:hiddenLine xmlns="" xmlns:a14="http://schemas.microsoft.com/office/drawing/2010/main" w="9525">
                   <a:solidFill>
                     <a:srgbClr val="000000"/>
                   </a:solidFill>
@@ -4008,7 +4219,7 @@
             </a:ln>
             <a:extLst>
               <a:ext uri="{91240B29-F687-4f45-9708-019B960494DF}">
-                <a14:hiddenLine xmlns:a14="http://schemas.microsoft.com/office/drawing/2010/main" xmlns="" w="9525">
+                <a14:hiddenLine xmlns="" xmlns:a14="http://schemas.microsoft.com/office/drawing/2010/main" w="9525">
                   <a:solidFill>
                     <a:srgbClr val="000000"/>
                   </a:solidFill>
@@ -4098,7 +4309,7 @@
             </a:ln>
             <a:extLst>
               <a:ext uri="{91240B29-F687-4f45-9708-019B960494DF}">
-                <a14:hiddenLine xmlns:a14="http://schemas.microsoft.com/office/drawing/2010/main" xmlns="" w="9525">
+                <a14:hiddenLine xmlns="" xmlns:a14="http://schemas.microsoft.com/office/drawing/2010/main" w="9525">
                   <a:solidFill>
                     <a:srgbClr val="000000"/>
                   </a:solidFill>
@@ -4160,7 +4371,7 @@
             </a:ln>
             <a:extLst>
               <a:ext uri="{91240B29-F687-4f45-9708-019B960494DF}">
-                <a14:hiddenLine xmlns:a14="http://schemas.microsoft.com/office/drawing/2010/main" xmlns="" w="9525">
+                <a14:hiddenLine xmlns="" xmlns:a14="http://schemas.microsoft.com/office/drawing/2010/main" w="9525">
                   <a:solidFill>
                     <a:srgbClr val="000000"/>
                   </a:solidFill>
@@ -4250,7 +4461,7 @@
             </a:ln>
             <a:extLst>
               <a:ext uri="{91240B29-F687-4f45-9708-019B960494DF}">
-                <a14:hiddenLine xmlns:a14="http://schemas.microsoft.com/office/drawing/2010/main" xmlns="" w="9525">
+                <a14:hiddenLine xmlns="" xmlns:a14="http://schemas.microsoft.com/office/drawing/2010/main" w="9525">
                   <a:solidFill>
                     <a:srgbClr val="000000"/>
                   </a:solidFill>
@@ -4312,7 +4523,7 @@
             </a:ln>
             <a:extLst>
               <a:ext uri="{91240B29-F687-4f45-9708-019B960494DF}">
-                <a14:hiddenLine xmlns:a14="http://schemas.microsoft.com/office/drawing/2010/main" xmlns="" w="9525">
+                <a14:hiddenLine xmlns="" xmlns:a14="http://schemas.microsoft.com/office/drawing/2010/main" w="9525">
                   <a:solidFill>
                     <a:srgbClr val="000000"/>
                   </a:solidFill>
@@ -4402,7 +4613,7 @@
             </a:ln>
             <a:extLst>
               <a:ext uri="{91240B29-F687-4f45-9708-019B960494DF}">
-                <a14:hiddenLine xmlns:a14="http://schemas.microsoft.com/office/drawing/2010/main" xmlns="" w="9525">
+                <a14:hiddenLine xmlns="" xmlns:a14="http://schemas.microsoft.com/office/drawing/2010/main" w="9525">
                   <a:solidFill>
                     <a:srgbClr val="000000"/>
                   </a:solidFill>
@@ -4436,7 +4647,7 @@
             </a:ln>
             <a:extLst>
               <a:ext uri="{91240B29-F687-4f45-9708-019B960494DF}">
-                <a14:hiddenLine xmlns:a14="http://schemas.microsoft.com/office/drawing/2010/main" xmlns="" w="9525">
+                <a14:hiddenLine xmlns="" xmlns:a14="http://schemas.microsoft.com/office/drawing/2010/main" w="9525">
                   <a:solidFill>
                     <a:srgbClr val="000000"/>
                   </a:solidFill>
@@ -4501,7 +4712,7 @@
             </a:ln>
             <a:extLst>
               <a:ext uri="{91240B29-F687-4f45-9708-019B960494DF}">
-                <a14:hiddenLine xmlns:a14="http://schemas.microsoft.com/office/drawing/2010/main" xmlns="" w="9525">
+                <a14:hiddenLine xmlns="" xmlns:a14="http://schemas.microsoft.com/office/drawing/2010/main" w="9525">
                   <a:solidFill>
                     <a:srgbClr val="000000"/>
                   </a:solidFill>
@@ -4591,7 +4802,7 @@
             </a:ln>
             <a:extLst>
               <a:ext uri="{91240B29-F687-4f45-9708-019B960494DF}">
-                <a14:hiddenLine xmlns:a14="http://schemas.microsoft.com/office/drawing/2010/main" xmlns="" w="9525">
+                <a14:hiddenLine xmlns="" xmlns:a14="http://schemas.microsoft.com/office/drawing/2010/main" w="9525">
                   <a:solidFill>
                     <a:srgbClr val="000000"/>
                   </a:solidFill>
@@ -4653,7 +4864,7 @@
             </a:ln>
             <a:extLst>
               <a:ext uri="{91240B29-F687-4f45-9708-019B960494DF}">
-                <a14:hiddenLine xmlns:a14="http://schemas.microsoft.com/office/drawing/2010/main" xmlns="" w="9525">
+                <a14:hiddenLine xmlns="" xmlns:a14="http://schemas.microsoft.com/office/drawing/2010/main" w="9525">
                   <a:solidFill>
                     <a:srgbClr val="000000"/>
                   </a:solidFill>
@@ -4743,7 +4954,7 @@
             </a:ln>
             <a:extLst>
               <a:ext uri="{91240B29-F687-4f45-9708-019B960494DF}">
-                <a14:hiddenLine xmlns:a14="http://schemas.microsoft.com/office/drawing/2010/main" xmlns="" w="9525">
+                <a14:hiddenLine xmlns="" xmlns:a14="http://schemas.microsoft.com/office/drawing/2010/main" w="9525">
                   <a:solidFill>
                     <a:srgbClr val="000000"/>
                   </a:solidFill>
@@ -4833,7 +5044,7 @@
             </a:ln>
             <a:extLst>
               <a:ext uri="{91240B29-F687-4f45-9708-019B960494DF}">
-                <a14:hiddenLine xmlns:a14="http://schemas.microsoft.com/office/drawing/2010/main" xmlns="" w="9525">
+                <a14:hiddenLine xmlns="" xmlns:a14="http://schemas.microsoft.com/office/drawing/2010/main" w="9525">
                   <a:solidFill>
                     <a:srgbClr val="000000"/>
                   </a:solidFill>
@@ -4898,7 +5109,7 @@
             </a:ln>
             <a:extLst>
               <a:ext uri="{91240B29-F687-4f45-9708-019B960494DF}">
-                <a14:hiddenLine xmlns:a14="http://schemas.microsoft.com/office/drawing/2010/main" xmlns="" w="9525">
+                <a14:hiddenLine xmlns="" xmlns:a14="http://schemas.microsoft.com/office/drawing/2010/main" w="9525">
                   <a:solidFill>
                     <a:srgbClr val="000000"/>
                   </a:solidFill>
@@ -4960,7 +5171,7 @@
             </a:ln>
             <a:extLst>
               <a:ext uri="{91240B29-F687-4f45-9708-019B960494DF}">
-                <a14:hiddenLine xmlns:a14="http://schemas.microsoft.com/office/drawing/2010/main" xmlns="" w="9525">
+                <a14:hiddenLine xmlns="" xmlns:a14="http://schemas.microsoft.com/office/drawing/2010/main" w="9525">
                   <a:solidFill>
                     <a:srgbClr val="000000"/>
                   </a:solidFill>
@@ -5050,7 +5261,7 @@
             </a:ln>
             <a:extLst>
               <a:ext uri="{91240B29-F687-4f45-9708-019B960494DF}">
-                <a14:hiddenLine xmlns:a14="http://schemas.microsoft.com/office/drawing/2010/main" xmlns="" w="9525">
+                <a14:hiddenLine xmlns="" xmlns:a14="http://schemas.microsoft.com/office/drawing/2010/main" w="9525">
                   <a:solidFill>
                     <a:srgbClr val="000000"/>
                   </a:solidFill>
@@ -5140,7 +5351,7 @@
             </a:ln>
             <a:extLst>
               <a:ext uri="{91240B29-F687-4f45-9708-019B960494DF}">
-                <a14:hiddenLine xmlns:a14="http://schemas.microsoft.com/office/drawing/2010/main" xmlns="" w="9525">
+                <a14:hiddenLine xmlns="" xmlns:a14="http://schemas.microsoft.com/office/drawing/2010/main" w="9525">
                   <a:solidFill>
                     <a:srgbClr val="000000"/>
                   </a:solidFill>
@@ -5202,7 +5413,7 @@
             </a:ln>
             <a:extLst>
               <a:ext uri="{91240B29-F687-4f45-9708-019B960494DF}">
-                <a14:hiddenLine xmlns:a14="http://schemas.microsoft.com/office/drawing/2010/main" xmlns="" w="9525">
+                <a14:hiddenLine xmlns="" xmlns:a14="http://schemas.microsoft.com/office/drawing/2010/main" w="9525">
                   <a:solidFill>
                     <a:srgbClr val="000000"/>
                   </a:solidFill>
@@ -5322,7 +5533,7 @@
             </a:ln>
             <a:extLst>
               <a:ext uri="{91240B29-F687-4f45-9708-019B960494DF}">
-                <a14:hiddenLine xmlns:a14="http://schemas.microsoft.com/office/drawing/2010/main" xmlns="" w="9525">
+                <a14:hiddenLine xmlns="" xmlns:a14="http://schemas.microsoft.com/office/drawing/2010/main" w="9525">
                   <a:solidFill>
                     <a:srgbClr val="000000"/>
                   </a:solidFill>
@@ -5390,7 +5601,7 @@
             </a:ln>
             <a:extLst>
               <a:ext uri="{91240B29-F687-4f45-9708-019B960494DF}">
-                <a14:hiddenLine xmlns:a14="http://schemas.microsoft.com/office/drawing/2010/main" xmlns="" w="9525">
+                <a14:hiddenLine xmlns="" xmlns:a14="http://schemas.microsoft.com/office/drawing/2010/main" w="9525">
                   <a:solidFill>
                     <a:srgbClr val="000000"/>
                   </a:solidFill>
@@ -5480,7 +5691,7 @@
             </a:ln>
             <a:extLst>
               <a:ext uri="{91240B29-F687-4f45-9708-019B960494DF}">
-                <a14:hiddenLine xmlns:a14="http://schemas.microsoft.com/office/drawing/2010/main" xmlns="" w="9525">
+                <a14:hiddenLine xmlns="" xmlns:a14="http://schemas.microsoft.com/office/drawing/2010/main" w="9525">
                   <a:solidFill>
                     <a:srgbClr val="000000"/>
                   </a:solidFill>
@@ -10202,7 +10413,7 @@
           <a:noFill/>
           <a:extLst>
             <a:ext uri="{909E8E84-426E-40dd-AFC4-6F175D3DCCD1}">
-              <a14:hiddenFill xmlns:a14="http://schemas.microsoft.com/office/drawing/2010/main" xmlns="">
+              <a14:hiddenFill xmlns="" xmlns:a14="http://schemas.microsoft.com/office/drawing/2010/main">
                 <a:solidFill>
                   <a:srgbClr val="FFFFFF"/>
                 </a:solidFill>
@@ -10276,7 +10487,7 @@
               </a:ln>
               <a:extLst>
                 <a:ext uri="{91240B29-F687-4f45-9708-019B960494DF}">
-                  <a14:hiddenLine xmlns:a14="http://schemas.microsoft.com/office/drawing/2010/main" xmlns="" w="9525">
+                  <a14:hiddenLine xmlns="" xmlns:a14="http://schemas.microsoft.com/office/drawing/2010/main" w="9525">
                     <a:solidFill>
                       <a:srgbClr val="000000"/>
                     </a:solidFill>
@@ -10366,7 +10577,7 @@
               </a:ln>
               <a:extLst>
                 <a:ext uri="{91240B29-F687-4f45-9708-019B960494DF}">
-                  <a14:hiddenLine xmlns:a14="http://schemas.microsoft.com/office/drawing/2010/main" xmlns="" w="9525">
+                  <a14:hiddenLine xmlns="" xmlns:a14="http://schemas.microsoft.com/office/drawing/2010/main" w="9525">
                     <a:solidFill>
                       <a:srgbClr val="000000"/>
                     </a:solidFill>
@@ -10456,7 +10667,7 @@
               </a:ln>
               <a:extLst>
                 <a:ext uri="{91240B29-F687-4f45-9708-019B960494DF}">
-                  <a14:hiddenLine xmlns:a14="http://schemas.microsoft.com/office/drawing/2010/main" xmlns="" w="9525">
+                  <a14:hiddenLine xmlns="" xmlns:a14="http://schemas.microsoft.com/office/drawing/2010/main" w="9525">
                     <a:solidFill>
                       <a:srgbClr val="000000"/>
                     </a:solidFill>
@@ -10518,7 +10729,7 @@
               </a:ln>
               <a:extLst>
                 <a:ext uri="{91240B29-F687-4f45-9708-019B960494DF}">
-                  <a14:hiddenLine xmlns:a14="http://schemas.microsoft.com/office/drawing/2010/main" xmlns="" w="9525">
+                  <a14:hiddenLine xmlns="" xmlns:a14="http://schemas.microsoft.com/office/drawing/2010/main" w="9525">
                     <a:solidFill>
                       <a:srgbClr val="000000"/>
                     </a:solidFill>
@@ -10608,7 +10819,7 @@
               </a:ln>
               <a:extLst>
                 <a:ext uri="{91240B29-F687-4f45-9708-019B960494DF}">
-                  <a14:hiddenLine xmlns:a14="http://schemas.microsoft.com/office/drawing/2010/main" xmlns="" w="9525">
+                  <a14:hiddenLine xmlns="" xmlns:a14="http://schemas.microsoft.com/office/drawing/2010/main" w="9525">
                     <a:solidFill>
                       <a:srgbClr val="000000"/>
                     </a:solidFill>
@@ -10670,7 +10881,7 @@
               </a:ln>
               <a:extLst>
                 <a:ext uri="{91240B29-F687-4f45-9708-019B960494DF}">
-                  <a14:hiddenLine xmlns:a14="http://schemas.microsoft.com/office/drawing/2010/main" xmlns="" w="9525">
+                  <a14:hiddenLine xmlns="" xmlns:a14="http://schemas.microsoft.com/office/drawing/2010/main" w="9525">
                     <a:solidFill>
                       <a:srgbClr val="000000"/>
                     </a:solidFill>
@@ -10732,7 +10943,7 @@
               </a:ln>
               <a:extLst>
                 <a:ext uri="{91240B29-F687-4f45-9708-019B960494DF}">
-                  <a14:hiddenLine xmlns:a14="http://schemas.microsoft.com/office/drawing/2010/main" xmlns="" w="9525">
+                  <a14:hiddenLine xmlns="" xmlns:a14="http://schemas.microsoft.com/office/drawing/2010/main" w="9525">
                     <a:solidFill>
                       <a:srgbClr val="000000"/>
                     </a:solidFill>
@@ -10822,7 +11033,7 @@
               </a:ln>
               <a:extLst>
                 <a:ext uri="{91240B29-F687-4f45-9708-019B960494DF}">
-                  <a14:hiddenLine xmlns:a14="http://schemas.microsoft.com/office/drawing/2010/main" xmlns="" w="9525">
+                  <a14:hiddenLine xmlns="" xmlns:a14="http://schemas.microsoft.com/office/drawing/2010/main" w="9525">
                     <a:solidFill>
                       <a:srgbClr val="000000"/>
                     </a:solidFill>
@@ -10912,7 +11123,7 @@
               </a:ln>
               <a:extLst>
                 <a:ext uri="{91240B29-F687-4f45-9708-019B960494DF}">
-                  <a14:hiddenLine xmlns:a14="http://schemas.microsoft.com/office/drawing/2010/main" xmlns="" w="9525">
+                  <a14:hiddenLine xmlns="" xmlns:a14="http://schemas.microsoft.com/office/drawing/2010/main" w="9525">
                     <a:solidFill>
                       <a:srgbClr val="000000"/>
                     </a:solidFill>
@@ -10974,7 +11185,7 @@
               </a:ln>
               <a:extLst>
                 <a:ext uri="{91240B29-F687-4f45-9708-019B960494DF}">
-                  <a14:hiddenLine xmlns:a14="http://schemas.microsoft.com/office/drawing/2010/main" xmlns="" w="9525">
+                  <a14:hiddenLine xmlns="" xmlns:a14="http://schemas.microsoft.com/office/drawing/2010/main" w="9525">
                     <a:solidFill>
                       <a:srgbClr val="000000"/>
                     </a:solidFill>
@@ -11084,7 +11295,7 @@
               </a:ln>
               <a:extLst>
                 <a:ext uri="{91240B29-F687-4f45-9708-019B960494DF}">
-                  <a14:hiddenLine xmlns:a14="http://schemas.microsoft.com/office/drawing/2010/main" xmlns="" w="9525">
+                  <a14:hiddenLine xmlns="" xmlns:a14="http://schemas.microsoft.com/office/drawing/2010/main" w="9525">
                     <a:solidFill>
                       <a:srgbClr val="000000"/>
                     </a:solidFill>
@@ -11168,7 +11379,7 @@
               </a:ln>
               <a:extLst>
                 <a:ext uri="{91240B29-F687-4f45-9708-019B960494DF}">
-                  <a14:hiddenLine xmlns:a14="http://schemas.microsoft.com/office/drawing/2010/main" xmlns="" w="9525">
+                  <a14:hiddenLine xmlns="" xmlns:a14="http://schemas.microsoft.com/office/drawing/2010/main" w="9525">
                     <a:solidFill>
                       <a:srgbClr val="000000"/>
                     </a:solidFill>
@@ -11230,7 +11441,7 @@
               </a:ln>
               <a:extLst>
                 <a:ext uri="{91240B29-F687-4f45-9708-019B960494DF}">
-                  <a14:hiddenLine xmlns:a14="http://schemas.microsoft.com/office/drawing/2010/main" xmlns="" w="9525">
+                  <a14:hiddenLine xmlns="" xmlns:a14="http://schemas.microsoft.com/office/drawing/2010/main" w="9525">
                     <a:solidFill>
                       <a:srgbClr val="000000"/>
                     </a:solidFill>
@@ -11292,7 +11503,7 @@
               </a:ln>
               <a:extLst>
                 <a:ext uri="{91240B29-F687-4f45-9708-019B960494DF}">
-                  <a14:hiddenLine xmlns:a14="http://schemas.microsoft.com/office/drawing/2010/main" xmlns="" w="9525">
+                  <a14:hiddenLine xmlns="" xmlns:a14="http://schemas.microsoft.com/office/drawing/2010/main" w="9525">
                     <a:solidFill>
                       <a:srgbClr val="000000"/>
                     </a:solidFill>
@@ -11382,7 +11593,7 @@
               </a:ln>
               <a:extLst>
                 <a:ext uri="{91240B29-F687-4f45-9708-019B960494DF}">
-                  <a14:hiddenLine xmlns:a14="http://schemas.microsoft.com/office/drawing/2010/main" xmlns="" w="9525">
+                  <a14:hiddenLine xmlns="" xmlns:a14="http://schemas.microsoft.com/office/drawing/2010/main" w="9525">
                     <a:solidFill>
                       <a:srgbClr val="000000"/>
                     </a:solidFill>
@@ -11416,7 +11627,7 @@
               </a:ln>
               <a:extLst>
                 <a:ext uri="{91240B29-F687-4f45-9708-019B960494DF}">
-                  <a14:hiddenLine xmlns:a14="http://schemas.microsoft.com/office/drawing/2010/main" xmlns="" w="9525">
+                  <a14:hiddenLine xmlns="" xmlns:a14="http://schemas.microsoft.com/office/drawing/2010/main" w="9525">
                     <a:solidFill>
                       <a:srgbClr val="000000"/>
                     </a:solidFill>
@@ -11481,7 +11692,7 @@
               </a:ln>
               <a:extLst>
                 <a:ext uri="{91240B29-F687-4f45-9708-019B960494DF}">
-                  <a14:hiddenLine xmlns:a14="http://schemas.microsoft.com/office/drawing/2010/main" xmlns="" w="9525">
+                  <a14:hiddenLine xmlns="" xmlns:a14="http://schemas.microsoft.com/office/drawing/2010/main" w="9525">
                     <a:solidFill>
                       <a:srgbClr val="000000"/>
                     </a:solidFill>
@@ -11571,7 +11782,7 @@
               </a:ln>
               <a:extLst>
                 <a:ext uri="{91240B29-F687-4f45-9708-019B960494DF}">
-                  <a14:hiddenLine xmlns:a14="http://schemas.microsoft.com/office/drawing/2010/main" xmlns="" w="9525">
+                  <a14:hiddenLine xmlns="" xmlns:a14="http://schemas.microsoft.com/office/drawing/2010/main" w="9525">
                     <a:solidFill>
                       <a:srgbClr val="000000"/>
                     </a:solidFill>
@@ -11633,7 +11844,7 @@
               </a:ln>
               <a:extLst>
                 <a:ext uri="{91240B29-F687-4f45-9708-019B960494DF}">
-                  <a14:hiddenLine xmlns:a14="http://schemas.microsoft.com/office/drawing/2010/main" xmlns="" w="9525">
+                  <a14:hiddenLine xmlns="" xmlns:a14="http://schemas.microsoft.com/office/drawing/2010/main" w="9525">
                     <a:solidFill>
                       <a:srgbClr val="000000"/>
                     </a:solidFill>
@@ -11723,7 +11934,7 @@
               </a:ln>
               <a:extLst>
                 <a:ext uri="{91240B29-F687-4f45-9708-019B960494DF}">
-                  <a14:hiddenLine xmlns:a14="http://schemas.microsoft.com/office/drawing/2010/main" xmlns="" w="9525">
+                  <a14:hiddenLine xmlns="" xmlns:a14="http://schemas.microsoft.com/office/drawing/2010/main" w="9525">
                     <a:solidFill>
                       <a:srgbClr val="000000"/>
                     </a:solidFill>
@@ -11788,7 +11999,7 @@
               </a:ln>
               <a:extLst>
                 <a:ext uri="{91240B29-F687-4f45-9708-019B960494DF}">
-                  <a14:hiddenLine xmlns:a14="http://schemas.microsoft.com/office/drawing/2010/main" xmlns="" w="9525">
+                  <a14:hiddenLine xmlns="" xmlns:a14="http://schemas.microsoft.com/office/drawing/2010/main" w="9525">
                     <a:solidFill>
                       <a:srgbClr val="000000"/>
                     </a:solidFill>
@@ -11850,7 +12061,7 @@
               </a:ln>
               <a:extLst>
                 <a:ext uri="{91240B29-F687-4f45-9708-019B960494DF}">
-                  <a14:hiddenLine xmlns:a14="http://schemas.microsoft.com/office/drawing/2010/main" xmlns="" w="9525">
+                  <a14:hiddenLine xmlns="" xmlns:a14="http://schemas.microsoft.com/office/drawing/2010/main" w="9525">
                     <a:solidFill>
                       <a:srgbClr val="000000"/>
                     </a:solidFill>
@@ -11940,7 +12151,7 @@
               </a:ln>
               <a:extLst>
                 <a:ext uri="{91240B29-F687-4f45-9708-019B960494DF}">
-                  <a14:hiddenLine xmlns:a14="http://schemas.microsoft.com/office/drawing/2010/main" xmlns="" w="9525">
+                  <a14:hiddenLine xmlns="" xmlns:a14="http://schemas.microsoft.com/office/drawing/2010/main" w="9525">
                     <a:solidFill>
                       <a:srgbClr val="000000"/>
                     </a:solidFill>
@@ -12030,7 +12241,7 @@
               </a:ln>
               <a:extLst>
                 <a:ext uri="{91240B29-F687-4f45-9708-019B960494DF}">
-                  <a14:hiddenLine xmlns:a14="http://schemas.microsoft.com/office/drawing/2010/main" xmlns="" w="9525">
+                  <a14:hiddenLine xmlns="" xmlns:a14="http://schemas.microsoft.com/office/drawing/2010/main" w="9525">
                     <a:solidFill>
                       <a:srgbClr val="000000"/>
                     </a:solidFill>
@@ -12095,7 +12306,7 @@
               </a:ln>
               <a:extLst>
                 <a:ext uri="{91240B29-F687-4f45-9708-019B960494DF}">
-                  <a14:hiddenLine xmlns:a14="http://schemas.microsoft.com/office/drawing/2010/main" xmlns="" w="9525">
+                  <a14:hiddenLine xmlns="" xmlns:a14="http://schemas.microsoft.com/office/drawing/2010/main" w="9525">
                     <a:solidFill>
                       <a:srgbClr val="000000"/>
                     </a:solidFill>
@@ -12215,7 +12426,7 @@
               </a:ln>
               <a:extLst>
                 <a:ext uri="{91240B29-F687-4f45-9708-019B960494DF}">
-                  <a14:hiddenLine xmlns:a14="http://schemas.microsoft.com/office/drawing/2010/main" xmlns="" w="9525">
+                  <a14:hiddenLine xmlns="" xmlns:a14="http://schemas.microsoft.com/office/drawing/2010/main" w="9525">
                     <a:solidFill>
                       <a:srgbClr val="000000"/>
                     </a:solidFill>
@@ -12313,7 +12524,7 @@
               </a:ln>
               <a:extLst>
                 <a:ext uri="{91240B29-F687-4f45-9708-019B960494DF}">
-                  <a14:hiddenLine xmlns:a14="http://schemas.microsoft.com/office/drawing/2010/main" xmlns="" w="9525">
+                  <a14:hiddenLine xmlns="" xmlns:a14="http://schemas.microsoft.com/office/drawing/2010/main" w="9525">
                     <a:solidFill>
                       <a:srgbClr val="000000"/>
                     </a:solidFill>
@@ -12428,7 +12639,7 @@
               </a:ln>
               <a:extLst>
                 <a:ext uri="{91240B29-F687-4f45-9708-019B960494DF}">
-                  <a14:hiddenLine xmlns:a14="http://schemas.microsoft.com/office/drawing/2010/main" xmlns="" w="9525">
+                  <a14:hiddenLine xmlns="" xmlns:a14="http://schemas.microsoft.com/office/drawing/2010/main" w="9525">
                     <a:solidFill>
                       <a:srgbClr val="000000"/>
                     </a:solidFill>
@@ -12518,7 +12729,7 @@
               </a:ln>
               <a:extLst>
                 <a:ext uri="{91240B29-F687-4f45-9708-019B960494DF}">
-                  <a14:hiddenLine xmlns:a14="http://schemas.microsoft.com/office/drawing/2010/main" xmlns="" w="9525">
+                  <a14:hiddenLine xmlns="" xmlns:a14="http://schemas.microsoft.com/office/drawing/2010/main" w="9525">
                     <a:solidFill>
                       <a:srgbClr val="000000"/>
                     </a:solidFill>
@@ -12583,7 +12794,7 @@
               </a:ln>
               <a:extLst>
                 <a:ext uri="{91240B29-F687-4f45-9708-019B960494DF}">
-                  <a14:hiddenLine xmlns:a14="http://schemas.microsoft.com/office/drawing/2010/main" xmlns="" w="9525">
+                  <a14:hiddenLine xmlns="" xmlns:a14="http://schemas.microsoft.com/office/drawing/2010/main" w="9525">
                     <a:solidFill>
                       <a:srgbClr val="000000"/>
                     </a:solidFill>
@@ -12673,7 +12884,7 @@
               </a:ln>
               <a:extLst>
                 <a:ext uri="{91240B29-F687-4f45-9708-019B960494DF}">
-                  <a14:hiddenLine xmlns:a14="http://schemas.microsoft.com/office/drawing/2010/main" xmlns="" w="9525">
+                  <a14:hiddenLine xmlns="" xmlns:a14="http://schemas.microsoft.com/office/drawing/2010/main" w="9525">
                     <a:solidFill>
                       <a:srgbClr val="000000"/>
                     </a:solidFill>
@@ -12741,7 +12952,7 @@
               </a:ln>
               <a:extLst>
                 <a:ext uri="{91240B29-F687-4f45-9708-019B960494DF}">
-                  <a14:hiddenLine xmlns:a14="http://schemas.microsoft.com/office/drawing/2010/main" xmlns="" w="9525">
+                  <a14:hiddenLine xmlns="" xmlns:a14="http://schemas.microsoft.com/office/drawing/2010/main" w="9525">
                     <a:solidFill>
                       <a:srgbClr val="000000"/>
                     </a:solidFill>
@@ -12831,7 +13042,7 @@
               </a:ln>
               <a:extLst>
                 <a:ext uri="{91240B29-F687-4f45-9708-019B960494DF}">
-                  <a14:hiddenLine xmlns:a14="http://schemas.microsoft.com/office/drawing/2010/main" xmlns="" w="9525">
+                  <a14:hiddenLine xmlns="" xmlns:a14="http://schemas.microsoft.com/office/drawing/2010/main" w="9525">
                     <a:solidFill>
                       <a:srgbClr val="000000"/>
                     </a:solidFill>
@@ -12899,7 +13110,7 @@
               </a:ln>
               <a:extLst>
                 <a:ext uri="{91240B29-F687-4f45-9708-019B960494DF}">
-                  <a14:hiddenLine xmlns:a14="http://schemas.microsoft.com/office/drawing/2010/main" xmlns="" w="9525">
+                  <a14:hiddenLine xmlns="" xmlns:a14="http://schemas.microsoft.com/office/drawing/2010/main" w="9525">
                     <a:solidFill>
                       <a:srgbClr val="000000"/>
                     </a:solidFill>
@@ -12989,7 +13200,7 @@
               </a:ln>
               <a:extLst>
                 <a:ext uri="{91240B29-F687-4f45-9708-019B960494DF}">
-                  <a14:hiddenLine xmlns:a14="http://schemas.microsoft.com/office/drawing/2010/main" xmlns="" w="9525">
+                  <a14:hiddenLine xmlns="" xmlns:a14="http://schemas.microsoft.com/office/drawing/2010/main" w="9525">
                     <a:solidFill>
                       <a:srgbClr val="000000"/>
                     </a:solidFill>
@@ -13023,7 +13234,7 @@
               </a:ln>
               <a:extLst>
                 <a:ext uri="{91240B29-F687-4f45-9708-019B960494DF}">
-                  <a14:hiddenLine xmlns:a14="http://schemas.microsoft.com/office/drawing/2010/main" xmlns="" w="9525">
+                  <a14:hiddenLine xmlns="" xmlns:a14="http://schemas.microsoft.com/office/drawing/2010/main" w="9525">
                     <a:solidFill>
                       <a:srgbClr val="000000"/>
                     </a:solidFill>
@@ -15467,7 +15678,496 @@
           <a:bodyPr/>
           <a:lstStyle/>
           <a:p>
-            <a:endParaRPr lang="pl-PL"/>
+            <a:r>
+              <a:rPr lang="pl-PL" dirty="0"/>
+              <a:t>Kilka rodzajów tworzenia list</a:t>
+            </a:r>
+          </a:p>
+          <a:p>
+            <a:r>
+              <a:rPr lang="pl-PL" dirty="0"/>
+              <a:t>Do list można wrzucić cokolwiek</a:t>
+            </a:r>
+          </a:p>
+          <a:p>
+            <a:r>
+              <a:rPr lang="pl-PL" dirty="0" err="1"/>
+              <a:t>Niemutowalna</a:t>
+            </a:r>
+            <a:endParaRPr lang="pl-PL" dirty="0"/>
+          </a:p>
+          <a:p>
+            <a:r>
+              <a:rPr lang="pl-PL" altLang="pl-PL" dirty="0"/>
+              <a:t>„</a:t>
+            </a:r>
+            <a:r>
+              <a:rPr lang="pl-PL" altLang="pl-PL" dirty="0" err="1"/>
+              <a:t>This</a:t>
+            </a:r>
+            <a:r>
+              <a:rPr lang="pl-PL" altLang="pl-PL" dirty="0"/>
+              <a:t> </a:t>
+            </a:r>
+            <a:r>
+              <a:rPr lang="pl-PL" altLang="pl-PL" dirty="0" err="1"/>
+              <a:t>class</a:t>
+            </a:r>
+            <a:r>
+              <a:rPr lang="pl-PL" altLang="pl-PL" dirty="0"/>
+              <a:t> </a:t>
+            </a:r>
+            <a:r>
+              <a:rPr lang="pl-PL" altLang="pl-PL" dirty="0" err="1"/>
+              <a:t>is</a:t>
+            </a:r>
+            <a:r>
+              <a:rPr lang="pl-PL" altLang="pl-PL" dirty="0"/>
+              <a:t> </a:t>
+            </a:r>
+            <a:r>
+              <a:rPr lang="pl-PL" altLang="pl-PL" dirty="0" err="1"/>
+              <a:t>optimal</a:t>
+            </a:r>
+            <a:r>
+              <a:rPr lang="pl-PL" altLang="pl-PL" dirty="0"/>
+              <a:t> for </a:t>
+            </a:r>
+            <a:r>
+              <a:rPr lang="pl-PL" altLang="pl-PL" dirty="0" err="1"/>
+              <a:t>last</a:t>
+            </a:r>
+            <a:r>
+              <a:rPr lang="pl-PL" altLang="pl-PL" dirty="0"/>
+              <a:t>-in-</a:t>
+            </a:r>
+            <a:r>
+              <a:rPr lang="pl-PL" altLang="pl-PL" dirty="0" err="1"/>
+              <a:t>first</a:t>
+            </a:r>
+            <a:r>
+              <a:rPr lang="pl-PL" altLang="pl-PL" dirty="0"/>
+              <a:t>-out (LIFO), </a:t>
+            </a:r>
+            <a:r>
+              <a:rPr lang="pl-PL" altLang="pl-PL" dirty="0" err="1"/>
+              <a:t>stack-like</a:t>
+            </a:r>
+            <a:r>
+              <a:rPr lang="pl-PL" altLang="pl-PL" dirty="0"/>
+              <a:t> </a:t>
+            </a:r>
+            <a:r>
+              <a:rPr lang="pl-PL" altLang="pl-PL" dirty="0" err="1"/>
+              <a:t>access</a:t>
+            </a:r>
+            <a:r>
+              <a:rPr lang="pl-PL" altLang="pl-PL" dirty="0"/>
+              <a:t> </a:t>
+            </a:r>
+            <a:r>
+              <a:rPr lang="pl-PL" altLang="pl-PL" dirty="0" err="1"/>
+              <a:t>patterns</a:t>
+            </a:r>
+            <a:r>
+              <a:rPr lang="pl-PL" altLang="pl-PL" dirty="0"/>
+              <a:t>. </a:t>
+            </a:r>
+            <a:r>
+              <a:rPr lang="pl-PL" altLang="pl-PL" dirty="0" err="1"/>
+              <a:t>If</a:t>
+            </a:r>
+            <a:r>
+              <a:rPr lang="pl-PL" altLang="pl-PL" dirty="0"/>
+              <a:t> </a:t>
+            </a:r>
+            <a:r>
+              <a:rPr lang="pl-PL" altLang="pl-PL" dirty="0" err="1"/>
+              <a:t>you</a:t>
+            </a:r>
+            <a:r>
+              <a:rPr lang="pl-PL" altLang="pl-PL" dirty="0"/>
+              <a:t> </a:t>
+            </a:r>
+            <a:r>
+              <a:rPr lang="pl-PL" altLang="pl-PL" dirty="0" err="1"/>
+              <a:t>need</a:t>
+            </a:r>
+            <a:r>
+              <a:rPr lang="pl-PL" altLang="pl-PL" dirty="0"/>
+              <a:t> </a:t>
+            </a:r>
+            <a:r>
+              <a:rPr lang="pl-PL" altLang="pl-PL" dirty="0" err="1"/>
+              <a:t>another</a:t>
+            </a:r>
+            <a:r>
+              <a:rPr lang="pl-PL" altLang="pl-PL" dirty="0"/>
+              <a:t> </a:t>
+            </a:r>
+            <a:r>
+              <a:rPr lang="pl-PL" altLang="pl-PL" dirty="0" err="1"/>
+              <a:t>access</a:t>
+            </a:r>
+            <a:r>
+              <a:rPr lang="pl-PL" altLang="pl-PL" dirty="0"/>
+              <a:t> </a:t>
+            </a:r>
+            <a:r>
+              <a:rPr lang="pl-PL" altLang="pl-PL" dirty="0" err="1"/>
+              <a:t>pattern</a:t>
+            </a:r>
+            <a:r>
+              <a:rPr lang="pl-PL" altLang="pl-PL" dirty="0"/>
+              <a:t>, for </a:t>
+            </a:r>
+            <a:r>
+              <a:rPr lang="pl-PL" altLang="pl-PL" dirty="0" err="1"/>
+              <a:t>example</a:t>
+            </a:r>
+            <a:r>
+              <a:rPr lang="pl-PL" altLang="pl-PL" dirty="0"/>
+              <a:t>, </a:t>
+            </a:r>
+            <a:r>
+              <a:rPr lang="pl-PL" altLang="pl-PL" dirty="0" err="1"/>
+              <a:t>random</a:t>
+            </a:r>
+            <a:r>
+              <a:rPr lang="pl-PL" altLang="pl-PL" dirty="0"/>
+              <a:t> </a:t>
+            </a:r>
+            <a:r>
+              <a:rPr lang="pl-PL" altLang="pl-PL" dirty="0" err="1"/>
+              <a:t>access</a:t>
+            </a:r>
+            <a:r>
+              <a:rPr lang="pl-PL" altLang="pl-PL" dirty="0"/>
+              <a:t> </a:t>
+            </a:r>
+            <a:r>
+              <a:rPr lang="pl-PL" altLang="pl-PL" dirty="0" err="1"/>
+              <a:t>or</a:t>
+            </a:r>
+            <a:r>
+              <a:rPr lang="pl-PL" altLang="pl-PL" dirty="0"/>
+              <a:t> FIFO, </a:t>
+            </a:r>
+            <a:r>
+              <a:rPr lang="pl-PL" altLang="pl-PL" dirty="0" err="1"/>
+              <a:t>consider</a:t>
+            </a:r>
+            <a:r>
+              <a:rPr lang="pl-PL" altLang="pl-PL" dirty="0"/>
+              <a:t> </a:t>
+            </a:r>
+            <a:r>
+              <a:rPr lang="pl-PL" altLang="pl-PL" dirty="0" err="1"/>
+              <a:t>using</a:t>
+            </a:r>
+            <a:r>
+              <a:rPr lang="pl-PL" altLang="pl-PL" dirty="0"/>
+              <a:t> a </a:t>
+            </a:r>
+            <a:r>
+              <a:rPr lang="pl-PL" altLang="pl-PL" dirty="0" err="1"/>
+              <a:t>collection</a:t>
+            </a:r>
+            <a:r>
+              <a:rPr lang="pl-PL" altLang="pl-PL" dirty="0"/>
+              <a:t> </a:t>
+            </a:r>
+            <a:r>
+              <a:rPr lang="pl-PL" altLang="pl-PL" dirty="0" err="1"/>
+              <a:t>more</a:t>
+            </a:r>
+            <a:r>
+              <a:rPr lang="pl-PL" altLang="pl-PL" dirty="0"/>
+              <a:t> </a:t>
+            </a:r>
+            <a:r>
+              <a:rPr lang="pl-PL" altLang="pl-PL" dirty="0" err="1"/>
+              <a:t>suited</a:t>
+            </a:r>
+            <a:r>
+              <a:rPr lang="pl-PL" altLang="pl-PL" dirty="0"/>
+              <a:t> to </a:t>
+            </a:r>
+            <a:r>
+              <a:rPr lang="pl-PL" altLang="pl-PL" dirty="0" err="1"/>
+              <a:t>this</a:t>
+            </a:r>
+            <a:r>
+              <a:rPr lang="pl-PL" altLang="pl-PL" dirty="0"/>
+              <a:t> </a:t>
+            </a:r>
+            <a:r>
+              <a:rPr lang="pl-PL" altLang="pl-PL" dirty="0" err="1"/>
+              <a:t>than</a:t>
+            </a:r>
+            <a:r>
+              <a:rPr lang="pl-PL" altLang="pl-PL" dirty="0"/>
+              <a:t> List” - </a:t>
+            </a:r>
+            <a:r>
+              <a:rPr lang="pl-PL" i="1" dirty="0">
+                <a:hlinkClick r:id="rId3"/>
+              </a:rPr>
+              <a:t>scala </a:t>
+            </a:r>
+            <a:r>
+              <a:rPr lang="pl-PL" i="1" dirty="0" err="1">
+                <a:hlinkClick r:id="rId3"/>
+              </a:rPr>
+              <a:t>documentation</a:t>
+            </a:r>
+            <a:endParaRPr lang="pl-PL" i="1" dirty="0"/>
+          </a:p>
+          <a:p>
+            <a:endParaRPr lang="pl-PL" dirty="0"/>
+          </a:p>
+          <a:p>
+            <a:pPr marL="0" indent="0">
+              <a:buNone/>
+            </a:pPr>
+            <a:endParaRPr lang="pl-PL" dirty="0"/>
+          </a:p>
+        </p:txBody>
+      </p:sp>
+      <p:pic>
+        <p:nvPicPr>
+          <p:cNvPr id="7" name="Obraz 6">
+            <a:extLst>
+              <a:ext uri="{FF2B5EF4-FFF2-40B4-BE49-F238E27FC236}">
+                <a16:creationId xmlns:a16="http://schemas.microsoft.com/office/drawing/2014/main" id="{6E4B30C5-E6D4-482A-8C7E-D4BD5F4C2004}"/>
+              </a:ext>
+            </a:extLst>
+          </p:cNvPr>
+          <p:cNvPicPr>
+            <a:picLocks noChangeAspect="1"/>
+          </p:cNvPicPr>
+          <p:nvPr/>
+        </p:nvPicPr>
+        <p:blipFill>
+          <a:blip r:embed="rId4"/>
+          <a:stretch>
+            <a:fillRect/>
+          </a:stretch>
+        </p:blipFill>
+        <p:spPr>
+          <a:xfrm>
+            <a:off x="5639252" y="2097088"/>
+            <a:ext cx="6552748" cy="1478569"/>
+          </a:xfrm>
+          <a:prstGeom prst="rect">
+            <a:avLst/>
+          </a:prstGeom>
+        </p:spPr>
+      </p:pic>
+      <p:sp>
+        <p:nvSpPr>
+          <p:cNvPr id="4" name="Rectangle 1">
+            <a:extLst>
+              <a:ext uri="{FF2B5EF4-FFF2-40B4-BE49-F238E27FC236}">
+                <a16:creationId xmlns:a16="http://schemas.microsoft.com/office/drawing/2014/main" id="{0495FAB9-8906-4158-B5C1-4F6C6FAFA73D}"/>
+              </a:ext>
+            </a:extLst>
+          </p:cNvPr>
+          <p:cNvSpPr>
+            <a:spLocks noChangeArrowheads="1"/>
+          </p:cNvSpPr>
+          <p:nvPr/>
+        </p:nvSpPr>
+        <p:spPr bwMode="auto">
+          <a:xfrm>
+            <a:off x="0" y="-138499"/>
+            <a:ext cx="65" cy="276999"/>
+          </a:xfrm>
+          <a:prstGeom prst="rect">
+            <a:avLst/>
+          </a:prstGeom>
+          <a:solidFill>
+            <a:srgbClr val="F0F3F6"/>
+          </a:solidFill>
+          <a:ln>
+            <a:noFill/>
+          </a:ln>
+          <a:effectLst/>
+          <a:extLst>
+            <a:ext uri="{91240B29-F687-4F45-9708-019B960494DF}">
+              <a14:hiddenLine xmlns:a14="http://schemas.microsoft.com/office/drawing/2010/main" w="9525">
+                <a:solidFill>
+                  <a:schemeClr val="tx1"/>
+                </a:solidFill>
+                <a:miter lim="800000"/>
+                <a:headEnd/>
+                <a:tailEnd/>
+              </a14:hiddenLine>
+            </a:ext>
+            <a:ext uri="{AF507438-7753-43E0-B8FC-AC1667EBCBE1}">
+              <a14:hiddenEffects xmlns:a14="http://schemas.microsoft.com/office/drawing/2010/main">
+                <a:effectLst>
+                  <a:outerShdw dist="35921" dir="2700000" algn="ctr" rotWithShape="0">
+                    <a:schemeClr val="bg2"/>
+                  </a:outerShdw>
+                </a:effectLst>
+              </a14:hiddenEffects>
+            </a:ext>
+          </a:extLst>
+        </p:spPr>
+        <p:txBody>
+          <a:bodyPr vert="horz" wrap="none" lIns="0" tIns="0" rIns="0" bIns="0" numCol="1" anchor="ctr" anchorCtr="0" compatLnSpc="1">
+            <a:prstTxWarp prst="textNoShape">
+              <a:avLst/>
+            </a:prstTxWarp>
+            <a:spAutoFit/>
+          </a:bodyPr>
+          <a:lstStyle>
+            <a:lvl1pPr eaLnBrk="0" fontAlgn="base" hangingPunct="0">
+              <a:spcBef>
+                <a:spcPct val="0"/>
+              </a:spcBef>
+              <a:spcAft>
+                <a:spcPct val="0"/>
+              </a:spcAft>
+              <a:defRPr>
+                <a:solidFill>
+                  <a:schemeClr val="tx1"/>
+                </a:solidFill>
+                <a:latin typeface="Arial" panose="020B0604020202020204" pitchFamily="34" charset="0"/>
+              </a:defRPr>
+            </a:lvl1pPr>
+            <a:lvl2pPr eaLnBrk="0" fontAlgn="base" hangingPunct="0">
+              <a:spcBef>
+                <a:spcPct val="0"/>
+              </a:spcBef>
+              <a:spcAft>
+                <a:spcPct val="0"/>
+              </a:spcAft>
+              <a:defRPr>
+                <a:solidFill>
+                  <a:schemeClr val="tx1"/>
+                </a:solidFill>
+                <a:latin typeface="Arial" panose="020B0604020202020204" pitchFamily="34" charset="0"/>
+              </a:defRPr>
+            </a:lvl2pPr>
+            <a:lvl3pPr eaLnBrk="0" fontAlgn="base" hangingPunct="0">
+              <a:spcBef>
+                <a:spcPct val="0"/>
+              </a:spcBef>
+              <a:spcAft>
+                <a:spcPct val="0"/>
+              </a:spcAft>
+              <a:defRPr>
+                <a:solidFill>
+                  <a:schemeClr val="tx1"/>
+                </a:solidFill>
+                <a:latin typeface="Arial" panose="020B0604020202020204" pitchFamily="34" charset="0"/>
+              </a:defRPr>
+            </a:lvl3pPr>
+            <a:lvl4pPr eaLnBrk="0" fontAlgn="base" hangingPunct="0">
+              <a:spcBef>
+                <a:spcPct val="0"/>
+              </a:spcBef>
+              <a:spcAft>
+                <a:spcPct val="0"/>
+              </a:spcAft>
+              <a:defRPr>
+                <a:solidFill>
+                  <a:schemeClr val="tx1"/>
+                </a:solidFill>
+                <a:latin typeface="Arial" panose="020B0604020202020204" pitchFamily="34" charset="0"/>
+              </a:defRPr>
+            </a:lvl4pPr>
+            <a:lvl5pPr eaLnBrk="0" fontAlgn="base" hangingPunct="0">
+              <a:spcBef>
+                <a:spcPct val="0"/>
+              </a:spcBef>
+              <a:spcAft>
+                <a:spcPct val="0"/>
+              </a:spcAft>
+              <a:defRPr>
+                <a:solidFill>
+                  <a:schemeClr val="tx1"/>
+                </a:solidFill>
+                <a:latin typeface="Arial" panose="020B0604020202020204" pitchFamily="34" charset="0"/>
+              </a:defRPr>
+            </a:lvl5pPr>
+            <a:lvl6pPr eaLnBrk="0" fontAlgn="base" hangingPunct="0">
+              <a:spcBef>
+                <a:spcPct val="0"/>
+              </a:spcBef>
+              <a:spcAft>
+                <a:spcPct val="0"/>
+              </a:spcAft>
+              <a:defRPr>
+                <a:solidFill>
+                  <a:schemeClr val="tx1"/>
+                </a:solidFill>
+                <a:latin typeface="Arial" panose="020B0604020202020204" pitchFamily="34" charset="0"/>
+              </a:defRPr>
+            </a:lvl6pPr>
+            <a:lvl7pPr eaLnBrk="0" fontAlgn="base" hangingPunct="0">
+              <a:spcBef>
+                <a:spcPct val="0"/>
+              </a:spcBef>
+              <a:spcAft>
+                <a:spcPct val="0"/>
+              </a:spcAft>
+              <a:defRPr>
+                <a:solidFill>
+                  <a:schemeClr val="tx1"/>
+                </a:solidFill>
+                <a:latin typeface="Arial" panose="020B0604020202020204" pitchFamily="34" charset="0"/>
+              </a:defRPr>
+            </a:lvl7pPr>
+            <a:lvl8pPr eaLnBrk="0" fontAlgn="base" hangingPunct="0">
+              <a:spcBef>
+                <a:spcPct val="0"/>
+              </a:spcBef>
+              <a:spcAft>
+                <a:spcPct val="0"/>
+              </a:spcAft>
+              <a:defRPr>
+                <a:solidFill>
+                  <a:schemeClr val="tx1"/>
+                </a:solidFill>
+                <a:latin typeface="Arial" panose="020B0604020202020204" pitchFamily="34" charset="0"/>
+              </a:defRPr>
+            </a:lvl8pPr>
+            <a:lvl9pPr eaLnBrk="0" fontAlgn="base" hangingPunct="0">
+              <a:spcBef>
+                <a:spcPct val="0"/>
+              </a:spcBef>
+              <a:spcAft>
+                <a:spcPct val="0"/>
+              </a:spcAft>
+              <a:defRPr>
+                <a:solidFill>
+                  <a:schemeClr val="tx1"/>
+                </a:solidFill>
+                <a:latin typeface="Arial" panose="020B0604020202020204" pitchFamily="34" charset="0"/>
+              </a:defRPr>
+            </a:lvl9pPr>
+          </a:lstStyle>
+          <a:p>
+            <a:pPr marL="0" marR="0" lvl="0" indent="0" algn="l" defTabSz="914400" rtl="0" eaLnBrk="0" fontAlgn="base" latinLnBrk="0" hangingPunct="0">
+              <a:lnSpc>
+                <a:spcPct val="100000"/>
+              </a:lnSpc>
+              <a:spcBef>
+                <a:spcPct val="0"/>
+              </a:spcBef>
+              <a:spcAft>
+                <a:spcPct val="0"/>
+              </a:spcAft>
+              <a:buClrTx/>
+              <a:buSzTx/>
+              <a:buFontTx/>
+              <a:buNone/>
+              <a:tabLst/>
+            </a:pPr>
+            <a:endParaRPr lang="pl-PL" altLang="pl-PL" dirty="0"/>
           </a:p>
         </p:txBody>
       </p:sp>
@@ -15551,10 +16251,75 @@
           <a:bodyPr/>
           <a:lstStyle/>
           <a:p>
-            <a:endParaRPr lang="pl-PL"/>
+            <a:r>
+              <a:rPr lang="pl-PL" dirty="0"/>
+              <a:t>Wartość zawierająca stałą liczbę elementów, każdy z elementów może mieć własny typ</a:t>
+            </a:r>
+          </a:p>
+          <a:p>
+            <a:r>
+              <a:rPr lang="pl-PL" dirty="0" err="1"/>
+              <a:t>Niemutowalne</a:t>
+            </a:r>
+            <a:endParaRPr lang="pl-PL" dirty="0"/>
+          </a:p>
+          <a:p>
+            <a:r>
+              <a:rPr lang="pl-PL" dirty="0"/>
+              <a:t>Maksymalnie 22 elementy w krotce – przy próbie zainicjowania </a:t>
+            </a:r>
+            <a:r>
+              <a:rPr lang="pl-PL" dirty="0" err="1"/>
+              <a:t>krotki</a:t>
+            </a:r>
+            <a:r>
+              <a:rPr lang="pl-PL" dirty="0"/>
+              <a:t> z większą ilością elementów dostaniemy błąd - </a:t>
+            </a:r>
+            <a:r>
+              <a:rPr lang="en-US" dirty="0"/>
+              <a:t>tuples may not have more than 22 elements, but 23 given</a:t>
+            </a:r>
+            <a:endParaRPr lang="pl-PL" dirty="0"/>
+          </a:p>
+          <a:p>
+            <a:endParaRPr lang="pl-PL" dirty="0"/>
+          </a:p>
+          <a:p>
+            <a:endParaRPr lang="pl-PL" dirty="0"/>
           </a:p>
         </p:txBody>
       </p:sp>
+      <p:pic>
+        <p:nvPicPr>
+          <p:cNvPr id="5" name="Obraz 4">
+            <a:extLst>
+              <a:ext uri="{FF2B5EF4-FFF2-40B4-BE49-F238E27FC236}">
+                <a16:creationId xmlns:a16="http://schemas.microsoft.com/office/drawing/2014/main" id="{CA5E9235-2171-4C8B-A4D0-6016552ED784}"/>
+              </a:ext>
+            </a:extLst>
+          </p:cNvPr>
+          <p:cNvPicPr>
+            <a:picLocks noChangeAspect="1"/>
+          </p:cNvPicPr>
+          <p:nvPr/>
+        </p:nvPicPr>
+        <p:blipFill>
+          <a:blip r:embed="rId3"/>
+          <a:stretch>
+            <a:fillRect/>
+          </a:stretch>
+        </p:blipFill>
+        <p:spPr>
+          <a:xfrm>
+            <a:off x="6260599" y="2853669"/>
+            <a:ext cx="4158439" cy="967782"/>
+          </a:xfrm>
+          <a:prstGeom prst="rect">
+            <a:avLst/>
+          </a:prstGeom>
+        </p:spPr>
+      </p:pic>
     </p:spTree>
     <p:extLst>
       <p:ext uri="{BB962C8B-B14F-4D97-AF65-F5344CB8AC3E}">

--- a/SCALA.pptx
+++ b/SCALA.pptx
@@ -18,8 +18,8 @@
     <p:sldId id="263" r:id="rId9"/>
     <p:sldId id="264" r:id="rId10"/>
     <p:sldId id="265" r:id="rId11"/>
-    <p:sldId id="266" r:id="rId12"/>
-    <p:sldId id="267" r:id="rId13"/>
+    <p:sldId id="267" r:id="rId12"/>
+    <p:sldId id="266" r:id="rId13"/>
   </p:sldIdLst>
   <p:sldSz cx="12192000" cy="6858000"/>
   <p:notesSz cx="6858000" cy="9144000"/>
@@ -234,7 +234,7 @@
           <a:p>
             <a:fld id="{C5CD1456-AA00-4668-A255-DC6FE20BE111}" type="datetimeFigureOut">
               <a:rPr lang="pl-PL" smtClean="0"/>
-              <a:t>29.03.2021</a:t>
+              <a:t>30.03.2021</a:t>
             </a:fld>
             <a:endParaRPr lang="pl-PL"/>
           </a:p>
@@ -695,6 +695,136 @@
 </p:notes>
 </file>
 
+<file path=ppt/notesSlides/notesSlide10.xml><?xml version="1.0" encoding="utf-8"?>
+<p:notes xmlns:a="http://schemas.openxmlformats.org/drawingml/2006/main" xmlns:r="http://schemas.openxmlformats.org/officeDocument/2006/relationships" xmlns:p="http://schemas.openxmlformats.org/presentationml/2006/main">
+  <p:cSld>
+    <p:spTree>
+      <p:nvGrpSpPr>
+        <p:cNvPr id="1" name=""/>
+        <p:cNvGrpSpPr/>
+        <p:nvPr/>
+      </p:nvGrpSpPr>
+      <p:grpSpPr>
+        <a:xfrm>
+          <a:off x="0" y="0"/>
+          <a:ext cx="0" cy="0"/>
+          <a:chOff x="0" y="0"/>
+          <a:chExt cx="0" cy="0"/>
+        </a:xfrm>
+      </p:grpSpPr>
+      <p:sp>
+        <p:nvSpPr>
+          <p:cNvPr id="2" name="Symbol zastępczy obrazu slajdu 1"/>
+          <p:cNvSpPr>
+            <a:spLocks noGrp="1" noRot="1" noChangeAspect="1"/>
+          </p:cNvSpPr>
+          <p:nvPr>
+            <p:ph type="sldImg"/>
+          </p:nvPr>
+        </p:nvSpPr>
+        <p:spPr/>
+      </p:sp>
+      <p:sp>
+        <p:nvSpPr>
+          <p:cNvPr id="3" name="Symbol zastępczy notatek 2"/>
+          <p:cNvSpPr>
+            <a:spLocks noGrp="1"/>
+          </p:cNvSpPr>
+          <p:nvPr>
+            <p:ph type="body" idx="1"/>
+          </p:nvPr>
+        </p:nvSpPr>
+        <p:spPr/>
+        <p:txBody>
+          <a:bodyPr/>
+          <a:lstStyle/>
+          <a:p>
+            <a:endParaRPr lang="pl-PL" dirty="0"/>
+          </a:p>
+          <a:p>
+            <a:r>
+              <a:rPr lang="pl-PL" dirty="0"/>
+              <a:t>Kiedy zdefiniujemy metodę </a:t>
+            </a:r>
+            <a:r>
+              <a:rPr lang="pl-PL" dirty="0" err="1"/>
+              <a:t>Apply</a:t>
+            </a:r>
+            <a:r>
+              <a:rPr lang="pl-PL" dirty="0"/>
+              <a:t> w obiekcie towarzyszącym, ma to specjalne znaczenie dla kompilatora Scala. W Scali jest tzw. cukier składniowy (</a:t>
+            </a:r>
+            <a:r>
+              <a:rPr lang="pl-PL" dirty="0" err="1"/>
+              <a:t>syntactic</a:t>
+            </a:r>
+            <a:r>
+              <a:rPr lang="pl-PL" dirty="0"/>
+              <a:t> </a:t>
+            </a:r>
+            <a:r>
+              <a:rPr lang="pl-PL" dirty="0" err="1"/>
+              <a:t>sugar</a:t>
+            </a:r>
+            <a:r>
+              <a:rPr lang="pl-PL" dirty="0"/>
+              <a:t>), który umożliwia wpisanie tego kodu [1] a podczas procesu kompilacji kompilator zamienia ten kod na [2]. Metoda </a:t>
+            </a:r>
+            <a:r>
+              <a:rPr lang="pl-PL" dirty="0" err="1"/>
+              <a:t>Apply</a:t>
+            </a:r>
+            <a:r>
+              <a:rPr lang="pl-PL" dirty="0"/>
+              <a:t> w obiekcie towarzyszącym działa jak metoda fabryki, a dzięki właśnie temu cukrowi Scala pozwala na użycie takiej składni do tworzenia nowych instancji klas bez użycia słowa kluczowego </a:t>
+            </a:r>
+            <a:r>
+              <a:rPr lang="pl-PL" dirty="0" err="1"/>
+              <a:t>new</a:t>
+            </a:r>
+            <a:r>
+              <a:rPr lang="pl-PL" dirty="0"/>
+              <a:t>.</a:t>
+            </a:r>
+          </a:p>
+        </p:txBody>
+      </p:sp>
+      <p:sp>
+        <p:nvSpPr>
+          <p:cNvPr id="4" name="Symbol zastępczy numeru slajdu 3"/>
+          <p:cNvSpPr>
+            <a:spLocks noGrp="1"/>
+          </p:cNvSpPr>
+          <p:nvPr>
+            <p:ph type="sldNum" sz="quarter" idx="5"/>
+          </p:nvPr>
+        </p:nvSpPr>
+        <p:spPr/>
+        <p:txBody>
+          <a:bodyPr/>
+          <a:lstStyle/>
+          <a:p>
+            <a:fld id="{6839968B-1966-479B-907B-2C4A53864213}" type="slidenum">
+              <a:rPr lang="pl-PL" smtClean="0"/>
+              <a:t>12</a:t>
+            </a:fld>
+            <a:endParaRPr lang="pl-PL"/>
+          </a:p>
+        </p:txBody>
+      </p:sp>
+    </p:spTree>
+    <p:extLst>
+      <p:ext uri="{BB962C8B-B14F-4D97-AF65-F5344CB8AC3E}">
+        <p14:creationId xmlns:p14="http://schemas.microsoft.com/office/powerpoint/2010/main" val="2827181840"/>
+      </p:ext>
+    </p:extLst>
+  </p:cSld>
+  <p:clrMapOvr>
+    <a:masterClrMapping/>
+  </p:clrMapOvr>
+</p:notes>
+</file>
+
 <file path=ppt/notesSlides/notesSlide2.xml><?xml version="1.0" encoding="utf-8"?>
 <p:notes xmlns:a="http://schemas.openxmlformats.org/drawingml/2006/main" xmlns:r="http://schemas.openxmlformats.org/officeDocument/2006/relationships" xmlns:p="http://schemas.openxmlformats.org/presentationml/2006/main">
   <p:cSld>
@@ -1390,6 +1520,92 @@
           <a:p>
             <a:r>
               <a:rPr lang="pl-PL" dirty="0"/>
+              <a:t>Mamy kilka sposobów tworzenia list, tak jak w sumie prawie w każdym elemencie Scali. Jeżeli nie zadeklarujemy typu listy, tak jak tutaj na zdjęciu w drugim przykładzie, to można do niej wrzucić cokolwiek.</a:t>
+            </a:r>
+          </a:p>
+          <a:p>
+            <a:r>
+              <a:rPr lang="pl-PL" dirty="0"/>
+              <a:t>List jest z pakietu </a:t>
+            </a:r>
+            <a:r>
+              <a:rPr lang="pl-PL" b="0" i="0" u="sng" dirty="0" err="1">
+                <a:solidFill>
+                  <a:srgbClr val="103A51"/>
+                </a:solidFill>
+                <a:effectLst/>
+                <a:latin typeface="Arial" panose="020B0604020202020204" pitchFamily="34" charset="0"/>
+                <a:hlinkClick r:id="rId3" tooltip="scala"/>
+              </a:rPr>
+              <a:t>scala</a:t>
+            </a:r>
+            <a:r>
+              <a:rPr lang="pl-PL" b="0" i="0" dirty="0" err="1">
+                <a:solidFill>
+                  <a:srgbClr val="103A51"/>
+                </a:solidFill>
+                <a:effectLst/>
+                <a:latin typeface="Arial" panose="020B0604020202020204" pitchFamily="34" charset="0"/>
+              </a:rPr>
+              <a:t>.</a:t>
+            </a:r>
+            <a:r>
+              <a:rPr lang="pl-PL" b="0" i="0" u="sng" dirty="0" err="1">
+                <a:solidFill>
+                  <a:srgbClr val="103A51"/>
+                </a:solidFill>
+                <a:effectLst/>
+                <a:latin typeface="Arial" panose="020B0604020202020204" pitchFamily="34" charset="0"/>
+                <a:hlinkClick r:id="rId4" tooltip="scala.collection"/>
+              </a:rPr>
+              <a:t>collection</a:t>
+            </a:r>
+            <a:r>
+              <a:rPr lang="pl-PL" b="0" i="0" dirty="0" err="1">
+                <a:solidFill>
+                  <a:srgbClr val="103A51"/>
+                </a:solidFill>
+                <a:effectLst/>
+                <a:latin typeface="Arial" panose="020B0604020202020204" pitchFamily="34" charset="0"/>
+              </a:rPr>
+              <a:t>.</a:t>
+            </a:r>
+            <a:r>
+              <a:rPr lang="pl-PL" b="0" i="0" u="sng" dirty="0" err="1">
+                <a:solidFill>
+                  <a:srgbClr val="103A51"/>
+                </a:solidFill>
+                <a:effectLst/>
+                <a:latin typeface="Arial" panose="020B0604020202020204" pitchFamily="34" charset="0"/>
+                <a:hlinkClick r:id="rId5" tooltip="scala.collection.immutable"/>
+              </a:rPr>
+              <a:t>immutable</a:t>
+            </a:r>
+            <a:r>
+              <a:rPr lang="pl-PL" dirty="0"/>
+              <a:t>, zatem nie można ich modyfikować </a:t>
+            </a:r>
+          </a:p>
+          <a:p>
+            <a:pPr marL="0" marR="0" lvl="0" indent="0" algn="l" defTabSz="914400" rtl="0" eaLnBrk="1" fontAlgn="auto" latinLnBrk="0" hangingPunct="1">
+              <a:lnSpc>
+                <a:spcPct val="100000"/>
+              </a:lnSpc>
+              <a:spcBef>
+                <a:spcPts val="0"/>
+              </a:spcBef>
+              <a:spcAft>
+                <a:spcPts val="0"/>
+              </a:spcAft>
+              <a:buClrTx/>
+              <a:buSzTx/>
+              <a:buFontTx/>
+              <a:buNone/>
+              <a:tabLst/>
+              <a:defRPr/>
+            </a:pPr>
+            <a:r>
+              <a:rPr lang="pl-PL" dirty="0"/>
               <a:t>Listy Ta klasa jest optymalna dla wzorców dostępu typu </a:t>
             </a:r>
             <a:r>
@@ -1408,6 +1624,9 @@
               <a:rPr lang="pl-PL" dirty="0"/>
               <a:t>-out (LIFO), czyli stosu. Dla innych list lepiej jest użyć innej klasy </a:t>
             </a:r>
+          </a:p>
+          <a:p>
+            <a:endParaRPr lang="pl-PL" dirty="0"/>
           </a:p>
         </p:txBody>
       </p:sp>
@@ -1509,13 +1728,40 @@
             </a:r>
             <a:r>
               <a:rPr lang="pl-PL" dirty="0"/>
-              <a:t> są niezmienne i szczególnie przydatne do zwracania wielu wartości z metody. Maksymalnie w krotce możemy mieć 22 elementy, jak spróbujemy stworzyć krotkę z większą ilością elementów to dostaniemy błąd i program się </a:t>
-            </a:r>
-            <a:r>
-              <a:rPr lang="pl-PL"/>
-              <a:t>nie zbuduje.</a:t>
-            </a:r>
-            <a:endParaRPr lang="pl-PL" dirty="0"/>
+              <a:t> są niezmienne i szczególnie przydatne do zwracania wielu wartości z metody. Maksymalnie w krotce możemy mieć 22 elementy, jak spróbujemy stworzyć krotkę z większą ilością elementów to dostaniemy błąd i program się nie zbuduje. Jest ona podobnie jak lista </a:t>
+            </a:r>
+            <a:r>
+              <a:rPr lang="pl-PL" dirty="0" err="1"/>
+              <a:t>niemutowalna</a:t>
+            </a:r>
+            <a:r>
+              <a:rPr lang="pl-PL" dirty="0"/>
+              <a:t>. Jednak nie jest ona z pakietu </a:t>
+            </a:r>
+            <a:r>
+              <a:rPr lang="pl-PL" dirty="0" err="1"/>
+              <a:t>collection</a:t>
+            </a:r>
+            <a:r>
+              <a:rPr lang="pl-PL" dirty="0"/>
+              <a:t> zatem technicznie nie jest kolekcją. Na </a:t>
+            </a:r>
+            <a:r>
+              <a:rPr lang="pl-PL" dirty="0" err="1"/>
+              <a:t>screenie</a:t>
+            </a:r>
+            <a:r>
+              <a:rPr lang="pl-PL" dirty="0"/>
+              <a:t> widać jak można się odwoływać do poszczególnych elementów </a:t>
+            </a:r>
+            <a:r>
+              <a:rPr lang="pl-PL" dirty="0" err="1"/>
+              <a:t>krotki</a:t>
+            </a:r>
+            <a:r>
+              <a:rPr lang="pl-PL" dirty="0"/>
+              <a:t>.</a:t>
+            </a:r>
           </a:p>
         </p:txBody>
       </p:sp>
@@ -1546,6 +1792,278 @@
     <p:extLst>
       <p:ext uri="{BB962C8B-B14F-4D97-AF65-F5344CB8AC3E}">
         <p14:creationId xmlns:p14="http://schemas.microsoft.com/office/powerpoint/2010/main" val="4188111866"/>
+      </p:ext>
+    </p:extLst>
+  </p:cSld>
+  <p:clrMapOvr>
+    <a:masterClrMapping/>
+  </p:clrMapOvr>
+</p:notes>
+</file>
+
+<file path=ppt/notesSlides/notesSlide8.xml><?xml version="1.0" encoding="utf-8"?>
+<p:notes xmlns:a="http://schemas.openxmlformats.org/drawingml/2006/main" xmlns:r="http://schemas.openxmlformats.org/officeDocument/2006/relationships" xmlns:p="http://schemas.openxmlformats.org/presentationml/2006/main">
+  <p:cSld>
+    <p:spTree>
+      <p:nvGrpSpPr>
+        <p:cNvPr id="1" name=""/>
+        <p:cNvGrpSpPr/>
+        <p:nvPr/>
+      </p:nvGrpSpPr>
+      <p:grpSpPr>
+        <a:xfrm>
+          <a:off x="0" y="0"/>
+          <a:ext cx="0" cy="0"/>
+          <a:chOff x="0" y="0"/>
+          <a:chExt cx="0" cy="0"/>
+        </a:xfrm>
+      </p:grpSpPr>
+      <p:sp>
+        <p:nvSpPr>
+          <p:cNvPr id="2" name="Symbol zastępczy obrazu slajdu 1"/>
+          <p:cNvSpPr>
+            <a:spLocks noGrp="1" noRot="1" noChangeAspect="1"/>
+          </p:cNvSpPr>
+          <p:nvPr>
+            <p:ph type="sldImg"/>
+          </p:nvPr>
+        </p:nvSpPr>
+        <p:spPr/>
+      </p:sp>
+      <p:sp>
+        <p:nvSpPr>
+          <p:cNvPr id="3" name="Symbol zastępczy notatek 2"/>
+          <p:cNvSpPr>
+            <a:spLocks noGrp="1"/>
+          </p:cNvSpPr>
+          <p:nvPr>
+            <p:ph type="body" idx="1"/>
+          </p:nvPr>
+        </p:nvSpPr>
+        <p:spPr/>
+        <p:txBody>
+          <a:bodyPr/>
+          <a:lstStyle/>
+          <a:p>
+            <a:r>
+              <a:rPr lang="pl-PL" dirty="0"/>
+              <a:t>Wyrażenie lambda odnosi się do wyrażenia, które używa anonimowej funkcji zamiast zmiennej lub wartości. Wyrażenia lambda są wygodniejsze, gdy mamy prostą funkcję do użycia w jednym miejscu. Te wyrażenia są szybsze i bardziej czytelne niż definiowanie całej funkcji. Możemy uczynić nasze wyrażenia lambda wielokrotnego użytku dla dowolnego rodzaju przekształceń. Potrafi iterować zbiór obiektów i dokonywać w nich jakiejś transformacji. </a:t>
+            </a:r>
+          </a:p>
+          <a:p>
+            <a:endParaRPr lang="pl-PL" dirty="0"/>
+          </a:p>
+          <a:p>
+            <a:r>
+              <a:rPr lang="pl-PL" dirty="0"/>
+              <a:t>Ponadto, funkcje lambda mogą być stosowane jak pola danej klasy, czy też na przykład użyte tylko raz, dzięki czemu nie trzeba specjalnie tworzyć nowej metody tylko </a:t>
+            </a:r>
+            <a:r>
+              <a:rPr lang="pl-PL"/>
+              <a:t>wystarczy użyć lambdy.</a:t>
+            </a:r>
+            <a:endParaRPr lang="pl-PL" dirty="0"/>
+          </a:p>
+        </p:txBody>
+      </p:sp>
+      <p:sp>
+        <p:nvSpPr>
+          <p:cNvPr id="4" name="Symbol zastępczy numeru slajdu 3"/>
+          <p:cNvSpPr>
+            <a:spLocks noGrp="1"/>
+          </p:cNvSpPr>
+          <p:nvPr>
+            <p:ph type="sldNum" sz="quarter" idx="5"/>
+          </p:nvPr>
+        </p:nvSpPr>
+        <p:spPr/>
+        <p:txBody>
+          <a:bodyPr/>
+          <a:lstStyle/>
+          <a:p>
+            <a:fld id="{6839968B-1966-479B-907B-2C4A53864213}" type="slidenum">
+              <a:rPr lang="pl-PL" smtClean="0"/>
+              <a:t>10</a:t>
+            </a:fld>
+            <a:endParaRPr lang="pl-PL"/>
+          </a:p>
+        </p:txBody>
+      </p:sp>
+    </p:spTree>
+    <p:extLst>
+      <p:ext uri="{BB962C8B-B14F-4D97-AF65-F5344CB8AC3E}">
+        <p14:creationId xmlns:p14="http://schemas.microsoft.com/office/powerpoint/2010/main" val="2129365955"/>
+      </p:ext>
+    </p:extLst>
+  </p:cSld>
+  <p:clrMapOvr>
+    <a:masterClrMapping/>
+  </p:clrMapOvr>
+</p:notes>
+</file>
+
+<file path=ppt/notesSlides/notesSlide9.xml><?xml version="1.0" encoding="utf-8"?>
+<p:notes xmlns:a="http://schemas.openxmlformats.org/drawingml/2006/main" xmlns:r="http://schemas.openxmlformats.org/officeDocument/2006/relationships" xmlns:p="http://schemas.openxmlformats.org/presentationml/2006/main">
+  <p:cSld>
+    <p:spTree>
+      <p:nvGrpSpPr>
+        <p:cNvPr id="1" name=""/>
+        <p:cNvGrpSpPr/>
+        <p:nvPr/>
+      </p:nvGrpSpPr>
+      <p:grpSpPr>
+        <a:xfrm>
+          <a:off x="0" y="0"/>
+          <a:ext cx="0" cy="0"/>
+          <a:chOff x="0" y="0"/>
+          <a:chExt cx="0" cy="0"/>
+        </a:xfrm>
+      </p:grpSpPr>
+      <p:sp>
+        <p:nvSpPr>
+          <p:cNvPr id="2" name="Symbol zastępczy obrazu slajdu 1"/>
+          <p:cNvSpPr>
+            <a:spLocks noGrp="1" noRot="1" noChangeAspect="1"/>
+          </p:cNvSpPr>
+          <p:nvPr>
+            <p:ph type="sldImg"/>
+          </p:nvPr>
+        </p:nvSpPr>
+        <p:spPr/>
+      </p:sp>
+      <p:sp>
+        <p:nvSpPr>
+          <p:cNvPr id="3" name="Symbol zastępczy notatek 2"/>
+          <p:cNvSpPr>
+            <a:spLocks noGrp="1"/>
+          </p:cNvSpPr>
+          <p:nvPr>
+            <p:ph type="body" idx="1"/>
+          </p:nvPr>
+        </p:nvSpPr>
+        <p:spPr/>
+        <p:txBody>
+          <a:bodyPr/>
+          <a:lstStyle/>
+          <a:p>
+            <a:pPr marL="0" marR="0" lvl="0" indent="0" algn="l" defTabSz="914400" rtl="0" eaLnBrk="1" fontAlgn="auto" latinLnBrk="0" hangingPunct="1">
+              <a:lnSpc>
+                <a:spcPct val="100000"/>
+              </a:lnSpc>
+              <a:spcBef>
+                <a:spcPts val="0"/>
+              </a:spcBef>
+              <a:spcAft>
+                <a:spcPts val="0"/>
+              </a:spcAft>
+              <a:buClrTx/>
+              <a:buSzTx/>
+              <a:buFontTx/>
+              <a:buNone/>
+              <a:tabLst/>
+              <a:defRPr/>
+            </a:pPr>
+            <a:r>
+              <a:rPr lang="pl-PL" b="0" i="0" dirty="0">
+                <a:solidFill>
+                  <a:srgbClr val="4A5659"/>
+                </a:solidFill>
+                <a:effectLst/>
+                <a:latin typeface="Lato"/>
+              </a:rPr>
+              <a:t>Teraz jeszcze wspomnę o obiektach towarzyszących, czyli Companion </a:t>
+            </a:r>
+            <a:r>
+              <a:rPr lang="pl-PL" b="0" i="0" dirty="0" err="1">
+                <a:solidFill>
+                  <a:srgbClr val="4A5659"/>
+                </a:solidFill>
+                <a:effectLst/>
+                <a:latin typeface="Lato"/>
+              </a:rPr>
+              <a:t>objects</a:t>
+            </a:r>
+            <a:r>
+              <a:rPr lang="pl-PL" b="0" i="0" dirty="0">
+                <a:solidFill>
+                  <a:srgbClr val="4A5659"/>
+                </a:solidFill>
+                <a:effectLst/>
+                <a:latin typeface="Lato"/>
+              </a:rPr>
+              <a:t>, ponieważ były już one prezentowane przez poprzednie grupy.</a:t>
+            </a:r>
+          </a:p>
+          <a:p>
+            <a:pPr marL="0" marR="0" lvl="0" indent="0" algn="l" defTabSz="914400" rtl="0" eaLnBrk="1" fontAlgn="auto" latinLnBrk="0" hangingPunct="1">
+              <a:lnSpc>
+                <a:spcPct val="100000"/>
+              </a:lnSpc>
+              <a:spcBef>
+                <a:spcPts val="0"/>
+              </a:spcBef>
+              <a:spcAft>
+                <a:spcPts val="0"/>
+              </a:spcAft>
+              <a:buClrTx/>
+              <a:buSzTx/>
+              <a:buFontTx/>
+              <a:buNone/>
+              <a:tabLst/>
+              <a:defRPr/>
+            </a:pPr>
+            <a:r>
+              <a:rPr lang="pl-PL" b="0" i="0" dirty="0">
+                <a:solidFill>
+                  <a:srgbClr val="4A5659"/>
+                </a:solidFill>
+                <a:effectLst/>
+                <a:latin typeface="Lato"/>
+              </a:rPr>
+              <a:t>Obiekt towarzyszący w Scali to obiekt zadeklarowany w tym samym pliku co klasa i mający taką samą nazwę jak klasa. Dla przykładu, z kodu na slajdzie obiekt Pizza jest traktowany jako obiekt towarzyszący klasie Pizza</a:t>
+            </a:r>
+          </a:p>
+          <a:p>
+            <a:endParaRPr lang="pl-PL" dirty="0"/>
+          </a:p>
+          <a:p>
+            <a:endParaRPr lang="pl-PL" dirty="0"/>
+          </a:p>
+          <a:p>
+            <a:r>
+              <a:rPr lang="pl-PL" dirty="0"/>
+              <a:t>Obiekt towarzyszący i jego klasa mogą wzajemnie uzyskiwać dostęp do swoich prywatnych elementów</a:t>
+            </a:r>
+          </a:p>
+        </p:txBody>
+      </p:sp>
+      <p:sp>
+        <p:nvSpPr>
+          <p:cNvPr id="4" name="Symbol zastępczy numeru slajdu 3"/>
+          <p:cNvSpPr>
+            <a:spLocks noGrp="1"/>
+          </p:cNvSpPr>
+          <p:nvPr>
+            <p:ph type="sldNum" sz="quarter" idx="5"/>
+          </p:nvPr>
+        </p:nvSpPr>
+        <p:spPr/>
+        <p:txBody>
+          <a:bodyPr/>
+          <a:lstStyle/>
+          <a:p>
+            <a:fld id="{6839968B-1966-479B-907B-2C4A53864213}" type="slidenum">
+              <a:rPr lang="pl-PL" smtClean="0"/>
+              <a:t>11</a:t>
+            </a:fld>
+            <a:endParaRPr lang="pl-PL"/>
+          </a:p>
+        </p:txBody>
+      </p:sp>
+    </p:spTree>
+    <p:extLst>
+      <p:ext uri="{BB962C8B-B14F-4D97-AF65-F5344CB8AC3E}">
+        <p14:creationId xmlns:p14="http://schemas.microsoft.com/office/powerpoint/2010/main" val="3698356094"/>
       </p:ext>
     </p:extLst>
   </p:cSld>
@@ -5831,7 +6349,7 @@
           <a:p>
             <a:fld id="{48A87A34-81AB-432B-8DAE-1953F412C126}" type="datetimeFigureOut">
               <a:rPr lang="en-US" dirty="0"/>
-              <a:t>3/29/2021</a:t>
+              <a:t>3/30/2021</a:t>
             </a:fld>
             <a:endParaRPr lang="en-US" dirty="0"/>
           </a:p>
@@ -6093,7 +6611,7 @@
           <a:p>
             <a:fld id="{48A87A34-81AB-432B-8DAE-1953F412C126}" type="datetimeFigureOut">
               <a:rPr lang="en-US" dirty="0"/>
-              <a:t>3/29/2021</a:t>
+              <a:t>3/30/2021</a:t>
             </a:fld>
             <a:endParaRPr lang="en-US" dirty="0"/>
           </a:p>
@@ -6284,7 +6802,7 @@
           <a:p>
             <a:fld id="{48A87A34-81AB-432B-8DAE-1953F412C126}" type="datetimeFigureOut">
               <a:rPr lang="en-US" dirty="0"/>
-              <a:t>3/29/2021</a:t>
+              <a:t>3/30/2021</a:t>
             </a:fld>
             <a:endParaRPr lang="en-US" dirty="0"/>
           </a:p>
@@ -6542,7 +7060,7 @@
           <a:p>
             <a:fld id="{48A87A34-81AB-432B-8DAE-1953F412C126}" type="datetimeFigureOut">
               <a:rPr lang="en-US" dirty="0"/>
-              <a:t>3/29/2021</a:t>
+              <a:t>3/30/2021</a:t>
             </a:fld>
             <a:endParaRPr lang="en-US" dirty="0"/>
           </a:p>
@@ -6971,7 +7489,7 @@
           <a:p>
             <a:fld id="{48A87A34-81AB-432B-8DAE-1953F412C126}" type="datetimeFigureOut">
               <a:rPr lang="en-US" dirty="0"/>
-              <a:t>3/29/2021</a:t>
+              <a:t>3/30/2021</a:t>
             </a:fld>
             <a:endParaRPr lang="en-US" dirty="0"/>
           </a:p>
@@ -7512,7 +8030,7 @@
           <a:p>
             <a:fld id="{48A87A34-81AB-432B-8DAE-1953F412C126}" type="datetimeFigureOut">
               <a:rPr lang="en-US" dirty="0"/>
-              <a:t>3/29/2021</a:t>
+              <a:t>3/30/2021</a:t>
             </a:fld>
             <a:endParaRPr lang="en-US" dirty="0"/>
           </a:p>
@@ -8227,7 +8745,7 @@
           <a:p>
             <a:fld id="{48A87A34-81AB-432B-8DAE-1953F412C126}" type="datetimeFigureOut">
               <a:rPr lang="en-US" dirty="0"/>
-              <a:t>3/29/2021</a:t>
+              <a:t>3/30/2021</a:t>
             </a:fld>
             <a:endParaRPr lang="en-US" dirty="0"/>
           </a:p>
@@ -8392,7 +8910,7 @@
           <a:p>
             <a:fld id="{48A87A34-81AB-432B-8DAE-1953F412C126}" type="datetimeFigureOut">
               <a:rPr lang="en-US" dirty="0"/>
-              <a:t>3/29/2021</a:t>
+              <a:t>3/30/2021</a:t>
             </a:fld>
             <a:endParaRPr lang="en-US" dirty="0"/>
           </a:p>
@@ -8567,7 +9085,7 @@
           <a:p>
             <a:fld id="{48A87A34-81AB-432B-8DAE-1953F412C126}" type="datetimeFigureOut">
               <a:rPr lang="en-US" dirty="0"/>
-              <a:t>3/29/2021</a:t>
+              <a:t>3/30/2021</a:t>
             </a:fld>
             <a:endParaRPr lang="en-US" dirty="0"/>
           </a:p>
@@ -8732,7 +9250,7 @@
           <a:p>
             <a:fld id="{48A87A34-81AB-432B-8DAE-1953F412C126}" type="datetimeFigureOut">
               <a:rPr lang="en-US" dirty="0"/>
-              <a:t>3/29/2021</a:t>
+              <a:t>3/30/2021</a:t>
             </a:fld>
             <a:endParaRPr lang="en-US" dirty="0"/>
           </a:p>
@@ -8977,7 +9495,7 @@
           <a:p>
             <a:fld id="{48A87A34-81AB-432B-8DAE-1953F412C126}" type="datetimeFigureOut">
               <a:rPr lang="en-US" dirty="0"/>
-              <a:t>3/29/2021</a:t>
+              <a:t>3/30/2021</a:t>
             </a:fld>
             <a:endParaRPr lang="en-US" dirty="0"/>
           </a:p>
@@ -9204,7 +9722,7 @@
           <a:p>
             <a:fld id="{48A87A34-81AB-432B-8DAE-1953F412C126}" type="datetimeFigureOut">
               <a:rPr lang="en-US" dirty="0"/>
-              <a:t>3/29/2021</a:t>
+              <a:t>3/30/2021</a:t>
             </a:fld>
             <a:endParaRPr lang="en-US" dirty="0"/>
           </a:p>
@@ -9580,7 +10098,7 @@
           <a:p>
             <a:fld id="{48A87A34-81AB-432B-8DAE-1953F412C126}" type="datetimeFigureOut">
               <a:rPr lang="en-US" dirty="0"/>
-              <a:t>3/29/2021</a:t>
+              <a:t>3/30/2021</a:t>
             </a:fld>
             <a:endParaRPr lang="en-US" dirty="0"/>
           </a:p>
@@ -9693,7 +10211,7 @@
           <a:p>
             <a:fld id="{48A87A34-81AB-432B-8DAE-1953F412C126}" type="datetimeFigureOut">
               <a:rPr lang="en-US" dirty="0"/>
-              <a:t>3/29/2021</a:t>
+              <a:t>3/30/2021</a:t>
             </a:fld>
             <a:endParaRPr lang="en-US" dirty="0"/>
           </a:p>
@@ -9783,7 +10301,7 @@
           <a:p>
             <a:fld id="{48A87A34-81AB-432B-8DAE-1953F412C126}" type="datetimeFigureOut">
               <a:rPr lang="en-US" dirty="0"/>
-              <a:t>3/29/2021</a:t>
+              <a:t>3/30/2021</a:t>
             </a:fld>
             <a:endParaRPr lang="en-US" dirty="0"/>
           </a:p>
@@ -10027,7 +10545,7 @@
           <a:p>
             <a:fld id="{48A87A34-81AB-432B-8DAE-1953F412C126}" type="datetimeFigureOut">
               <a:rPr lang="en-US" dirty="0"/>
-              <a:t>3/29/2021</a:t>
+              <a:t>3/30/2021</a:t>
             </a:fld>
             <a:endParaRPr lang="en-US" dirty="0"/>
           </a:p>
@@ -10302,7 +10820,7 @@
           <a:p>
             <a:fld id="{48A87A34-81AB-432B-8DAE-1953F412C126}" type="datetimeFigureOut">
               <a:rPr lang="en-US" dirty="0"/>
-              <a:t>3/29/2021</a:t>
+              <a:t>3/30/2021</a:t>
             </a:fld>
             <a:endParaRPr lang="en-US" dirty="0"/>
           </a:p>
@@ -13375,7 +13893,7 @@
             <a:fld id="{48A87A34-81AB-432B-8DAE-1953F412C126}" type="datetimeFigureOut">
               <a:rPr lang="en-US" dirty="0"/>
               <a:pPr/>
-              <a:t>3/29/2021</a:t>
+              <a:t>3/30/2021</a:t>
             </a:fld>
             <a:endParaRPr lang="en-US" dirty="0"/>
           </a:p>
@@ -13971,15 +14489,77 @@
             <p:ph idx="1"/>
           </p:nvPr>
         </p:nvSpPr>
-        <p:spPr/>
+        <p:spPr>
+          <a:xfrm>
+            <a:off x="1141413" y="1860867"/>
+            <a:ext cx="9905999" cy="3541714"/>
+          </a:xfrm>
+        </p:spPr>
         <p:txBody>
           <a:bodyPr/>
           <a:lstStyle/>
           <a:p>
-            <a:endParaRPr lang="pl-PL"/>
+            <a:r>
+              <a:rPr lang="pl-PL" dirty="0"/>
+              <a:t>Wyrażenie lambda odnosi się do wyrażenia, które używa anonimowej funkcji zamiast zmiennej lub wartości</a:t>
+            </a:r>
+          </a:p>
+          <a:p>
+            <a:r>
+              <a:rPr lang="pl-PL" dirty="0"/>
+              <a:t>Wygodniejsze, gdy mamy prostą funkcję do użycia w jednym miejscu</a:t>
+            </a:r>
+          </a:p>
+          <a:p>
+            <a:r>
+              <a:rPr lang="pl-PL" dirty="0"/>
+              <a:t>Szybsze niż definiowanie całej funkcji </a:t>
+            </a:r>
+          </a:p>
+          <a:p>
+            <a:r>
+              <a:rPr lang="pl-PL" dirty="0"/>
+              <a:t>Potrafi iterować zbiór obiektów i dokonywać w nich transformacje</a:t>
+            </a:r>
+          </a:p>
+          <a:p>
+            <a:r>
+              <a:rPr lang="pl-PL" dirty="0"/>
+              <a:t>Bardziej czytelne</a:t>
+            </a:r>
           </a:p>
         </p:txBody>
       </p:sp>
+      <p:pic>
+        <p:nvPicPr>
+          <p:cNvPr id="5" name="Obraz 4">
+            <a:extLst>
+              <a:ext uri="{FF2B5EF4-FFF2-40B4-BE49-F238E27FC236}">
+                <a16:creationId xmlns:a16="http://schemas.microsoft.com/office/drawing/2014/main" id="{63D10E15-BD38-492F-B034-4592E8991ED7}"/>
+              </a:ext>
+            </a:extLst>
+          </p:cNvPr>
+          <p:cNvPicPr>
+            <a:picLocks noChangeAspect="1"/>
+          </p:cNvPicPr>
+          <p:nvPr/>
+        </p:nvPicPr>
+        <p:blipFill>
+          <a:blip r:embed="rId3"/>
+          <a:stretch>
+            <a:fillRect/>
+          </a:stretch>
+        </p:blipFill>
+        <p:spPr>
+          <a:xfrm>
+            <a:off x="5652874" y="4760913"/>
+            <a:ext cx="4988456" cy="1693899"/>
+          </a:xfrm>
+          <a:prstGeom prst="rect">
+            <a:avLst/>
+          </a:prstGeom>
+        </p:spPr>
+      </p:pic>
     </p:spTree>
     <p:extLst>
       <p:ext uri="{BB962C8B-B14F-4D97-AF65-F5344CB8AC3E}">
@@ -13994,6 +14574,361 @@
 </file>
 
 <file path=ppt/slides/slide11.xml><?xml version="1.0" encoding="utf-8"?>
+<p:sld xmlns:a="http://schemas.openxmlformats.org/drawingml/2006/main" xmlns:r="http://schemas.openxmlformats.org/officeDocument/2006/relationships" xmlns:p="http://schemas.openxmlformats.org/presentationml/2006/main">
+  <p:cSld>
+    <p:spTree>
+      <p:nvGrpSpPr>
+        <p:cNvPr id="1" name=""/>
+        <p:cNvGrpSpPr/>
+        <p:nvPr/>
+      </p:nvGrpSpPr>
+      <p:grpSpPr>
+        <a:xfrm>
+          <a:off x="0" y="0"/>
+          <a:ext cx="0" cy="0"/>
+          <a:chOff x="0" y="0"/>
+          <a:chExt cx="0" cy="0"/>
+        </a:xfrm>
+      </p:grpSpPr>
+      <p:sp>
+        <p:nvSpPr>
+          <p:cNvPr id="2" name="Tytuł 1">
+            <a:extLst>
+              <a:ext uri="{FF2B5EF4-FFF2-40B4-BE49-F238E27FC236}">
+                <a16:creationId xmlns:a16="http://schemas.microsoft.com/office/drawing/2014/main" id="{D4DA0D32-2558-4D6A-A87F-798A010D77B2}"/>
+              </a:ext>
+            </a:extLst>
+          </p:cNvPr>
+          <p:cNvSpPr>
+            <a:spLocks noGrp="1"/>
+          </p:cNvSpPr>
+          <p:nvPr>
+            <p:ph type="title"/>
+          </p:nvPr>
+        </p:nvSpPr>
+        <p:spPr/>
+        <p:txBody>
+          <a:bodyPr/>
+          <a:lstStyle/>
+          <a:p>
+            <a:r>
+              <a:rPr lang="pl-PL" dirty="0"/>
+              <a:t>Companion </a:t>
+            </a:r>
+            <a:r>
+              <a:rPr lang="pl-PL" dirty="0" err="1"/>
+              <a:t>objects</a:t>
+            </a:r>
+            <a:endParaRPr lang="pl-PL" dirty="0"/>
+          </a:p>
+        </p:txBody>
+      </p:sp>
+      <p:sp>
+        <p:nvSpPr>
+          <p:cNvPr id="4" name="Prostokąt 3">
+            <a:extLst>
+              <a:ext uri="{FF2B5EF4-FFF2-40B4-BE49-F238E27FC236}">
+                <a16:creationId xmlns:a16="http://schemas.microsoft.com/office/drawing/2014/main" id="{AC3E1B8F-3FED-4D8E-B283-152EC65F1998}"/>
+              </a:ext>
+            </a:extLst>
+          </p:cNvPr>
+          <p:cNvSpPr/>
+          <p:nvPr/>
+        </p:nvSpPr>
+        <p:spPr>
+          <a:xfrm>
+            <a:off x="5646420" y="1914525"/>
+            <a:ext cx="6435090" cy="3028950"/>
+          </a:xfrm>
+          <a:prstGeom prst="rect">
+            <a:avLst/>
+          </a:prstGeom>
+          <a:solidFill>
+            <a:schemeClr val="tx2">
+              <a:lumMod val="40000"/>
+              <a:lumOff val="60000"/>
+            </a:schemeClr>
+          </a:solidFill>
+        </p:spPr>
+        <p:style>
+          <a:lnRef idx="2">
+            <a:schemeClr val="accent1">
+              <a:shade val="50000"/>
+            </a:schemeClr>
+          </a:lnRef>
+          <a:fillRef idx="1">
+            <a:schemeClr val="accent1"/>
+          </a:fillRef>
+          <a:effectRef idx="0">
+            <a:schemeClr val="accent1"/>
+          </a:effectRef>
+          <a:fontRef idx="minor">
+            <a:schemeClr val="lt1"/>
+          </a:fontRef>
+        </p:style>
+        <p:txBody>
+          <a:bodyPr rtlCol="0" anchor="t" anchorCtr="0"/>
+          <a:lstStyle/>
+          <a:p>
+            <a:pPr algn="r"/>
+            <a:r>
+              <a:rPr lang="pl-PL" dirty="0" err="1">
+                <a:solidFill>
+                  <a:schemeClr val="bg1"/>
+                </a:solidFill>
+              </a:rPr>
+              <a:t>Pizza.scala</a:t>
+            </a:r>
+            <a:endParaRPr lang="pl-PL" dirty="0">
+              <a:solidFill>
+                <a:schemeClr val="bg1"/>
+              </a:solidFill>
+            </a:endParaRPr>
+          </a:p>
+        </p:txBody>
+      </p:sp>
+      <p:sp>
+        <p:nvSpPr>
+          <p:cNvPr id="3" name="Symbol zastępczy zawartości 2">
+            <a:extLst>
+              <a:ext uri="{FF2B5EF4-FFF2-40B4-BE49-F238E27FC236}">
+                <a16:creationId xmlns:a16="http://schemas.microsoft.com/office/drawing/2014/main" id="{B56DC7F1-5D4E-40B5-9441-6D034AC0EE61}"/>
+              </a:ext>
+            </a:extLst>
+          </p:cNvPr>
+          <p:cNvSpPr>
+            <a:spLocks noGrp="1"/>
+          </p:cNvSpPr>
+          <p:nvPr>
+            <p:ph idx="1"/>
+          </p:nvPr>
+        </p:nvSpPr>
+        <p:spPr>
+          <a:xfrm>
+            <a:off x="5951221" y="2249127"/>
+            <a:ext cx="2815590" cy="2287935"/>
+          </a:xfrm>
+        </p:spPr>
+        <p:txBody>
+          <a:bodyPr>
+            <a:normAutofit fontScale="92500" lnSpcReduction="20000"/>
+          </a:bodyPr>
+          <a:lstStyle/>
+          <a:p>
+            <a:pPr marL="0" indent="0">
+              <a:buNone/>
+            </a:pPr>
+            <a:r>
+              <a:rPr lang="pl-PL" b="1" i="0" dirty="0" err="1">
+                <a:solidFill>
+                  <a:srgbClr val="333333"/>
+                </a:solidFill>
+                <a:effectLst/>
+                <a:latin typeface="Consolas" panose="020B0609020204030204" pitchFamily="49" charset="0"/>
+              </a:rPr>
+              <a:t>class</a:t>
+            </a:r>
+            <a:r>
+              <a:rPr lang="pl-PL" b="0" i="0" dirty="0">
+                <a:solidFill>
+                  <a:srgbClr val="333333"/>
+                </a:solidFill>
+                <a:effectLst/>
+                <a:latin typeface="Consolas" panose="020B0609020204030204" pitchFamily="49" charset="0"/>
+              </a:rPr>
+              <a:t> </a:t>
+            </a:r>
+            <a:r>
+              <a:rPr lang="pl-PL" b="1" i="0" dirty="0">
+                <a:solidFill>
+                  <a:srgbClr val="2F8AD2"/>
+                </a:solidFill>
+                <a:effectLst/>
+                <a:latin typeface="Consolas" panose="020B0609020204030204" pitchFamily="49" charset="0"/>
+              </a:rPr>
+              <a:t>Pizza</a:t>
+            </a:r>
+            <a:r>
+              <a:rPr lang="pl-PL" b="0" i="0" dirty="0">
+                <a:solidFill>
+                  <a:srgbClr val="333333"/>
+                </a:solidFill>
+                <a:effectLst/>
+                <a:latin typeface="Consolas" panose="020B0609020204030204" pitchFamily="49" charset="0"/>
+              </a:rPr>
+              <a:t> { </a:t>
+            </a:r>
+          </a:p>
+          <a:p>
+            <a:pPr marL="0" indent="0">
+              <a:buNone/>
+            </a:pPr>
+            <a:r>
+              <a:rPr lang="pl-PL" b="0" i="0" dirty="0">
+                <a:solidFill>
+                  <a:srgbClr val="333333"/>
+                </a:solidFill>
+                <a:effectLst/>
+                <a:latin typeface="Consolas" panose="020B0609020204030204" pitchFamily="49" charset="0"/>
+              </a:rPr>
+              <a:t>} </a:t>
+            </a:r>
+          </a:p>
+          <a:p>
+            <a:pPr marL="0" indent="0">
+              <a:buNone/>
+            </a:pPr>
+            <a:endParaRPr lang="pl-PL" b="0" i="0" dirty="0">
+              <a:solidFill>
+                <a:srgbClr val="333333"/>
+              </a:solidFill>
+              <a:effectLst/>
+              <a:latin typeface="Consolas" panose="020B0609020204030204" pitchFamily="49" charset="0"/>
+            </a:endParaRPr>
+          </a:p>
+          <a:p>
+            <a:pPr marL="0" indent="0">
+              <a:buNone/>
+            </a:pPr>
+            <a:r>
+              <a:rPr lang="pl-PL" b="1" i="0" dirty="0" err="1">
+                <a:solidFill>
+                  <a:srgbClr val="333333"/>
+                </a:solidFill>
+                <a:effectLst/>
+                <a:latin typeface="Consolas" panose="020B0609020204030204" pitchFamily="49" charset="0"/>
+              </a:rPr>
+              <a:t>object</a:t>
+            </a:r>
+            <a:r>
+              <a:rPr lang="pl-PL" b="0" i="0" dirty="0">
+                <a:solidFill>
+                  <a:srgbClr val="333333"/>
+                </a:solidFill>
+                <a:effectLst/>
+                <a:latin typeface="Consolas" panose="020B0609020204030204" pitchFamily="49" charset="0"/>
+              </a:rPr>
+              <a:t> </a:t>
+            </a:r>
+            <a:r>
+              <a:rPr lang="pl-PL" b="1" i="0" dirty="0">
+                <a:solidFill>
+                  <a:srgbClr val="2F8AD2"/>
+                </a:solidFill>
+                <a:effectLst/>
+                <a:latin typeface="Consolas" panose="020B0609020204030204" pitchFamily="49" charset="0"/>
+              </a:rPr>
+              <a:t>Pizza</a:t>
+            </a:r>
+            <a:r>
+              <a:rPr lang="pl-PL" b="0" i="0" dirty="0">
+                <a:solidFill>
+                  <a:srgbClr val="333333"/>
+                </a:solidFill>
+                <a:effectLst/>
+                <a:latin typeface="Consolas" panose="020B0609020204030204" pitchFamily="49" charset="0"/>
+              </a:rPr>
+              <a:t> { </a:t>
+            </a:r>
+          </a:p>
+          <a:p>
+            <a:pPr marL="0" indent="0">
+              <a:buNone/>
+            </a:pPr>
+            <a:r>
+              <a:rPr lang="pl-PL" b="0" i="0" dirty="0">
+                <a:solidFill>
+                  <a:srgbClr val="333333"/>
+                </a:solidFill>
+                <a:effectLst/>
+                <a:latin typeface="Consolas" panose="020B0609020204030204" pitchFamily="49" charset="0"/>
+              </a:rPr>
+              <a:t>}</a:t>
+            </a:r>
+            <a:endParaRPr lang="pl-PL" dirty="0"/>
+          </a:p>
+        </p:txBody>
+      </p:sp>
+      <p:sp>
+        <p:nvSpPr>
+          <p:cNvPr id="5" name="pole tekstowe 4">
+            <a:extLst>
+              <a:ext uri="{FF2B5EF4-FFF2-40B4-BE49-F238E27FC236}">
+                <a16:creationId xmlns:a16="http://schemas.microsoft.com/office/drawing/2014/main" id="{A08D08BF-2357-4399-9DD4-126437334F5E}"/>
+              </a:ext>
+            </a:extLst>
+          </p:cNvPr>
+          <p:cNvSpPr txBox="1"/>
+          <p:nvPr/>
+        </p:nvSpPr>
+        <p:spPr>
+          <a:xfrm>
+            <a:off x="982980" y="1914525"/>
+            <a:ext cx="4149090" cy="3323987"/>
+          </a:xfrm>
+          <a:prstGeom prst="rect">
+            <a:avLst/>
+          </a:prstGeom>
+          <a:noFill/>
+        </p:spPr>
+        <p:txBody>
+          <a:bodyPr wrap="square" rtlCol="0">
+            <a:spAutoFit/>
+          </a:bodyPr>
+          <a:lstStyle/>
+          <a:p>
+            <a:pPr marL="285750" indent="-285750">
+              <a:buFont typeface="Arial" panose="020B0604020202020204" pitchFamily="34" charset="0"/>
+              <a:buChar char="•"/>
+            </a:pPr>
+            <a:r>
+              <a:rPr lang="pl-PL" sz="2400" dirty="0"/>
+              <a:t>Zadeklarowany w tym samym pliku co klasa</a:t>
+            </a:r>
+          </a:p>
+          <a:p>
+            <a:endParaRPr lang="pl-PL" sz="2400" dirty="0"/>
+          </a:p>
+          <a:p>
+            <a:pPr marL="285750" indent="-285750">
+              <a:buFont typeface="Arial" panose="020B0604020202020204" pitchFamily="34" charset="0"/>
+              <a:buChar char="•"/>
+            </a:pPr>
+            <a:r>
+              <a:rPr lang="pl-PL" sz="2400" dirty="0"/>
+              <a:t>Obiekt towarzyszący i jego klasa mogą wzajemnie uzyskiwać dostęp do swoich prywatnych elementów</a:t>
+            </a:r>
+          </a:p>
+          <a:p>
+            <a:pPr marL="285750" indent="-285750">
+              <a:buFont typeface="Arial" panose="020B0604020202020204" pitchFamily="34" charset="0"/>
+              <a:buChar char="•"/>
+            </a:pPr>
+            <a:endParaRPr lang="pl-PL" sz="2400" dirty="0"/>
+          </a:p>
+          <a:p>
+            <a:pPr marL="285750" indent="-285750">
+              <a:buFont typeface="Arial" panose="020B0604020202020204" pitchFamily="34" charset="0"/>
+              <a:buChar char="•"/>
+            </a:pPr>
+            <a:endParaRPr lang="pl-PL" dirty="0"/>
+          </a:p>
+        </p:txBody>
+      </p:sp>
+    </p:spTree>
+    <p:extLst>
+      <p:ext uri="{BB962C8B-B14F-4D97-AF65-F5344CB8AC3E}">
+        <p14:creationId xmlns:p14="http://schemas.microsoft.com/office/powerpoint/2010/main" val="3669839854"/>
+      </p:ext>
+    </p:extLst>
+  </p:cSld>
+  <p:clrMapOvr>
+    <a:masterClrMapping/>
+  </p:clrMapOvr>
+</p:sld>
+</file>
+
+<file path=ppt/slides/slide12.xml><?xml version="1.0" encoding="utf-8"?>
 <p:sld xmlns:a="http://schemas.openxmlformats.org/drawingml/2006/main" xmlns:r="http://schemas.openxmlformats.org/officeDocument/2006/relationships" xmlns:p="http://schemas.openxmlformats.org/presentationml/2006/main">
   <p:cSld>
     <p:spTree>
@@ -14032,12 +14967,16 @@
           <a:lstStyle/>
           <a:p>
             <a:r>
+              <a:rPr lang="pl-PL" dirty="0" err="1"/>
+              <a:t>Apply</a:t>
+            </a:r>
+            <a:r>
               <a:rPr lang="pl-PL" dirty="0"/>
-              <a:t>Companion </a:t>
+              <a:t> </a:t>
             </a:r>
             <a:r>
               <a:rPr lang="pl-PL" dirty="0" err="1"/>
-              <a:t>objects</a:t>
+              <a:t>method</a:t>
             </a:r>
             <a:endParaRPr lang="pl-PL" dirty="0"/>
           </a:p>
@@ -14064,7 +15003,80 @@
           <a:bodyPr/>
           <a:lstStyle/>
           <a:p>
-            <a:endParaRPr lang="pl-PL"/>
+            <a:r>
+              <a:rPr lang="pl-PL" dirty="0" err="1"/>
+              <a:t>Apply</a:t>
+            </a:r>
+            <a:r>
+              <a:rPr lang="pl-PL" dirty="0"/>
+              <a:t> </a:t>
+            </a:r>
+            <a:r>
+              <a:rPr lang="pl-PL" dirty="0" err="1"/>
+              <a:t>method</a:t>
+            </a:r>
+            <a:r>
+              <a:rPr lang="pl-PL" dirty="0"/>
+              <a:t> w obiektach towarzyszących pozwala na tworzenie obiektów bez słowa kluczowego </a:t>
+            </a:r>
+            <a:r>
+              <a:rPr lang="pl-PL" dirty="0" err="1"/>
+              <a:t>new</a:t>
+            </a:r>
+            <a:endParaRPr lang="pl-PL" dirty="0"/>
+          </a:p>
+          <a:p>
+            <a:r>
+              <a:rPr lang="pl-PL" dirty="0"/>
+              <a:t>Po zdefiniowaniu takiej metody nie trzeba jej wywoływać</a:t>
+            </a:r>
+          </a:p>
+          <a:p>
+            <a:pPr marL="0" indent="0">
+              <a:buNone/>
+            </a:pPr>
+            <a:endParaRPr lang="pl-PL" dirty="0"/>
+          </a:p>
+          <a:p>
+            <a:pPr marL="0" indent="0">
+              <a:buNone/>
+            </a:pPr>
+            <a:r>
+              <a:rPr lang="sv-SE" dirty="0"/>
+              <a:t>val p = Person("Fred Flinstone")</a:t>
+            </a:r>
+            <a:r>
+              <a:rPr lang="pl-PL" dirty="0"/>
+              <a:t> </a:t>
+            </a:r>
+            <a:r>
+              <a:rPr lang="pl-PL" b="1" dirty="0"/>
+              <a:t>=&gt;  </a:t>
+            </a:r>
+            <a:r>
+              <a:rPr lang="pl-PL" dirty="0" err="1"/>
+              <a:t>val</a:t>
+            </a:r>
+            <a:r>
+              <a:rPr lang="pl-PL" dirty="0"/>
+              <a:t> p = </a:t>
+            </a:r>
+            <a:r>
+              <a:rPr lang="pl-PL" dirty="0" err="1"/>
+              <a:t>Person.apply</a:t>
+            </a:r>
+            <a:r>
+              <a:rPr lang="pl-PL" dirty="0"/>
+              <a:t>("Fred </a:t>
+            </a:r>
+            <a:r>
+              <a:rPr lang="pl-PL" dirty="0" err="1"/>
+              <a:t>Flinstone</a:t>
+            </a:r>
+            <a:r>
+              <a:rPr lang="pl-PL" dirty="0"/>
+              <a:t>")</a:t>
+            </a:r>
           </a:p>
         </p:txBody>
       </p:sp>
@@ -14072,98 +15084,6 @@
     <p:extLst>
       <p:ext uri="{BB962C8B-B14F-4D97-AF65-F5344CB8AC3E}">
         <p14:creationId xmlns:p14="http://schemas.microsoft.com/office/powerpoint/2010/main" val="3885353049"/>
-      </p:ext>
-    </p:extLst>
-  </p:cSld>
-  <p:clrMapOvr>
-    <a:masterClrMapping/>
-  </p:clrMapOvr>
-</p:sld>
-</file>
-
-<file path=ppt/slides/slide12.xml><?xml version="1.0" encoding="utf-8"?>
-<p:sld xmlns:a="http://schemas.openxmlformats.org/drawingml/2006/main" xmlns:r="http://schemas.openxmlformats.org/officeDocument/2006/relationships" xmlns:p="http://schemas.openxmlformats.org/presentationml/2006/main">
-  <p:cSld>
-    <p:spTree>
-      <p:nvGrpSpPr>
-        <p:cNvPr id="1" name=""/>
-        <p:cNvGrpSpPr/>
-        <p:nvPr/>
-      </p:nvGrpSpPr>
-      <p:grpSpPr>
-        <a:xfrm>
-          <a:off x="0" y="0"/>
-          <a:ext cx="0" cy="0"/>
-          <a:chOff x="0" y="0"/>
-          <a:chExt cx="0" cy="0"/>
-        </a:xfrm>
-      </p:grpSpPr>
-      <p:sp>
-        <p:nvSpPr>
-          <p:cNvPr id="2" name="Tytuł 1">
-            <a:extLst>
-              <a:ext uri="{FF2B5EF4-FFF2-40B4-BE49-F238E27FC236}">
-                <a16:creationId xmlns:a16="http://schemas.microsoft.com/office/drawing/2014/main" id="{DAF0D6EC-EAEF-40FF-917D-68671705D273}"/>
-              </a:ext>
-            </a:extLst>
-          </p:cNvPr>
-          <p:cNvSpPr>
-            <a:spLocks noGrp="1"/>
-          </p:cNvSpPr>
-          <p:nvPr>
-            <p:ph type="title"/>
-          </p:nvPr>
-        </p:nvSpPr>
-        <p:spPr/>
-        <p:txBody>
-          <a:bodyPr/>
-          <a:lstStyle/>
-          <a:p>
-            <a:r>
-              <a:rPr lang="pl-PL" dirty="0" err="1"/>
-              <a:t>Apply</a:t>
-            </a:r>
-            <a:r>
-              <a:rPr lang="pl-PL" dirty="0"/>
-              <a:t> </a:t>
-            </a:r>
-            <a:r>
-              <a:rPr lang="pl-PL" dirty="0" err="1"/>
-              <a:t>method</a:t>
-            </a:r>
-            <a:endParaRPr lang="pl-PL" dirty="0"/>
-          </a:p>
-        </p:txBody>
-      </p:sp>
-      <p:sp>
-        <p:nvSpPr>
-          <p:cNvPr id="3" name="Symbol zastępczy zawartości 2">
-            <a:extLst>
-              <a:ext uri="{FF2B5EF4-FFF2-40B4-BE49-F238E27FC236}">
-                <a16:creationId xmlns:a16="http://schemas.microsoft.com/office/drawing/2014/main" id="{FE0BE18B-18DA-496A-992B-52E500F02E85}"/>
-              </a:ext>
-            </a:extLst>
-          </p:cNvPr>
-          <p:cNvSpPr>
-            <a:spLocks noGrp="1"/>
-          </p:cNvSpPr>
-          <p:nvPr>
-            <p:ph idx="1"/>
-          </p:nvPr>
-        </p:nvSpPr>
-        <p:spPr/>
-        <p:txBody>
-          <a:bodyPr/>
-          <a:lstStyle/>
-          <a:p>
-            <a:endParaRPr lang="pl-PL"/>
-          </a:p>
-        </p:txBody>
-      </p:sp>
-    </p:spTree>
-    <p:extLst>
-      <p:ext uri="{BB962C8B-B14F-4D97-AF65-F5344CB8AC3E}">
-        <p14:creationId xmlns:p14="http://schemas.microsoft.com/office/powerpoint/2010/main" val="554970537"/>
       </p:ext>
     </p:extLst>
   </p:cSld>

--- a/SCALA.pptx
+++ b/SCALA.pptx
@@ -234,7 +234,7 @@
           <a:p>
             <a:fld id="{C5CD1456-AA00-4668-A255-DC6FE20BE111}" type="datetimeFigureOut">
               <a:rPr lang="pl-PL" smtClean="0"/>
-              <a:t>30.03.2021</a:t>
+              <a:t>31.03.2021</a:t>
             </a:fld>
             <a:endParaRPr lang="pl-PL"/>
           </a:p>
@@ -739,51 +739,111 @@
           <a:bodyPr/>
           <a:lstStyle/>
           <a:p>
-            <a:endParaRPr lang="pl-PL" dirty="0"/>
-          </a:p>
-          <a:p>
-            <a:r>
-              <a:rPr lang="pl-PL" dirty="0"/>
+            <a:pPr>
+              <a:lnSpc>
+                <a:spcPct val="107000"/>
+              </a:lnSpc>
+              <a:spcAft>
+                <a:spcPts val="800"/>
+              </a:spcAft>
+            </a:pPr>
+            <a:r>
+              <a:rPr lang="pl-PL" sz="1800" dirty="0">
+                <a:effectLst/>
+                <a:latin typeface="Calibri" panose="020F0502020204030204" pitchFamily="34" charset="0"/>
+                <a:ea typeface="Calibri" panose="020F0502020204030204" pitchFamily="34" charset="0"/>
+                <a:cs typeface="Times New Roman" panose="02020603050405020304" pitchFamily="18" charset="0"/>
+              </a:rPr>
               <a:t>Kiedy zdefiniujemy metodę </a:t>
             </a:r>
             <a:r>
-              <a:rPr lang="pl-PL" dirty="0" err="1"/>
+              <a:rPr lang="pl-PL" sz="1800" dirty="0" err="1">
+                <a:effectLst/>
+                <a:latin typeface="Calibri" panose="020F0502020204030204" pitchFamily="34" charset="0"/>
+                <a:ea typeface="Calibri" panose="020F0502020204030204" pitchFamily="34" charset="0"/>
+                <a:cs typeface="Times New Roman" panose="02020603050405020304" pitchFamily="18" charset="0"/>
+              </a:rPr>
               <a:t>Apply</a:t>
             </a:r>
             <a:r>
-              <a:rPr lang="pl-PL" dirty="0"/>
-              <a:t> w obiekcie towarzyszącym, ma to specjalne znaczenie dla kompilatora Scala. W Scali jest tzw. cukier składniowy (</a:t>
-            </a:r>
-            <a:r>
-              <a:rPr lang="pl-PL" dirty="0" err="1"/>
+              <a:rPr lang="pl-PL" sz="1800" dirty="0">
+                <a:effectLst/>
+                <a:latin typeface="Calibri" panose="020F0502020204030204" pitchFamily="34" charset="0"/>
+                <a:ea typeface="Calibri" panose="020F0502020204030204" pitchFamily="34" charset="0"/>
+                <a:cs typeface="Times New Roman" panose="02020603050405020304" pitchFamily="18" charset="0"/>
+              </a:rPr>
+              <a:t> w obiekcie towarzyszącym, ma ona specjalne znaczenie dla kompilatora Scali. W Scali jest tzw. cukier składniowy (</a:t>
+            </a:r>
+            <a:r>
+              <a:rPr lang="pl-PL" sz="1800" dirty="0" err="1">
+                <a:effectLst/>
+                <a:latin typeface="Calibri" panose="020F0502020204030204" pitchFamily="34" charset="0"/>
+                <a:ea typeface="Calibri" panose="020F0502020204030204" pitchFamily="34" charset="0"/>
+                <a:cs typeface="Times New Roman" panose="02020603050405020304" pitchFamily="18" charset="0"/>
+              </a:rPr>
               <a:t>syntactic</a:t>
             </a:r>
             <a:r>
-              <a:rPr lang="pl-PL" dirty="0"/>
+              <a:rPr lang="pl-PL" sz="1800" dirty="0">
+                <a:effectLst/>
+                <a:latin typeface="Calibri" panose="020F0502020204030204" pitchFamily="34" charset="0"/>
+                <a:ea typeface="Calibri" panose="020F0502020204030204" pitchFamily="34" charset="0"/>
+                <a:cs typeface="Times New Roman" panose="02020603050405020304" pitchFamily="18" charset="0"/>
+              </a:rPr>
               <a:t> </a:t>
             </a:r>
             <a:r>
-              <a:rPr lang="pl-PL" dirty="0" err="1"/>
+              <a:rPr lang="pl-PL" sz="1800" dirty="0" err="1">
+                <a:effectLst/>
+                <a:latin typeface="Calibri" panose="020F0502020204030204" pitchFamily="34" charset="0"/>
+                <a:ea typeface="Calibri" panose="020F0502020204030204" pitchFamily="34" charset="0"/>
+                <a:cs typeface="Times New Roman" panose="02020603050405020304" pitchFamily="18" charset="0"/>
+              </a:rPr>
               <a:t>sugar</a:t>
             </a:r>
             <a:r>
-              <a:rPr lang="pl-PL" dirty="0"/>
-              <a:t>), który umożliwia wpisanie tego kodu [1] a podczas procesu kompilacji kompilator zamienia ten kod na [2]. Metoda </a:t>
-            </a:r>
-            <a:r>
-              <a:rPr lang="pl-PL" dirty="0" err="1"/>
+              <a:rPr lang="pl-PL" sz="1800" dirty="0">
+                <a:effectLst/>
+                <a:latin typeface="Calibri" panose="020F0502020204030204" pitchFamily="34" charset="0"/>
+                <a:ea typeface="Calibri" panose="020F0502020204030204" pitchFamily="34" charset="0"/>
+                <a:cs typeface="Times New Roman" panose="02020603050405020304" pitchFamily="18" charset="0"/>
+              </a:rPr>
+              <a:t>), który umożliwia napisanie kodu w taki sposób jak na slajdzie [1] a podczas procesu kompilacji kompilator zamienia ten kod na [2]. Dzięki temu sam zapis jest krótszy. Metoda </a:t>
+            </a:r>
+            <a:r>
+              <a:rPr lang="pl-PL" sz="1800" dirty="0" err="1">
+                <a:effectLst/>
+                <a:latin typeface="Calibri" panose="020F0502020204030204" pitchFamily="34" charset="0"/>
+                <a:ea typeface="Calibri" panose="020F0502020204030204" pitchFamily="34" charset="0"/>
+                <a:cs typeface="Times New Roman" panose="02020603050405020304" pitchFamily="18" charset="0"/>
+              </a:rPr>
               <a:t>Apply</a:t>
             </a:r>
             <a:r>
-              <a:rPr lang="pl-PL" dirty="0"/>
+              <a:rPr lang="pl-PL" sz="1800" dirty="0">
+                <a:effectLst/>
+                <a:latin typeface="Calibri" panose="020F0502020204030204" pitchFamily="34" charset="0"/>
+                <a:ea typeface="Calibri" panose="020F0502020204030204" pitchFamily="34" charset="0"/>
+                <a:cs typeface="Times New Roman" panose="02020603050405020304" pitchFamily="18" charset="0"/>
+              </a:rPr>
               <a:t> w obiekcie towarzyszącym działa jak metoda fabryki, a dzięki właśnie temu cukrowi Scala pozwala na użycie takiej składni do tworzenia nowych instancji klas bez użycia słowa kluczowego </a:t>
             </a:r>
             <a:r>
-              <a:rPr lang="pl-PL" dirty="0" err="1"/>
+              <a:rPr lang="pl-PL" sz="1800" dirty="0" err="1">
+                <a:effectLst/>
+                <a:latin typeface="Calibri" panose="020F0502020204030204" pitchFamily="34" charset="0"/>
+                <a:ea typeface="Calibri" panose="020F0502020204030204" pitchFamily="34" charset="0"/>
+                <a:cs typeface="Times New Roman" panose="02020603050405020304" pitchFamily="18" charset="0"/>
+              </a:rPr>
               <a:t>new</a:t>
             </a:r>
             <a:r>
-              <a:rPr lang="pl-PL" dirty="0"/>
+              <a:rPr lang="pl-PL" sz="1800" dirty="0">
+                <a:effectLst/>
+                <a:latin typeface="Calibri" panose="020F0502020204030204" pitchFamily="34" charset="0"/>
+                <a:ea typeface="Calibri" panose="020F0502020204030204" pitchFamily="34" charset="0"/>
+                <a:cs typeface="Times New Roman" panose="02020603050405020304" pitchFamily="18" charset="0"/>
+              </a:rPr>
               <a:t>.</a:t>
             </a:r>
           </a:p>
@@ -1518,115 +1578,181 @@
           <a:bodyPr/>
           <a:lstStyle/>
           <a:p>
-            <a:r>
-              <a:rPr lang="pl-PL" dirty="0"/>
-              <a:t>Mamy kilka sposobów tworzenia list, tak jak w sumie prawie w każdym elemencie Scali. Jeżeli nie zadeklarujemy typu listy, tak jak tutaj na zdjęciu w drugim przykładzie, to można do niej wrzucić cokolwiek.</a:t>
-            </a:r>
-          </a:p>
-          <a:p>
-            <a:r>
-              <a:rPr lang="pl-PL" dirty="0"/>
+            <a:pPr>
+              <a:lnSpc>
+                <a:spcPct val="107000"/>
+              </a:lnSpc>
+              <a:spcAft>
+                <a:spcPts val="800"/>
+              </a:spcAft>
+            </a:pPr>
+            <a:r>
+              <a:rPr lang="pl-PL" sz="1800" dirty="0">
+                <a:effectLst/>
+                <a:latin typeface="Calibri" panose="020F0502020204030204" pitchFamily="34" charset="0"/>
+                <a:ea typeface="Calibri" panose="020F0502020204030204" pitchFamily="34" charset="0"/>
+                <a:cs typeface="Times New Roman" panose="02020603050405020304" pitchFamily="18" charset="0"/>
+              </a:rPr>
+              <a:t>Listy, tak jak już mogliśmy się nie raz przekonać w Scali, można stworzyć na kilka sposobów. Zostało to pokazane na </a:t>
+            </a:r>
+            <a:r>
+              <a:rPr lang="pl-PL" sz="1800" dirty="0" err="1">
+                <a:effectLst/>
+                <a:latin typeface="Calibri" panose="020F0502020204030204" pitchFamily="34" charset="0"/>
+                <a:ea typeface="Calibri" panose="020F0502020204030204" pitchFamily="34" charset="0"/>
+                <a:cs typeface="Times New Roman" panose="02020603050405020304" pitchFamily="18" charset="0"/>
+              </a:rPr>
+              <a:t>screenshocie</a:t>
+            </a:r>
+            <a:r>
+              <a:rPr lang="pl-PL" sz="1800" dirty="0">
+                <a:effectLst/>
+                <a:latin typeface="Calibri" panose="020F0502020204030204" pitchFamily="34" charset="0"/>
+                <a:ea typeface="Calibri" panose="020F0502020204030204" pitchFamily="34" charset="0"/>
+                <a:cs typeface="Times New Roman" panose="02020603050405020304" pitchFamily="18" charset="0"/>
+              </a:rPr>
+              <a:t> - możemy podać typ elementów, jaki lista będzie przyjmować, ale nie musimy. Jeżeli nie zadeklarujemy typu listy, tak jak tutaj w drugim przykładzie, to można do niej wrzucić cokolwiek.</a:t>
+            </a:r>
+          </a:p>
+          <a:p>
+            <a:pPr>
+              <a:lnSpc>
+                <a:spcPct val="107000"/>
+              </a:lnSpc>
+              <a:spcAft>
+                <a:spcPts val="800"/>
+              </a:spcAft>
+            </a:pPr>
+            <a:r>
+              <a:rPr lang="pl-PL" sz="1800" dirty="0">
+                <a:effectLst/>
+                <a:latin typeface="Calibri" panose="020F0502020204030204" pitchFamily="34" charset="0"/>
+                <a:ea typeface="Calibri" panose="020F0502020204030204" pitchFamily="34" charset="0"/>
+                <a:cs typeface="Times New Roman" panose="02020603050405020304" pitchFamily="18" charset="0"/>
+              </a:rPr>
               <a:t>List jest z pakietu </a:t>
             </a:r>
             <a:r>
-              <a:rPr lang="pl-PL" b="0" i="0" u="sng" dirty="0" err="1">
+              <a:rPr lang="pl-PL" sz="1800" u="sng" dirty="0" err="1">
                 <a:solidFill>
-                  <a:srgbClr val="103A51"/>
+                  <a:srgbClr val="0563C1"/>
                 </a:solidFill>
                 <a:effectLst/>
-                <a:latin typeface="Arial" panose="020B0604020202020204" pitchFamily="34" charset="0"/>
-                <a:hlinkClick r:id="rId3" tooltip="scala"/>
+                <a:latin typeface="Calibri" panose="020F0502020204030204" pitchFamily="34" charset="0"/>
+                <a:ea typeface="Calibri" panose="020F0502020204030204" pitchFamily="34" charset="0"/>
+                <a:cs typeface="Times New Roman" panose="02020603050405020304" pitchFamily="18" charset="0"/>
+                <a:hlinkClick r:id="rId3"/>
               </a:rPr>
               <a:t>scala</a:t>
             </a:r>
             <a:r>
-              <a:rPr lang="pl-PL" b="0" i="0" dirty="0" err="1">
+              <a:rPr lang="pl-PL" sz="1800" dirty="0" err="1">
+                <a:effectLst/>
+                <a:latin typeface="Calibri" panose="020F0502020204030204" pitchFamily="34" charset="0"/>
+                <a:ea typeface="Calibri" panose="020F0502020204030204" pitchFamily="34" charset="0"/>
+                <a:cs typeface="Times New Roman" panose="02020603050405020304" pitchFamily="18" charset="0"/>
+              </a:rPr>
+              <a:t>.</a:t>
+            </a:r>
+            <a:r>
+              <a:rPr lang="pl-PL" sz="1800" u="sng" dirty="0" err="1">
                 <a:solidFill>
-                  <a:srgbClr val="103A51"/>
+                  <a:srgbClr val="0563C1"/>
                 </a:solidFill>
                 <a:effectLst/>
-                <a:latin typeface="Arial" panose="020B0604020202020204" pitchFamily="34" charset="0"/>
+                <a:latin typeface="Calibri" panose="020F0502020204030204" pitchFamily="34" charset="0"/>
+                <a:ea typeface="Calibri" panose="020F0502020204030204" pitchFamily="34" charset="0"/>
+                <a:cs typeface="Times New Roman" panose="02020603050405020304" pitchFamily="18" charset="0"/>
+                <a:hlinkClick r:id="rId4"/>
+              </a:rPr>
+              <a:t>collection</a:t>
+            </a:r>
+            <a:r>
+              <a:rPr lang="pl-PL" sz="1800" dirty="0" err="1">
+                <a:effectLst/>
+                <a:latin typeface="Calibri" panose="020F0502020204030204" pitchFamily="34" charset="0"/>
+                <a:ea typeface="Calibri" panose="020F0502020204030204" pitchFamily="34" charset="0"/>
+                <a:cs typeface="Times New Roman" panose="02020603050405020304" pitchFamily="18" charset="0"/>
               </a:rPr>
               <a:t>.</a:t>
             </a:r>
             <a:r>
-              <a:rPr lang="pl-PL" b="0" i="0" u="sng" dirty="0" err="1">
+              <a:rPr lang="pl-PL" sz="1800" u="sng" dirty="0" err="1">
                 <a:solidFill>
-                  <a:srgbClr val="103A51"/>
+                  <a:srgbClr val="0563C1"/>
                 </a:solidFill>
                 <a:effectLst/>
-                <a:latin typeface="Arial" panose="020B0604020202020204" pitchFamily="34" charset="0"/>
-                <a:hlinkClick r:id="rId4" tooltip="scala.collection"/>
-              </a:rPr>
-              <a:t>collection</a:t>
-            </a:r>
-            <a:r>
-              <a:rPr lang="pl-PL" b="0" i="0" dirty="0" err="1">
-                <a:solidFill>
-                  <a:srgbClr val="103A51"/>
-                </a:solidFill>
-                <a:effectLst/>
-                <a:latin typeface="Arial" panose="020B0604020202020204" pitchFamily="34" charset="0"/>
-              </a:rPr>
-              <a:t>.</a:t>
-            </a:r>
-            <a:r>
-              <a:rPr lang="pl-PL" b="0" i="0" u="sng" dirty="0" err="1">
-                <a:solidFill>
-                  <a:srgbClr val="103A51"/>
-                </a:solidFill>
-                <a:effectLst/>
-                <a:latin typeface="Arial" panose="020B0604020202020204" pitchFamily="34" charset="0"/>
-                <a:hlinkClick r:id="rId5" tooltip="scala.collection.immutable"/>
+                <a:latin typeface="Calibri" panose="020F0502020204030204" pitchFamily="34" charset="0"/>
+                <a:ea typeface="Calibri" panose="020F0502020204030204" pitchFamily="34" charset="0"/>
+                <a:cs typeface="Times New Roman" panose="02020603050405020304" pitchFamily="18" charset="0"/>
+                <a:hlinkClick r:id="rId5"/>
               </a:rPr>
               <a:t>immutable</a:t>
             </a:r>
             <a:r>
-              <a:rPr lang="pl-PL" dirty="0"/>
+              <a:rPr lang="pl-PL" sz="1800" dirty="0">
+                <a:effectLst/>
+                <a:latin typeface="Calibri" panose="020F0502020204030204" pitchFamily="34" charset="0"/>
+                <a:ea typeface="Calibri" panose="020F0502020204030204" pitchFamily="34" charset="0"/>
+                <a:cs typeface="Times New Roman" panose="02020603050405020304" pitchFamily="18" charset="0"/>
+              </a:rPr>
               <a:t>, zatem nie można ich modyfikować </a:t>
             </a:r>
           </a:p>
           <a:p>
-            <a:pPr marL="0" marR="0" lvl="0" indent="0" algn="l" defTabSz="914400" rtl="0" eaLnBrk="1" fontAlgn="auto" latinLnBrk="0" hangingPunct="1">
+            <a:pPr>
               <a:lnSpc>
-                <a:spcPct val="100000"/>
+                <a:spcPct val="107000"/>
               </a:lnSpc>
-              <a:spcBef>
-                <a:spcPts val="0"/>
-              </a:spcBef>
               <a:spcAft>
-                <a:spcPts val="0"/>
+                <a:spcPts val="800"/>
               </a:spcAft>
-              <a:buClrTx/>
-              <a:buSzTx/>
-              <a:buFontTx/>
-              <a:buNone/>
-              <a:tabLst/>
-              <a:defRPr/>
             </a:pPr>
             <a:r>
-              <a:rPr lang="pl-PL" dirty="0"/>
-              <a:t>Listy Ta klasa jest optymalna dla wzorców dostępu typu </a:t>
-            </a:r>
-            <a:r>
-              <a:rPr lang="pl-PL" dirty="0" err="1"/>
+              <a:rPr lang="pl-PL" sz="1800" dirty="0">
+                <a:effectLst/>
+                <a:latin typeface="Calibri" panose="020F0502020204030204" pitchFamily="34" charset="0"/>
+                <a:ea typeface="Calibri" panose="020F0502020204030204" pitchFamily="34" charset="0"/>
+                <a:cs typeface="Times New Roman" panose="02020603050405020304" pitchFamily="18" charset="0"/>
+              </a:rPr>
+              <a:t>Ta klasa jest optymalna dla wzorców dostępu typu </a:t>
+            </a:r>
+            <a:r>
+              <a:rPr lang="pl-PL" sz="1800" dirty="0" err="1">
+                <a:effectLst/>
+                <a:latin typeface="Calibri" panose="020F0502020204030204" pitchFamily="34" charset="0"/>
+                <a:ea typeface="Calibri" panose="020F0502020204030204" pitchFamily="34" charset="0"/>
+                <a:cs typeface="Times New Roman" panose="02020603050405020304" pitchFamily="18" charset="0"/>
+              </a:rPr>
               <a:t>last</a:t>
             </a:r>
             <a:r>
-              <a:rPr lang="pl-PL" dirty="0"/>
+              <a:rPr lang="pl-PL" sz="1800" dirty="0">
+                <a:effectLst/>
+                <a:latin typeface="Calibri" panose="020F0502020204030204" pitchFamily="34" charset="0"/>
+                <a:ea typeface="Calibri" panose="020F0502020204030204" pitchFamily="34" charset="0"/>
+                <a:cs typeface="Times New Roman" panose="02020603050405020304" pitchFamily="18" charset="0"/>
+              </a:rPr>
               <a:t>-in-</a:t>
             </a:r>
             <a:r>
-              <a:rPr lang="pl-PL" dirty="0" err="1"/>
+              <a:rPr lang="pl-PL" sz="1800" dirty="0" err="1">
+                <a:effectLst/>
+                <a:latin typeface="Calibri" panose="020F0502020204030204" pitchFamily="34" charset="0"/>
+                <a:ea typeface="Calibri" panose="020F0502020204030204" pitchFamily="34" charset="0"/>
+                <a:cs typeface="Times New Roman" panose="02020603050405020304" pitchFamily="18" charset="0"/>
+              </a:rPr>
               <a:t>first</a:t>
             </a:r>
             <a:r>
-              <a:rPr lang="pl-PL" dirty="0"/>
-              <a:t>-out (LIFO), czyli stosu. Dla innych list lepiej jest użyć innej klasy </a:t>
-            </a:r>
-          </a:p>
-          <a:p>
-            <a:endParaRPr lang="pl-PL" dirty="0"/>
+              <a:rPr lang="pl-PL" sz="1800" dirty="0">
+                <a:effectLst/>
+                <a:latin typeface="Calibri" panose="020F0502020204030204" pitchFamily="34" charset="0"/>
+                <a:ea typeface="Calibri" panose="020F0502020204030204" pitchFamily="34" charset="0"/>
+                <a:cs typeface="Times New Roman" panose="02020603050405020304" pitchFamily="18" charset="0"/>
+              </a:rPr>
+              <a:t>-out (LIFO), czyli stosu. Dla innych list lepiej jest użyć innej klasy.</a:t>
+            </a:r>
           </a:p>
         </p:txBody>
       </p:sp>
@@ -1710,57 +1836,130 @@
           <a:bodyPr/>
           <a:lstStyle/>
           <a:p>
-            <a:r>
-              <a:rPr lang="pl-PL" dirty="0"/>
+            <a:pPr>
+              <a:lnSpc>
+                <a:spcPct val="107000"/>
+              </a:lnSpc>
+              <a:spcAft>
+                <a:spcPts val="800"/>
+              </a:spcAft>
+            </a:pPr>
+            <a:r>
+              <a:rPr lang="pl-PL" sz="1800" dirty="0">
+                <a:effectLst/>
+                <a:latin typeface="Calibri" panose="020F0502020204030204" pitchFamily="34" charset="0"/>
+                <a:ea typeface="Calibri" panose="020F0502020204030204" pitchFamily="34" charset="0"/>
+                <a:cs typeface="Times New Roman" panose="02020603050405020304" pitchFamily="18" charset="0"/>
+              </a:rPr>
               <a:t>W Scali </a:t>
             </a:r>
             <a:r>
-              <a:rPr lang="pl-PL" dirty="0" err="1"/>
+              <a:rPr lang="pl-PL" sz="1800" dirty="0" err="1">
+                <a:effectLst/>
+                <a:latin typeface="Calibri" panose="020F0502020204030204" pitchFamily="34" charset="0"/>
+                <a:ea typeface="Calibri" panose="020F0502020204030204" pitchFamily="34" charset="0"/>
+                <a:cs typeface="Times New Roman" panose="02020603050405020304" pitchFamily="18" charset="0"/>
+              </a:rPr>
               <a:t>krotka</a:t>
             </a:r>
             <a:r>
-              <a:rPr lang="pl-PL" dirty="0"/>
+              <a:rPr lang="pl-PL" sz="1800" dirty="0">
+                <a:effectLst/>
+                <a:latin typeface="Calibri" panose="020F0502020204030204" pitchFamily="34" charset="0"/>
+                <a:ea typeface="Calibri" panose="020F0502020204030204" pitchFamily="34" charset="0"/>
+                <a:cs typeface="Times New Roman" panose="02020603050405020304" pitchFamily="18" charset="0"/>
+              </a:rPr>
               <a:t> to wartość zawierająca stałą liczbę elementów, każdy z własnym typem. </a:t>
             </a:r>
             <a:r>
-              <a:rPr lang="pl-PL" dirty="0" err="1"/>
+              <a:rPr lang="pl-PL" sz="1800" dirty="0" err="1">
+                <a:effectLst/>
+                <a:latin typeface="Calibri" panose="020F0502020204030204" pitchFamily="34" charset="0"/>
+                <a:ea typeface="Calibri" panose="020F0502020204030204" pitchFamily="34" charset="0"/>
+                <a:cs typeface="Times New Roman" panose="02020603050405020304" pitchFamily="18" charset="0"/>
+              </a:rPr>
               <a:t>Krotki</a:t>
             </a:r>
             <a:r>
-              <a:rPr lang="pl-PL" dirty="0"/>
-              <a:t> są niezmienne i szczególnie przydatne do zwracania wielu wartości z metody. Maksymalnie w krotce możemy mieć 22 elementy, jak spróbujemy stworzyć krotkę z większą ilością elementów to dostaniemy błąd i program się nie zbuduje. Jest ona podobnie jak lista </a:t>
-            </a:r>
-            <a:r>
-              <a:rPr lang="pl-PL" dirty="0" err="1"/>
+              <a:rPr lang="pl-PL" sz="1800" dirty="0">
+                <a:effectLst/>
+                <a:latin typeface="Calibri" panose="020F0502020204030204" pitchFamily="34" charset="0"/>
+                <a:ea typeface="Calibri" panose="020F0502020204030204" pitchFamily="34" charset="0"/>
+                <a:cs typeface="Times New Roman" panose="02020603050405020304" pitchFamily="18" charset="0"/>
+              </a:rPr>
+              <a:t> są szczególnie przydatne do zwracania kilku wartości z metody. Maksymalnie w krotce możemy mieć 22 elementy, jak spróbujemy stworzyć krotkę z większą ilością elementów to dostaniemy błąd i program się nie zbuduje. Jest ona podobnie jak lista </a:t>
+            </a:r>
+            <a:r>
+              <a:rPr lang="pl-PL" sz="1800" dirty="0" err="1">
+                <a:effectLst/>
+                <a:latin typeface="Calibri" panose="020F0502020204030204" pitchFamily="34" charset="0"/>
+                <a:ea typeface="Calibri" panose="020F0502020204030204" pitchFamily="34" charset="0"/>
+                <a:cs typeface="Times New Roman" panose="02020603050405020304" pitchFamily="18" charset="0"/>
+              </a:rPr>
               <a:t>niemutowalna</a:t>
             </a:r>
             <a:r>
-              <a:rPr lang="pl-PL" dirty="0"/>
-              <a:t>. Jednak nie jest ona z pakietu </a:t>
-            </a:r>
-            <a:r>
-              <a:rPr lang="pl-PL" dirty="0" err="1"/>
+              <a:rPr lang="pl-PL" sz="1800" dirty="0">
+                <a:effectLst/>
+                <a:latin typeface="Calibri" panose="020F0502020204030204" pitchFamily="34" charset="0"/>
+                <a:ea typeface="Calibri" panose="020F0502020204030204" pitchFamily="34" charset="0"/>
+                <a:cs typeface="Times New Roman" panose="02020603050405020304" pitchFamily="18" charset="0"/>
+              </a:rPr>
+              <a:t>. Ponadto, nie jest ona z pakietu </a:t>
+            </a:r>
+            <a:r>
+              <a:rPr lang="pl-PL" sz="1800" dirty="0" err="1">
+                <a:effectLst/>
+                <a:latin typeface="Calibri" panose="020F0502020204030204" pitchFamily="34" charset="0"/>
+                <a:ea typeface="Calibri" panose="020F0502020204030204" pitchFamily="34" charset="0"/>
+                <a:cs typeface="Times New Roman" panose="02020603050405020304" pitchFamily="18" charset="0"/>
+              </a:rPr>
               <a:t>collection</a:t>
             </a:r>
             <a:r>
-              <a:rPr lang="pl-PL" dirty="0"/>
+              <a:rPr lang="pl-PL" sz="1800" dirty="0">
+                <a:effectLst/>
+                <a:latin typeface="Calibri" panose="020F0502020204030204" pitchFamily="34" charset="0"/>
+                <a:ea typeface="Calibri" panose="020F0502020204030204" pitchFamily="34" charset="0"/>
+                <a:cs typeface="Times New Roman" panose="02020603050405020304" pitchFamily="18" charset="0"/>
+              </a:rPr>
               <a:t> zatem technicznie nie jest kolekcją. Na </a:t>
             </a:r>
             <a:r>
-              <a:rPr lang="pl-PL" dirty="0" err="1"/>
+              <a:rPr lang="pl-PL" sz="1800" dirty="0" err="1">
+                <a:effectLst/>
+                <a:latin typeface="Calibri" panose="020F0502020204030204" pitchFamily="34" charset="0"/>
+                <a:ea typeface="Calibri" panose="020F0502020204030204" pitchFamily="34" charset="0"/>
+                <a:cs typeface="Times New Roman" panose="02020603050405020304" pitchFamily="18" charset="0"/>
+              </a:rPr>
               <a:t>screenie</a:t>
             </a:r>
             <a:r>
-              <a:rPr lang="pl-PL" dirty="0"/>
+              <a:rPr lang="pl-PL" sz="1800" dirty="0">
+                <a:effectLst/>
+                <a:latin typeface="Calibri" panose="020F0502020204030204" pitchFamily="34" charset="0"/>
+                <a:ea typeface="Calibri" panose="020F0502020204030204" pitchFamily="34" charset="0"/>
+                <a:cs typeface="Times New Roman" panose="02020603050405020304" pitchFamily="18" charset="0"/>
+              </a:rPr>
               <a:t> widać jak można się odwoływać do poszczególnych elementów </a:t>
             </a:r>
             <a:r>
-              <a:rPr lang="pl-PL" dirty="0" err="1"/>
+              <a:rPr lang="pl-PL" sz="1800" dirty="0" err="1">
+                <a:effectLst/>
+                <a:latin typeface="Calibri" panose="020F0502020204030204" pitchFamily="34" charset="0"/>
+                <a:ea typeface="Calibri" panose="020F0502020204030204" pitchFamily="34" charset="0"/>
+                <a:cs typeface="Times New Roman" panose="02020603050405020304" pitchFamily="18" charset="0"/>
+              </a:rPr>
               <a:t>krotki</a:t>
             </a:r>
             <a:r>
-              <a:rPr lang="pl-PL" dirty="0"/>
-              <a:t>.</a:t>
+              <a:rPr lang="pl-PL" sz="1800" dirty="0">
+                <a:effectLst/>
+                <a:latin typeface="Calibri" panose="020F0502020204030204" pitchFamily="34" charset="0"/>
+                <a:ea typeface="Calibri" panose="020F0502020204030204" pitchFamily="34" charset="0"/>
+                <a:cs typeface="Times New Roman" panose="02020603050405020304" pitchFamily="18" charset="0"/>
+              </a:rPr>
+              <a:t>. </a:t>
             </a:r>
           </a:p>
         </p:txBody>
@@ -1845,24 +2044,42 @@
           <a:bodyPr/>
           <a:lstStyle/>
           <a:p>
-            <a:r>
-              <a:rPr lang="pl-PL" dirty="0"/>
+            <a:pPr>
+              <a:lnSpc>
+                <a:spcPct val="107000"/>
+              </a:lnSpc>
+              <a:spcAft>
+                <a:spcPts val="800"/>
+              </a:spcAft>
+            </a:pPr>
+            <a:r>
+              <a:rPr lang="pl-PL" sz="1800" dirty="0">
+                <a:effectLst/>
+                <a:latin typeface="Calibri" panose="020F0502020204030204" pitchFamily="34" charset="0"/>
+                <a:ea typeface="Calibri" panose="020F0502020204030204" pitchFamily="34" charset="0"/>
+                <a:cs typeface="Times New Roman" panose="02020603050405020304" pitchFamily="18" charset="0"/>
+              </a:rPr>
               <a:t>Wyrażenie lambda odnosi się do wyrażenia, które używa anonimowej funkcji zamiast zmiennej lub wartości. Wyrażenia lambda są wygodniejsze, gdy mamy prostą funkcję do użycia w jednym miejscu. Te wyrażenia są szybsze i bardziej czytelne niż definiowanie całej funkcji. Możemy uczynić nasze wyrażenia lambda wielokrotnego użytku dla dowolnego rodzaju przekształceń. Potrafi iterować zbiór obiektów i dokonywać w nich jakiejś transformacji. </a:t>
             </a:r>
           </a:p>
           <a:p>
-            <a:endParaRPr lang="pl-PL" dirty="0"/>
-          </a:p>
-          <a:p>
-            <a:r>
-              <a:rPr lang="pl-PL" dirty="0"/>
-              <a:t>Ponadto, funkcje lambda mogą być stosowane jak pola danej klasy, czy też na przykład użyte tylko raz, dzięki czemu nie trzeba specjalnie tworzyć nowej metody tylko </a:t>
-            </a:r>
-            <a:r>
-              <a:rPr lang="pl-PL"/>
-              <a:t>wystarczy użyć lambdy.</a:t>
-            </a:r>
-            <a:endParaRPr lang="pl-PL" dirty="0"/>
+            <a:pPr>
+              <a:lnSpc>
+                <a:spcPct val="107000"/>
+              </a:lnSpc>
+              <a:spcAft>
+                <a:spcPts val="800"/>
+              </a:spcAft>
+            </a:pPr>
+            <a:r>
+              <a:rPr lang="pl-PL" sz="1800" dirty="0">
+                <a:effectLst/>
+                <a:latin typeface="Calibri" panose="020F0502020204030204" pitchFamily="34" charset="0"/>
+                <a:ea typeface="Calibri" panose="020F0502020204030204" pitchFamily="34" charset="0"/>
+                <a:cs typeface="Times New Roman" panose="02020603050405020304" pitchFamily="18" charset="0"/>
+              </a:rPr>
+              <a:t>Ponadto, funkcje lambda mogą być stosowane jak pola danej klasy, czy też na przykład użyte tylko raz, dzięki czemu nie trzeba specjalnie tworzyć nowej metody tylko wystarczy użyć lambdy.</a:t>
+            </a:r>
           </a:p>
         </p:txBody>
       </p:sp>
@@ -1946,93 +2163,114 @@
           <a:bodyPr/>
           <a:lstStyle/>
           <a:p>
-            <a:pPr marL="0" marR="0" lvl="0" indent="0" algn="l" defTabSz="914400" rtl="0" eaLnBrk="1" fontAlgn="auto" latinLnBrk="0" hangingPunct="1">
+            <a:pPr>
               <a:lnSpc>
-                <a:spcPct val="100000"/>
+                <a:spcPct val="107000"/>
               </a:lnSpc>
-              <a:spcBef>
-                <a:spcPts val="0"/>
-              </a:spcBef>
               <a:spcAft>
-                <a:spcPts val="0"/>
+                <a:spcPts val="800"/>
               </a:spcAft>
-              <a:buClrTx/>
-              <a:buSzTx/>
-              <a:buFontTx/>
-              <a:buNone/>
-              <a:tabLst/>
-              <a:defRPr/>
             </a:pPr>
             <a:r>
-              <a:rPr lang="pl-PL" b="0" i="0" dirty="0">
-                <a:solidFill>
-                  <a:srgbClr val="4A5659"/>
-                </a:solidFill>
+              <a:rPr lang="pl-PL" sz="1800" dirty="0">
                 <a:effectLst/>
-                <a:latin typeface="Lato"/>
+                <a:latin typeface="Calibri" panose="020F0502020204030204" pitchFamily="34" charset="0"/>
+                <a:ea typeface="Calibri" panose="020F0502020204030204" pitchFamily="34" charset="0"/>
+                <a:cs typeface="Times New Roman" panose="02020603050405020304" pitchFamily="18" charset="0"/>
               </a:rPr>
               <a:t>Teraz jeszcze wspomnę o obiektach towarzyszących, czyli Companion </a:t>
             </a:r>
             <a:r>
-              <a:rPr lang="pl-PL" b="0" i="0" dirty="0" err="1">
-                <a:solidFill>
-                  <a:srgbClr val="4A5659"/>
-                </a:solidFill>
+              <a:rPr lang="pl-PL" sz="1800" dirty="0" err="1">
                 <a:effectLst/>
-                <a:latin typeface="Lato"/>
+                <a:latin typeface="Calibri" panose="020F0502020204030204" pitchFamily="34" charset="0"/>
+                <a:ea typeface="Calibri" panose="020F0502020204030204" pitchFamily="34" charset="0"/>
+                <a:cs typeface="Times New Roman" panose="02020603050405020304" pitchFamily="18" charset="0"/>
               </a:rPr>
               <a:t>objects</a:t>
             </a:r>
             <a:r>
-              <a:rPr lang="pl-PL" b="0" i="0" dirty="0">
-                <a:solidFill>
-                  <a:srgbClr val="4A5659"/>
-                </a:solidFill>
+              <a:rPr lang="pl-PL" sz="1800" dirty="0">
                 <a:effectLst/>
-                <a:latin typeface="Lato"/>
+                <a:latin typeface="Calibri" panose="020F0502020204030204" pitchFamily="34" charset="0"/>
+                <a:ea typeface="Calibri" panose="020F0502020204030204" pitchFamily="34" charset="0"/>
+                <a:cs typeface="Times New Roman" panose="02020603050405020304" pitchFamily="18" charset="0"/>
               </a:rPr>
-              <a:t>, ponieważ były już one prezentowane przez poprzednie grupy.</a:t>
-            </a:r>
-          </a:p>
-          <a:p>
-            <a:pPr marL="0" marR="0" lvl="0" indent="0" algn="l" defTabSz="914400" rtl="0" eaLnBrk="1" fontAlgn="auto" latinLnBrk="0" hangingPunct="1">
+              <a:t>, ponieważ były już one prezentowane przez poprzednie grupy, aby potem przejść do </a:t>
+            </a:r>
+            <a:r>
+              <a:rPr lang="pl-PL" sz="1800" dirty="0" err="1">
+                <a:effectLst/>
+                <a:latin typeface="Calibri" panose="020F0502020204030204" pitchFamily="34" charset="0"/>
+                <a:ea typeface="Calibri" panose="020F0502020204030204" pitchFamily="34" charset="0"/>
+                <a:cs typeface="Times New Roman" panose="02020603050405020304" pitchFamily="18" charset="0"/>
+              </a:rPr>
+              <a:t>Apply</a:t>
+            </a:r>
+            <a:r>
+              <a:rPr lang="pl-PL" sz="1800" dirty="0">
+                <a:effectLst/>
+                <a:latin typeface="Calibri" panose="020F0502020204030204" pitchFamily="34" charset="0"/>
+                <a:ea typeface="Calibri" panose="020F0502020204030204" pitchFamily="34" charset="0"/>
+                <a:cs typeface="Times New Roman" panose="02020603050405020304" pitchFamily="18" charset="0"/>
+              </a:rPr>
+              <a:t> </a:t>
+            </a:r>
+            <a:r>
+              <a:rPr lang="pl-PL" sz="1800" dirty="0" err="1">
+                <a:effectLst/>
+                <a:latin typeface="Calibri" panose="020F0502020204030204" pitchFamily="34" charset="0"/>
+                <a:ea typeface="Calibri" panose="020F0502020204030204" pitchFamily="34" charset="0"/>
+                <a:cs typeface="Times New Roman" panose="02020603050405020304" pitchFamily="18" charset="0"/>
+              </a:rPr>
+              <a:t>method</a:t>
+            </a:r>
+            <a:r>
+              <a:rPr lang="pl-PL" sz="1800" dirty="0">
+                <a:effectLst/>
+                <a:latin typeface="Calibri" panose="020F0502020204030204" pitchFamily="34" charset="0"/>
+                <a:ea typeface="Calibri" panose="020F0502020204030204" pitchFamily="34" charset="0"/>
+                <a:cs typeface="Times New Roman" panose="02020603050405020304" pitchFamily="18" charset="0"/>
+              </a:rPr>
+              <a:t>.</a:t>
+            </a:r>
+          </a:p>
+          <a:p>
+            <a:pPr>
               <a:lnSpc>
-                <a:spcPct val="100000"/>
+                <a:spcPct val="107000"/>
               </a:lnSpc>
-              <a:spcBef>
-                <a:spcPts val="0"/>
-              </a:spcBef>
               <a:spcAft>
-                <a:spcPts val="0"/>
+                <a:spcPts val="800"/>
               </a:spcAft>
-              <a:buClrTx/>
-              <a:buSzTx/>
-              <a:buFontTx/>
-              <a:buNone/>
-              <a:tabLst/>
-              <a:defRPr/>
             </a:pPr>
             <a:r>
-              <a:rPr lang="pl-PL" b="0" i="0" dirty="0">
-                <a:solidFill>
-                  <a:srgbClr val="4A5659"/>
-                </a:solidFill>
+              <a:rPr lang="pl-PL" sz="1800" dirty="0">
                 <a:effectLst/>
-                <a:latin typeface="Lato"/>
+                <a:latin typeface="Calibri" panose="020F0502020204030204" pitchFamily="34" charset="0"/>
+                <a:ea typeface="Calibri" panose="020F0502020204030204" pitchFamily="34" charset="0"/>
+                <a:cs typeface="Times New Roman" panose="02020603050405020304" pitchFamily="18" charset="0"/>
               </a:rPr>
               <a:t>Obiekt towarzyszący w Scali to obiekt zadeklarowany w tym samym pliku co klasa i mający taką samą nazwę jak klasa. Dla przykładu, z kodu na slajdzie obiekt Pizza jest traktowany jako obiekt towarzyszący klasie Pizza</a:t>
             </a:r>
           </a:p>
           <a:p>
-            <a:endParaRPr lang="pl-PL" dirty="0"/>
-          </a:p>
-          <a:p>
-            <a:endParaRPr lang="pl-PL" dirty="0"/>
-          </a:p>
-          <a:p>
-            <a:r>
-              <a:rPr lang="pl-PL" dirty="0"/>
-              <a:t>Obiekt towarzyszący i jego klasa mogą wzajemnie uzyskiwać dostęp do swoich prywatnych elementów</a:t>
+            <a:pPr>
+              <a:lnSpc>
+                <a:spcPct val="107000"/>
+              </a:lnSpc>
+              <a:spcAft>
+                <a:spcPts val="800"/>
+              </a:spcAft>
+            </a:pPr>
+            <a:r>
+              <a:rPr lang="pl-PL" sz="1800" dirty="0">
+                <a:effectLst/>
+                <a:latin typeface="Calibri" panose="020F0502020204030204" pitchFamily="34" charset="0"/>
+                <a:ea typeface="Calibri" panose="020F0502020204030204" pitchFamily="34" charset="0"/>
+                <a:cs typeface="Times New Roman" panose="02020603050405020304" pitchFamily="18" charset="0"/>
+              </a:rPr>
+              <a:t>Jedną z zalet obiektów towarzyszących i ich klas jest wzajemna widoczność swoich prywatnych elementów, mają dzięki temu do siebie dostęp.</a:t>
             </a:r>
           </a:p>
         </p:txBody>
@@ -2123,7 +2361,7 @@
           <a:noFill/>
           <a:extLst>
             <a:ext uri="{909E8E84-426E-40dd-AFC4-6F175D3DCCD1}">
-              <a14:hiddenFill xmlns="" xmlns:a14="http://schemas.microsoft.com/office/drawing/2010/main">
+              <a14:hiddenFill xmlns:a14="http://schemas.microsoft.com/office/drawing/2010/main" xmlns="">
                 <a:solidFill>
                   <a:srgbClr val="FFFFFF"/>
                 </a:solidFill>
@@ -2183,7 +2421,7 @@
             </a:ln>
             <a:extLst>
               <a:ext uri="{91240B29-F687-4f45-9708-019B960494DF}">
-                <a14:hiddenLine xmlns="" xmlns:a14="http://schemas.microsoft.com/office/drawing/2010/main" w="9525">
+                <a14:hiddenLine xmlns:a14="http://schemas.microsoft.com/office/drawing/2010/main" xmlns="" w="9525">
                   <a:solidFill>
                     <a:srgbClr val="000000"/>
                   </a:solidFill>
@@ -2273,7 +2511,7 @@
             </a:ln>
             <a:extLst>
               <a:ext uri="{91240B29-F687-4f45-9708-019B960494DF}">
-                <a14:hiddenLine xmlns="" xmlns:a14="http://schemas.microsoft.com/office/drawing/2010/main" w="9525">
+                <a14:hiddenLine xmlns:a14="http://schemas.microsoft.com/office/drawing/2010/main" xmlns="" w="9525">
                   <a:solidFill>
                     <a:srgbClr val="000000"/>
                   </a:solidFill>
@@ -2363,7 +2601,7 @@
             </a:ln>
             <a:extLst>
               <a:ext uri="{91240B29-F687-4f45-9708-019B960494DF}">
-                <a14:hiddenLine xmlns="" xmlns:a14="http://schemas.microsoft.com/office/drawing/2010/main" w="9525">
+                <a14:hiddenLine xmlns:a14="http://schemas.microsoft.com/office/drawing/2010/main" xmlns="" w="9525">
                   <a:solidFill>
                     <a:srgbClr val="000000"/>
                   </a:solidFill>
@@ -2397,7 +2635,7 @@
             </a:ln>
             <a:extLst>
               <a:ext uri="{91240B29-F687-4f45-9708-019B960494DF}">
-                <a14:hiddenLine xmlns="" xmlns:a14="http://schemas.microsoft.com/office/drawing/2010/main" w="9525">
+                <a14:hiddenLine xmlns:a14="http://schemas.microsoft.com/office/drawing/2010/main" xmlns="" w="9525">
                   <a:solidFill>
                     <a:srgbClr val="000000"/>
                   </a:solidFill>
@@ -2487,7 +2725,7 @@
             </a:ln>
             <a:extLst>
               <a:ext uri="{91240B29-F687-4f45-9708-019B960494DF}">
-                <a14:hiddenLine xmlns="" xmlns:a14="http://schemas.microsoft.com/office/drawing/2010/main" w="9525">
+                <a14:hiddenLine xmlns:a14="http://schemas.microsoft.com/office/drawing/2010/main" xmlns="" w="9525">
                   <a:solidFill>
                     <a:srgbClr val="000000"/>
                   </a:solidFill>
@@ -2549,7 +2787,7 @@
             </a:ln>
             <a:extLst>
               <a:ext uri="{91240B29-F687-4f45-9708-019B960494DF}">
-                <a14:hiddenLine xmlns="" xmlns:a14="http://schemas.microsoft.com/office/drawing/2010/main" w="9525">
+                <a14:hiddenLine xmlns:a14="http://schemas.microsoft.com/office/drawing/2010/main" xmlns="" w="9525">
                   <a:solidFill>
                     <a:srgbClr val="000000"/>
                   </a:solidFill>
@@ -2611,7 +2849,7 @@
             </a:ln>
             <a:extLst>
               <a:ext uri="{91240B29-F687-4f45-9708-019B960494DF}">
-                <a14:hiddenLine xmlns="" xmlns:a14="http://schemas.microsoft.com/office/drawing/2010/main" w="9525">
+                <a14:hiddenLine xmlns:a14="http://schemas.microsoft.com/office/drawing/2010/main" xmlns="" w="9525">
                   <a:solidFill>
                     <a:srgbClr val="000000"/>
                   </a:solidFill>
@@ -2701,7 +2939,7 @@
             </a:ln>
             <a:extLst>
               <a:ext uri="{91240B29-F687-4f45-9708-019B960494DF}">
-                <a14:hiddenLine xmlns="" xmlns:a14="http://schemas.microsoft.com/office/drawing/2010/main" w="9525">
+                <a14:hiddenLine xmlns:a14="http://schemas.microsoft.com/office/drawing/2010/main" xmlns="" w="9525">
                   <a:solidFill>
                     <a:srgbClr val="000000"/>
                   </a:solidFill>
@@ -2763,7 +3001,7 @@
             </a:ln>
             <a:extLst>
               <a:ext uri="{91240B29-F687-4f45-9708-019B960494DF}">
-                <a14:hiddenLine xmlns="" xmlns:a14="http://schemas.microsoft.com/office/drawing/2010/main" w="9525">
+                <a14:hiddenLine xmlns:a14="http://schemas.microsoft.com/office/drawing/2010/main" xmlns="" w="9525">
                   <a:solidFill>
                     <a:srgbClr val="000000"/>
                   </a:solidFill>
@@ -2825,7 +3063,7 @@
             </a:ln>
             <a:extLst>
               <a:ext uri="{91240B29-F687-4f45-9708-019B960494DF}">
-                <a14:hiddenLine xmlns="" xmlns:a14="http://schemas.microsoft.com/office/drawing/2010/main" w="9525">
+                <a14:hiddenLine xmlns:a14="http://schemas.microsoft.com/office/drawing/2010/main" xmlns="" w="9525">
                   <a:solidFill>
                     <a:srgbClr val="000000"/>
                   </a:solidFill>
@@ -2915,7 +3153,7 @@
             </a:ln>
             <a:extLst>
               <a:ext uri="{91240B29-F687-4f45-9708-019B960494DF}">
-                <a14:hiddenLine xmlns="" xmlns:a14="http://schemas.microsoft.com/office/drawing/2010/main" w="9525">
+                <a14:hiddenLine xmlns:a14="http://schemas.microsoft.com/office/drawing/2010/main" xmlns="" w="9525">
                   <a:solidFill>
                     <a:srgbClr val="000000"/>
                   </a:solidFill>
@@ -3005,7 +3243,7 @@
             </a:ln>
             <a:extLst>
               <a:ext uri="{91240B29-F687-4f45-9708-019B960494DF}">
-                <a14:hiddenLine xmlns="" xmlns:a14="http://schemas.microsoft.com/office/drawing/2010/main" w="9525">
+                <a14:hiddenLine xmlns:a14="http://schemas.microsoft.com/office/drawing/2010/main" xmlns="" w="9525">
                   <a:solidFill>
                     <a:srgbClr val="000000"/>
                   </a:solidFill>
@@ -3067,7 +3305,7 @@
             </a:ln>
             <a:extLst>
               <a:ext uri="{91240B29-F687-4f45-9708-019B960494DF}">
-                <a14:hiddenLine xmlns="" xmlns:a14="http://schemas.microsoft.com/office/drawing/2010/main" w="9525">
+                <a14:hiddenLine xmlns:a14="http://schemas.microsoft.com/office/drawing/2010/main" xmlns="" w="9525">
                   <a:solidFill>
                     <a:srgbClr val="000000"/>
                   </a:solidFill>
@@ -3177,7 +3415,7 @@
             </a:ln>
             <a:extLst>
               <a:ext uri="{91240B29-F687-4f45-9708-019B960494DF}">
-                <a14:hiddenLine xmlns="" xmlns:a14="http://schemas.microsoft.com/office/drawing/2010/main" w="9525">
+                <a14:hiddenLine xmlns:a14="http://schemas.microsoft.com/office/drawing/2010/main" xmlns="" w="9525">
                   <a:solidFill>
                     <a:srgbClr val="000000"/>
                   </a:solidFill>
@@ -3239,7 +3477,7 @@
             </a:ln>
             <a:extLst>
               <a:ext uri="{91240B29-F687-4f45-9708-019B960494DF}">
-                <a14:hiddenLine xmlns="" xmlns:a14="http://schemas.microsoft.com/office/drawing/2010/main" w="9525">
+                <a14:hiddenLine xmlns:a14="http://schemas.microsoft.com/office/drawing/2010/main" xmlns="" w="9525">
                   <a:solidFill>
                     <a:srgbClr val="000000"/>
                   </a:solidFill>
@@ -3329,7 +3567,7 @@
             </a:ln>
             <a:extLst>
               <a:ext uri="{91240B29-F687-4f45-9708-019B960494DF}">
-                <a14:hiddenLine xmlns="" xmlns:a14="http://schemas.microsoft.com/office/drawing/2010/main" w="9525">
+                <a14:hiddenLine xmlns:a14="http://schemas.microsoft.com/office/drawing/2010/main" xmlns="" w="9525">
                   <a:solidFill>
                     <a:srgbClr val="000000"/>
                   </a:solidFill>
@@ -3419,7 +3657,7 @@
             </a:ln>
             <a:extLst>
               <a:ext uri="{91240B29-F687-4f45-9708-019B960494DF}">
-                <a14:hiddenLine xmlns="" xmlns:a14="http://schemas.microsoft.com/office/drawing/2010/main" w="9525">
+                <a14:hiddenLine xmlns:a14="http://schemas.microsoft.com/office/drawing/2010/main" xmlns="" w="9525">
                   <a:solidFill>
                     <a:srgbClr val="000000"/>
                   </a:solidFill>
@@ -3481,7 +3719,7 @@
             </a:ln>
             <a:extLst>
               <a:ext uri="{91240B29-F687-4f45-9708-019B960494DF}">
-                <a14:hiddenLine xmlns="" xmlns:a14="http://schemas.microsoft.com/office/drawing/2010/main" w="9525">
+                <a14:hiddenLine xmlns:a14="http://schemas.microsoft.com/office/drawing/2010/main" xmlns="" w="9525">
                   <a:solidFill>
                     <a:srgbClr val="000000"/>
                   </a:solidFill>
@@ -3571,7 +3809,7 @@
             </a:ln>
             <a:extLst>
               <a:ext uri="{91240B29-F687-4f45-9708-019B960494DF}">
-                <a14:hiddenLine xmlns="" xmlns:a14="http://schemas.microsoft.com/office/drawing/2010/main" w="9525">
+                <a14:hiddenLine xmlns:a14="http://schemas.microsoft.com/office/drawing/2010/main" xmlns="" w="9525">
                   <a:solidFill>
                     <a:srgbClr val="000000"/>
                   </a:solidFill>
@@ -3661,7 +3899,7 @@
             </a:ln>
             <a:extLst>
               <a:ext uri="{91240B29-F687-4f45-9708-019B960494DF}">
-                <a14:hiddenLine xmlns="" xmlns:a14="http://schemas.microsoft.com/office/drawing/2010/main" w="9525">
+                <a14:hiddenLine xmlns:a14="http://schemas.microsoft.com/office/drawing/2010/main" xmlns="" w="9525">
                   <a:solidFill>
                     <a:srgbClr val="000000"/>
                   </a:solidFill>
@@ -3717,7 +3955,7 @@
             </a:ln>
             <a:extLst>
               <a:ext uri="{91240B29-F687-4f45-9708-019B960494DF}">
-                <a14:hiddenLine xmlns="" xmlns:a14="http://schemas.microsoft.com/office/drawing/2010/main" w="9525">
+                <a14:hiddenLine xmlns:a14="http://schemas.microsoft.com/office/drawing/2010/main" xmlns="" w="9525">
                   <a:solidFill>
                     <a:srgbClr val="000000"/>
                   </a:solidFill>
@@ -3807,7 +4045,7 @@
             </a:ln>
             <a:extLst>
               <a:ext uri="{91240B29-F687-4f45-9708-019B960494DF}">
-                <a14:hiddenLine xmlns="" xmlns:a14="http://schemas.microsoft.com/office/drawing/2010/main" w="9525">
+                <a14:hiddenLine xmlns:a14="http://schemas.microsoft.com/office/drawing/2010/main" xmlns="" w="9525">
                   <a:solidFill>
                     <a:srgbClr val="000000"/>
                   </a:solidFill>
@@ -3863,7 +4101,7 @@
             </a:ln>
             <a:extLst>
               <a:ext uri="{91240B29-F687-4f45-9708-019B960494DF}">
-                <a14:hiddenLine xmlns="" xmlns:a14="http://schemas.microsoft.com/office/drawing/2010/main" w="9525">
+                <a14:hiddenLine xmlns:a14="http://schemas.microsoft.com/office/drawing/2010/main" xmlns="" w="9525">
                   <a:solidFill>
                     <a:srgbClr val="000000"/>
                   </a:solidFill>
@@ -3953,7 +4191,7 @@
             </a:ln>
             <a:extLst>
               <a:ext uri="{91240B29-F687-4f45-9708-019B960494DF}">
-                <a14:hiddenLine xmlns="" xmlns:a14="http://schemas.microsoft.com/office/drawing/2010/main" w="9525">
+                <a14:hiddenLine xmlns:a14="http://schemas.microsoft.com/office/drawing/2010/main" xmlns="" w="9525">
                   <a:solidFill>
                     <a:srgbClr val="000000"/>
                   </a:solidFill>
@@ -4021,7 +4259,7 @@
             </a:ln>
             <a:extLst>
               <a:ext uri="{91240B29-F687-4f45-9708-019B960494DF}">
-                <a14:hiddenLine xmlns="" xmlns:a14="http://schemas.microsoft.com/office/drawing/2010/main" w="9525">
+                <a14:hiddenLine xmlns:a14="http://schemas.microsoft.com/office/drawing/2010/main" xmlns="" w="9525">
                   <a:solidFill>
                     <a:srgbClr val="000000"/>
                   </a:solidFill>
@@ -4111,7 +4349,7 @@
             </a:ln>
             <a:extLst>
               <a:ext uri="{91240B29-F687-4f45-9708-019B960494DF}">
-                <a14:hiddenLine xmlns="" xmlns:a14="http://schemas.microsoft.com/office/drawing/2010/main" w="9525">
+                <a14:hiddenLine xmlns:a14="http://schemas.microsoft.com/office/drawing/2010/main" xmlns="" w="9525">
                   <a:solidFill>
                     <a:srgbClr val="000000"/>
                   </a:solidFill>
@@ -4179,7 +4417,7 @@
             </a:ln>
             <a:extLst>
               <a:ext uri="{91240B29-F687-4f45-9708-019B960494DF}">
-                <a14:hiddenLine xmlns="" xmlns:a14="http://schemas.microsoft.com/office/drawing/2010/main" w="9525">
+                <a14:hiddenLine xmlns:a14="http://schemas.microsoft.com/office/drawing/2010/main" xmlns="" w="9525">
                   <a:solidFill>
                     <a:srgbClr val="000000"/>
                   </a:solidFill>
@@ -4269,7 +4507,7 @@
             </a:ln>
             <a:extLst>
               <a:ext uri="{91240B29-F687-4f45-9708-019B960494DF}">
-                <a14:hiddenLine xmlns="" xmlns:a14="http://schemas.microsoft.com/office/drawing/2010/main" w="9525">
+                <a14:hiddenLine xmlns:a14="http://schemas.microsoft.com/office/drawing/2010/main" xmlns="" w="9525">
                   <a:solidFill>
                     <a:srgbClr val="000000"/>
                   </a:solidFill>
@@ -4303,7 +4541,7 @@
             </a:ln>
             <a:extLst>
               <a:ext uri="{91240B29-F687-4f45-9708-019B960494DF}">
-                <a14:hiddenLine xmlns="" xmlns:a14="http://schemas.microsoft.com/office/drawing/2010/main" w="9525">
+                <a14:hiddenLine xmlns:a14="http://schemas.microsoft.com/office/drawing/2010/main" xmlns="" w="9525">
                   <a:solidFill>
                     <a:srgbClr val="000000"/>
                   </a:solidFill>
@@ -4393,7 +4631,7 @@
             </a:ln>
             <a:extLst>
               <a:ext uri="{91240B29-F687-4f45-9708-019B960494DF}">
-                <a14:hiddenLine xmlns="" xmlns:a14="http://schemas.microsoft.com/office/drawing/2010/main" w="9525">
+                <a14:hiddenLine xmlns:a14="http://schemas.microsoft.com/office/drawing/2010/main" xmlns="" w="9525">
                   <a:solidFill>
                     <a:srgbClr val="000000"/>
                   </a:solidFill>
@@ -4455,7 +4693,7 @@
             </a:ln>
             <a:extLst>
               <a:ext uri="{91240B29-F687-4f45-9708-019B960494DF}">
-                <a14:hiddenLine xmlns="" xmlns:a14="http://schemas.microsoft.com/office/drawing/2010/main" w="9525">
+                <a14:hiddenLine xmlns:a14="http://schemas.microsoft.com/office/drawing/2010/main" xmlns="" w="9525">
                   <a:solidFill>
                     <a:srgbClr val="000000"/>
                   </a:solidFill>
@@ -4517,7 +4755,7 @@
             </a:ln>
             <a:extLst>
               <a:ext uri="{91240B29-F687-4f45-9708-019B960494DF}">
-                <a14:hiddenLine xmlns="" xmlns:a14="http://schemas.microsoft.com/office/drawing/2010/main" w="9525">
+                <a14:hiddenLine xmlns:a14="http://schemas.microsoft.com/office/drawing/2010/main" xmlns="" w="9525">
                   <a:solidFill>
                     <a:srgbClr val="000000"/>
                   </a:solidFill>
@@ -4607,7 +4845,7 @@
             </a:ln>
             <a:extLst>
               <a:ext uri="{91240B29-F687-4f45-9708-019B960494DF}">
-                <a14:hiddenLine xmlns="" xmlns:a14="http://schemas.microsoft.com/office/drawing/2010/main" w="9525">
+                <a14:hiddenLine xmlns:a14="http://schemas.microsoft.com/office/drawing/2010/main" xmlns="" w="9525">
                   <a:solidFill>
                     <a:srgbClr val="000000"/>
                   </a:solidFill>
@@ -4675,7 +4913,7 @@
             </a:ln>
             <a:extLst>
               <a:ext uri="{91240B29-F687-4f45-9708-019B960494DF}">
-                <a14:hiddenLine xmlns="" xmlns:a14="http://schemas.microsoft.com/office/drawing/2010/main" w="9525">
+                <a14:hiddenLine xmlns:a14="http://schemas.microsoft.com/office/drawing/2010/main" xmlns="" w="9525">
                   <a:solidFill>
                     <a:srgbClr val="000000"/>
                   </a:solidFill>
@@ -4737,7 +4975,7 @@
             </a:ln>
             <a:extLst>
               <a:ext uri="{91240B29-F687-4f45-9708-019B960494DF}">
-                <a14:hiddenLine xmlns="" xmlns:a14="http://schemas.microsoft.com/office/drawing/2010/main" w="9525">
+                <a14:hiddenLine xmlns:a14="http://schemas.microsoft.com/office/drawing/2010/main" xmlns="" w="9525">
                   <a:solidFill>
                     <a:srgbClr val="000000"/>
                   </a:solidFill>
@@ -4827,7 +5065,7 @@
             </a:ln>
             <a:extLst>
               <a:ext uri="{91240B29-F687-4f45-9708-019B960494DF}">
-                <a14:hiddenLine xmlns="" xmlns:a14="http://schemas.microsoft.com/office/drawing/2010/main" w="9525">
+                <a14:hiddenLine xmlns:a14="http://schemas.microsoft.com/office/drawing/2010/main" xmlns="" w="9525">
                   <a:solidFill>
                     <a:srgbClr val="000000"/>
                   </a:solidFill>
@@ -4889,7 +5127,7 @@
             </a:ln>
             <a:extLst>
               <a:ext uri="{91240B29-F687-4f45-9708-019B960494DF}">
-                <a14:hiddenLine xmlns="" xmlns:a14="http://schemas.microsoft.com/office/drawing/2010/main" w="9525">
+                <a14:hiddenLine xmlns:a14="http://schemas.microsoft.com/office/drawing/2010/main" xmlns="" w="9525">
                   <a:solidFill>
                     <a:srgbClr val="000000"/>
                   </a:solidFill>
@@ -4979,7 +5217,7 @@
             </a:ln>
             <a:extLst>
               <a:ext uri="{91240B29-F687-4f45-9708-019B960494DF}">
-                <a14:hiddenLine xmlns="" xmlns:a14="http://schemas.microsoft.com/office/drawing/2010/main" w="9525">
+                <a14:hiddenLine xmlns:a14="http://schemas.microsoft.com/office/drawing/2010/main" xmlns="" w="9525">
                   <a:solidFill>
                     <a:srgbClr val="000000"/>
                   </a:solidFill>
@@ -5041,7 +5279,7 @@
             </a:ln>
             <a:extLst>
               <a:ext uri="{91240B29-F687-4f45-9708-019B960494DF}">
-                <a14:hiddenLine xmlns="" xmlns:a14="http://schemas.microsoft.com/office/drawing/2010/main" w="9525">
+                <a14:hiddenLine xmlns:a14="http://schemas.microsoft.com/office/drawing/2010/main" xmlns="" w="9525">
                   <a:solidFill>
                     <a:srgbClr val="000000"/>
                   </a:solidFill>
@@ -5131,7 +5369,7 @@
             </a:ln>
             <a:extLst>
               <a:ext uri="{91240B29-F687-4f45-9708-019B960494DF}">
-                <a14:hiddenLine xmlns="" xmlns:a14="http://schemas.microsoft.com/office/drawing/2010/main" w="9525">
+                <a14:hiddenLine xmlns:a14="http://schemas.microsoft.com/office/drawing/2010/main" xmlns="" w="9525">
                   <a:solidFill>
                     <a:srgbClr val="000000"/>
                   </a:solidFill>
@@ -5165,7 +5403,7 @@
             </a:ln>
             <a:extLst>
               <a:ext uri="{91240B29-F687-4f45-9708-019B960494DF}">
-                <a14:hiddenLine xmlns="" xmlns:a14="http://schemas.microsoft.com/office/drawing/2010/main" w="9525">
+                <a14:hiddenLine xmlns:a14="http://schemas.microsoft.com/office/drawing/2010/main" xmlns="" w="9525">
                   <a:solidFill>
                     <a:srgbClr val="000000"/>
                   </a:solidFill>
@@ -5230,7 +5468,7 @@
             </a:ln>
             <a:extLst>
               <a:ext uri="{91240B29-F687-4f45-9708-019B960494DF}">
-                <a14:hiddenLine xmlns="" xmlns:a14="http://schemas.microsoft.com/office/drawing/2010/main" w="9525">
+                <a14:hiddenLine xmlns:a14="http://schemas.microsoft.com/office/drawing/2010/main" xmlns="" w="9525">
                   <a:solidFill>
                     <a:srgbClr val="000000"/>
                   </a:solidFill>
@@ -5320,7 +5558,7 @@
             </a:ln>
             <a:extLst>
               <a:ext uri="{91240B29-F687-4f45-9708-019B960494DF}">
-                <a14:hiddenLine xmlns="" xmlns:a14="http://schemas.microsoft.com/office/drawing/2010/main" w="9525">
+                <a14:hiddenLine xmlns:a14="http://schemas.microsoft.com/office/drawing/2010/main" xmlns="" w="9525">
                   <a:solidFill>
                     <a:srgbClr val="000000"/>
                   </a:solidFill>
@@ -5382,7 +5620,7 @@
             </a:ln>
             <a:extLst>
               <a:ext uri="{91240B29-F687-4f45-9708-019B960494DF}">
-                <a14:hiddenLine xmlns="" xmlns:a14="http://schemas.microsoft.com/office/drawing/2010/main" w="9525">
+                <a14:hiddenLine xmlns:a14="http://schemas.microsoft.com/office/drawing/2010/main" xmlns="" w="9525">
                   <a:solidFill>
                     <a:srgbClr val="000000"/>
                   </a:solidFill>
@@ -5472,7 +5710,7 @@
             </a:ln>
             <a:extLst>
               <a:ext uri="{91240B29-F687-4f45-9708-019B960494DF}">
-                <a14:hiddenLine xmlns="" xmlns:a14="http://schemas.microsoft.com/office/drawing/2010/main" w="9525">
+                <a14:hiddenLine xmlns:a14="http://schemas.microsoft.com/office/drawing/2010/main" xmlns="" w="9525">
                   <a:solidFill>
                     <a:srgbClr val="000000"/>
                   </a:solidFill>
@@ -5562,7 +5800,7 @@
             </a:ln>
             <a:extLst>
               <a:ext uri="{91240B29-F687-4f45-9708-019B960494DF}">
-                <a14:hiddenLine xmlns="" xmlns:a14="http://schemas.microsoft.com/office/drawing/2010/main" w="9525">
+                <a14:hiddenLine xmlns:a14="http://schemas.microsoft.com/office/drawing/2010/main" xmlns="" w="9525">
                   <a:solidFill>
                     <a:srgbClr val="000000"/>
                   </a:solidFill>
@@ -5627,7 +5865,7 @@
             </a:ln>
             <a:extLst>
               <a:ext uri="{91240B29-F687-4f45-9708-019B960494DF}">
-                <a14:hiddenLine xmlns="" xmlns:a14="http://schemas.microsoft.com/office/drawing/2010/main" w="9525">
+                <a14:hiddenLine xmlns:a14="http://schemas.microsoft.com/office/drawing/2010/main" xmlns="" w="9525">
                   <a:solidFill>
                     <a:srgbClr val="000000"/>
                   </a:solidFill>
@@ -5689,7 +5927,7 @@
             </a:ln>
             <a:extLst>
               <a:ext uri="{91240B29-F687-4f45-9708-019B960494DF}">
-                <a14:hiddenLine xmlns="" xmlns:a14="http://schemas.microsoft.com/office/drawing/2010/main" w="9525">
+                <a14:hiddenLine xmlns:a14="http://schemas.microsoft.com/office/drawing/2010/main" xmlns="" w="9525">
                   <a:solidFill>
                     <a:srgbClr val="000000"/>
                   </a:solidFill>
@@ -5779,7 +6017,7 @@
             </a:ln>
             <a:extLst>
               <a:ext uri="{91240B29-F687-4f45-9708-019B960494DF}">
-                <a14:hiddenLine xmlns="" xmlns:a14="http://schemas.microsoft.com/office/drawing/2010/main" w="9525">
+                <a14:hiddenLine xmlns:a14="http://schemas.microsoft.com/office/drawing/2010/main" xmlns="" w="9525">
                   <a:solidFill>
                     <a:srgbClr val="000000"/>
                   </a:solidFill>
@@ -5869,7 +6107,7 @@
             </a:ln>
             <a:extLst>
               <a:ext uri="{91240B29-F687-4f45-9708-019B960494DF}">
-                <a14:hiddenLine xmlns="" xmlns:a14="http://schemas.microsoft.com/office/drawing/2010/main" w="9525">
+                <a14:hiddenLine xmlns:a14="http://schemas.microsoft.com/office/drawing/2010/main" xmlns="" w="9525">
                   <a:solidFill>
                     <a:srgbClr val="000000"/>
                   </a:solidFill>
@@ -5931,7 +6169,7 @@
             </a:ln>
             <a:extLst>
               <a:ext uri="{91240B29-F687-4f45-9708-019B960494DF}">
-                <a14:hiddenLine xmlns="" xmlns:a14="http://schemas.microsoft.com/office/drawing/2010/main" w="9525">
+                <a14:hiddenLine xmlns:a14="http://schemas.microsoft.com/office/drawing/2010/main" xmlns="" w="9525">
                   <a:solidFill>
                     <a:srgbClr val="000000"/>
                   </a:solidFill>
@@ -6051,7 +6289,7 @@
             </a:ln>
             <a:extLst>
               <a:ext uri="{91240B29-F687-4f45-9708-019B960494DF}">
-                <a14:hiddenLine xmlns="" xmlns:a14="http://schemas.microsoft.com/office/drawing/2010/main" w="9525">
+                <a14:hiddenLine xmlns:a14="http://schemas.microsoft.com/office/drawing/2010/main" xmlns="" w="9525">
                   <a:solidFill>
                     <a:srgbClr val="000000"/>
                   </a:solidFill>
@@ -6119,7 +6357,7 @@
             </a:ln>
             <a:extLst>
               <a:ext uri="{91240B29-F687-4f45-9708-019B960494DF}">
-                <a14:hiddenLine xmlns="" xmlns:a14="http://schemas.microsoft.com/office/drawing/2010/main" w="9525">
+                <a14:hiddenLine xmlns:a14="http://schemas.microsoft.com/office/drawing/2010/main" xmlns="" w="9525">
                   <a:solidFill>
                     <a:srgbClr val="000000"/>
                   </a:solidFill>
@@ -6209,7 +6447,7 @@
             </a:ln>
             <a:extLst>
               <a:ext uri="{91240B29-F687-4f45-9708-019B960494DF}">
-                <a14:hiddenLine xmlns="" xmlns:a14="http://schemas.microsoft.com/office/drawing/2010/main" w="9525">
+                <a14:hiddenLine xmlns:a14="http://schemas.microsoft.com/office/drawing/2010/main" xmlns="" w="9525">
                   <a:solidFill>
                     <a:srgbClr val="000000"/>
                   </a:solidFill>
@@ -6349,7 +6587,7 @@
           <a:p>
             <a:fld id="{48A87A34-81AB-432B-8DAE-1953F412C126}" type="datetimeFigureOut">
               <a:rPr lang="en-US" dirty="0"/>
-              <a:t>3/30/2021</a:t>
+              <a:t>3/31/2021</a:t>
             </a:fld>
             <a:endParaRPr lang="en-US" dirty="0"/>
           </a:p>
@@ -6611,7 +6849,7 @@
           <a:p>
             <a:fld id="{48A87A34-81AB-432B-8DAE-1953F412C126}" type="datetimeFigureOut">
               <a:rPr lang="en-US" dirty="0"/>
-              <a:t>3/30/2021</a:t>
+              <a:t>3/31/2021</a:t>
             </a:fld>
             <a:endParaRPr lang="en-US" dirty="0"/>
           </a:p>
@@ -6802,7 +7040,7 @@
           <a:p>
             <a:fld id="{48A87A34-81AB-432B-8DAE-1953F412C126}" type="datetimeFigureOut">
               <a:rPr lang="en-US" dirty="0"/>
-              <a:t>3/30/2021</a:t>
+              <a:t>3/31/2021</a:t>
             </a:fld>
             <a:endParaRPr lang="en-US" dirty="0"/>
           </a:p>
@@ -7060,7 +7298,7 @@
           <a:p>
             <a:fld id="{48A87A34-81AB-432B-8DAE-1953F412C126}" type="datetimeFigureOut">
               <a:rPr lang="en-US" dirty="0"/>
-              <a:t>3/30/2021</a:t>
+              <a:t>3/31/2021</a:t>
             </a:fld>
             <a:endParaRPr lang="en-US" dirty="0"/>
           </a:p>
@@ -7489,7 +7727,7 @@
           <a:p>
             <a:fld id="{48A87A34-81AB-432B-8DAE-1953F412C126}" type="datetimeFigureOut">
               <a:rPr lang="en-US" dirty="0"/>
-              <a:t>3/30/2021</a:t>
+              <a:t>3/31/2021</a:t>
             </a:fld>
             <a:endParaRPr lang="en-US" dirty="0"/>
           </a:p>
@@ -8030,7 +8268,7 @@
           <a:p>
             <a:fld id="{48A87A34-81AB-432B-8DAE-1953F412C126}" type="datetimeFigureOut">
               <a:rPr lang="en-US" dirty="0"/>
-              <a:t>3/30/2021</a:t>
+              <a:t>3/31/2021</a:t>
             </a:fld>
             <a:endParaRPr lang="en-US" dirty="0"/>
           </a:p>
@@ -8745,7 +8983,7 @@
           <a:p>
             <a:fld id="{48A87A34-81AB-432B-8DAE-1953F412C126}" type="datetimeFigureOut">
               <a:rPr lang="en-US" dirty="0"/>
-              <a:t>3/30/2021</a:t>
+              <a:t>3/31/2021</a:t>
             </a:fld>
             <a:endParaRPr lang="en-US" dirty="0"/>
           </a:p>
@@ -8910,7 +9148,7 @@
           <a:p>
             <a:fld id="{48A87A34-81AB-432B-8DAE-1953F412C126}" type="datetimeFigureOut">
               <a:rPr lang="en-US" dirty="0"/>
-              <a:t>3/30/2021</a:t>
+              <a:t>3/31/2021</a:t>
             </a:fld>
             <a:endParaRPr lang="en-US" dirty="0"/>
           </a:p>
@@ -9085,7 +9323,7 @@
           <a:p>
             <a:fld id="{48A87A34-81AB-432B-8DAE-1953F412C126}" type="datetimeFigureOut">
               <a:rPr lang="en-US" dirty="0"/>
-              <a:t>3/30/2021</a:t>
+              <a:t>3/31/2021</a:t>
             </a:fld>
             <a:endParaRPr lang="en-US" dirty="0"/>
           </a:p>
@@ -9250,7 +9488,7 @@
           <a:p>
             <a:fld id="{48A87A34-81AB-432B-8DAE-1953F412C126}" type="datetimeFigureOut">
               <a:rPr lang="en-US" dirty="0"/>
-              <a:t>3/30/2021</a:t>
+              <a:t>3/31/2021</a:t>
             </a:fld>
             <a:endParaRPr lang="en-US" dirty="0"/>
           </a:p>
@@ -9495,7 +9733,7 @@
           <a:p>
             <a:fld id="{48A87A34-81AB-432B-8DAE-1953F412C126}" type="datetimeFigureOut">
               <a:rPr lang="en-US" dirty="0"/>
-              <a:t>3/30/2021</a:t>
+              <a:t>3/31/2021</a:t>
             </a:fld>
             <a:endParaRPr lang="en-US" dirty="0"/>
           </a:p>
@@ -9722,7 +9960,7 @@
           <a:p>
             <a:fld id="{48A87A34-81AB-432B-8DAE-1953F412C126}" type="datetimeFigureOut">
               <a:rPr lang="en-US" dirty="0"/>
-              <a:t>3/30/2021</a:t>
+              <a:t>3/31/2021</a:t>
             </a:fld>
             <a:endParaRPr lang="en-US" dirty="0"/>
           </a:p>
@@ -10098,7 +10336,7 @@
           <a:p>
             <a:fld id="{48A87A34-81AB-432B-8DAE-1953F412C126}" type="datetimeFigureOut">
               <a:rPr lang="en-US" dirty="0"/>
-              <a:t>3/30/2021</a:t>
+              <a:t>3/31/2021</a:t>
             </a:fld>
             <a:endParaRPr lang="en-US" dirty="0"/>
           </a:p>
@@ -10211,7 +10449,7 @@
           <a:p>
             <a:fld id="{48A87A34-81AB-432B-8DAE-1953F412C126}" type="datetimeFigureOut">
               <a:rPr lang="en-US" dirty="0"/>
-              <a:t>3/30/2021</a:t>
+              <a:t>3/31/2021</a:t>
             </a:fld>
             <a:endParaRPr lang="en-US" dirty="0"/>
           </a:p>
@@ -10301,7 +10539,7 @@
           <a:p>
             <a:fld id="{48A87A34-81AB-432B-8DAE-1953F412C126}" type="datetimeFigureOut">
               <a:rPr lang="en-US" dirty="0"/>
-              <a:t>3/30/2021</a:t>
+              <a:t>3/31/2021</a:t>
             </a:fld>
             <a:endParaRPr lang="en-US" dirty="0"/>
           </a:p>
@@ -10545,7 +10783,7 @@
           <a:p>
             <a:fld id="{48A87A34-81AB-432B-8DAE-1953F412C126}" type="datetimeFigureOut">
               <a:rPr lang="en-US" dirty="0"/>
-              <a:t>3/30/2021</a:t>
+              <a:t>3/31/2021</a:t>
             </a:fld>
             <a:endParaRPr lang="en-US" dirty="0"/>
           </a:p>
@@ -10820,7 +11058,7 @@
           <a:p>
             <a:fld id="{48A87A34-81AB-432B-8DAE-1953F412C126}" type="datetimeFigureOut">
               <a:rPr lang="en-US" dirty="0"/>
-              <a:t>3/30/2021</a:t>
+              <a:t>3/31/2021</a:t>
             </a:fld>
             <a:endParaRPr lang="en-US" dirty="0"/>
           </a:p>
@@ -10931,7 +11169,7 @@
           <a:noFill/>
           <a:extLst>
             <a:ext uri="{909E8E84-426E-40dd-AFC4-6F175D3DCCD1}">
-              <a14:hiddenFill xmlns="" xmlns:a14="http://schemas.microsoft.com/office/drawing/2010/main">
+              <a14:hiddenFill xmlns:a14="http://schemas.microsoft.com/office/drawing/2010/main" xmlns="">
                 <a:solidFill>
                   <a:srgbClr val="FFFFFF"/>
                 </a:solidFill>
@@ -11005,7 +11243,7 @@
               </a:ln>
               <a:extLst>
                 <a:ext uri="{91240B29-F687-4f45-9708-019B960494DF}">
-                  <a14:hiddenLine xmlns="" xmlns:a14="http://schemas.microsoft.com/office/drawing/2010/main" w="9525">
+                  <a14:hiddenLine xmlns:a14="http://schemas.microsoft.com/office/drawing/2010/main" xmlns="" w="9525">
                     <a:solidFill>
                       <a:srgbClr val="000000"/>
                     </a:solidFill>
@@ -11095,7 +11333,7 @@
               </a:ln>
               <a:extLst>
                 <a:ext uri="{91240B29-F687-4f45-9708-019B960494DF}">
-                  <a14:hiddenLine xmlns="" xmlns:a14="http://schemas.microsoft.com/office/drawing/2010/main" w="9525">
+                  <a14:hiddenLine xmlns:a14="http://schemas.microsoft.com/office/drawing/2010/main" xmlns="" w="9525">
                     <a:solidFill>
                       <a:srgbClr val="000000"/>
                     </a:solidFill>
@@ -11185,7 +11423,7 @@
               </a:ln>
               <a:extLst>
                 <a:ext uri="{91240B29-F687-4f45-9708-019B960494DF}">
-                  <a14:hiddenLine xmlns="" xmlns:a14="http://schemas.microsoft.com/office/drawing/2010/main" w="9525">
+                  <a14:hiddenLine xmlns:a14="http://schemas.microsoft.com/office/drawing/2010/main" xmlns="" w="9525">
                     <a:solidFill>
                       <a:srgbClr val="000000"/>
                     </a:solidFill>
@@ -11247,7 +11485,7 @@
               </a:ln>
               <a:extLst>
                 <a:ext uri="{91240B29-F687-4f45-9708-019B960494DF}">
-                  <a14:hiddenLine xmlns="" xmlns:a14="http://schemas.microsoft.com/office/drawing/2010/main" w="9525">
+                  <a14:hiddenLine xmlns:a14="http://schemas.microsoft.com/office/drawing/2010/main" xmlns="" w="9525">
                     <a:solidFill>
                       <a:srgbClr val="000000"/>
                     </a:solidFill>
@@ -11337,7 +11575,7 @@
               </a:ln>
               <a:extLst>
                 <a:ext uri="{91240B29-F687-4f45-9708-019B960494DF}">
-                  <a14:hiddenLine xmlns="" xmlns:a14="http://schemas.microsoft.com/office/drawing/2010/main" w="9525">
+                  <a14:hiddenLine xmlns:a14="http://schemas.microsoft.com/office/drawing/2010/main" xmlns="" w="9525">
                     <a:solidFill>
                       <a:srgbClr val="000000"/>
                     </a:solidFill>
@@ -11399,7 +11637,7 @@
               </a:ln>
               <a:extLst>
                 <a:ext uri="{91240B29-F687-4f45-9708-019B960494DF}">
-                  <a14:hiddenLine xmlns="" xmlns:a14="http://schemas.microsoft.com/office/drawing/2010/main" w="9525">
+                  <a14:hiddenLine xmlns:a14="http://schemas.microsoft.com/office/drawing/2010/main" xmlns="" w="9525">
                     <a:solidFill>
                       <a:srgbClr val="000000"/>
                     </a:solidFill>
@@ -11461,7 +11699,7 @@
               </a:ln>
               <a:extLst>
                 <a:ext uri="{91240B29-F687-4f45-9708-019B960494DF}">
-                  <a14:hiddenLine xmlns="" xmlns:a14="http://schemas.microsoft.com/office/drawing/2010/main" w="9525">
+                  <a14:hiddenLine xmlns:a14="http://schemas.microsoft.com/office/drawing/2010/main" xmlns="" w="9525">
                     <a:solidFill>
                       <a:srgbClr val="000000"/>
                     </a:solidFill>
@@ -11551,7 +11789,7 @@
               </a:ln>
               <a:extLst>
                 <a:ext uri="{91240B29-F687-4f45-9708-019B960494DF}">
-                  <a14:hiddenLine xmlns="" xmlns:a14="http://schemas.microsoft.com/office/drawing/2010/main" w="9525">
+                  <a14:hiddenLine xmlns:a14="http://schemas.microsoft.com/office/drawing/2010/main" xmlns="" w="9525">
                     <a:solidFill>
                       <a:srgbClr val="000000"/>
                     </a:solidFill>
@@ -11641,7 +11879,7 @@
               </a:ln>
               <a:extLst>
                 <a:ext uri="{91240B29-F687-4f45-9708-019B960494DF}">
-                  <a14:hiddenLine xmlns="" xmlns:a14="http://schemas.microsoft.com/office/drawing/2010/main" w="9525">
+                  <a14:hiddenLine xmlns:a14="http://schemas.microsoft.com/office/drawing/2010/main" xmlns="" w="9525">
                     <a:solidFill>
                       <a:srgbClr val="000000"/>
                     </a:solidFill>
@@ -11703,7 +11941,7 @@
               </a:ln>
               <a:extLst>
                 <a:ext uri="{91240B29-F687-4f45-9708-019B960494DF}">
-                  <a14:hiddenLine xmlns="" xmlns:a14="http://schemas.microsoft.com/office/drawing/2010/main" w="9525">
+                  <a14:hiddenLine xmlns:a14="http://schemas.microsoft.com/office/drawing/2010/main" xmlns="" w="9525">
                     <a:solidFill>
                       <a:srgbClr val="000000"/>
                     </a:solidFill>
@@ -11813,7 +12051,7 @@
               </a:ln>
               <a:extLst>
                 <a:ext uri="{91240B29-F687-4f45-9708-019B960494DF}">
-                  <a14:hiddenLine xmlns="" xmlns:a14="http://schemas.microsoft.com/office/drawing/2010/main" w="9525">
+                  <a14:hiddenLine xmlns:a14="http://schemas.microsoft.com/office/drawing/2010/main" xmlns="" w="9525">
                     <a:solidFill>
                       <a:srgbClr val="000000"/>
                     </a:solidFill>
@@ -11897,7 +12135,7 @@
               </a:ln>
               <a:extLst>
                 <a:ext uri="{91240B29-F687-4f45-9708-019B960494DF}">
-                  <a14:hiddenLine xmlns="" xmlns:a14="http://schemas.microsoft.com/office/drawing/2010/main" w="9525">
+                  <a14:hiddenLine xmlns:a14="http://schemas.microsoft.com/office/drawing/2010/main" xmlns="" w="9525">
                     <a:solidFill>
                       <a:srgbClr val="000000"/>
                     </a:solidFill>
@@ -11959,7 +12197,7 @@
               </a:ln>
               <a:extLst>
                 <a:ext uri="{91240B29-F687-4f45-9708-019B960494DF}">
-                  <a14:hiddenLine xmlns="" xmlns:a14="http://schemas.microsoft.com/office/drawing/2010/main" w="9525">
+                  <a14:hiddenLine xmlns:a14="http://schemas.microsoft.com/office/drawing/2010/main" xmlns="" w="9525">
                     <a:solidFill>
                       <a:srgbClr val="000000"/>
                     </a:solidFill>
@@ -12021,7 +12259,7 @@
               </a:ln>
               <a:extLst>
                 <a:ext uri="{91240B29-F687-4f45-9708-019B960494DF}">
-                  <a14:hiddenLine xmlns="" xmlns:a14="http://schemas.microsoft.com/office/drawing/2010/main" w="9525">
+                  <a14:hiddenLine xmlns:a14="http://schemas.microsoft.com/office/drawing/2010/main" xmlns="" w="9525">
                     <a:solidFill>
                       <a:srgbClr val="000000"/>
                     </a:solidFill>
@@ -12111,7 +12349,7 @@
               </a:ln>
               <a:extLst>
                 <a:ext uri="{91240B29-F687-4f45-9708-019B960494DF}">
-                  <a14:hiddenLine xmlns="" xmlns:a14="http://schemas.microsoft.com/office/drawing/2010/main" w="9525">
+                  <a14:hiddenLine xmlns:a14="http://schemas.microsoft.com/office/drawing/2010/main" xmlns="" w="9525">
                     <a:solidFill>
                       <a:srgbClr val="000000"/>
                     </a:solidFill>
@@ -12145,7 +12383,7 @@
               </a:ln>
               <a:extLst>
                 <a:ext uri="{91240B29-F687-4f45-9708-019B960494DF}">
-                  <a14:hiddenLine xmlns="" xmlns:a14="http://schemas.microsoft.com/office/drawing/2010/main" w="9525">
+                  <a14:hiddenLine xmlns:a14="http://schemas.microsoft.com/office/drawing/2010/main" xmlns="" w="9525">
                     <a:solidFill>
                       <a:srgbClr val="000000"/>
                     </a:solidFill>
@@ -12210,7 +12448,7 @@
               </a:ln>
               <a:extLst>
                 <a:ext uri="{91240B29-F687-4f45-9708-019B960494DF}">
-                  <a14:hiddenLine xmlns="" xmlns:a14="http://schemas.microsoft.com/office/drawing/2010/main" w="9525">
+                  <a14:hiddenLine xmlns:a14="http://schemas.microsoft.com/office/drawing/2010/main" xmlns="" w="9525">
                     <a:solidFill>
                       <a:srgbClr val="000000"/>
                     </a:solidFill>
@@ -12300,7 +12538,7 @@
               </a:ln>
               <a:extLst>
                 <a:ext uri="{91240B29-F687-4f45-9708-019B960494DF}">
-                  <a14:hiddenLine xmlns="" xmlns:a14="http://schemas.microsoft.com/office/drawing/2010/main" w="9525">
+                  <a14:hiddenLine xmlns:a14="http://schemas.microsoft.com/office/drawing/2010/main" xmlns="" w="9525">
                     <a:solidFill>
                       <a:srgbClr val="000000"/>
                     </a:solidFill>
@@ -12362,7 +12600,7 @@
               </a:ln>
               <a:extLst>
                 <a:ext uri="{91240B29-F687-4f45-9708-019B960494DF}">
-                  <a14:hiddenLine xmlns="" xmlns:a14="http://schemas.microsoft.com/office/drawing/2010/main" w="9525">
+                  <a14:hiddenLine xmlns:a14="http://schemas.microsoft.com/office/drawing/2010/main" xmlns="" w="9525">
                     <a:solidFill>
                       <a:srgbClr val="000000"/>
                     </a:solidFill>
@@ -12452,7 +12690,7 @@
               </a:ln>
               <a:extLst>
                 <a:ext uri="{91240B29-F687-4f45-9708-019B960494DF}">
-                  <a14:hiddenLine xmlns="" xmlns:a14="http://schemas.microsoft.com/office/drawing/2010/main" w="9525">
+                  <a14:hiddenLine xmlns:a14="http://schemas.microsoft.com/office/drawing/2010/main" xmlns="" w="9525">
                     <a:solidFill>
                       <a:srgbClr val="000000"/>
                     </a:solidFill>
@@ -12517,7 +12755,7 @@
               </a:ln>
               <a:extLst>
                 <a:ext uri="{91240B29-F687-4f45-9708-019B960494DF}">
-                  <a14:hiddenLine xmlns="" xmlns:a14="http://schemas.microsoft.com/office/drawing/2010/main" w="9525">
+                  <a14:hiddenLine xmlns:a14="http://schemas.microsoft.com/office/drawing/2010/main" xmlns="" w="9525">
                     <a:solidFill>
                       <a:srgbClr val="000000"/>
                     </a:solidFill>
@@ -12579,7 +12817,7 @@
               </a:ln>
               <a:extLst>
                 <a:ext uri="{91240B29-F687-4f45-9708-019B960494DF}">
-                  <a14:hiddenLine xmlns="" xmlns:a14="http://schemas.microsoft.com/office/drawing/2010/main" w="9525">
+                  <a14:hiddenLine xmlns:a14="http://schemas.microsoft.com/office/drawing/2010/main" xmlns="" w="9525">
                     <a:solidFill>
                       <a:srgbClr val="000000"/>
                     </a:solidFill>
@@ -12669,7 +12907,7 @@
               </a:ln>
               <a:extLst>
                 <a:ext uri="{91240B29-F687-4f45-9708-019B960494DF}">
-                  <a14:hiddenLine xmlns="" xmlns:a14="http://schemas.microsoft.com/office/drawing/2010/main" w="9525">
+                  <a14:hiddenLine xmlns:a14="http://schemas.microsoft.com/office/drawing/2010/main" xmlns="" w="9525">
                     <a:solidFill>
                       <a:srgbClr val="000000"/>
                     </a:solidFill>
@@ -12759,7 +12997,7 @@
               </a:ln>
               <a:extLst>
                 <a:ext uri="{91240B29-F687-4f45-9708-019B960494DF}">
-                  <a14:hiddenLine xmlns="" xmlns:a14="http://schemas.microsoft.com/office/drawing/2010/main" w="9525">
+                  <a14:hiddenLine xmlns:a14="http://schemas.microsoft.com/office/drawing/2010/main" xmlns="" w="9525">
                     <a:solidFill>
                       <a:srgbClr val="000000"/>
                     </a:solidFill>
@@ -12824,7 +13062,7 @@
               </a:ln>
               <a:extLst>
                 <a:ext uri="{91240B29-F687-4f45-9708-019B960494DF}">
-                  <a14:hiddenLine xmlns="" xmlns:a14="http://schemas.microsoft.com/office/drawing/2010/main" w="9525">
+                  <a14:hiddenLine xmlns:a14="http://schemas.microsoft.com/office/drawing/2010/main" xmlns="" w="9525">
                     <a:solidFill>
                       <a:srgbClr val="000000"/>
                     </a:solidFill>
@@ -12944,7 +13182,7 @@
               </a:ln>
               <a:extLst>
                 <a:ext uri="{91240B29-F687-4f45-9708-019B960494DF}">
-                  <a14:hiddenLine xmlns="" xmlns:a14="http://schemas.microsoft.com/office/drawing/2010/main" w="9525">
+                  <a14:hiddenLine xmlns:a14="http://schemas.microsoft.com/office/drawing/2010/main" xmlns="" w="9525">
                     <a:solidFill>
                       <a:srgbClr val="000000"/>
                     </a:solidFill>
@@ -13042,7 +13280,7 @@
               </a:ln>
               <a:extLst>
                 <a:ext uri="{91240B29-F687-4f45-9708-019B960494DF}">
-                  <a14:hiddenLine xmlns="" xmlns:a14="http://schemas.microsoft.com/office/drawing/2010/main" w="9525">
+                  <a14:hiddenLine xmlns:a14="http://schemas.microsoft.com/office/drawing/2010/main" xmlns="" w="9525">
                     <a:solidFill>
                       <a:srgbClr val="000000"/>
                     </a:solidFill>
@@ -13157,7 +13395,7 @@
               </a:ln>
               <a:extLst>
                 <a:ext uri="{91240B29-F687-4f45-9708-019B960494DF}">
-                  <a14:hiddenLine xmlns="" xmlns:a14="http://schemas.microsoft.com/office/drawing/2010/main" w="9525">
+                  <a14:hiddenLine xmlns:a14="http://schemas.microsoft.com/office/drawing/2010/main" xmlns="" w="9525">
                     <a:solidFill>
                       <a:srgbClr val="000000"/>
                     </a:solidFill>
@@ -13247,7 +13485,7 @@
               </a:ln>
               <a:extLst>
                 <a:ext uri="{91240B29-F687-4f45-9708-019B960494DF}">
-                  <a14:hiddenLine xmlns="" xmlns:a14="http://schemas.microsoft.com/office/drawing/2010/main" w="9525">
+                  <a14:hiddenLine xmlns:a14="http://schemas.microsoft.com/office/drawing/2010/main" xmlns="" w="9525">
                     <a:solidFill>
                       <a:srgbClr val="000000"/>
                     </a:solidFill>
@@ -13312,7 +13550,7 @@
               </a:ln>
               <a:extLst>
                 <a:ext uri="{91240B29-F687-4f45-9708-019B960494DF}">
-                  <a14:hiddenLine xmlns="" xmlns:a14="http://schemas.microsoft.com/office/drawing/2010/main" w="9525">
+                  <a14:hiddenLine xmlns:a14="http://schemas.microsoft.com/office/drawing/2010/main" xmlns="" w="9525">
                     <a:solidFill>
                       <a:srgbClr val="000000"/>
                     </a:solidFill>
@@ -13402,7 +13640,7 @@
               </a:ln>
               <a:extLst>
                 <a:ext uri="{91240B29-F687-4f45-9708-019B960494DF}">
-                  <a14:hiddenLine xmlns="" xmlns:a14="http://schemas.microsoft.com/office/drawing/2010/main" w="9525">
+                  <a14:hiddenLine xmlns:a14="http://schemas.microsoft.com/office/drawing/2010/main" xmlns="" w="9525">
                     <a:solidFill>
                       <a:srgbClr val="000000"/>
                     </a:solidFill>
@@ -13470,7 +13708,7 @@
               </a:ln>
               <a:extLst>
                 <a:ext uri="{91240B29-F687-4f45-9708-019B960494DF}">
-                  <a14:hiddenLine xmlns="" xmlns:a14="http://schemas.microsoft.com/office/drawing/2010/main" w="9525">
+                  <a14:hiddenLine xmlns:a14="http://schemas.microsoft.com/office/drawing/2010/main" xmlns="" w="9525">
                     <a:solidFill>
                       <a:srgbClr val="000000"/>
                     </a:solidFill>
@@ -13560,7 +13798,7 @@
               </a:ln>
               <a:extLst>
                 <a:ext uri="{91240B29-F687-4f45-9708-019B960494DF}">
-                  <a14:hiddenLine xmlns="" xmlns:a14="http://schemas.microsoft.com/office/drawing/2010/main" w="9525">
+                  <a14:hiddenLine xmlns:a14="http://schemas.microsoft.com/office/drawing/2010/main" xmlns="" w="9525">
                     <a:solidFill>
                       <a:srgbClr val="000000"/>
                     </a:solidFill>
@@ -13628,7 +13866,7 @@
               </a:ln>
               <a:extLst>
                 <a:ext uri="{91240B29-F687-4f45-9708-019B960494DF}">
-                  <a14:hiddenLine xmlns="" xmlns:a14="http://schemas.microsoft.com/office/drawing/2010/main" w="9525">
+                  <a14:hiddenLine xmlns:a14="http://schemas.microsoft.com/office/drawing/2010/main" xmlns="" w="9525">
                     <a:solidFill>
                       <a:srgbClr val="000000"/>
                     </a:solidFill>
@@ -13718,7 +13956,7 @@
               </a:ln>
               <a:extLst>
                 <a:ext uri="{91240B29-F687-4f45-9708-019B960494DF}">
-                  <a14:hiddenLine xmlns="" xmlns:a14="http://schemas.microsoft.com/office/drawing/2010/main" w="9525">
+                  <a14:hiddenLine xmlns:a14="http://schemas.microsoft.com/office/drawing/2010/main" xmlns="" w="9525">
                     <a:solidFill>
                       <a:srgbClr val="000000"/>
                     </a:solidFill>
@@ -13752,7 +13990,7 @@
               </a:ln>
               <a:extLst>
                 <a:ext uri="{91240B29-F687-4f45-9708-019B960494DF}">
-                  <a14:hiddenLine xmlns="" xmlns:a14="http://schemas.microsoft.com/office/drawing/2010/main" w="9525">
+                  <a14:hiddenLine xmlns:a14="http://schemas.microsoft.com/office/drawing/2010/main" xmlns="" w="9525">
                     <a:solidFill>
                       <a:srgbClr val="000000"/>
                     </a:solidFill>
@@ -13893,7 +14131,7 @@
             <a:fld id="{48A87A34-81AB-432B-8DAE-1953F412C126}" type="datetimeFigureOut">
               <a:rPr lang="en-US" dirty="0"/>
               <a:pPr/>
-              <a:t>3/30/2021</a:t>
+              <a:t>3/31/2021</a:t>
             </a:fld>
             <a:endParaRPr lang="en-US" dirty="0"/>
           </a:p>

--- a/SCALA.pptx
+++ b/SCALA.pptx
@@ -234,7 +234,7 @@
           <a:p>
             <a:fld id="{C5CD1456-AA00-4668-A255-DC6FE20BE111}" type="datetimeFigureOut">
               <a:rPr lang="pl-PL" smtClean="0"/>
-              <a:t>31.03.2021</a:t>
+              <a:t>01.04.2021</a:t>
             </a:fld>
             <a:endParaRPr lang="pl-PL"/>
           </a:p>
@@ -563,16 +563,20 @@
               <a:tabLst/>
               <a:defRPr/>
             </a:pPr>
-            <a:r>
-              <a:rPr lang="pl-PL" dirty="0"/>
-              <a:t>Język programowania Scala udostępnia 3 typy pętli</a:t>
-            </a:r>
             <a:br>
               <a:rPr lang="pl-PL" dirty="0"/>
             </a:br>
             <a:r>
               <a:rPr lang="pl-PL" dirty="0"/>
-              <a:t>pętla </a:t>
+              <a:t>Język programowania Scala udostępnia nam 3 typy pętli, są to tak naprawdę standardowe nie różniące się w innych </a:t>
+            </a:r>
+            <a:r>
+              <a:rPr lang="pl-PL" dirty="0" err="1"/>
+              <a:t>jeżeykach</a:t>
+            </a:r>
+            <a:r>
+              <a:rPr lang="pl-PL" dirty="0"/>
+              <a:t> programowania pętle (głównie </a:t>
             </a:r>
             <a:r>
               <a:rPr lang="pl-PL" dirty="0" err="1"/>
@@ -580,14 +584,22 @@
             </a:r>
             <a:r>
               <a:rPr lang="pl-PL" dirty="0"/>
-              <a:t> Powtarza instrukcję lub grupę instrukcji, gdy dany warunek jest prawdziwy. Testuje warunek przed wykonaniem treści pętli.</a:t>
+              <a:t> i do </a:t>
+            </a:r>
+            <a:r>
+              <a:rPr lang="pl-PL" dirty="0" err="1"/>
+              <a:t>while</a:t>
+            </a:r>
+            <a:r>
+              <a:rPr lang="pl-PL" dirty="0"/>
+              <a:t>), for wygląda troszkę inaczej i można w nim zastosować specjalne operatory co będzie przez nas zaprezentowane. A więc przejdźmy do omówienia.</a:t>
             </a:r>
             <a:br>
               <a:rPr lang="pl-PL" dirty="0"/>
             </a:br>
             <a:r>
               <a:rPr lang="pl-PL" dirty="0"/>
-              <a:t>pętla do-</a:t>
+              <a:t>pętla </a:t>
             </a:r>
             <a:r>
               <a:rPr lang="pl-PL" dirty="0" err="1"/>
@@ -595,7 +607,14 @@
             </a:r>
             <a:r>
               <a:rPr lang="pl-PL" dirty="0"/>
-              <a:t> Podobnie jak instrukcja </a:t>
+              <a:t> Powtarza instrukcję lub grupę instrukcji, gdy dany warunek jest prawdziwy. Testuje warunek przed wykonaniem treści pętli. Czyli może się okazać że taka pętla nie wykona się ani razu.</a:t>
+            </a:r>
+            <a:br>
+              <a:rPr lang="pl-PL" dirty="0"/>
+            </a:br>
+            <a:r>
+              <a:rPr lang="pl-PL" dirty="0"/>
+              <a:t>pętla do-</a:t>
             </a:r>
             <a:r>
               <a:rPr lang="pl-PL" dirty="0" err="1"/>
@@ -603,7 +622,15 @@
             </a:r>
             <a:r>
               <a:rPr lang="pl-PL" dirty="0"/>
-              <a:t>, z tą różnicą, że testuje warunek na końcu treści pętli.</a:t>
+              <a:t> Podobnie jak instrukcja </a:t>
+            </a:r>
+            <a:r>
+              <a:rPr lang="pl-PL" dirty="0" err="1"/>
+              <a:t>while</a:t>
+            </a:r>
+            <a:r>
+              <a:rPr lang="pl-PL" dirty="0"/>
+              <a:t>, tylko z tą różnicą, że testuje warunek na końcu treści pętli. Czyli zawsze, wykona się ona co najmniej raz.</a:t>
             </a:r>
           </a:p>
           <a:p>
@@ -626,14 +653,22 @@
             </a:pPr>
             <a:r>
               <a:rPr lang="pl-PL" dirty="0"/>
-              <a:t>Pętla for Wykonuje sekwencję instrukcji wiele razy</a:t>
+              <a:t>No i na samym końcu, myślę że najczęściej wykorzystywana Pętla for Wykonuje sekwencję instrukcji wiele razy</a:t>
             </a:r>
             <a:br>
               <a:rPr lang="pl-PL" dirty="0"/>
             </a:br>
             <a:r>
               <a:rPr lang="pl-PL" dirty="0"/>
-              <a:t>Jednakże tak jak w Javie mamy </a:t>
+              <a:t>Porównując jeszcze do Javy mamy tam </a:t>
+            </a:r>
+            <a:r>
+              <a:rPr lang="pl-PL" dirty="0" err="1"/>
+              <a:t>iinstrukcję</a:t>
+            </a:r>
+            <a:r>
+              <a:rPr lang="pl-PL" dirty="0"/>
+              <a:t> przerwania </a:t>
             </a:r>
             <a:r>
               <a:rPr lang="pl-PL" dirty="0" err="1"/>
@@ -641,7 +676,7 @@
             </a:r>
             <a:r>
               <a:rPr lang="pl-PL" dirty="0"/>
-              <a:t> i </a:t>
+              <a:t> i kontynuacji </a:t>
             </a:r>
             <a:r>
               <a:rPr lang="pl-PL" dirty="0" err="1"/>
@@ -655,7 +690,58 @@
               <a:rPr lang="pl-PL" dirty="0" err="1"/>
               <a:t>loop.break</a:t>
             </a:r>
-            <a:endParaRPr lang="pl-PL" dirty="0"/>
+            <a:r>
+              <a:rPr lang="pl-PL" dirty="0"/>
+              <a:t> jednakże do tego celu trzeba wcześniej zadeklarować na zewnątrz zmienną </a:t>
+            </a:r>
+            <a:r>
+              <a:rPr lang="pl-PL" dirty="0" err="1"/>
+              <a:t>loop</a:t>
+            </a:r>
+            <a:r>
+              <a:rPr lang="pl-PL" dirty="0"/>
+              <a:t> jako </a:t>
+            </a:r>
+            <a:r>
+              <a:rPr lang="pl-PL" dirty="0" err="1"/>
+              <a:t>new</a:t>
+            </a:r>
+            <a:r>
+              <a:rPr lang="pl-PL" dirty="0"/>
+              <a:t> </a:t>
+            </a:r>
+            <a:r>
+              <a:rPr lang="pl-PL" dirty="0" err="1"/>
+              <a:t>break</a:t>
+            </a:r>
+            <a:r>
+              <a:rPr lang="pl-PL" dirty="0"/>
+              <a:t> i na niej wywołać </a:t>
+            </a:r>
+            <a:r>
+              <a:rPr lang="pl-PL" dirty="0" err="1"/>
+              <a:t>loop.breakable</a:t>
+            </a:r>
+            <a:r>
+              <a:rPr lang="pl-PL" dirty="0"/>
+              <a:t> i dopiero wewnątrz tego wszystkiego w naszej zwykłej pętli for możemy </a:t>
+            </a:r>
+            <a:r>
+              <a:rPr lang="pl-PL" dirty="0" err="1"/>
+              <a:t>użyc</a:t>
+            </a:r>
+            <a:r>
+              <a:rPr lang="pl-PL" dirty="0"/>
+              <a:t> </a:t>
+            </a:r>
+            <a:r>
+              <a:rPr lang="pl-PL" dirty="0" err="1"/>
+              <a:t>break</a:t>
+            </a:r>
+            <a:r>
+              <a:rPr lang="pl-PL" dirty="0"/>
+              <a:t>. Także można powiedzieć dużo zachodu jak na taką prostą instrukcję.</a:t>
+            </a:r>
           </a:p>
         </p:txBody>
       </p:sp>
@@ -947,6 +1033,41 @@
               <a:defRPr/>
             </a:pPr>
             <a:r>
+              <a:rPr lang="pl-PL" dirty="0" err="1"/>
+              <a:t>Range</a:t>
+            </a:r>
+            <a:r>
+              <a:rPr lang="pl-PL" dirty="0"/>
+              <a:t> to tak na prawdę uporządkowana sekwencja liczb całkowitych, które są równo rozmieszczone od siebie. Na przykład „1, 2, 3” to zakres, podobnie jak „5, 8, 11, 14”. Aby utworzyć właśnie taki </a:t>
+            </a:r>
+            <a:r>
+              <a:rPr lang="pl-PL" dirty="0" err="1"/>
+              <a:t>range</a:t>
+            </a:r>
+            <a:r>
+              <a:rPr lang="pl-PL" dirty="0"/>
+              <a:t> w Scali, użyj predefiniowanych metod to i by.</a:t>
+            </a:r>
+            <a:br>
+              <a:rPr lang="pl-PL" dirty="0"/>
+            </a:br>
+            <a:r>
+              <a:rPr lang="pl-PL" dirty="0"/>
+              <a:t>Są też </a:t>
+            </a:r>
+            <a:r>
+              <a:rPr lang="pl-PL" sz="1200" kern="1200" dirty="0">
+                <a:solidFill>
+                  <a:schemeClr val="tx1"/>
+                </a:solidFill>
+                <a:effectLst/>
+                <a:latin typeface="+mn-lt"/>
+                <a:ea typeface="+mn-ea"/>
+                <a:cs typeface="+mn-cs"/>
+              </a:rPr>
+              <a:t>często używane do wypełniania struktur danych i iteracji w pętlach for. Dzięki nim w łatwy i przejrzysty sposób możemy tworzyć takie uporządkowane sekwencje. Jak widzimy na slajdzie mamy też możliwość stworzenia takiego uporządkowanego </a:t>
+            </a:r>
+            <a:r>
               <a:rPr lang="pl-PL" sz="1200" kern="1200" dirty="0" err="1">
                 <a:solidFill>
                   <a:schemeClr val="tx1"/>
@@ -956,7 +1077,7 @@
                 <a:ea typeface="+mn-ea"/>
                 <a:cs typeface="+mn-cs"/>
               </a:rPr>
-              <a:t>Ranges</a:t>
+              <a:t>range</a:t>
             </a:r>
             <a:r>
               <a:rPr lang="pl-PL" sz="1200" kern="1200" dirty="0">
@@ -968,11 +1089,85 @@
                 <a:ea typeface="+mn-ea"/>
                 <a:cs typeface="+mn-cs"/>
               </a:rPr>
-              <a:t> są często używane do wypełniania struktur danych i iteracji w pętlach for. Zakresy zapewniają dużą moc za pomocą zaledwie kilku metod, jak pokazano w poniższych przykładach</a:t>
-            </a:r>
-          </a:p>
-          <a:p>
-            <a:endParaRPr lang="pl-PL" dirty="0"/>
+              <a:t> z charami.</a:t>
+            </a:r>
+            <a:br>
+              <a:rPr lang="pl-PL" sz="1200" kern="1200" dirty="0">
+                <a:solidFill>
+                  <a:schemeClr val="tx1"/>
+                </a:solidFill>
+                <a:effectLst/>
+                <a:latin typeface="+mn-lt"/>
+                <a:ea typeface="+mn-ea"/>
+                <a:cs typeface="+mn-cs"/>
+              </a:rPr>
+            </a:br>
+            <a:r>
+              <a:rPr lang="pl-PL" sz="1200" kern="1200" dirty="0">
+                <a:solidFill>
+                  <a:schemeClr val="tx1"/>
+                </a:solidFill>
+                <a:effectLst/>
+                <a:latin typeface="+mn-lt"/>
+                <a:ea typeface="+mn-ea"/>
+                <a:cs typeface="+mn-cs"/>
+              </a:rPr>
+              <a:t>No i też od razu po prawej stronie na slajdzie zaprezentowaliśmy te metody wykorzystane w pętlach </a:t>
+            </a:r>
+            <a:br>
+              <a:rPr lang="pl-PL" sz="1200" kern="1200" dirty="0">
+                <a:solidFill>
+                  <a:schemeClr val="tx1"/>
+                </a:solidFill>
+                <a:effectLst/>
+                <a:latin typeface="+mn-lt"/>
+                <a:ea typeface="+mn-ea"/>
+                <a:cs typeface="+mn-cs"/>
+              </a:rPr>
+            </a:br>
+            <a:r>
+              <a:rPr lang="pl-PL" sz="1200" kern="1200" dirty="0">
+                <a:solidFill>
+                  <a:schemeClr val="tx1"/>
+                </a:solidFill>
+                <a:effectLst/>
+                <a:latin typeface="+mn-lt"/>
+                <a:ea typeface="+mn-ea"/>
+                <a:cs typeface="+mn-cs"/>
+              </a:rPr>
+              <a:t>YIELD</a:t>
+            </a:r>
+            <a:br>
+              <a:rPr lang="pl-PL" sz="1200" kern="1200" dirty="0">
+                <a:solidFill>
+                  <a:schemeClr val="tx1"/>
+                </a:solidFill>
+                <a:effectLst/>
+                <a:latin typeface="+mn-lt"/>
+                <a:ea typeface="+mn-ea"/>
+                <a:cs typeface="+mn-cs"/>
+              </a:rPr>
+            </a:br>
+            <a:r>
+              <a:rPr lang="pl-PL" dirty="0"/>
+              <a:t>Dla każdej iteracji pętli for, </a:t>
+            </a:r>
+            <a:r>
+              <a:rPr lang="pl-PL" dirty="0" err="1"/>
+              <a:t>yield</a:t>
+            </a:r>
+            <a:r>
+              <a:rPr lang="pl-PL" dirty="0"/>
+              <a:t> generuje wartość, która zostanie zapamiętana. To tak, jakby pętla for ma bufor, którego nie widać, i dla każdej iteracji pętli for dodawany jest do tego bufora kolejny element. Gdy pętla for zakończy działanie, zwróci ten zbiór wszystkich uzyskanych wartości. Typ kolekcji, która jest zwracana, jest tym samym typem, nad którym była wykonywana iteracja, więc mapa zawiera mapę, lista - listę i tak dalej. Zwróć również uwagę, że początkowa kolekcja nie ulega zmianie; konstrukcja for / </a:t>
+            </a:r>
+            <a:r>
+              <a:rPr lang="pl-PL" dirty="0" err="1"/>
+              <a:t>yield</a:t>
+            </a:r>
+            <a:r>
+              <a:rPr lang="pl-PL" dirty="0"/>
+              <a:t> tworzy nową kolekcję zgodnie z określonym algorytmem.</a:t>
+            </a:r>
           </a:p>
         </p:txBody>
       </p:sp>
@@ -1058,7 +1253,7 @@
           <a:p>
             <a:r>
               <a:rPr lang="pl-PL" dirty="0"/>
-              <a:t>W celu iteracji kolekcji elementów i </a:t>
+              <a:t>W celu iteracji kolekcji elementów i chociażby </a:t>
             </a:r>
             <a:r>
               <a:rPr lang="pl-PL" dirty="0" err="1"/>
@@ -1074,31 +1269,7 @@
             </a:r>
             <a:r>
               <a:rPr lang="pl-PL" dirty="0"/>
-              <a:t>, która jest dostępna dla klas kolekcji Scala. Na przykład, w ten sposób można użyć </a:t>
-            </a:r>
-            <a:r>
-              <a:rPr lang="pl-PL" dirty="0" err="1"/>
-              <a:t>foreach</a:t>
-            </a:r>
-            <a:r>
-              <a:rPr lang="pl-PL" dirty="0"/>
-              <a:t> do </a:t>
-            </a:r>
-            <a:r>
-              <a:rPr lang="pl-PL" dirty="0" err="1"/>
-              <a:t>wyprintowania</a:t>
-            </a:r>
-            <a:r>
-              <a:rPr lang="pl-PL" dirty="0"/>
-              <a:t> listy </a:t>
-            </a:r>
-            <a:r>
-              <a:rPr lang="pl-PL" dirty="0" err="1"/>
-              <a:t>intów</a:t>
-            </a:r>
-            <a:r>
-              <a:rPr lang="pl-PL" dirty="0"/>
-              <a:t>:</a:t>
+              <a:t>, która jest dostępna dla klas kolekcji Scala. Czyli generalnie mamy możliwość przechodzenia po kolejnych elementach i wykonywania na nich pewnych operacji. Tak jak prawie w każdym znanym nam języku programowania.</a:t>
             </a:r>
           </a:p>
         </p:txBody>
@@ -1184,6 +1355,151 @@
           <a:lstStyle/>
           <a:p>
             <a:r>
+              <a:rPr lang="pl-PL" dirty="0" err="1"/>
+              <a:t>Array</a:t>
+            </a:r>
+            <a:r>
+              <a:rPr lang="pl-PL" dirty="0"/>
+              <a:t> to szczególny rodzaj kolekcji w Scali. Z jednej strony tablice Scala odpowiadają tablicom w języku Java. Oznacza to, że tablica Scala </a:t>
+            </a:r>
+            <a:r>
+              <a:rPr lang="pl-PL" dirty="0" err="1"/>
+              <a:t>Array</a:t>
+            </a:r>
+            <a:r>
+              <a:rPr lang="pl-PL" dirty="0"/>
+              <a:t> [</a:t>
+            </a:r>
+            <a:r>
+              <a:rPr lang="pl-PL" dirty="0" err="1"/>
+              <a:t>Int</a:t>
+            </a:r>
+            <a:r>
+              <a:rPr lang="pl-PL" dirty="0"/>
+              <a:t>] jest reprezentowana jako Java </a:t>
+            </a:r>
+            <a:r>
+              <a:rPr lang="pl-PL" dirty="0" err="1"/>
+              <a:t>int</a:t>
+            </a:r>
+            <a:r>
+              <a:rPr lang="pl-PL" dirty="0"/>
+              <a:t> [], </a:t>
+            </a:r>
+            <a:r>
+              <a:rPr lang="pl-PL" dirty="0" err="1"/>
+              <a:t>Array</a:t>
+            </a:r>
+            <a:r>
+              <a:rPr lang="pl-PL" dirty="0"/>
+              <a:t> [</a:t>
+            </a:r>
+            <a:r>
+              <a:rPr lang="pl-PL" dirty="0" err="1"/>
+              <a:t>Double</a:t>
+            </a:r>
+            <a:r>
+              <a:rPr lang="pl-PL" dirty="0"/>
+              <a:t>] jest reprezentowana jako Java </a:t>
+            </a:r>
+            <a:r>
+              <a:rPr lang="pl-PL" dirty="0" err="1"/>
+              <a:t>double</a:t>
+            </a:r>
+            <a:r>
+              <a:rPr lang="pl-PL" dirty="0"/>
+              <a:t> [], a </a:t>
+            </a:r>
+            <a:r>
+              <a:rPr lang="pl-PL" dirty="0" err="1"/>
+              <a:t>Array</a:t>
+            </a:r>
+            <a:r>
+              <a:rPr lang="pl-PL" dirty="0"/>
+              <a:t> [String] jest reprezentowana jako Java String []. Ale jednocześnie tablice Scala oferują znacznie więcej niż ich odpowiedniki w Javie. Po pierwsze, tablice Scala mogą być ogólne. Oznacza to, że możesz mieć </a:t>
+            </a:r>
+            <a:r>
+              <a:rPr lang="pl-PL" dirty="0" err="1"/>
+              <a:t>Array</a:t>
+            </a:r>
+            <a:r>
+              <a:rPr lang="pl-PL" dirty="0"/>
+              <a:t> [T], gdzie T jest parametrem typu lub typem abstrakcyjnym. Po drugie, tablice Scala są kompatybilne z sekwencjami Scala - możesz przekazać </a:t>
+            </a:r>
+            <a:r>
+              <a:rPr lang="pl-PL" dirty="0" err="1"/>
+              <a:t>Array</a:t>
+            </a:r>
+            <a:r>
+              <a:rPr lang="pl-PL" dirty="0"/>
+              <a:t> [T], gdzie wymagane jest </a:t>
+            </a:r>
+            <a:r>
+              <a:rPr lang="pl-PL" dirty="0" err="1"/>
+              <a:t>Seq</a:t>
+            </a:r>
+            <a:r>
+              <a:rPr lang="pl-PL" dirty="0"/>
+              <a:t> [T]. Wreszcie tablice Scala obsługują również wszystkie operacje sekwencyjne takie jak map </a:t>
+            </a:r>
+            <a:r>
+              <a:rPr lang="pl-PL" dirty="0" err="1"/>
+              <a:t>filter</a:t>
+            </a:r>
+            <a:r>
+              <a:rPr lang="pl-PL" dirty="0"/>
+              <a:t> </a:t>
+            </a:r>
+            <a:r>
+              <a:rPr lang="pl-PL" dirty="0" err="1"/>
+              <a:t>reverse</a:t>
+            </a:r>
+            <a:br>
+              <a:rPr lang="pl-PL" dirty="0"/>
+            </a:br>
+            <a:r>
+              <a:rPr lang="pl-PL" dirty="0"/>
+              <a:t>Biorąc pod uwagę, że tablice Scala są reprezentowane tak samo jak tablice Java, w jaki sposób te dodatkowe funkcje mogą być obsługiwane w Scali? W rzeczywistości odpowiedź na to pytanie różni się między Scala 2.8 i wcześniejszymi wersjami. Wcześniej kompilator Scala w pewien sposób „magicznie” pakował i rozpakowywał tablice do obiektów </a:t>
+            </a:r>
+            <a:r>
+              <a:rPr lang="pl-PL" dirty="0" err="1"/>
+              <a:t>Seq</a:t>
+            </a:r>
+            <a:r>
+              <a:rPr lang="pl-PL" dirty="0"/>
+              <a:t>. Implementacja tablicy Scala 2.8 systematycznie wykorzystuje niejawne konwersje. tablica nie udaje sekwencji. Tak naprawdę nie jest ponieważ nie jest podtypem </a:t>
+            </a:r>
+            <a:r>
+              <a:rPr lang="pl-PL" dirty="0" err="1"/>
+              <a:t>Seq</a:t>
+            </a:r>
+            <a:r>
+              <a:rPr lang="pl-PL" dirty="0"/>
+              <a:t>. Zamiast tego istnieje niejawna konwersja „zawijania” między tablicami i instancjami klasy </a:t>
+            </a:r>
+            <a:r>
+              <a:rPr lang="pl-PL" dirty="0" err="1"/>
+              <a:t>scala.collection.mutable.WrappedArray</a:t>
+            </a:r>
+            <a:r>
+              <a:rPr lang="pl-PL" dirty="0"/>
+              <a:t>, która jest podklasą klasy </a:t>
+            </a:r>
+            <a:r>
+              <a:rPr lang="pl-PL" dirty="0" err="1"/>
+              <a:t>Seq</a:t>
+            </a:r>
+            <a:r>
+              <a:rPr lang="pl-PL" dirty="0"/>
+              <a:t>. </a:t>
+            </a:r>
+            <a:br>
+              <a:rPr lang="pl-PL" dirty="0"/>
+            </a:br>
+            <a:br>
+              <a:rPr lang="pl-PL" dirty="0"/>
+            </a:br>
+            <a:r>
               <a:rPr lang="pl-PL" dirty="0"/>
               <a:t>Scala zapewnia strukturę danych, tablicę, która przechowuje sekwencyjną kolekcję elementów tego samego typu o stałym rozmiarze. Zamiast deklarować pojedyncze zmienne, takie jak liczba0, liczba1, ... i liczba99, deklarujesz jedną zmienną tablicową, taką jak liczby, i używasz liczb [0], liczb [1] i ..., liczb [99]</a:t>
             </a:r>
@@ -1342,15 +1658,7 @@
             </a:r>
             <a:r>
               <a:rPr lang="pl-PL" dirty="0"/>
-              <a:t> kolekcja klas </a:t>
-            </a:r>
-            <a:r>
-              <a:rPr lang="pl-PL" dirty="0" err="1"/>
-              <a:t>Iterable</a:t>
-            </a:r>
-            <a:r>
-              <a:rPr lang="pl-PL" dirty="0"/>
-              <a:t>. Służy do reprezentowania indeksowanych sekwencji, które mają określoną kolejność elementów, tj. Gwarantowaną niezmienność. Dostęp do elementów sekwencji można uzyskać za pomocą ich indeksów. Indeksy mieszczą się w zakresie od 0 do (n - 1) Gdzie, n = długość ciągu. Aby znaleźć </a:t>
+              <a:t> kolekcja. Służy do reprezentowania indeksowanych sekwencji, które mają określoną kolejność elementów, tj. Gwarantowaną niezmienność. Dostęp do elementów sekwencji można uzyskać za pomocą ich indeksów. Indeksy mieszczą się w zakresie od 0 do (n - 1) Gdzie, n = długość ciągu. Aby znaleźć </a:t>
             </a:r>
             <a:r>
               <a:rPr lang="pl-PL" dirty="0" err="1"/>
@@ -1414,7 +1722,15 @@
             </a:r>
             <a:r>
               <a:rPr lang="pl-PL" dirty="0"/>
-              <a:t>. Istnieją dwie główne cechy podrzędne </a:t>
+              <a:t>. I wiele więcej ale oczywiście można to wszystko doczytać sobie na spokojnie w oficjalnej </a:t>
+            </a:r>
+            <a:r>
+              <a:rPr lang="pl-PL" dirty="0" err="1"/>
+              <a:t>dukumentacji</a:t>
+            </a:r>
+            <a:r>
+              <a:rPr lang="pl-PL" dirty="0"/>
+              <a:t> Scali. Istnieją dwa rodzaje </a:t>
             </a:r>
             <a:r>
               <a:rPr lang="pl-PL" dirty="0" err="1"/>
@@ -1471,6 +1787,37 @@
             <a:r>
               <a:rPr lang="pl-PL" dirty="0"/>
               <a:t>.</a:t>
+            </a:r>
+            <a:br>
+              <a:rPr lang="pl-PL" dirty="0"/>
+            </a:br>
+            <a:r>
+              <a:rPr lang="pl-PL" dirty="0"/>
+              <a:t>No i myślę że </a:t>
+            </a:r>
+            <a:r>
+              <a:rPr lang="pl-PL" dirty="0" err="1"/>
+              <a:t>wartm</a:t>
+            </a:r>
+            <a:r>
+              <a:rPr lang="pl-PL" dirty="0"/>
+              <a:t> dodania jest tutaj fakt że jest to kolekcja </a:t>
+            </a:r>
+            <a:r>
+              <a:rPr lang="pl-PL" dirty="0" err="1"/>
+              <a:t>immutable</a:t>
+            </a:r>
+            <a:r>
+              <a:rPr lang="pl-PL" dirty="0"/>
+              <a:t> czyli nie tak jak w przypadku listy nie możemy sobie </a:t>
+            </a:r>
+            <a:r>
+              <a:rPr lang="pl-PL" dirty="0" err="1"/>
+              <a:t>przypisac</a:t>
+            </a:r>
+            <a:r>
+              <a:rPr lang="pl-PL" dirty="0"/>
+              <a:t> do konkretnego indeksu wartości, ale oczywiście jest możliwość dodania nowych elementów ale już nie będziemy operować na tej samej sekwencji.</a:t>
             </a:r>
           </a:p>
           <a:p>
@@ -2361,7 +2708,7 @@
           <a:noFill/>
           <a:extLst>
             <a:ext uri="{909E8E84-426E-40dd-AFC4-6F175D3DCCD1}">
-              <a14:hiddenFill xmlns:a14="http://schemas.microsoft.com/office/drawing/2010/main" xmlns="">
+              <a14:hiddenFill xmlns="" xmlns:a14="http://schemas.microsoft.com/office/drawing/2010/main">
                 <a:solidFill>
                   <a:srgbClr val="FFFFFF"/>
                 </a:solidFill>
@@ -2421,7 +2768,7 @@
             </a:ln>
             <a:extLst>
               <a:ext uri="{91240B29-F687-4f45-9708-019B960494DF}">
-                <a14:hiddenLine xmlns:a14="http://schemas.microsoft.com/office/drawing/2010/main" xmlns="" w="9525">
+                <a14:hiddenLine xmlns="" xmlns:a14="http://schemas.microsoft.com/office/drawing/2010/main" w="9525">
                   <a:solidFill>
                     <a:srgbClr val="000000"/>
                   </a:solidFill>
@@ -2511,7 +2858,7 @@
             </a:ln>
             <a:extLst>
               <a:ext uri="{91240B29-F687-4f45-9708-019B960494DF}">
-                <a14:hiddenLine xmlns:a14="http://schemas.microsoft.com/office/drawing/2010/main" xmlns="" w="9525">
+                <a14:hiddenLine xmlns="" xmlns:a14="http://schemas.microsoft.com/office/drawing/2010/main" w="9525">
                   <a:solidFill>
                     <a:srgbClr val="000000"/>
                   </a:solidFill>
@@ -2601,7 +2948,7 @@
             </a:ln>
             <a:extLst>
               <a:ext uri="{91240B29-F687-4f45-9708-019B960494DF}">
-                <a14:hiddenLine xmlns:a14="http://schemas.microsoft.com/office/drawing/2010/main" xmlns="" w="9525">
+                <a14:hiddenLine xmlns="" xmlns:a14="http://schemas.microsoft.com/office/drawing/2010/main" w="9525">
                   <a:solidFill>
                     <a:srgbClr val="000000"/>
                   </a:solidFill>
@@ -2635,7 +2982,7 @@
             </a:ln>
             <a:extLst>
               <a:ext uri="{91240B29-F687-4f45-9708-019B960494DF}">
-                <a14:hiddenLine xmlns:a14="http://schemas.microsoft.com/office/drawing/2010/main" xmlns="" w="9525">
+                <a14:hiddenLine xmlns="" xmlns:a14="http://schemas.microsoft.com/office/drawing/2010/main" w="9525">
                   <a:solidFill>
                     <a:srgbClr val="000000"/>
                   </a:solidFill>
@@ -2725,7 +3072,7 @@
             </a:ln>
             <a:extLst>
               <a:ext uri="{91240B29-F687-4f45-9708-019B960494DF}">
-                <a14:hiddenLine xmlns:a14="http://schemas.microsoft.com/office/drawing/2010/main" xmlns="" w="9525">
+                <a14:hiddenLine xmlns="" xmlns:a14="http://schemas.microsoft.com/office/drawing/2010/main" w="9525">
                   <a:solidFill>
                     <a:srgbClr val="000000"/>
                   </a:solidFill>
@@ -2787,7 +3134,7 @@
             </a:ln>
             <a:extLst>
               <a:ext uri="{91240B29-F687-4f45-9708-019B960494DF}">
-                <a14:hiddenLine xmlns:a14="http://schemas.microsoft.com/office/drawing/2010/main" xmlns="" w="9525">
+                <a14:hiddenLine xmlns="" xmlns:a14="http://schemas.microsoft.com/office/drawing/2010/main" w="9525">
                   <a:solidFill>
                     <a:srgbClr val="000000"/>
                   </a:solidFill>
@@ -2849,7 +3196,7 @@
             </a:ln>
             <a:extLst>
               <a:ext uri="{91240B29-F687-4f45-9708-019B960494DF}">
-                <a14:hiddenLine xmlns:a14="http://schemas.microsoft.com/office/drawing/2010/main" xmlns="" w="9525">
+                <a14:hiddenLine xmlns="" xmlns:a14="http://schemas.microsoft.com/office/drawing/2010/main" w="9525">
                   <a:solidFill>
                     <a:srgbClr val="000000"/>
                   </a:solidFill>
@@ -2939,7 +3286,7 @@
             </a:ln>
             <a:extLst>
               <a:ext uri="{91240B29-F687-4f45-9708-019B960494DF}">
-                <a14:hiddenLine xmlns:a14="http://schemas.microsoft.com/office/drawing/2010/main" xmlns="" w="9525">
+                <a14:hiddenLine xmlns="" xmlns:a14="http://schemas.microsoft.com/office/drawing/2010/main" w="9525">
                   <a:solidFill>
                     <a:srgbClr val="000000"/>
                   </a:solidFill>
@@ -3001,7 +3348,7 @@
             </a:ln>
             <a:extLst>
               <a:ext uri="{91240B29-F687-4f45-9708-019B960494DF}">
-                <a14:hiddenLine xmlns:a14="http://schemas.microsoft.com/office/drawing/2010/main" xmlns="" w="9525">
+                <a14:hiddenLine xmlns="" xmlns:a14="http://schemas.microsoft.com/office/drawing/2010/main" w="9525">
                   <a:solidFill>
                     <a:srgbClr val="000000"/>
                   </a:solidFill>
@@ -3063,7 +3410,7 @@
             </a:ln>
             <a:extLst>
               <a:ext uri="{91240B29-F687-4f45-9708-019B960494DF}">
-                <a14:hiddenLine xmlns:a14="http://schemas.microsoft.com/office/drawing/2010/main" xmlns="" w="9525">
+                <a14:hiddenLine xmlns="" xmlns:a14="http://schemas.microsoft.com/office/drawing/2010/main" w="9525">
                   <a:solidFill>
                     <a:srgbClr val="000000"/>
                   </a:solidFill>
@@ -3153,7 +3500,7 @@
             </a:ln>
             <a:extLst>
               <a:ext uri="{91240B29-F687-4f45-9708-019B960494DF}">
-                <a14:hiddenLine xmlns:a14="http://schemas.microsoft.com/office/drawing/2010/main" xmlns="" w="9525">
+                <a14:hiddenLine xmlns="" xmlns:a14="http://schemas.microsoft.com/office/drawing/2010/main" w="9525">
                   <a:solidFill>
                     <a:srgbClr val="000000"/>
                   </a:solidFill>
@@ -3243,7 +3590,7 @@
             </a:ln>
             <a:extLst>
               <a:ext uri="{91240B29-F687-4f45-9708-019B960494DF}">
-                <a14:hiddenLine xmlns:a14="http://schemas.microsoft.com/office/drawing/2010/main" xmlns="" w="9525">
+                <a14:hiddenLine xmlns="" xmlns:a14="http://schemas.microsoft.com/office/drawing/2010/main" w="9525">
                   <a:solidFill>
                     <a:srgbClr val="000000"/>
                   </a:solidFill>
@@ -3305,7 +3652,7 @@
             </a:ln>
             <a:extLst>
               <a:ext uri="{91240B29-F687-4f45-9708-019B960494DF}">
-                <a14:hiddenLine xmlns:a14="http://schemas.microsoft.com/office/drawing/2010/main" xmlns="" w="9525">
+                <a14:hiddenLine xmlns="" xmlns:a14="http://schemas.microsoft.com/office/drawing/2010/main" w="9525">
                   <a:solidFill>
                     <a:srgbClr val="000000"/>
                   </a:solidFill>
@@ -3415,7 +3762,7 @@
             </a:ln>
             <a:extLst>
               <a:ext uri="{91240B29-F687-4f45-9708-019B960494DF}">
-                <a14:hiddenLine xmlns:a14="http://schemas.microsoft.com/office/drawing/2010/main" xmlns="" w="9525">
+                <a14:hiddenLine xmlns="" xmlns:a14="http://schemas.microsoft.com/office/drawing/2010/main" w="9525">
                   <a:solidFill>
                     <a:srgbClr val="000000"/>
                   </a:solidFill>
@@ -3477,7 +3824,7 @@
             </a:ln>
             <a:extLst>
               <a:ext uri="{91240B29-F687-4f45-9708-019B960494DF}">
-                <a14:hiddenLine xmlns:a14="http://schemas.microsoft.com/office/drawing/2010/main" xmlns="" w="9525">
+                <a14:hiddenLine xmlns="" xmlns:a14="http://schemas.microsoft.com/office/drawing/2010/main" w="9525">
                   <a:solidFill>
                     <a:srgbClr val="000000"/>
                   </a:solidFill>
@@ -3567,7 +3914,7 @@
             </a:ln>
             <a:extLst>
               <a:ext uri="{91240B29-F687-4f45-9708-019B960494DF}">
-                <a14:hiddenLine xmlns:a14="http://schemas.microsoft.com/office/drawing/2010/main" xmlns="" w="9525">
+                <a14:hiddenLine xmlns="" xmlns:a14="http://schemas.microsoft.com/office/drawing/2010/main" w="9525">
                   <a:solidFill>
                     <a:srgbClr val="000000"/>
                   </a:solidFill>
@@ -3657,7 +4004,7 @@
             </a:ln>
             <a:extLst>
               <a:ext uri="{91240B29-F687-4f45-9708-019B960494DF}">
-                <a14:hiddenLine xmlns:a14="http://schemas.microsoft.com/office/drawing/2010/main" xmlns="" w="9525">
+                <a14:hiddenLine xmlns="" xmlns:a14="http://schemas.microsoft.com/office/drawing/2010/main" w="9525">
                   <a:solidFill>
                     <a:srgbClr val="000000"/>
                   </a:solidFill>
@@ -3719,7 +4066,7 @@
             </a:ln>
             <a:extLst>
               <a:ext uri="{91240B29-F687-4f45-9708-019B960494DF}">
-                <a14:hiddenLine xmlns:a14="http://schemas.microsoft.com/office/drawing/2010/main" xmlns="" w="9525">
+                <a14:hiddenLine xmlns="" xmlns:a14="http://schemas.microsoft.com/office/drawing/2010/main" w="9525">
                   <a:solidFill>
                     <a:srgbClr val="000000"/>
                   </a:solidFill>
@@ -3809,7 +4156,7 @@
             </a:ln>
             <a:extLst>
               <a:ext uri="{91240B29-F687-4f45-9708-019B960494DF}">
-                <a14:hiddenLine xmlns:a14="http://schemas.microsoft.com/office/drawing/2010/main" xmlns="" w="9525">
+                <a14:hiddenLine xmlns="" xmlns:a14="http://schemas.microsoft.com/office/drawing/2010/main" w="9525">
                   <a:solidFill>
                     <a:srgbClr val="000000"/>
                   </a:solidFill>
@@ -3899,7 +4246,7 @@
             </a:ln>
             <a:extLst>
               <a:ext uri="{91240B29-F687-4f45-9708-019B960494DF}">
-                <a14:hiddenLine xmlns:a14="http://schemas.microsoft.com/office/drawing/2010/main" xmlns="" w="9525">
+                <a14:hiddenLine xmlns="" xmlns:a14="http://schemas.microsoft.com/office/drawing/2010/main" w="9525">
                   <a:solidFill>
                     <a:srgbClr val="000000"/>
                   </a:solidFill>
@@ -3955,7 +4302,7 @@
             </a:ln>
             <a:extLst>
               <a:ext uri="{91240B29-F687-4f45-9708-019B960494DF}">
-                <a14:hiddenLine xmlns:a14="http://schemas.microsoft.com/office/drawing/2010/main" xmlns="" w="9525">
+                <a14:hiddenLine xmlns="" xmlns:a14="http://schemas.microsoft.com/office/drawing/2010/main" w="9525">
                   <a:solidFill>
                     <a:srgbClr val="000000"/>
                   </a:solidFill>
@@ -4045,7 +4392,7 @@
             </a:ln>
             <a:extLst>
               <a:ext uri="{91240B29-F687-4f45-9708-019B960494DF}">
-                <a14:hiddenLine xmlns:a14="http://schemas.microsoft.com/office/drawing/2010/main" xmlns="" w="9525">
+                <a14:hiddenLine xmlns="" xmlns:a14="http://schemas.microsoft.com/office/drawing/2010/main" w="9525">
                   <a:solidFill>
                     <a:srgbClr val="000000"/>
                   </a:solidFill>
@@ -4101,7 +4448,7 @@
             </a:ln>
             <a:extLst>
               <a:ext uri="{91240B29-F687-4f45-9708-019B960494DF}">
-                <a14:hiddenLine xmlns:a14="http://schemas.microsoft.com/office/drawing/2010/main" xmlns="" w="9525">
+                <a14:hiddenLine xmlns="" xmlns:a14="http://schemas.microsoft.com/office/drawing/2010/main" w="9525">
                   <a:solidFill>
                     <a:srgbClr val="000000"/>
                   </a:solidFill>
@@ -4191,7 +4538,7 @@
             </a:ln>
             <a:extLst>
               <a:ext uri="{91240B29-F687-4f45-9708-019B960494DF}">
-                <a14:hiddenLine xmlns:a14="http://schemas.microsoft.com/office/drawing/2010/main" xmlns="" w="9525">
+                <a14:hiddenLine xmlns="" xmlns:a14="http://schemas.microsoft.com/office/drawing/2010/main" w="9525">
                   <a:solidFill>
                     <a:srgbClr val="000000"/>
                   </a:solidFill>
@@ -4259,7 +4606,7 @@
             </a:ln>
             <a:extLst>
               <a:ext uri="{91240B29-F687-4f45-9708-019B960494DF}">
-                <a14:hiddenLine xmlns:a14="http://schemas.microsoft.com/office/drawing/2010/main" xmlns="" w="9525">
+                <a14:hiddenLine xmlns="" xmlns:a14="http://schemas.microsoft.com/office/drawing/2010/main" w="9525">
                   <a:solidFill>
                     <a:srgbClr val="000000"/>
                   </a:solidFill>
@@ -4349,7 +4696,7 @@
             </a:ln>
             <a:extLst>
               <a:ext uri="{91240B29-F687-4f45-9708-019B960494DF}">
-                <a14:hiddenLine xmlns:a14="http://schemas.microsoft.com/office/drawing/2010/main" xmlns="" w="9525">
+                <a14:hiddenLine xmlns="" xmlns:a14="http://schemas.microsoft.com/office/drawing/2010/main" w="9525">
                   <a:solidFill>
                     <a:srgbClr val="000000"/>
                   </a:solidFill>
@@ -4417,7 +4764,7 @@
             </a:ln>
             <a:extLst>
               <a:ext uri="{91240B29-F687-4f45-9708-019B960494DF}">
-                <a14:hiddenLine xmlns:a14="http://schemas.microsoft.com/office/drawing/2010/main" xmlns="" w="9525">
+                <a14:hiddenLine xmlns="" xmlns:a14="http://schemas.microsoft.com/office/drawing/2010/main" w="9525">
                   <a:solidFill>
                     <a:srgbClr val="000000"/>
                   </a:solidFill>
@@ -4507,7 +4854,7 @@
             </a:ln>
             <a:extLst>
               <a:ext uri="{91240B29-F687-4f45-9708-019B960494DF}">
-                <a14:hiddenLine xmlns:a14="http://schemas.microsoft.com/office/drawing/2010/main" xmlns="" w="9525">
+                <a14:hiddenLine xmlns="" xmlns:a14="http://schemas.microsoft.com/office/drawing/2010/main" w="9525">
                   <a:solidFill>
                     <a:srgbClr val="000000"/>
                   </a:solidFill>
@@ -4541,7 +4888,7 @@
             </a:ln>
             <a:extLst>
               <a:ext uri="{91240B29-F687-4f45-9708-019B960494DF}">
-                <a14:hiddenLine xmlns:a14="http://schemas.microsoft.com/office/drawing/2010/main" xmlns="" w="9525">
+                <a14:hiddenLine xmlns="" xmlns:a14="http://schemas.microsoft.com/office/drawing/2010/main" w="9525">
                   <a:solidFill>
                     <a:srgbClr val="000000"/>
                   </a:solidFill>
@@ -4631,7 +4978,7 @@
             </a:ln>
             <a:extLst>
               <a:ext uri="{91240B29-F687-4f45-9708-019B960494DF}">
-                <a14:hiddenLine xmlns:a14="http://schemas.microsoft.com/office/drawing/2010/main" xmlns="" w="9525">
+                <a14:hiddenLine xmlns="" xmlns:a14="http://schemas.microsoft.com/office/drawing/2010/main" w="9525">
                   <a:solidFill>
                     <a:srgbClr val="000000"/>
                   </a:solidFill>
@@ -4693,7 +5040,7 @@
             </a:ln>
             <a:extLst>
               <a:ext uri="{91240B29-F687-4f45-9708-019B960494DF}">
-                <a14:hiddenLine xmlns:a14="http://schemas.microsoft.com/office/drawing/2010/main" xmlns="" w="9525">
+                <a14:hiddenLine xmlns="" xmlns:a14="http://schemas.microsoft.com/office/drawing/2010/main" w="9525">
                   <a:solidFill>
                     <a:srgbClr val="000000"/>
                   </a:solidFill>
@@ -4755,7 +5102,7 @@
             </a:ln>
             <a:extLst>
               <a:ext uri="{91240B29-F687-4f45-9708-019B960494DF}">
-                <a14:hiddenLine xmlns:a14="http://schemas.microsoft.com/office/drawing/2010/main" xmlns="" w="9525">
+                <a14:hiddenLine xmlns="" xmlns:a14="http://schemas.microsoft.com/office/drawing/2010/main" w="9525">
                   <a:solidFill>
                     <a:srgbClr val="000000"/>
                   </a:solidFill>
@@ -4845,7 +5192,7 @@
             </a:ln>
             <a:extLst>
               <a:ext uri="{91240B29-F687-4f45-9708-019B960494DF}">
-                <a14:hiddenLine xmlns:a14="http://schemas.microsoft.com/office/drawing/2010/main" xmlns="" w="9525">
+                <a14:hiddenLine xmlns="" xmlns:a14="http://schemas.microsoft.com/office/drawing/2010/main" w="9525">
                   <a:solidFill>
                     <a:srgbClr val="000000"/>
                   </a:solidFill>
@@ -4913,7 +5260,7 @@
             </a:ln>
             <a:extLst>
               <a:ext uri="{91240B29-F687-4f45-9708-019B960494DF}">
-                <a14:hiddenLine xmlns:a14="http://schemas.microsoft.com/office/drawing/2010/main" xmlns="" w="9525">
+                <a14:hiddenLine xmlns="" xmlns:a14="http://schemas.microsoft.com/office/drawing/2010/main" w="9525">
                   <a:solidFill>
                     <a:srgbClr val="000000"/>
                   </a:solidFill>
@@ -4975,7 +5322,7 @@
             </a:ln>
             <a:extLst>
               <a:ext uri="{91240B29-F687-4f45-9708-019B960494DF}">
-                <a14:hiddenLine xmlns:a14="http://schemas.microsoft.com/office/drawing/2010/main" xmlns="" w="9525">
+                <a14:hiddenLine xmlns="" xmlns:a14="http://schemas.microsoft.com/office/drawing/2010/main" w="9525">
                   <a:solidFill>
                     <a:srgbClr val="000000"/>
                   </a:solidFill>
@@ -5065,7 +5412,7 @@
             </a:ln>
             <a:extLst>
               <a:ext uri="{91240B29-F687-4f45-9708-019B960494DF}">
-                <a14:hiddenLine xmlns:a14="http://schemas.microsoft.com/office/drawing/2010/main" xmlns="" w="9525">
+                <a14:hiddenLine xmlns="" xmlns:a14="http://schemas.microsoft.com/office/drawing/2010/main" w="9525">
                   <a:solidFill>
                     <a:srgbClr val="000000"/>
                   </a:solidFill>
@@ -5127,7 +5474,7 @@
             </a:ln>
             <a:extLst>
               <a:ext uri="{91240B29-F687-4f45-9708-019B960494DF}">
-                <a14:hiddenLine xmlns:a14="http://schemas.microsoft.com/office/drawing/2010/main" xmlns="" w="9525">
+                <a14:hiddenLine xmlns="" xmlns:a14="http://schemas.microsoft.com/office/drawing/2010/main" w="9525">
                   <a:solidFill>
                     <a:srgbClr val="000000"/>
                   </a:solidFill>
@@ -5217,7 +5564,7 @@
             </a:ln>
             <a:extLst>
               <a:ext uri="{91240B29-F687-4f45-9708-019B960494DF}">
-                <a14:hiddenLine xmlns:a14="http://schemas.microsoft.com/office/drawing/2010/main" xmlns="" w="9525">
+                <a14:hiddenLine xmlns="" xmlns:a14="http://schemas.microsoft.com/office/drawing/2010/main" w="9525">
                   <a:solidFill>
                     <a:srgbClr val="000000"/>
                   </a:solidFill>
@@ -5279,7 +5626,7 @@
             </a:ln>
             <a:extLst>
               <a:ext uri="{91240B29-F687-4f45-9708-019B960494DF}">
-                <a14:hiddenLine xmlns:a14="http://schemas.microsoft.com/office/drawing/2010/main" xmlns="" w="9525">
+                <a14:hiddenLine xmlns="" xmlns:a14="http://schemas.microsoft.com/office/drawing/2010/main" w="9525">
                   <a:solidFill>
                     <a:srgbClr val="000000"/>
                   </a:solidFill>
@@ -5369,7 +5716,7 @@
             </a:ln>
             <a:extLst>
               <a:ext uri="{91240B29-F687-4f45-9708-019B960494DF}">
-                <a14:hiddenLine xmlns:a14="http://schemas.microsoft.com/office/drawing/2010/main" xmlns="" w="9525">
+                <a14:hiddenLine xmlns="" xmlns:a14="http://schemas.microsoft.com/office/drawing/2010/main" w="9525">
                   <a:solidFill>
                     <a:srgbClr val="000000"/>
                   </a:solidFill>
@@ -5403,7 +5750,7 @@
             </a:ln>
             <a:extLst>
               <a:ext uri="{91240B29-F687-4f45-9708-019B960494DF}">
-                <a14:hiddenLine xmlns:a14="http://schemas.microsoft.com/office/drawing/2010/main" xmlns="" w="9525">
+                <a14:hiddenLine xmlns="" xmlns:a14="http://schemas.microsoft.com/office/drawing/2010/main" w="9525">
                   <a:solidFill>
                     <a:srgbClr val="000000"/>
                   </a:solidFill>
@@ -5468,7 +5815,7 @@
             </a:ln>
             <a:extLst>
               <a:ext uri="{91240B29-F687-4f45-9708-019B960494DF}">
-                <a14:hiddenLine xmlns:a14="http://schemas.microsoft.com/office/drawing/2010/main" xmlns="" w="9525">
+                <a14:hiddenLine xmlns="" xmlns:a14="http://schemas.microsoft.com/office/drawing/2010/main" w="9525">
                   <a:solidFill>
                     <a:srgbClr val="000000"/>
                   </a:solidFill>
@@ -5558,7 +5905,7 @@
             </a:ln>
             <a:extLst>
               <a:ext uri="{91240B29-F687-4f45-9708-019B960494DF}">
-                <a14:hiddenLine xmlns:a14="http://schemas.microsoft.com/office/drawing/2010/main" xmlns="" w="9525">
+                <a14:hiddenLine xmlns="" xmlns:a14="http://schemas.microsoft.com/office/drawing/2010/main" w="9525">
                   <a:solidFill>
                     <a:srgbClr val="000000"/>
                   </a:solidFill>
@@ -5620,7 +5967,7 @@
             </a:ln>
             <a:extLst>
               <a:ext uri="{91240B29-F687-4f45-9708-019B960494DF}">
-                <a14:hiddenLine xmlns:a14="http://schemas.microsoft.com/office/drawing/2010/main" xmlns="" w="9525">
+                <a14:hiddenLine xmlns="" xmlns:a14="http://schemas.microsoft.com/office/drawing/2010/main" w="9525">
                   <a:solidFill>
                     <a:srgbClr val="000000"/>
                   </a:solidFill>
@@ -5710,7 +6057,7 @@
             </a:ln>
             <a:extLst>
               <a:ext uri="{91240B29-F687-4f45-9708-019B960494DF}">
-                <a14:hiddenLine xmlns:a14="http://schemas.microsoft.com/office/drawing/2010/main" xmlns="" w="9525">
+                <a14:hiddenLine xmlns="" xmlns:a14="http://schemas.microsoft.com/office/drawing/2010/main" w="9525">
                   <a:solidFill>
                     <a:srgbClr val="000000"/>
                   </a:solidFill>
@@ -5800,7 +6147,7 @@
             </a:ln>
             <a:extLst>
               <a:ext uri="{91240B29-F687-4f45-9708-019B960494DF}">
-                <a14:hiddenLine xmlns:a14="http://schemas.microsoft.com/office/drawing/2010/main" xmlns="" w="9525">
+                <a14:hiddenLine xmlns="" xmlns:a14="http://schemas.microsoft.com/office/drawing/2010/main" w="9525">
                   <a:solidFill>
                     <a:srgbClr val="000000"/>
                   </a:solidFill>
@@ -5865,7 +6212,7 @@
             </a:ln>
             <a:extLst>
               <a:ext uri="{91240B29-F687-4f45-9708-019B960494DF}">
-                <a14:hiddenLine xmlns:a14="http://schemas.microsoft.com/office/drawing/2010/main" xmlns="" w="9525">
+                <a14:hiddenLine xmlns="" xmlns:a14="http://schemas.microsoft.com/office/drawing/2010/main" w="9525">
                   <a:solidFill>
                     <a:srgbClr val="000000"/>
                   </a:solidFill>
@@ -5927,7 +6274,7 @@
             </a:ln>
             <a:extLst>
               <a:ext uri="{91240B29-F687-4f45-9708-019B960494DF}">
-                <a14:hiddenLine xmlns:a14="http://schemas.microsoft.com/office/drawing/2010/main" xmlns="" w="9525">
+                <a14:hiddenLine xmlns="" xmlns:a14="http://schemas.microsoft.com/office/drawing/2010/main" w="9525">
                   <a:solidFill>
                     <a:srgbClr val="000000"/>
                   </a:solidFill>
@@ -6017,7 +6364,7 @@
             </a:ln>
             <a:extLst>
               <a:ext uri="{91240B29-F687-4f45-9708-019B960494DF}">
-                <a14:hiddenLine xmlns:a14="http://schemas.microsoft.com/office/drawing/2010/main" xmlns="" w="9525">
+                <a14:hiddenLine xmlns="" xmlns:a14="http://schemas.microsoft.com/office/drawing/2010/main" w="9525">
                   <a:solidFill>
                     <a:srgbClr val="000000"/>
                   </a:solidFill>
@@ -6107,7 +6454,7 @@
             </a:ln>
             <a:extLst>
               <a:ext uri="{91240B29-F687-4f45-9708-019B960494DF}">
-                <a14:hiddenLine xmlns:a14="http://schemas.microsoft.com/office/drawing/2010/main" xmlns="" w="9525">
+                <a14:hiddenLine xmlns="" xmlns:a14="http://schemas.microsoft.com/office/drawing/2010/main" w="9525">
                   <a:solidFill>
                     <a:srgbClr val="000000"/>
                   </a:solidFill>
@@ -6169,7 +6516,7 @@
             </a:ln>
             <a:extLst>
               <a:ext uri="{91240B29-F687-4f45-9708-019B960494DF}">
-                <a14:hiddenLine xmlns:a14="http://schemas.microsoft.com/office/drawing/2010/main" xmlns="" w="9525">
+                <a14:hiddenLine xmlns="" xmlns:a14="http://schemas.microsoft.com/office/drawing/2010/main" w="9525">
                   <a:solidFill>
                     <a:srgbClr val="000000"/>
                   </a:solidFill>
@@ -6289,7 +6636,7 @@
             </a:ln>
             <a:extLst>
               <a:ext uri="{91240B29-F687-4f45-9708-019B960494DF}">
-                <a14:hiddenLine xmlns:a14="http://schemas.microsoft.com/office/drawing/2010/main" xmlns="" w="9525">
+                <a14:hiddenLine xmlns="" xmlns:a14="http://schemas.microsoft.com/office/drawing/2010/main" w="9525">
                   <a:solidFill>
                     <a:srgbClr val="000000"/>
                   </a:solidFill>
@@ -6357,7 +6704,7 @@
             </a:ln>
             <a:extLst>
               <a:ext uri="{91240B29-F687-4f45-9708-019B960494DF}">
-                <a14:hiddenLine xmlns:a14="http://schemas.microsoft.com/office/drawing/2010/main" xmlns="" w="9525">
+                <a14:hiddenLine xmlns="" xmlns:a14="http://schemas.microsoft.com/office/drawing/2010/main" w="9525">
                   <a:solidFill>
                     <a:srgbClr val="000000"/>
                   </a:solidFill>
@@ -6447,7 +6794,7 @@
             </a:ln>
             <a:extLst>
               <a:ext uri="{91240B29-F687-4f45-9708-019B960494DF}">
-                <a14:hiddenLine xmlns:a14="http://schemas.microsoft.com/office/drawing/2010/main" xmlns="" w="9525">
+                <a14:hiddenLine xmlns="" xmlns:a14="http://schemas.microsoft.com/office/drawing/2010/main" w="9525">
                   <a:solidFill>
                     <a:srgbClr val="000000"/>
                   </a:solidFill>
@@ -6587,7 +6934,7 @@
           <a:p>
             <a:fld id="{48A87A34-81AB-432B-8DAE-1953F412C126}" type="datetimeFigureOut">
               <a:rPr lang="en-US" dirty="0"/>
-              <a:t>3/31/2021</a:t>
+              <a:t>4/1/2021</a:t>
             </a:fld>
             <a:endParaRPr lang="en-US" dirty="0"/>
           </a:p>
@@ -6849,7 +7196,7 @@
           <a:p>
             <a:fld id="{48A87A34-81AB-432B-8DAE-1953F412C126}" type="datetimeFigureOut">
               <a:rPr lang="en-US" dirty="0"/>
-              <a:t>3/31/2021</a:t>
+              <a:t>4/1/2021</a:t>
             </a:fld>
             <a:endParaRPr lang="en-US" dirty="0"/>
           </a:p>
@@ -7040,7 +7387,7 @@
           <a:p>
             <a:fld id="{48A87A34-81AB-432B-8DAE-1953F412C126}" type="datetimeFigureOut">
               <a:rPr lang="en-US" dirty="0"/>
-              <a:t>3/31/2021</a:t>
+              <a:t>4/1/2021</a:t>
             </a:fld>
             <a:endParaRPr lang="en-US" dirty="0"/>
           </a:p>
@@ -7298,7 +7645,7 @@
           <a:p>
             <a:fld id="{48A87A34-81AB-432B-8DAE-1953F412C126}" type="datetimeFigureOut">
               <a:rPr lang="en-US" dirty="0"/>
-              <a:t>3/31/2021</a:t>
+              <a:t>4/1/2021</a:t>
             </a:fld>
             <a:endParaRPr lang="en-US" dirty="0"/>
           </a:p>
@@ -7727,7 +8074,7 @@
           <a:p>
             <a:fld id="{48A87A34-81AB-432B-8DAE-1953F412C126}" type="datetimeFigureOut">
               <a:rPr lang="en-US" dirty="0"/>
-              <a:t>3/31/2021</a:t>
+              <a:t>4/1/2021</a:t>
             </a:fld>
             <a:endParaRPr lang="en-US" dirty="0"/>
           </a:p>
@@ -8268,7 +8615,7 @@
           <a:p>
             <a:fld id="{48A87A34-81AB-432B-8DAE-1953F412C126}" type="datetimeFigureOut">
               <a:rPr lang="en-US" dirty="0"/>
-              <a:t>3/31/2021</a:t>
+              <a:t>4/1/2021</a:t>
             </a:fld>
             <a:endParaRPr lang="en-US" dirty="0"/>
           </a:p>
@@ -8983,7 +9330,7 @@
           <a:p>
             <a:fld id="{48A87A34-81AB-432B-8DAE-1953F412C126}" type="datetimeFigureOut">
               <a:rPr lang="en-US" dirty="0"/>
-              <a:t>3/31/2021</a:t>
+              <a:t>4/1/2021</a:t>
             </a:fld>
             <a:endParaRPr lang="en-US" dirty="0"/>
           </a:p>
@@ -9148,7 +9495,7 @@
           <a:p>
             <a:fld id="{48A87A34-81AB-432B-8DAE-1953F412C126}" type="datetimeFigureOut">
               <a:rPr lang="en-US" dirty="0"/>
-              <a:t>3/31/2021</a:t>
+              <a:t>4/1/2021</a:t>
             </a:fld>
             <a:endParaRPr lang="en-US" dirty="0"/>
           </a:p>
@@ -9323,7 +9670,7 @@
           <a:p>
             <a:fld id="{48A87A34-81AB-432B-8DAE-1953F412C126}" type="datetimeFigureOut">
               <a:rPr lang="en-US" dirty="0"/>
-              <a:t>3/31/2021</a:t>
+              <a:t>4/1/2021</a:t>
             </a:fld>
             <a:endParaRPr lang="en-US" dirty="0"/>
           </a:p>
@@ -9488,7 +9835,7 @@
           <a:p>
             <a:fld id="{48A87A34-81AB-432B-8DAE-1953F412C126}" type="datetimeFigureOut">
               <a:rPr lang="en-US" dirty="0"/>
-              <a:t>3/31/2021</a:t>
+              <a:t>4/1/2021</a:t>
             </a:fld>
             <a:endParaRPr lang="en-US" dirty="0"/>
           </a:p>
@@ -9733,7 +10080,7 @@
           <a:p>
             <a:fld id="{48A87A34-81AB-432B-8DAE-1953F412C126}" type="datetimeFigureOut">
               <a:rPr lang="en-US" dirty="0"/>
-              <a:t>3/31/2021</a:t>
+              <a:t>4/1/2021</a:t>
             </a:fld>
             <a:endParaRPr lang="en-US" dirty="0"/>
           </a:p>
@@ -9960,7 +10307,7 @@
           <a:p>
             <a:fld id="{48A87A34-81AB-432B-8DAE-1953F412C126}" type="datetimeFigureOut">
               <a:rPr lang="en-US" dirty="0"/>
-              <a:t>3/31/2021</a:t>
+              <a:t>4/1/2021</a:t>
             </a:fld>
             <a:endParaRPr lang="en-US" dirty="0"/>
           </a:p>
@@ -10336,7 +10683,7 @@
           <a:p>
             <a:fld id="{48A87A34-81AB-432B-8DAE-1953F412C126}" type="datetimeFigureOut">
               <a:rPr lang="en-US" dirty="0"/>
-              <a:t>3/31/2021</a:t>
+              <a:t>4/1/2021</a:t>
             </a:fld>
             <a:endParaRPr lang="en-US" dirty="0"/>
           </a:p>
@@ -10449,7 +10796,7 @@
           <a:p>
             <a:fld id="{48A87A34-81AB-432B-8DAE-1953F412C126}" type="datetimeFigureOut">
               <a:rPr lang="en-US" dirty="0"/>
-              <a:t>3/31/2021</a:t>
+              <a:t>4/1/2021</a:t>
             </a:fld>
             <a:endParaRPr lang="en-US" dirty="0"/>
           </a:p>
@@ -10539,7 +10886,7 @@
           <a:p>
             <a:fld id="{48A87A34-81AB-432B-8DAE-1953F412C126}" type="datetimeFigureOut">
               <a:rPr lang="en-US" dirty="0"/>
-              <a:t>3/31/2021</a:t>
+              <a:t>4/1/2021</a:t>
             </a:fld>
             <a:endParaRPr lang="en-US" dirty="0"/>
           </a:p>
@@ -10783,7 +11130,7 @@
           <a:p>
             <a:fld id="{48A87A34-81AB-432B-8DAE-1953F412C126}" type="datetimeFigureOut">
               <a:rPr lang="en-US" dirty="0"/>
-              <a:t>3/31/2021</a:t>
+              <a:t>4/1/2021</a:t>
             </a:fld>
             <a:endParaRPr lang="en-US" dirty="0"/>
           </a:p>
@@ -11058,7 +11405,7 @@
           <a:p>
             <a:fld id="{48A87A34-81AB-432B-8DAE-1953F412C126}" type="datetimeFigureOut">
               <a:rPr lang="en-US" dirty="0"/>
-              <a:t>3/31/2021</a:t>
+              <a:t>4/1/2021</a:t>
             </a:fld>
             <a:endParaRPr lang="en-US" dirty="0"/>
           </a:p>
@@ -11169,7 +11516,7 @@
           <a:noFill/>
           <a:extLst>
             <a:ext uri="{909E8E84-426E-40dd-AFC4-6F175D3DCCD1}">
-              <a14:hiddenFill xmlns:a14="http://schemas.microsoft.com/office/drawing/2010/main" xmlns="">
+              <a14:hiddenFill xmlns="" xmlns:a14="http://schemas.microsoft.com/office/drawing/2010/main">
                 <a:solidFill>
                   <a:srgbClr val="FFFFFF"/>
                 </a:solidFill>
@@ -11243,7 +11590,7 @@
               </a:ln>
               <a:extLst>
                 <a:ext uri="{91240B29-F687-4f45-9708-019B960494DF}">
-                  <a14:hiddenLine xmlns:a14="http://schemas.microsoft.com/office/drawing/2010/main" xmlns="" w="9525">
+                  <a14:hiddenLine xmlns="" xmlns:a14="http://schemas.microsoft.com/office/drawing/2010/main" w="9525">
                     <a:solidFill>
                       <a:srgbClr val="000000"/>
                     </a:solidFill>
@@ -11333,7 +11680,7 @@
               </a:ln>
               <a:extLst>
                 <a:ext uri="{91240B29-F687-4f45-9708-019B960494DF}">
-                  <a14:hiddenLine xmlns:a14="http://schemas.microsoft.com/office/drawing/2010/main" xmlns="" w="9525">
+                  <a14:hiddenLine xmlns="" xmlns:a14="http://schemas.microsoft.com/office/drawing/2010/main" w="9525">
                     <a:solidFill>
                       <a:srgbClr val="000000"/>
                     </a:solidFill>
@@ -11423,7 +11770,7 @@
               </a:ln>
               <a:extLst>
                 <a:ext uri="{91240B29-F687-4f45-9708-019B960494DF}">
-                  <a14:hiddenLine xmlns:a14="http://schemas.microsoft.com/office/drawing/2010/main" xmlns="" w="9525">
+                  <a14:hiddenLine xmlns="" xmlns:a14="http://schemas.microsoft.com/office/drawing/2010/main" w="9525">
                     <a:solidFill>
                       <a:srgbClr val="000000"/>
                     </a:solidFill>
@@ -11485,7 +11832,7 @@
               </a:ln>
               <a:extLst>
                 <a:ext uri="{91240B29-F687-4f45-9708-019B960494DF}">
-                  <a14:hiddenLine xmlns:a14="http://schemas.microsoft.com/office/drawing/2010/main" xmlns="" w="9525">
+                  <a14:hiddenLine xmlns="" xmlns:a14="http://schemas.microsoft.com/office/drawing/2010/main" w="9525">
                     <a:solidFill>
                       <a:srgbClr val="000000"/>
                     </a:solidFill>
@@ -11575,7 +11922,7 @@
               </a:ln>
               <a:extLst>
                 <a:ext uri="{91240B29-F687-4f45-9708-019B960494DF}">
-                  <a14:hiddenLine xmlns:a14="http://schemas.microsoft.com/office/drawing/2010/main" xmlns="" w="9525">
+                  <a14:hiddenLine xmlns="" xmlns:a14="http://schemas.microsoft.com/office/drawing/2010/main" w="9525">
                     <a:solidFill>
                       <a:srgbClr val="000000"/>
                     </a:solidFill>
@@ -11637,7 +11984,7 @@
               </a:ln>
               <a:extLst>
                 <a:ext uri="{91240B29-F687-4f45-9708-019B960494DF}">
-                  <a14:hiddenLine xmlns:a14="http://schemas.microsoft.com/office/drawing/2010/main" xmlns="" w="9525">
+                  <a14:hiddenLine xmlns="" xmlns:a14="http://schemas.microsoft.com/office/drawing/2010/main" w="9525">
                     <a:solidFill>
                       <a:srgbClr val="000000"/>
                     </a:solidFill>
@@ -11699,7 +12046,7 @@
               </a:ln>
               <a:extLst>
                 <a:ext uri="{91240B29-F687-4f45-9708-019B960494DF}">
-                  <a14:hiddenLine xmlns:a14="http://schemas.microsoft.com/office/drawing/2010/main" xmlns="" w="9525">
+                  <a14:hiddenLine xmlns="" xmlns:a14="http://schemas.microsoft.com/office/drawing/2010/main" w="9525">
                     <a:solidFill>
                       <a:srgbClr val="000000"/>
                     </a:solidFill>
@@ -11789,7 +12136,7 @@
               </a:ln>
               <a:extLst>
                 <a:ext uri="{91240B29-F687-4f45-9708-019B960494DF}">
-                  <a14:hiddenLine xmlns:a14="http://schemas.microsoft.com/office/drawing/2010/main" xmlns="" w="9525">
+                  <a14:hiddenLine xmlns="" xmlns:a14="http://schemas.microsoft.com/office/drawing/2010/main" w="9525">
                     <a:solidFill>
                       <a:srgbClr val="000000"/>
                     </a:solidFill>
@@ -11879,7 +12226,7 @@
               </a:ln>
               <a:extLst>
                 <a:ext uri="{91240B29-F687-4f45-9708-019B960494DF}">
-                  <a14:hiddenLine xmlns:a14="http://schemas.microsoft.com/office/drawing/2010/main" xmlns="" w="9525">
+                  <a14:hiddenLine xmlns="" xmlns:a14="http://schemas.microsoft.com/office/drawing/2010/main" w="9525">
                     <a:solidFill>
                       <a:srgbClr val="000000"/>
                     </a:solidFill>
@@ -11941,7 +12288,7 @@
               </a:ln>
               <a:extLst>
                 <a:ext uri="{91240B29-F687-4f45-9708-019B960494DF}">
-                  <a14:hiddenLine xmlns:a14="http://schemas.microsoft.com/office/drawing/2010/main" xmlns="" w="9525">
+                  <a14:hiddenLine xmlns="" xmlns:a14="http://schemas.microsoft.com/office/drawing/2010/main" w="9525">
                     <a:solidFill>
                       <a:srgbClr val="000000"/>
                     </a:solidFill>
@@ -12051,7 +12398,7 @@
               </a:ln>
               <a:extLst>
                 <a:ext uri="{91240B29-F687-4f45-9708-019B960494DF}">
-                  <a14:hiddenLine xmlns:a14="http://schemas.microsoft.com/office/drawing/2010/main" xmlns="" w="9525">
+                  <a14:hiddenLine xmlns="" xmlns:a14="http://schemas.microsoft.com/office/drawing/2010/main" w="9525">
                     <a:solidFill>
                       <a:srgbClr val="000000"/>
                     </a:solidFill>
@@ -12135,7 +12482,7 @@
               </a:ln>
               <a:extLst>
                 <a:ext uri="{91240B29-F687-4f45-9708-019B960494DF}">
-                  <a14:hiddenLine xmlns:a14="http://schemas.microsoft.com/office/drawing/2010/main" xmlns="" w="9525">
+                  <a14:hiddenLine xmlns="" xmlns:a14="http://schemas.microsoft.com/office/drawing/2010/main" w="9525">
                     <a:solidFill>
                       <a:srgbClr val="000000"/>
                     </a:solidFill>
@@ -12197,7 +12544,7 @@
               </a:ln>
               <a:extLst>
                 <a:ext uri="{91240B29-F687-4f45-9708-019B960494DF}">
-                  <a14:hiddenLine xmlns:a14="http://schemas.microsoft.com/office/drawing/2010/main" xmlns="" w="9525">
+                  <a14:hiddenLine xmlns="" xmlns:a14="http://schemas.microsoft.com/office/drawing/2010/main" w="9525">
                     <a:solidFill>
                       <a:srgbClr val="000000"/>
                     </a:solidFill>
@@ -12259,7 +12606,7 @@
               </a:ln>
               <a:extLst>
                 <a:ext uri="{91240B29-F687-4f45-9708-019B960494DF}">
-                  <a14:hiddenLine xmlns:a14="http://schemas.microsoft.com/office/drawing/2010/main" xmlns="" w="9525">
+                  <a14:hiddenLine xmlns="" xmlns:a14="http://schemas.microsoft.com/office/drawing/2010/main" w="9525">
                     <a:solidFill>
                       <a:srgbClr val="000000"/>
                     </a:solidFill>
@@ -12349,7 +12696,7 @@
               </a:ln>
               <a:extLst>
                 <a:ext uri="{91240B29-F687-4f45-9708-019B960494DF}">
-                  <a14:hiddenLine xmlns:a14="http://schemas.microsoft.com/office/drawing/2010/main" xmlns="" w="9525">
+                  <a14:hiddenLine xmlns="" xmlns:a14="http://schemas.microsoft.com/office/drawing/2010/main" w="9525">
                     <a:solidFill>
                       <a:srgbClr val="000000"/>
                     </a:solidFill>
@@ -12383,7 +12730,7 @@
               </a:ln>
               <a:extLst>
                 <a:ext uri="{91240B29-F687-4f45-9708-019B960494DF}">
-                  <a14:hiddenLine xmlns:a14="http://schemas.microsoft.com/office/drawing/2010/main" xmlns="" w="9525">
+                  <a14:hiddenLine xmlns="" xmlns:a14="http://schemas.microsoft.com/office/drawing/2010/main" w="9525">
                     <a:solidFill>
                       <a:srgbClr val="000000"/>
                     </a:solidFill>
@@ -12448,7 +12795,7 @@
               </a:ln>
               <a:extLst>
                 <a:ext uri="{91240B29-F687-4f45-9708-019B960494DF}">
-                  <a14:hiddenLine xmlns:a14="http://schemas.microsoft.com/office/drawing/2010/main" xmlns="" w="9525">
+                  <a14:hiddenLine xmlns="" xmlns:a14="http://schemas.microsoft.com/office/drawing/2010/main" w="9525">
                     <a:solidFill>
                       <a:srgbClr val="000000"/>
                     </a:solidFill>
@@ -12538,7 +12885,7 @@
               </a:ln>
               <a:extLst>
                 <a:ext uri="{91240B29-F687-4f45-9708-019B960494DF}">
-                  <a14:hiddenLine xmlns:a14="http://schemas.microsoft.com/office/drawing/2010/main" xmlns="" w="9525">
+                  <a14:hiddenLine xmlns="" xmlns:a14="http://schemas.microsoft.com/office/drawing/2010/main" w="9525">
                     <a:solidFill>
                       <a:srgbClr val="000000"/>
                     </a:solidFill>
@@ -12600,7 +12947,7 @@
               </a:ln>
               <a:extLst>
                 <a:ext uri="{91240B29-F687-4f45-9708-019B960494DF}">
-                  <a14:hiddenLine xmlns:a14="http://schemas.microsoft.com/office/drawing/2010/main" xmlns="" w="9525">
+                  <a14:hiddenLine xmlns="" xmlns:a14="http://schemas.microsoft.com/office/drawing/2010/main" w="9525">
                     <a:solidFill>
                       <a:srgbClr val="000000"/>
                     </a:solidFill>
@@ -12690,7 +13037,7 @@
               </a:ln>
               <a:extLst>
                 <a:ext uri="{91240B29-F687-4f45-9708-019B960494DF}">
-                  <a14:hiddenLine xmlns:a14="http://schemas.microsoft.com/office/drawing/2010/main" xmlns="" w="9525">
+                  <a14:hiddenLine xmlns="" xmlns:a14="http://schemas.microsoft.com/office/drawing/2010/main" w="9525">
                     <a:solidFill>
                       <a:srgbClr val="000000"/>
                     </a:solidFill>
@@ -12755,7 +13102,7 @@
               </a:ln>
               <a:extLst>
                 <a:ext uri="{91240B29-F687-4f45-9708-019B960494DF}">
-                  <a14:hiddenLine xmlns:a14="http://schemas.microsoft.com/office/drawing/2010/main" xmlns="" w="9525">
+                  <a14:hiddenLine xmlns="" xmlns:a14="http://schemas.microsoft.com/office/drawing/2010/main" w="9525">
                     <a:solidFill>
                       <a:srgbClr val="000000"/>
                     </a:solidFill>
@@ -12817,7 +13164,7 @@
               </a:ln>
               <a:extLst>
                 <a:ext uri="{91240B29-F687-4f45-9708-019B960494DF}">
-                  <a14:hiddenLine xmlns:a14="http://schemas.microsoft.com/office/drawing/2010/main" xmlns="" w="9525">
+                  <a14:hiddenLine xmlns="" xmlns:a14="http://schemas.microsoft.com/office/drawing/2010/main" w="9525">
                     <a:solidFill>
                       <a:srgbClr val="000000"/>
                     </a:solidFill>
@@ -12907,7 +13254,7 @@
               </a:ln>
               <a:extLst>
                 <a:ext uri="{91240B29-F687-4f45-9708-019B960494DF}">
-                  <a14:hiddenLine xmlns:a14="http://schemas.microsoft.com/office/drawing/2010/main" xmlns="" w="9525">
+                  <a14:hiddenLine xmlns="" xmlns:a14="http://schemas.microsoft.com/office/drawing/2010/main" w="9525">
                     <a:solidFill>
                       <a:srgbClr val="000000"/>
                     </a:solidFill>
@@ -12997,7 +13344,7 @@
               </a:ln>
               <a:extLst>
                 <a:ext uri="{91240B29-F687-4f45-9708-019B960494DF}">
-                  <a14:hiddenLine xmlns:a14="http://schemas.microsoft.com/office/drawing/2010/main" xmlns="" w="9525">
+                  <a14:hiddenLine xmlns="" xmlns:a14="http://schemas.microsoft.com/office/drawing/2010/main" w="9525">
                     <a:solidFill>
                       <a:srgbClr val="000000"/>
                     </a:solidFill>
@@ -13062,7 +13409,7 @@
               </a:ln>
               <a:extLst>
                 <a:ext uri="{91240B29-F687-4f45-9708-019B960494DF}">
-                  <a14:hiddenLine xmlns:a14="http://schemas.microsoft.com/office/drawing/2010/main" xmlns="" w="9525">
+                  <a14:hiddenLine xmlns="" xmlns:a14="http://schemas.microsoft.com/office/drawing/2010/main" w="9525">
                     <a:solidFill>
                       <a:srgbClr val="000000"/>
                     </a:solidFill>
@@ -13182,7 +13529,7 @@
               </a:ln>
               <a:extLst>
                 <a:ext uri="{91240B29-F687-4f45-9708-019B960494DF}">
-                  <a14:hiddenLine xmlns:a14="http://schemas.microsoft.com/office/drawing/2010/main" xmlns="" w="9525">
+                  <a14:hiddenLine xmlns="" xmlns:a14="http://schemas.microsoft.com/office/drawing/2010/main" w="9525">
                     <a:solidFill>
                       <a:srgbClr val="000000"/>
                     </a:solidFill>
@@ -13280,7 +13627,7 @@
               </a:ln>
               <a:extLst>
                 <a:ext uri="{91240B29-F687-4f45-9708-019B960494DF}">
-                  <a14:hiddenLine xmlns:a14="http://schemas.microsoft.com/office/drawing/2010/main" xmlns="" w="9525">
+                  <a14:hiddenLine xmlns="" xmlns:a14="http://schemas.microsoft.com/office/drawing/2010/main" w="9525">
                     <a:solidFill>
                       <a:srgbClr val="000000"/>
                     </a:solidFill>
@@ -13395,7 +13742,7 @@
               </a:ln>
               <a:extLst>
                 <a:ext uri="{91240B29-F687-4f45-9708-019B960494DF}">
-                  <a14:hiddenLine xmlns:a14="http://schemas.microsoft.com/office/drawing/2010/main" xmlns="" w="9525">
+                  <a14:hiddenLine xmlns="" xmlns:a14="http://schemas.microsoft.com/office/drawing/2010/main" w="9525">
                     <a:solidFill>
                       <a:srgbClr val="000000"/>
                     </a:solidFill>
@@ -13485,7 +13832,7 @@
               </a:ln>
               <a:extLst>
                 <a:ext uri="{91240B29-F687-4f45-9708-019B960494DF}">
-                  <a14:hiddenLine xmlns:a14="http://schemas.microsoft.com/office/drawing/2010/main" xmlns="" w="9525">
+                  <a14:hiddenLine xmlns="" xmlns:a14="http://schemas.microsoft.com/office/drawing/2010/main" w="9525">
                     <a:solidFill>
                       <a:srgbClr val="000000"/>
                     </a:solidFill>
@@ -13550,7 +13897,7 @@
               </a:ln>
               <a:extLst>
                 <a:ext uri="{91240B29-F687-4f45-9708-019B960494DF}">
-                  <a14:hiddenLine xmlns:a14="http://schemas.microsoft.com/office/drawing/2010/main" xmlns="" w="9525">
+                  <a14:hiddenLine xmlns="" xmlns:a14="http://schemas.microsoft.com/office/drawing/2010/main" w="9525">
                     <a:solidFill>
                       <a:srgbClr val="000000"/>
                     </a:solidFill>
@@ -13640,7 +13987,7 @@
               </a:ln>
               <a:extLst>
                 <a:ext uri="{91240B29-F687-4f45-9708-019B960494DF}">
-                  <a14:hiddenLine xmlns:a14="http://schemas.microsoft.com/office/drawing/2010/main" xmlns="" w="9525">
+                  <a14:hiddenLine xmlns="" xmlns:a14="http://schemas.microsoft.com/office/drawing/2010/main" w="9525">
                     <a:solidFill>
                       <a:srgbClr val="000000"/>
                     </a:solidFill>
@@ -13708,7 +14055,7 @@
               </a:ln>
               <a:extLst>
                 <a:ext uri="{91240B29-F687-4f45-9708-019B960494DF}">
-                  <a14:hiddenLine xmlns:a14="http://schemas.microsoft.com/office/drawing/2010/main" xmlns="" w="9525">
+                  <a14:hiddenLine xmlns="" xmlns:a14="http://schemas.microsoft.com/office/drawing/2010/main" w="9525">
                     <a:solidFill>
                       <a:srgbClr val="000000"/>
                     </a:solidFill>
@@ -13798,7 +14145,7 @@
               </a:ln>
               <a:extLst>
                 <a:ext uri="{91240B29-F687-4f45-9708-019B960494DF}">
-                  <a14:hiddenLine xmlns:a14="http://schemas.microsoft.com/office/drawing/2010/main" xmlns="" w="9525">
+                  <a14:hiddenLine xmlns="" xmlns:a14="http://schemas.microsoft.com/office/drawing/2010/main" w="9525">
                     <a:solidFill>
                       <a:srgbClr val="000000"/>
                     </a:solidFill>
@@ -13866,7 +14213,7 @@
               </a:ln>
               <a:extLst>
                 <a:ext uri="{91240B29-F687-4f45-9708-019B960494DF}">
-                  <a14:hiddenLine xmlns:a14="http://schemas.microsoft.com/office/drawing/2010/main" xmlns="" w="9525">
+                  <a14:hiddenLine xmlns="" xmlns:a14="http://schemas.microsoft.com/office/drawing/2010/main" w="9525">
                     <a:solidFill>
                       <a:srgbClr val="000000"/>
                     </a:solidFill>
@@ -13956,7 +14303,7 @@
               </a:ln>
               <a:extLst>
                 <a:ext uri="{91240B29-F687-4f45-9708-019B960494DF}">
-                  <a14:hiddenLine xmlns:a14="http://schemas.microsoft.com/office/drawing/2010/main" xmlns="" w="9525">
+                  <a14:hiddenLine xmlns="" xmlns:a14="http://schemas.microsoft.com/office/drawing/2010/main" w="9525">
                     <a:solidFill>
                       <a:srgbClr val="000000"/>
                     </a:solidFill>
@@ -13990,7 +14337,7 @@
               </a:ln>
               <a:extLst>
                 <a:ext uri="{91240B29-F687-4f45-9708-019B960494DF}">
-                  <a14:hiddenLine xmlns:a14="http://schemas.microsoft.com/office/drawing/2010/main" xmlns="" w="9525">
+                  <a14:hiddenLine xmlns="" xmlns:a14="http://schemas.microsoft.com/office/drawing/2010/main" w="9525">
                     <a:solidFill>
                       <a:srgbClr val="000000"/>
                     </a:solidFill>
@@ -14131,7 +14478,7 @@
             <a:fld id="{48A87A34-81AB-432B-8DAE-1953F412C126}" type="datetimeFigureOut">
               <a:rPr lang="en-US" dirty="0"/>
               <a:pPr/>
-              <a:t>3/31/2021</a:t>
+              <a:t>4/1/2021</a:t>
             </a:fld>
             <a:endParaRPr lang="en-US" dirty="0"/>
           </a:p>
@@ -15399,7 +15746,15 @@
           <a:p>
             <a:r>
               <a:rPr lang="pl-PL" dirty="0"/>
-              <a:t>Pętle standardowe oraz funkcyjne</a:t>
+              <a:t>Pętle standardowe oraz funkcyjne (</a:t>
+            </a:r>
+            <a:r>
+              <a:rPr lang="pl-PL" dirty="0" err="1"/>
+              <a:t>foreach</a:t>
+            </a:r>
+            <a:r>
+              <a:rPr lang="pl-PL" dirty="0"/>
+              <a:t>)</a:t>
             </a:r>
           </a:p>
           <a:p>
